--- a/Presentation_Gianvenuti.pptx
+++ b/Presentation_Gianvenuti.pptx
@@ -9,35 +9,41 @@
     <p:sldMasterId id="2147483692" r:id="rId8"/>
   </p:sldMasterIdLst>
   <p:notesMasterIdLst>
-    <p:notesMasterId r:id="rId17"/>
+    <p:notesMasterId r:id="rId23"/>
   </p:notesMasterIdLst>
   <p:handoutMasterIdLst>
-    <p:handoutMasterId r:id="rId18"/>
+    <p:handoutMasterId r:id="rId24"/>
   </p:handoutMasterIdLst>
   <p:sldIdLst>
     <p:sldId id="556" r:id="rId9"/>
     <p:sldId id="562" r:id="rId10"/>
     <p:sldId id="560" r:id="rId11"/>
     <p:sldId id="557" r:id="rId12"/>
-    <p:sldId id="555" r:id="rId13"/>
-    <p:sldId id="559" r:id="rId14"/>
-    <p:sldId id="561" r:id="rId15"/>
-    <p:sldId id="563" r:id="rId16"/>
+    <p:sldId id="559" r:id="rId13"/>
+    <p:sldId id="555" r:id="rId14"/>
+    <p:sldId id="564" r:id="rId15"/>
+    <p:sldId id="565" r:id="rId16"/>
+    <p:sldId id="570" r:id="rId17"/>
+    <p:sldId id="568" r:id="rId18"/>
+    <p:sldId id="569" r:id="rId19"/>
+    <p:sldId id="567" r:id="rId20"/>
+    <p:sldId id="566" r:id="rId21"/>
+    <p:sldId id="563" r:id="rId22"/>
   </p:sldIdLst>
   <p:sldSz cx="9144000" cy="5143500" type="screen16x9"/>
   <p:notesSz cx="6808788" cy="9940925"/>
   <p:embeddedFontLst>
     <p:embeddedFont>
       <p:font typeface="Lato" panose="020F0502020204030203" pitchFamily="34" charset="0"/>
-      <p:regular r:id="rId19"/>
-      <p:bold r:id="rId20"/>
-      <p:italic r:id="rId21"/>
-      <p:boldItalic r:id="rId22"/>
+      <p:regular r:id="rId25"/>
+      <p:bold r:id="rId26"/>
+      <p:italic r:id="rId27"/>
+      <p:boldItalic r:id="rId28"/>
     </p:embeddedFont>
     <p:embeddedFont>
       <p:font typeface="Lato Medium" panose="020F0502020204030203" pitchFamily="34" charset="0"/>
-      <p:regular r:id="rId23"/>
-      <p:italic r:id="rId24"/>
+      <p:regular r:id="rId29"/>
+      <p:italic r:id="rId30"/>
     </p:embeddedFont>
   </p:embeddedFontLst>
   <p:defaultTextStyle>
@@ -155,6 +161,2002 @@
     </p:ext>
   </p:extLst>
 </p:presentation>
+</file>
+
+<file path=ppt/charts/chart1.xml><?xml version="1.0" encoding="utf-8"?>
+<c:chartSpace xmlns:c="http://schemas.openxmlformats.org/drawingml/2006/chart" xmlns:a="http://schemas.openxmlformats.org/drawingml/2006/main" xmlns:r="http://schemas.openxmlformats.org/officeDocument/2006/relationships" xmlns:c16r2="http://schemas.microsoft.com/office/drawing/2015/06/chart">
+  <c:date1904 val="0"/>
+  <c:lang val="en-GB"/>
+  <c:roundedCorners val="0"/>
+  <mc:AlternateContent xmlns:mc="http://schemas.openxmlformats.org/markup-compatibility/2006">
+    <mc:Choice xmlns:c14="http://schemas.microsoft.com/office/drawing/2007/8/2/chart" Requires="c14">
+      <c14:style val="102"/>
+    </mc:Choice>
+    <mc:Fallback>
+      <c:style val="2"/>
+    </mc:Fallback>
+  </mc:AlternateContent>
+  <c:chart>
+    <c:title>
+      <c:tx>
+        <c:rich>
+          <a:bodyPr rot="0" spcFirstLastPara="1" vertOverflow="ellipsis" vert="horz" wrap="square" anchor="ctr" anchorCtr="1"/>
+          <a:lstStyle/>
+          <a:p>
+            <a:pPr>
+              <a:defRPr sz="1400" b="0" i="0" u="none" strike="noStrike" kern="1200" spc="0" baseline="0">
+                <a:solidFill>
+                  <a:schemeClr val="tx1">
+                    <a:lumMod val="65000"/>
+                    <a:lumOff val="35000"/>
+                  </a:schemeClr>
+                </a:solidFill>
+                <a:latin typeface="+mn-lt"/>
+                <a:ea typeface="+mn-ea"/>
+                <a:cs typeface="+mn-cs"/>
+              </a:defRPr>
+            </a:pPr>
+            <a:r>
+              <a:rPr lang="en-GB"/>
+              <a:t>Accuracy</a:t>
+            </a:r>
+          </a:p>
+        </c:rich>
+      </c:tx>
+      <c:overlay val="0"/>
+      <c:spPr>
+        <a:noFill/>
+        <a:ln>
+          <a:noFill/>
+        </a:ln>
+        <a:effectLst/>
+      </c:spPr>
+      <c:txPr>
+        <a:bodyPr rot="0" spcFirstLastPara="1" vertOverflow="ellipsis" vert="horz" wrap="square" anchor="ctr" anchorCtr="1"/>
+        <a:lstStyle/>
+        <a:p>
+          <a:pPr>
+            <a:defRPr sz="1400" b="0" i="0" u="none" strike="noStrike" kern="1200" spc="0" baseline="0">
+              <a:solidFill>
+                <a:schemeClr val="tx1">
+                  <a:lumMod val="65000"/>
+                  <a:lumOff val="35000"/>
+                </a:schemeClr>
+              </a:solidFill>
+              <a:latin typeface="+mn-lt"/>
+              <a:ea typeface="+mn-ea"/>
+              <a:cs typeface="+mn-cs"/>
+            </a:defRPr>
+          </a:pPr>
+          <a:endParaRPr lang="en-US"/>
+        </a:p>
+      </c:txPr>
+    </c:title>
+    <c:autoTitleDeleted val="0"/>
+    <c:view3D>
+      <c:rotX val="15"/>
+      <c:rotY val="20"/>
+      <c:rAngAx val="0"/>
+    </c:view3D>
+    <c:floor>
+      <c:thickness val="0"/>
+      <c:spPr>
+        <a:noFill/>
+        <a:ln>
+          <a:noFill/>
+        </a:ln>
+        <a:effectLst/>
+        <a:sp3d/>
+      </c:spPr>
+    </c:floor>
+    <c:sideWall>
+      <c:thickness val="0"/>
+      <c:spPr>
+        <a:noFill/>
+        <a:ln>
+          <a:noFill/>
+        </a:ln>
+        <a:effectLst/>
+        <a:sp3d/>
+      </c:spPr>
+    </c:sideWall>
+    <c:backWall>
+      <c:thickness val="0"/>
+      <c:spPr>
+        <a:noFill/>
+        <a:ln>
+          <a:noFill/>
+        </a:ln>
+        <a:effectLst/>
+        <a:sp3d/>
+      </c:spPr>
+    </c:backWall>
+    <c:plotArea>
+      <c:layout/>
+      <c:bar3DChart>
+        <c:barDir val="col"/>
+        <c:grouping val="clustered"/>
+        <c:varyColors val="0"/>
+        <c:ser>
+          <c:idx val="0"/>
+          <c:order val="0"/>
+          <c:tx>
+            <c:strRef>
+              <c:f>Sheet1!$B$87</c:f>
+              <c:strCache>
+                <c:ptCount val="1"/>
+                <c:pt idx="0">
+                  <c:v>Llama</c:v>
+                </c:pt>
+              </c:strCache>
+            </c:strRef>
+          </c:tx>
+          <c:spPr>
+            <a:solidFill>
+              <a:schemeClr val="accent1"/>
+            </a:solidFill>
+            <a:ln>
+              <a:noFill/>
+            </a:ln>
+            <a:effectLst/>
+            <a:sp3d/>
+          </c:spPr>
+          <c:invertIfNegative val="0"/>
+          <c:val>
+            <c:numRef>
+              <c:f>Sheet1!$D$86:$D$90</c:f>
+              <c:numCache>
+                <c:formatCode>General</c:formatCode>
+                <c:ptCount val="5"/>
+                <c:pt idx="0">
+                  <c:v>80</c:v>
+                </c:pt>
+                <c:pt idx="1">
+                  <c:v>83.3</c:v>
+                </c:pt>
+                <c:pt idx="2">
+                  <c:v>73.3</c:v>
+                </c:pt>
+                <c:pt idx="3">
+                  <c:v>83.3</c:v>
+                </c:pt>
+                <c:pt idx="4">
+                  <c:v>90</c:v>
+                </c:pt>
+              </c:numCache>
+            </c:numRef>
+          </c:val>
+          <c:extLst>
+            <c:ext xmlns:c16="http://schemas.microsoft.com/office/drawing/2014/chart" uri="{C3380CC4-5D6E-409C-BE32-E72D297353CC}">
+              <c16:uniqueId val="{00000000-5FAF-458A-B215-89A63ECC7D68}"/>
+            </c:ext>
+          </c:extLst>
+        </c:ser>
+        <c:ser>
+          <c:idx val="1"/>
+          <c:order val="1"/>
+          <c:tx>
+            <c:strRef>
+              <c:f>Sheet1!$B$93</c:f>
+              <c:strCache>
+                <c:ptCount val="1"/>
+                <c:pt idx="0">
+                  <c:v>Phi</c:v>
+                </c:pt>
+              </c:strCache>
+            </c:strRef>
+          </c:tx>
+          <c:spPr>
+            <a:solidFill>
+              <a:schemeClr val="accent2"/>
+            </a:solidFill>
+            <a:ln>
+              <a:noFill/>
+            </a:ln>
+            <a:effectLst/>
+            <a:sp3d/>
+          </c:spPr>
+          <c:invertIfNegative val="0"/>
+          <c:val>
+            <c:numRef>
+              <c:f>Sheet1!$D$91:$D$95</c:f>
+              <c:numCache>
+                <c:formatCode>General</c:formatCode>
+                <c:ptCount val="5"/>
+                <c:pt idx="0">
+                  <c:v>96.7</c:v>
+                </c:pt>
+                <c:pt idx="1">
+                  <c:v>90</c:v>
+                </c:pt>
+                <c:pt idx="2">
+                  <c:v>84</c:v>
+                </c:pt>
+              </c:numCache>
+            </c:numRef>
+          </c:val>
+          <c:extLst>
+            <c:ext xmlns:c16="http://schemas.microsoft.com/office/drawing/2014/chart" uri="{C3380CC4-5D6E-409C-BE32-E72D297353CC}">
+              <c16:uniqueId val="{00000001-5FAF-458A-B215-89A63ECC7D68}"/>
+            </c:ext>
+          </c:extLst>
+        </c:ser>
+        <c:ser>
+          <c:idx val="2"/>
+          <c:order val="2"/>
+          <c:tx>
+            <c:strRef>
+              <c:f>Sheet1!$B$99</c:f>
+              <c:strCache>
+                <c:ptCount val="1"/>
+                <c:pt idx="0">
+                  <c:v>Mistral</c:v>
+                </c:pt>
+              </c:strCache>
+            </c:strRef>
+          </c:tx>
+          <c:spPr>
+            <a:solidFill>
+              <a:schemeClr val="accent3"/>
+            </a:solidFill>
+            <a:ln>
+              <a:noFill/>
+            </a:ln>
+            <a:effectLst/>
+            <a:sp3d/>
+          </c:spPr>
+          <c:invertIfNegative val="0"/>
+          <c:val>
+            <c:numRef>
+              <c:f>Sheet1!$D$96:$D$100</c:f>
+              <c:numCache>
+                <c:formatCode>General</c:formatCode>
+                <c:ptCount val="5"/>
+                <c:pt idx="0">
+                  <c:v>76</c:v>
+                </c:pt>
+                <c:pt idx="1">
+                  <c:v>64</c:v>
+                </c:pt>
+                <c:pt idx="2">
+                  <c:v>72</c:v>
+                </c:pt>
+                <c:pt idx="3">
+                  <c:v>72</c:v>
+                </c:pt>
+                <c:pt idx="4">
+                  <c:v>92</c:v>
+                </c:pt>
+              </c:numCache>
+            </c:numRef>
+          </c:val>
+          <c:extLst>
+            <c:ext xmlns:c16="http://schemas.microsoft.com/office/drawing/2014/chart" uri="{C3380CC4-5D6E-409C-BE32-E72D297353CC}">
+              <c16:uniqueId val="{00000002-5FAF-458A-B215-89A63ECC7D68}"/>
+            </c:ext>
+          </c:extLst>
+        </c:ser>
+        <c:dLbls>
+          <c:showLegendKey val="0"/>
+          <c:showVal val="0"/>
+          <c:showCatName val="0"/>
+          <c:showSerName val="0"/>
+          <c:showPercent val="0"/>
+          <c:showBubbleSize val="0"/>
+        </c:dLbls>
+        <c:gapWidth val="219"/>
+        <c:shape val="box"/>
+        <c:axId val="1820477648"/>
+        <c:axId val="1820478128"/>
+        <c:axId val="0"/>
+      </c:bar3DChart>
+      <c:catAx>
+        <c:axId val="1820477648"/>
+        <c:scaling>
+          <c:orientation val="minMax"/>
+        </c:scaling>
+        <c:delete val="0"/>
+        <c:axPos val="b"/>
+        <c:majorTickMark val="none"/>
+        <c:minorTickMark val="none"/>
+        <c:tickLblPos val="nextTo"/>
+        <c:spPr>
+          <a:noFill/>
+          <a:ln w="9525" cap="flat" cmpd="sng" algn="ctr">
+            <a:solidFill>
+              <a:schemeClr val="tx1">
+                <a:lumMod val="15000"/>
+                <a:lumOff val="85000"/>
+              </a:schemeClr>
+            </a:solidFill>
+            <a:round/>
+          </a:ln>
+          <a:effectLst/>
+        </c:spPr>
+        <c:txPr>
+          <a:bodyPr rot="-60000000" spcFirstLastPara="1" vertOverflow="ellipsis" vert="horz" wrap="square" anchor="ctr" anchorCtr="1"/>
+          <a:lstStyle/>
+          <a:p>
+            <a:pPr>
+              <a:defRPr sz="900" b="0" i="0" u="none" strike="noStrike" kern="1200" baseline="0">
+                <a:solidFill>
+                  <a:schemeClr val="tx1">
+                    <a:lumMod val="65000"/>
+                    <a:lumOff val="35000"/>
+                  </a:schemeClr>
+                </a:solidFill>
+                <a:latin typeface="+mn-lt"/>
+                <a:ea typeface="+mn-ea"/>
+                <a:cs typeface="+mn-cs"/>
+              </a:defRPr>
+            </a:pPr>
+            <a:endParaRPr lang="en-US"/>
+          </a:p>
+        </c:txPr>
+        <c:crossAx val="1820478128"/>
+        <c:crosses val="autoZero"/>
+        <c:auto val="1"/>
+        <c:lblAlgn val="ctr"/>
+        <c:lblOffset val="100"/>
+        <c:noMultiLvlLbl val="0"/>
+      </c:catAx>
+      <c:valAx>
+        <c:axId val="1820478128"/>
+        <c:scaling>
+          <c:orientation val="minMax"/>
+        </c:scaling>
+        <c:delete val="0"/>
+        <c:axPos val="l"/>
+        <c:majorGridlines>
+          <c:spPr>
+            <a:ln w="9525" cap="flat" cmpd="sng" algn="ctr">
+              <a:solidFill>
+                <a:schemeClr val="tx1">
+                  <a:lumMod val="15000"/>
+                  <a:lumOff val="85000"/>
+                </a:schemeClr>
+              </a:solidFill>
+              <a:round/>
+            </a:ln>
+            <a:effectLst/>
+          </c:spPr>
+        </c:majorGridlines>
+        <c:numFmt formatCode="General" sourceLinked="1"/>
+        <c:majorTickMark val="none"/>
+        <c:minorTickMark val="none"/>
+        <c:tickLblPos val="nextTo"/>
+        <c:spPr>
+          <a:noFill/>
+          <a:ln>
+            <a:noFill/>
+          </a:ln>
+          <a:effectLst/>
+        </c:spPr>
+        <c:txPr>
+          <a:bodyPr rot="-60000000" spcFirstLastPara="1" vertOverflow="ellipsis" vert="horz" wrap="square" anchor="ctr" anchorCtr="1"/>
+          <a:lstStyle/>
+          <a:p>
+            <a:pPr>
+              <a:defRPr sz="900" b="0" i="0" u="none" strike="noStrike" kern="1200" baseline="0">
+                <a:solidFill>
+                  <a:schemeClr val="tx1">
+                    <a:lumMod val="65000"/>
+                    <a:lumOff val="35000"/>
+                  </a:schemeClr>
+                </a:solidFill>
+                <a:latin typeface="+mn-lt"/>
+                <a:ea typeface="+mn-ea"/>
+                <a:cs typeface="+mn-cs"/>
+              </a:defRPr>
+            </a:pPr>
+            <a:endParaRPr lang="en-US"/>
+          </a:p>
+        </c:txPr>
+        <c:crossAx val="1820477648"/>
+        <c:crosses val="autoZero"/>
+        <c:crossBetween val="between"/>
+      </c:valAx>
+      <c:spPr>
+        <a:noFill/>
+        <a:ln>
+          <a:noFill/>
+        </a:ln>
+        <a:effectLst/>
+      </c:spPr>
+    </c:plotArea>
+    <c:plotVisOnly val="0"/>
+    <c:dispBlanksAs val="zero"/>
+    <c:showDLblsOverMax val="0"/>
+    <c:extLst>
+      <c:ext xmlns:c16r3="http://schemas.microsoft.com/office/drawing/2017/03/chart" uri="{56B9EC1D-385E-4148-901F-78D8002777C0}">
+        <c16r3:dataDisplayOptions16>
+          <c16r3:dispNaAsBlank val="1"/>
+        </c16r3:dataDisplayOptions16>
+      </c:ext>
+    </c:extLst>
+  </c:chart>
+  <c:spPr>
+    <a:noFill/>
+    <a:ln>
+      <a:noFill/>
+    </a:ln>
+    <a:effectLst/>
+  </c:spPr>
+  <c:txPr>
+    <a:bodyPr/>
+    <a:lstStyle/>
+    <a:p>
+      <a:pPr>
+        <a:defRPr/>
+      </a:pPr>
+      <a:endParaRPr lang="en-US"/>
+    </a:p>
+  </c:txPr>
+  <c:externalData r:id="rId3">
+    <c:autoUpdate val="0"/>
+  </c:externalData>
+</c:chartSpace>
+</file>
+
+<file path=ppt/charts/chart2.xml><?xml version="1.0" encoding="utf-8"?>
+<c:chartSpace xmlns:c="http://schemas.openxmlformats.org/drawingml/2006/chart" xmlns:a="http://schemas.openxmlformats.org/drawingml/2006/main" xmlns:r="http://schemas.openxmlformats.org/officeDocument/2006/relationships" xmlns:c16r2="http://schemas.microsoft.com/office/drawing/2015/06/chart">
+  <c:date1904 val="0"/>
+  <c:lang val="en-GB"/>
+  <c:roundedCorners val="0"/>
+  <mc:AlternateContent xmlns:mc="http://schemas.openxmlformats.org/markup-compatibility/2006">
+    <mc:Choice xmlns:c14="http://schemas.microsoft.com/office/drawing/2007/8/2/chart" Requires="c14">
+      <c14:style val="102"/>
+    </mc:Choice>
+    <mc:Fallback>
+      <c:style val="2"/>
+    </mc:Fallback>
+  </mc:AlternateContent>
+  <c:chart>
+    <c:title>
+      <c:tx>
+        <c:rich>
+          <a:bodyPr rot="0" spcFirstLastPara="1" vertOverflow="ellipsis" vert="horz" wrap="square" anchor="ctr" anchorCtr="1"/>
+          <a:lstStyle/>
+          <a:p>
+            <a:pPr>
+              <a:defRPr sz="1400" b="0" i="0" u="none" strike="noStrike" kern="1200" spc="0" baseline="0">
+                <a:solidFill>
+                  <a:schemeClr val="tx1">
+                    <a:lumMod val="65000"/>
+                    <a:lumOff val="35000"/>
+                  </a:schemeClr>
+                </a:solidFill>
+                <a:latin typeface="+mn-lt"/>
+                <a:ea typeface="+mn-ea"/>
+                <a:cs typeface="+mn-cs"/>
+              </a:defRPr>
+            </a:pPr>
+            <a:r>
+              <a:rPr lang="en-GB"/>
+              <a:t>Accuracy</a:t>
+            </a:r>
+          </a:p>
+        </c:rich>
+      </c:tx>
+      <c:overlay val="0"/>
+      <c:spPr>
+        <a:noFill/>
+        <a:ln>
+          <a:noFill/>
+        </a:ln>
+        <a:effectLst/>
+      </c:spPr>
+      <c:txPr>
+        <a:bodyPr rot="0" spcFirstLastPara="1" vertOverflow="ellipsis" vert="horz" wrap="square" anchor="ctr" anchorCtr="1"/>
+        <a:lstStyle/>
+        <a:p>
+          <a:pPr>
+            <a:defRPr sz="1400" b="0" i="0" u="none" strike="noStrike" kern="1200" spc="0" baseline="0">
+              <a:solidFill>
+                <a:schemeClr val="tx1">
+                  <a:lumMod val="65000"/>
+                  <a:lumOff val="35000"/>
+                </a:schemeClr>
+              </a:solidFill>
+              <a:latin typeface="+mn-lt"/>
+              <a:ea typeface="+mn-ea"/>
+              <a:cs typeface="+mn-cs"/>
+            </a:defRPr>
+          </a:pPr>
+          <a:endParaRPr lang="en-US"/>
+        </a:p>
+      </c:txPr>
+    </c:title>
+    <c:autoTitleDeleted val="0"/>
+    <c:view3D>
+      <c:rotX val="15"/>
+      <c:rotY val="20"/>
+      <c:rAngAx val="0"/>
+    </c:view3D>
+    <c:floor>
+      <c:thickness val="0"/>
+      <c:spPr>
+        <a:noFill/>
+        <a:ln>
+          <a:noFill/>
+        </a:ln>
+        <a:effectLst/>
+        <a:sp3d/>
+      </c:spPr>
+    </c:floor>
+    <c:sideWall>
+      <c:thickness val="0"/>
+      <c:spPr>
+        <a:noFill/>
+        <a:ln>
+          <a:noFill/>
+        </a:ln>
+        <a:effectLst/>
+        <a:sp3d/>
+      </c:spPr>
+    </c:sideWall>
+    <c:backWall>
+      <c:thickness val="0"/>
+      <c:spPr>
+        <a:noFill/>
+        <a:ln>
+          <a:noFill/>
+        </a:ln>
+        <a:effectLst/>
+        <a:sp3d/>
+      </c:spPr>
+    </c:backWall>
+    <c:plotArea>
+      <c:layout/>
+      <c:bar3DChart>
+        <c:barDir val="col"/>
+        <c:grouping val="standard"/>
+        <c:varyColors val="0"/>
+        <c:ser>
+          <c:idx val="0"/>
+          <c:order val="0"/>
+          <c:tx>
+            <c:strRef>
+              <c:f>Sheet1!$B$87</c:f>
+              <c:strCache>
+                <c:ptCount val="1"/>
+                <c:pt idx="0">
+                  <c:v>Llama</c:v>
+                </c:pt>
+              </c:strCache>
+            </c:strRef>
+          </c:tx>
+          <c:spPr>
+            <a:solidFill>
+              <a:schemeClr val="accent1"/>
+            </a:solidFill>
+            <a:ln>
+              <a:noFill/>
+            </a:ln>
+            <a:effectLst/>
+            <a:sp3d/>
+          </c:spPr>
+          <c:invertIfNegative val="0"/>
+          <c:val>
+            <c:numRef>
+              <c:f>Sheet1!$D$86:$D$90</c:f>
+              <c:numCache>
+                <c:formatCode>General</c:formatCode>
+                <c:ptCount val="5"/>
+                <c:pt idx="0">
+                  <c:v>80</c:v>
+                </c:pt>
+                <c:pt idx="1">
+                  <c:v>83.3</c:v>
+                </c:pt>
+                <c:pt idx="2">
+                  <c:v>73.3</c:v>
+                </c:pt>
+                <c:pt idx="3">
+                  <c:v>83.3</c:v>
+                </c:pt>
+                <c:pt idx="4">
+                  <c:v>90</c:v>
+                </c:pt>
+              </c:numCache>
+            </c:numRef>
+          </c:val>
+          <c:extLst>
+            <c:ext xmlns:c16="http://schemas.microsoft.com/office/drawing/2014/chart" uri="{C3380CC4-5D6E-409C-BE32-E72D297353CC}">
+              <c16:uniqueId val="{00000000-4B2D-4F6D-8DDB-6237E810EF7E}"/>
+            </c:ext>
+          </c:extLst>
+        </c:ser>
+        <c:ser>
+          <c:idx val="1"/>
+          <c:order val="1"/>
+          <c:tx>
+            <c:strRef>
+              <c:f>Sheet1!$B$93</c:f>
+              <c:strCache>
+                <c:ptCount val="1"/>
+                <c:pt idx="0">
+                  <c:v>Phi</c:v>
+                </c:pt>
+              </c:strCache>
+            </c:strRef>
+          </c:tx>
+          <c:spPr>
+            <a:solidFill>
+              <a:schemeClr val="accent2"/>
+            </a:solidFill>
+            <a:ln>
+              <a:noFill/>
+            </a:ln>
+            <a:effectLst/>
+            <a:sp3d/>
+          </c:spPr>
+          <c:invertIfNegative val="0"/>
+          <c:val>
+            <c:numRef>
+              <c:f>Sheet1!$D$91:$D$95</c:f>
+              <c:numCache>
+                <c:formatCode>General</c:formatCode>
+                <c:ptCount val="5"/>
+                <c:pt idx="0">
+                  <c:v>96.7</c:v>
+                </c:pt>
+                <c:pt idx="1">
+                  <c:v>90</c:v>
+                </c:pt>
+                <c:pt idx="2">
+                  <c:v>84</c:v>
+                </c:pt>
+              </c:numCache>
+            </c:numRef>
+          </c:val>
+          <c:extLst>
+            <c:ext xmlns:c16="http://schemas.microsoft.com/office/drawing/2014/chart" uri="{C3380CC4-5D6E-409C-BE32-E72D297353CC}">
+              <c16:uniqueId val="{00000001-4B2D-4F6D-8DDB-6237E810EF7E}"/>
+            </c:ext>
+          </c:extLst>
+        </c:ser>
+        <c:ser>
+          <c:idx val="2"/>
+          <c:order val="2"/>
+          <c:tx>
+            <c:strRef>
+              <c:f>Sheet1!$B$99</c:f>
+              <c:strCache>
+                <c:ptCount val="1"/>
+                <c:pt idx="0">
+                  <c:v>Mistral</c:v>
+                </c:pt>
+              </c:strCache>
+            </c:strRef>
+          </c:tx>
+          <c:spPr>
+            <a:solidFill>
+              <a:schemeClr val="accent3"/>
+            </a:solidFill>
+            <a:ln>
+              <a:noFill/>
+            </a:ln>
+            <a:effectLst/>
+            <a:sp3d/>
+          </c:spPr>
+          <c:invertIfNegative val="0"/>
+          <c:val>
+            <c:numRef>
+              <c:f>Sheet1!$D$96:$D$100</c:f>
+              <c:numCache>
+                <c:formatCode>General</c:formatCode>
+                <c:ptCount val="5"/>
+                <c:pt idx="0">
+                  <c:v>76</c:v>
+                </c:pt>
+                <c:pt idx="1">
+                  <c:v>64</c:v>
+                </c:pt>
+                <c:pt idx="2">
+                  <c:v>72</c:v>
+                </c:pt>
+                <c:pt idx="3">
+                  <c:v>72</c:v>
+                </c:pt>
+                <c:pt idx="4">
+                  <c:v>92</c:v>
+                </c:pt>
+              </c:numCache>
+            </c:numRef>
+          </c:val>
+          <c:extLst>
+            <c:ext xmlns:c16="http://schemas.microsoft.com/office/drawing/2014/chart" uri="{C3380CC4-5D6E-409C-BE32-E72D297353CC}">
+              <c16:uniqueId val="{00000002-4B2D-4F6D-8DDB-6237E810EF7E}"/>
+            </c:ext>
+          </c:extLst>
+        </c:ser>
+        <c:dLbls>
+          <c:showLegendKey val="0"/>
+          <c:showVal val="0"/>
+          <c:showCatName val="0"/>
+          <c:showSerName val="0"/>
+          <c:showPercent val="0"/>
+          <c:showBubbleSize val="0"/>
+        </c:dLbls>
+        <c:gapWidth val="219"/>
+        <c:shape val="box"/>
+        <c:axId val="1820477648"/>
+        <c:axId val="1820478128"/>
+        <c:axId val="1694101184"/>
+      </c:bar3DChart>
+      <c:catAx>
+        <c:axId val="1820477648"/>
+        <c:scaling>
+          <c:orientation val="minMax"/>
+        </c:scaling>
+        <c:delete val="0"/>
+        <c:axPos val="b"/>
+        <c:majorTickMark val="none"/>
+        <c:minorTickMark val="none"/>
+        <c:tickLblPos val="nextTo"/>
+        <c:spPr>
+          <a:noFill/>
+          <a:ln w="9525" cap="flat" cmpd="sng" algn="ctr">
+            <a:solidFill>
+              <a:schemeClr val="tx1">
+                <a:lumMod val="15000"/>
+                <a:lumOff val="85000"/>
+              </a:schemeClr>
+            </a:solidFill>
+            <a:round/>
+          </a:ln>
+          <a:effectLst/>
+        </c:spPr>
+        <c:txPr>
+          <a:bodyPr rot="-60000000" spcFirstLastPara="1" vertOverflow="ellipsis" vert="horz" wrap="square" anchor="ctr" anchorCtr="1"/>
+          <a:lstStyle/>
+          <a:p>
+            <a:pPr>
+              <a:defRPr sz="900" b="0" i="0" u="none" strike="noStrike" kern="1200" baseline="0">
+                <a:solidFill>
+                  <a:schemeClr val="tx1">
+                    <a:lumMod val="65000"/>
+                    <a:lumOff val="35000"/>
+                  </a:schemeClr>
+                </a:solidFill>
+                <a:latin typeface="+mn-lt"/>
+                <a:ea typeface="+mn-ea"/>
+                <a:cs typeface="+mn-cs"/>
+              </a:defRPr>
+            </a:pPr>
+            <a:endParaRPr lang="en-US"/>
+          </a:p>
+        </c:txPr>
+        <c:crossAx val="1820478128"/>
+        <c:crosses val="autoZero"/>
+        <c:auto val="1"/>
+        <c:lblAlgn val="ctr"/>
+        <c:lblOffset val="100"/>
+        <c:noMultiLvlLbl val="0"/>
+      </c:catAx>
+      <c:valAx>
+        <c:axId val="1820478128"/>
+        <c:scaling>
+          <c:orientation val="minMax"/>
+        </c:scaling>
+        <c:delete val="0"/>
+        <c:axPos val="l"/>
+        <c:majorGridlines>
+          <c:spPr>
+            <a:ln w="9525" cap="flat" cmpd="sng" algn="ctr">
+              <a:solidFill>
+                <a:schemeClr val="tx1">
+                  <a:lumMod val="15000"/>
+                  <a:lumOff val="85000"/>
+                </a:schemeClr>
+              </a:solidFill>
+              <a:round/>
+            </a:ln>
+            <a:effectLst/>
+          </c:spPr>
+        </c:majorGridlines>
+        <c:numFmt formatCode="General" sourceLinked="1"/>
+        <c:majorTickMark val="none"/>
+        <c:minorTickMark val="none"/>
+        <c:tickLblPos val="nextTo"/>
+        <c:spPr>
+          <a:noFill/>
+          <a:ln>
+            <a:noFill/>
+          </a:ln>
+          <a:effectLst/>
+        </c:spPr>
+        <c:txPr>
+          <a:bodyPr rot="-60000000" spcFirstLastPara="1" vertOverflow="ellipsis" vert="horz" wrap="square" anchor="ctr" anchorCtr="1"/>
+          <a:lstStyle/>
+          <a:p>
+            <a:pPr>
+              <a:defRPr sz="900" b="0" i="0" u="none" strike="noStrike" kern="1200" baseline="0">
+                <a:solidFill>
+                  <a:schemeClr val="tx1">
+                    <a:lumMod val="65000"/>
+                    <a:lumOff val="35000"/>
+                  </a:schemeClr>
+                </a:solidFill>
+                <a:latin typeface="+mn-lt"/>
+                <a:ea typeface="+mn-ea"/>
+                <a:cs typeface="+mn-cs"/>
+              </a:defRPr>
+            </a:pPr>
+            <a:endParaRPr lang="en-US"/>
+          </a:p>
+        </c:txPr>
+        <c:crossAx val="1820477648"/>
+        <c:crosses val="autoZero"/>
+        <c:crossBetween val="between"/>
+      </c:valAx>
+      <c:serAx>
+        <c:axId val="1694101184"/>
+        <c:scaling>
+          <c:orientation val="minMax"/>
+        </c:scaling>
+        <c:delete val="0"/>
+        <c:axPos val="b"/>
+        <c:majorTickMark val="out"/>
+        <c:minorTickMark val="none"/>
+        <c:tickLblPos val="nextTo"/>
+        <c:spPr>
+          <a:noFill/>
+          <a:ln>
+            <a:noFill/>
+          </a:ln>
+          <a:effectLst/>
+        </c:spPr>
+        <c:txPr>
+          <a:bodyPr rot="-60000000" spcFirstLastPara="1" vertOverflow="ellipsis" vert="horz" wrap="square" anchor="ctr" anchorCtr="1"/>
+          <a:lstStyle/>
+          <a:p>
+            <a:pPr>
+              <a:defRPr sz="900" b="0" i="0" u="none" strike="noStrike" kern="1200" baseline="0">
+                <a:solidFill>
+                  <a:schemeClr val="tx1">
+                    <a:lumMod val="65000"/>
+                    <a:lumOff val="35000"/>
+                  </a:schemeClr>
+                </a:solidFill>
+                <a:latin typeface="+mn-lt"/>
+                <a:ea typeface="+mn-ea"/>
+                <a:cs typeface="+mn-cs"/>
+              </a:defRPr>
+            </a:pPr>
+            <a:endParaRPr lang="en-US"/>
+          </a:p>
+        </c:txPr>
+        <c:crossAx val="1820478128"/>
+        <c:crosses val="autoZero"/>
+      </c:serAx>
+      <c:spPr>
+        <a:noFill/>
+        <a:ln>
+          <a:noFill/>
+        </a:ln>
+        <a:effectLst/>
+      </c:spPr>
+    </c:plotArea>
+    <c:plotVisOnly val="0"/>
+    <c:dispBlanksAs val="zero"/>
+    <c:showDLblsOverMax val="0"/>
+    <c:extLst>
+      <c:ext xmlns:c16r3="http://schemas.microsoft.com/office/drawing/2017/03/chart" uri="{56B9EC1D-385E-4148-901F-78D8002777C0}">
+        <c16r3:dataDisplayOptions16>
+          <c16r3:dispNaAsBlank val="1"/>
+        </c16r3:dataDisplayOptions16>
+      </c:ext>
+    </c:extLst>
+  </c:chart>
+  <c:spPr>
+    <a:noFill/>
+    <a:ln>
+      <a:noFill/>
+    </a:ln>
+    <a:effectLst/>
+  </c:spPr>
+  <c:txPr>
+    <a:bodyPr/>
+    <a:lstStyle/>
+    <a:p>
+      <a:pPr>
+        <a:defRPr/>
+      </a:pPr>
+      <a:endParaRPr lang="en-US"/>
+    </a:p>
+  </c:txPr>
+  <c:externalData r:id="rId3">
+    <c:autoUpdate val="0"/>
+  </c:externalData>
+</c:chartSpace>
+</file>
+
+<file path=ppt/charts/colors1.xml><?xml version="1.0" encoding="utf-8"?>
+<cs:colorStyle xmlns:cs="http://schemas.microsoft.com/office/drawing/2012/chartStyle" xmlns:a="http://schemas.openxmlformats.org/drawingml/2006/main" meth="cycle" id="10">
+  <a:schemeClr val="accent1"/>
+  <a:schemeClr val="accent2"/>
+  <a:schemeClr val="accent3"/>
+  <a:schemeClr val="accent4"/>
+  <a:schemeClr val="accent5"/>
+  <a:schemeClr val="accent6"/>
+  <cs:variation/>
+  <cs:variation>
+    <a:lumMod val="60000"/>
+  </cs:variation>
+  <cs:variation>
+    <a:lumMod val="80000"/>
+    <a:lumOff val="20000"/>
+  </cs:variation>
+  <cs:variation>
+    <a:lumMod val="80000"/>
+  </cs:variation>
+  <cs:variation>
+    <a:lumMod val="60000"/>
+    <a:lumOff val="40000"/>
+  </cs:variation>
+  <cs:variation>
+    <a:lumMod val="50000"/>
+  </cs:variation>
+  <cs:variation>
+    <a:lumMod val="70000"/>
+    <a:lumOff val="30000"/>
+  </cs:variation>
+  <cs:variation>
+    <a:lumMod val="70000"/>
+  </cs:variation>
+  <cs:variation>
+    <a:lumMod val="50000"/>
+    <a:lumOff val="50000"/>
+  </cs:variation>
+</cs:colorStyle>
+</file>
+
+<file path=ppt/charts/colors2.xml><?xml version="1.0" encoding="utf-8"?>
+<cs:colorStyle xmlns:cs="http://schemas.microsoft.com/office/drawing/2012/chartStyle" xmlns:a="http://schemas.openxmlformats.org/drawingml/2006/main" meth="cycle" id="10">
+  <a:schemeClr val="accent1"/>
+  <a:schemeClr val="accent2"/>
+  <a:schemeClr val="accent3"/>
+  <a:schemeClr val="accent4"/>
+  <a:schemeClr val="accent5"/>
+  <a:schemeClr val="accent6"/>
+  <cs:variation/>
+  <cs:variation>
+    <a:lumMod val="60000"/>
+  </cs:variation>
+  <cs:variation>
+    <a:lumMod val="80000"/>
+    <a:lumOff val="20000"/>
+  </cs:variation>
+  <cs:variation>
+    <a:lumMod val="80000"/>
+  </cs:variation>
+  <cs:variation>
+    <a:lumMod val="60000"/>
+    <a:lumOff val="40000"/>
+  </cs:variation>
+  <cs:variation>
+    <a:lumMod val="50000"/>
+  </cs:variation>
+  <cs:variation>
+    <a:lumMod val="70000"/>
+    <a:lumOff val="30000"/>
+  </cs:variation>
+  <cs:variation>
+    <a:lumMod val="70000"/>
+  </cs:variation>
+  <cs:variation>
+    <a:lumMod val="50000"/>
+    <a:lumOff val="50000"/>
+  </cs:variation>
+</cs:colorStyle>
+</file>
+
+<file path=ppt/charts/style1.xml><?xml version="1.0" encoding="utf-8"?>
+<cs:chartStyle xmlns:cs="http://schemas.microsoft.com/office/drawing/2012/chartStyle" xmlns:a="http://schemas.openxmlformats.org/drawingml/2006/main" id="332">
+  <cs:axisTitle>
+    <cs:lnRef idx="0"/>
+    <cs:fillRef idx="0"/>
+    <cs:effectRef idx="0"/>
+    <cs:fontRef idx="minor">
+      <a:schemeClr val="tx1">
+        <a:lumMod val="65000"/>
+        <a:lumOff val="35000"/>
+      </a:schemeClr>
+    </cs:fontRef>
+    <cs:defRPr sz="1000" kern="1200"/>
+  </cs:axisTitle>
+  <cs:categoryAxis>
+    <cs:lnRef idx="0"/>
+    <cs:fillRef idx="0"/>
+    <cs:effectRef idx="0"/>
+    <cs:fontRef idx="minor">
+      <a:schemeClr val="tx1">
+        <a:lumMod val="65000"/>
+        <a:lumOff val="35000"/>
+      </a:schemeClr>
+    </cs:fontRef>
+    <cs:spPr>
+      <a:ln w="9525" cap="flat" cmpd="sng" algn="ctr">
+        <a:solidFill>
+          <a:schemeClr val="tx1">
+            <a:lumMod val="15000"/>
+            <a:lumOff val="85000"/>
+          </a:schemeClr>
+        </a:solidFill>
+        <a:round/>
+      </a:ln>
+    </cs:spPr>
+    <cs:defRPr sz="900" kern="1200"/>
+  </cs:categoryAxis>
+  <cs:chartArea mods="allowNoFillOverride allowNoLineOverride">
+    <cs:lnRef idx="0"/>
+    <cs:fillRef idx="0"/>
+    <cs:effectRef idx="0"/>
+    <cs:fontRef idx="minor">
+      <a:schemeClr val="tx1"/>
+    </cs:fontRef>
+    <cs:spPr>
+      <a:solidFill>
+        <a:schemeClr val="bg1"/>
+      </a:solidFill>
+      <a:ln w="9525" cap="flat" cmpd="sng" algn="ctr">
+        <a:solidFill>
+          <a:schemeClr val="tx1">
+            <a:lumMod val="15000"/>
+            <a:lumOff val="85000"/>
+          </a:schemeClr>
+        </a:solidFill>
+        <a:round/>
+      </a:ln>
+    </cs:spPr>
+    <cs:defRPr sz="1000" kern="1200"/>
+  </cs:chartArea>
+  <cs:dataLabel>
+    <cs:lnRef idx="0"/>
+    <cs:fillRef idx="0"/>
+    <cs:effectRef idx="0"/>
+    <cs:fontRef idx="minor">
+      <a:schemeClr val="tx1">
+        <a:lumMod val="75000"/>
+        <a:lumOff val="25000"/>
+      </a:schemeClr>
+    </cs:fontRef>
+    <cs:defRPr sz="900" kern="1200"/>
+  </cs:dataLabel>
+  <cs:dataLabelCallout>
+    <cs:lnRef idx="0"/>
+    <cs:fillRef idx="0"/>
+    <cs:effectRef idx="0"/>
+    <cs:fontRef idx="minor">
+      <a:schemeClr val="dk1">
+        <a:lumMod val="65000"/>
+        <a:lumOff val="35000"/>
+      </a:schemeClr>
+    </cs:fontRef>
+    <cs:spPr>
+      <a:solidFill>
+        <a:schemeClr val="lt1"/>
+      </a:solidFill>
+      <a:ln>
+        <a:solidFill>
+          <a:schemeClr val="dk1">
+            <a:lumMod val="25000"/>
+            <a:lumOff val="75000"/>
+          </a:schemeClr>
+        </a:solidFill>
+      </a:ln>
+    </cs:spPr>
+    <cs:defRPr sz="900" kern="1200"/>
+    <cs:bodyPr rot="0" spcFirstLastPara="1" vertOverflow="clip" horzOverflow="clip" vert="horz" wrap="square" lIns="36576" tIns="18288" rIns="36576" bIns="18288" anchor="ctr" anchorCtr="1">
+      <a:spAutoFit/>
+    </cs:bodyPr>
+  </cs:dataLabelCallout>
+  <cs:dataPoint>
+    <cs:lnRef idx="0"/>
+    <cs:fillRef idx="1">
+      <cs:styleClr val="auto"/>
+    </cs:fillRef>
+    <cs:effectRef idx="0"/>
+    <cs:fontRef idx="minor">
+      <a:schemeClr val="tx1"/>
+    </cs:fontRef>
+  </cs:dataPoint>
+  <cs:dataPoint3D>
+    <cs:lnRef idx="0"/>
+    <cs:fillRef idx="1">
+      <cs:styleClr val="auto"/>
+    </cs:fillRef>
+    <cs:effectRef idx="0"/>
+    <cs:fontRef idx="minor">
+      <a:schemeClr val="tx1"/>
+    </cs:fontRef>
+  </cs:dataPoint3D>
+  <cs:dataPointLine>
+    <cs:lnRef idx="0">
+      <cs:styleClr val="auto"/>
+    </cs:lnRef>
+    <cs:fillRef idx="1"/>
+    <cs:effectRef idx="0"/>
+    <cs:fontRef idx="minor">
+      <a:schemeClr val="tx1"/>
+    </cs:fontRef>
+    <cs:spPr>
+      <a:ln w="28575" cap="rnd">
+        <a:solidFill>
+          <a:schemeClr val="phClr"/>
+        </a:solidFill>
+        <a:round/>
+      </a:ln>
+    </cs:spPr>
+  </cs:dataPointLine>
+  <cs:dataPointMarker>
+    <cs:lnRef idx="0">
+      <cs:styleClr val="auto"/>
+    </cs:lnRef>
+    <cs:fillRef idx="1">
+      <cs:styleClr val="auto"/>
+    </cs:fillRef>
+    <cs:effectRef idx="0"/>
+    <cs:fontRef idx="minor">
+      <a:schemeClr val="tx1"/>
+    </cs:fontRef>
+    <cs:spPr>
+      <a:ln w="9525">
+        <a:solidFill>
+          <a:schemeClr val="phClr"/>
+        </a:solidFill>
+      </a:ln>
+    </cs:spPr>
+  </cs:dataPointMarker>
+  <cs:dataPointMarkerLayout symbol="circle" size="5"/>
+  <cs:dataPointWireframe>
+    <cs:lnRef idx="0">
+      <cs:styleClr val="auto"/>
+    </cs:lnRef>
+    <cs:fillRef idx="1"/>
+    <cs:effectRef idx="0"/>
+    <cs:fontRef idx="minor">
+      <a:schemeClr val="tx1"/>
+    </cs:fontRef>
+    <cs:spPr>
+      <a:ln w="9525" cap="rnd">
+        <a:solidFill>
+          <a:schemeClr val="phClr"/>
+        </a:solidFill>
+        <a:round/>
+      </a:ln>
+    </cs:spPr>
+  </cs:dataPointWireframe>
+  <cs:dataTable>
+    <cs:lnRef idx="0"/>
+    <cs:fillRef idx="0"/>
+    <cs:effectRef idx="0"/>
+    <cs:fontRef idx="minor">
+      <a:schemeClr val="tx1">
+        <a:lumMod val="65000"/>
+        <a:lumOff val="35000"/>
+      </a:schemeClr>
+    </cs:fontRef>
+    <cs:spPr>
+      <a:noFill/>
+      <a:ln w="9525" cap="flat" cmpd="sng" algn="ctr">
+        <a:solidFill>
+          <a:schemeClr val="tx1">
+            <a:lumMod val="15000"/>
+            <a:lumOff val="85000"/>
+          </a:schemeClr>
+        </a:solidFill>
+        <a:round/>
+      </a:ln>
+    </cs:spPr>
+    <cs:defRPr sz="900" kern="1200"/>
+  </cs:dataTable>
+  <cs:downBar>
+    <cs:lnRef idx="0"/>
+    <cs:fillRef idx="0"/>
+    <cs:effectRef idx="0"/>
+    <cs:fontRef idx="minor">
+      <a:schemeClr val="dk1"/>
+    </cs:fontRef>
+    <cs:spPr>
+      <a:solidFill>
+        <a:schemeClr val="dk1">
+          <a:lumMod val="65000"/>
+          <a:lumOff val="35000"/>
+        </a:schemeClr>
+      </a:solidFill>
+      <a:ln w="9525">
+        <a:solidFill>
+          <a:schemeClr val="tx1">
+            <a:lumMod val="65000"/>
+            <a:lumOff val="35000"/>
+          </a:schemeClr>
+        </a:solidFill>
+      </a:ln>
+    </cs:spPr>
+  </cs:downBar>
+  <cs:dropLine>
+    <cs:lnRef idx="0"/>
+    <cs:fillRef idx="0"/>
+    <cs:effectRef idx="0"/>
+    <cs:fontRef idx="minor">
+      <a:schemeClr val="tx1"/>
+    </cs:fontRef>
+    <cs:spPr>
+      <a:ln w="9525" cap="flat" cmpd="sng" algn="ctr">
+        <a:solidFill>
+          <a:schemeClr val="tx1">
+            <a:lumMod val="35000"/>
+            <a:lumOff val="65000"/>
+          </a:schemeClr>
+        </a:solidFill>
+        <a:round/>
+      </a:ln>
+    </cs:spPr>
+  </cs:dropLine>
+  <cs:errorBar>
+    <cs:lnRef idx="0"/>
+    <cs:fillRef idx="0"/>
+    <cs:effectRef idx="0"/>
+    <cs:fontRef idx="minor">
+      <a:schemeClr val="tx1"/>
+    </cs:fontRef>
+    <cs:spPr>
+      <a:ln w="9525" cap="flat" cmpd="sng" algn="ctr">
+        <a:solidFill>
+          <a:schemeClr val="tx1">
+            <a:lumMod val="65000"/>
+            <a:lumOff val="35000"/>
+          </a:schemeClr>
+        </a:solidFill>
+        <a:round/>
+      </a:ln>
+    </cs:spPr>
+  </cs:errorBar>
+  <cs:floor>
+    <cs:lnRef idx="0"/>
+    <cs:fillRef idx="0"/>
+    <cs:effectRef idx="0"/>
+    <cs:fontRef idx="minor">
+      <a:schemeClr val="tx1"/>
+    </cs:fontRef>
+    <cs:spPr>
+      <a:noFill/>
+      <a:ln>
+        <a:noFill/>
+      </a:ln>
+    </cs:spPr>
+  </cs:floor>
+  <cs:gridlineMajor>
+    <cs:lnRef idx="0"/>
+    <cs:fillRef idx="0"/>
+    <cs:effectRef idx="0"/>
+    <cs:fontRef idx="minor">
+      <a:schemeClr val="tx1"/>
+    </cs:fontRef>
+    <cs:spPr>
+      <a:ln w="9525" cap="flat" cmpd="sng" algn="ctr">
+        <a:solidFill>
+          <a:schemeClr val="tx1">
+            <a:lumMod val="15000"/>
+            <a:lumOff val="85000"/>
+          </a:schemeClr>
+        </a:solidFill>
+        <a:round/>
+      </a:ln>
+    </cs:spPr>
+  </cs:gridlineMajor>
+  <cs:gridlineMinor>
+    <cs:lnRef idx="0"/>
+    <cs:fillRef idx="0"/>
+    <cs:effectRef idx="0"/>
+    <cs:fontRef idx="minor">
+      <a:schemeClr val="tx1"/>
+    </cs:fontRef>
+    <cs:spPr>
+      <a:ln w="9525" cap="flat" cmpd="sng" algn="ctr">
+        <a:solidFill>
+          <a:schemeClr val="tx1">
+            <a:lumMod val="5000"/>
+            <a:lumOff val="95000"/>
+          </a:schemeClr>
+        </a:solidFill>
+        <a:round/>
+      </a:ln>
+    </cs:spPr>
+  </cs:gridlineMinor>
+  <cs:hiLoLine>
+    <cs:lnRef idx="0"/>
+    <cs:fillRef idx="0"/>
+    <cs:effectRef idx="0"/>
+    <cs:fontRef idx="minor">
+      <a:schemeClr val="tx1"/>
+    </cs:fontRef>
+    <cs:spPr>
+      <a:ln w="9525" cap="flat" cmpd="sng" algn="ctr">
+        <a:solidFill>
+          <a:schemeClr val="tx1">
+            <a:lumMod val="75000"/>
+            <a:lumOff val="25000"/>
+          </a:schemeClr>
+        </a:solidFill>
+        <a:round/>
+      </a:ln>
+    </cs:spPr>
+  </cs:hiLoLine>
+  <cs:leaderLine>
+    <cs:lnRef idx="0"/>
+    <cs:fillRef idx="0"/>
+    <cs:effectRef idx="0"/>
+    <cs:fontRef idx="minor">
+      <a:schemeClr val="tx1"/>
+    </cs:fontRef>
+    <cs:spPr>
+      <a:ln w="9525" cap="flat" cmpd="sng" algn="ctr">
+        <a:solidFill>
+          <a:schemeClr val="tx1">
+            <a:lumMod val="35000"/>
+            <a:lumOff val="65000"/>
+          </a:schemeClr>
+        </a:solidFill>
+        <a:round/>
+      </a:ln>
+    </cs:spPr>
+  </cs:leaderLine>
+  <cs:legend>
+    <cs:lnRef idx="0"/>
+    <cs:fillRef idx="0"/>
+    <cs:effectRef idx="0"/>
+    <cs:fontRef idx="minor">
+      <a:schemeClr val="tx1">
+        <a:lumMod val="65000"/>
+        <a:lumOff val="35000"/>
+      </a:schemeClr>
+    </cs:fontRef>
+    <cs:defRPr sz="900" kern="1200"/>
+  </cs:legend>
+  <cs:plotArea mods="allowNoFillOverride allowNoLineOverride">
+    <cs:lnRef idx="0"/>
+    <cs:fillRef idx="0"/>
+    <cs:effectRef idx="0"/>
+    <cs:fontRef idx="minor">
+      <a:schemeClr val="tx1"/>
+    </cs:fontRef>
+  </cs:plotArea>
+  <cs:plotArea3D mods="allowNoFillOverride allowNoLineOverride">
+    <cs:lnRef idx="0"/>
+    <cs:fillRef idx="0"/>
+    <cs:effectRef idx="0"/>
+    <cs:fontRef idx="minor">
+      <a:schemeClr val="tx1"/>
+    </cs:fontRef>
+  </cs:plotArea3D>
+  <cs:seriesAxis>
+    <cs:lnRef idx="0"/>
+    <cs:fillRef idx="0"/>
+    <cs:effectRef idx="0"/>
+    <cs:fontRef idx="minor">
+      <a:schemeClr val="tx1">
+        <a:lumMod val="65000"/>
+        <a:lumOff val="35000"/>
+      </a:schemeClr>
+    </cs:fontRef>
+    <cs:defRPr sz="900" kern="1200"/>
+  </cs:seriesAxis>
+  <cs:seriesLine>
+    <cs:lnRef idx="0"/>
+    <cs:fillRef idx="0"/>
+    <cs:effectRef idx="0"/>
+    <cs:fontRef idx="minor">
+      <a:schemeClr val="tx1"/>
+    </cs:fontRef>
+    <cs:spPr>
+      <a:ln w="9525" cap="flat" cmpd="sng" algn="ctr">
+        <a:solidFill>
+          <a:schemeClr val="tx1">
+            <a:lumMod val="35000"/>
+            <a:lumOff val="65000"/>
+          </a:schemeClr>
+        </a:solidFill>
+        <a:round/>
+      </a:ln>
+    </cs:spPr>
+  </cs:seriesLine>
+  <cs:title>
+    <cs:lnRef idx="0"/>
+    <cs:fillRef idx="0"/>
+    <cs:effectRef idx="0"/>
+    <cs:fontRef idx="minor">
+      <a:schemeClr val="tx1">
+        <a:lumMod val="65000"/>
+        <a:lumOff val="35000"/>
+      </a:schemeClr>
+    </cs:fontRef>
+    <cs:defRPr sz="1400" b="0" kern="1200" spc="0" baseline="0"/>
+  </cs:title>
+  <cs:trendline>
+    <cs:lnRef idx="0">
+      <cs:styleClr val="auto"/>
+    </cs:lnRef>
+    <cs:fillRef idx="0"/>
+    <cs:effectRef idx="0"/>
+    <cs:fontRef idx="minor">
+      <a:schemeClr val="tx1"/>
+    </cs:fontRef>
+    <cs:spPr>
+      <a:ln w="19050" cap="rnd">
+        <a:solidFill>
+          <a:schemeClr val="phClr"/>
+        </a:solidFill>
+        <a:prstDash val="sysDot"/>
+      </a:ln>
+    </cs:spPr>
+  </cs:trendline>
+  <cs:trendlineLabel>
+    <cs:lnRef idx="0"/>
+    <cs:fillRef idx="0"/>
+    <cs:effectRef idx="0"/>
+    <cs:fontRef idx="minor">
+      <a:schemeClr val="tx1">
+        <a:lumMod val="65000"/>
+        <a:lumOff val="35000"/>
+      </a:schemeClr>
+    </cs:fontRef>
+    <cs:defRPr sz="900" kern="1200"/>
+  </cs:trendlineLabel>
+  <cs:upBar>
+    <cs:lnRef idx="0"/>
+    <cs:fillRef idx="0"/>
+    <cs:effectRef idx="0"/>
+    <cs:fontRef idx="minor">
+      <a:schemeClr val="dk1"/>
+    </cs:fontRef>
+    <cs:spPr>
+      <a:solidFill>
+        <a:schemeClr val="lt1"/>
+      </a:solidFill>
+      <a:ln w="9525">
+        <a:solidFill>
+          <a:schemeClr val="tx1">
+            <a:lumMod val="15000"/>
+            <a:lumOff val="85000"/>
+          </a:schemeClr>
+        </a:solidFill>
+      </a:ln>
+    </cs:spPr>
+  </cs:upBar>
+  <cs:valueAxis>
+    <cs:lnRef idx="0"/>
+    <cs:fillRef idx="0"/>
+    <cs:effectRef idx="0"/>
+    <cs:fontRef idx="minor">
+      <a:schemeClr val="tx1">
+        <a:lumMod val="65000"/>
+        <a:lumOff val="35000"/>
+      </a:schemeClr>
+    </cs:fontRef>
+    <cs:defRPr sz="900" kern="1200"/>
+  </cs:valueAxis>
+  <cs:wall>
+    <cs:lnRef idx="0"/>
+    <cs:fillRef idx="0"/>
+    <cs:effectRef idx="0"/>
+    <cs:fontRef idx="minor">
+      <a:schemeClr val="tx1"/>
+    </cs:fontRef>
+    <cs:spPr>
+      <a:noFill/>
+      <a:ln>
+        <a:noFill/>
+      </a:ln>
+    </cs:spPr>
+  </cs:wall>
+</cs:chartStyle>
+</file>
+
+<file path=ppt/charts/style2.xml><?xml version="1.0" encoding="utf-8"?>
+<cs:chartStyle xmlns:cs="http://schemas.microsoft.com/office/drawing/2012/chartStyle" xmlns:a="http://schemas.openxmlformats.org/drawingml/2006/main" id="332">
+  <cs:axisTitle>
+    <cs:lnRef idx="0"/>
+    <cs:fillRef idx="0"/>
+    <cs:effectRef idx="0"/>
+    <cs:fontRef idx="minor">
+      <a:schemeClr val="tx1">
+        <a:lumMod val="65000"/>
+        <a:lumOff val="35000"/>
+      </a:schemeClr>
+    </cs:fontRef>
+    <cs:defRPr sz="1000" kern="1200"/>
+  </cs:axisTitle>
+  <cs:categoryAxis>
+    <cs:lnRef idx="0"/>
+    <cs:fillRef idx="0"/>
+    <cs:effectRef idx="0"/>
+    <cs:fontRef idx="minor">
+      <a:schemeClr val="tx1">
+        <a:lumMod val="65000"/>
+        <a:lumOff val="35000"/>
+      </a:schemeClr>
+    </cs:fontRef>
+    <cs:spPr>
+      <a:ln w="9525" cap="flat" cmpd="sng" algn="ctr">
+        <a:solidFill>
+          <a:schemeClr val="tx1">
+            <a:lumMod val="15000"/>
+            <a:lumOff val="85000"/>
+          </a:schemeClr>
+        </a:solidFill>
+        <a:round/>
+      </a:ln>
+    </cs:spPr>
+    <cs:defRPr sz="900" kern="1200"/>
+  </cs:categoryAxis>
+  <cs:chartArea mods="allowNoFillOverride allowNoLineOverride">
+    <cs:lnRef idx="0"/>
+    <cs:fillRef idx="0"/>
+    <cs:effectRef idx="0"/>
+    <cs:fontRef idx="minor">
+      <a:schemeClr val="tx1"/>
+    </cs:fontRef>
+    <cs:spPr>
+      <a:solidFill>
+        <a:schemeClr val="bg1"/>
+      </a:solidFill>
+      <a:ln w="9525" cap="flat" cmpd="sng" algn="ctr">
+        <a:solidFill>
+          <a:schemeClr val="tx1">
+            <a:lumMod val="15000"/>
+            <a:lumOff val="85000"/>
+          </a:schemeClr>
+        </a:solidFill>
+        <a:round/>
+      </a:ln>
+    </cs:spPr>
+    <cs:defRPr sz="1000" kern="1200"/>
+  </cs:chartArea>
+  <cs:dataLabel>
+    <cs:lnRef idx="0"/>
+    <cs:fillRef idx="0"/>
+    <cs:effectRef idx="0"/>
+    <cs:fontRef idx="minor">
+      <a:schemeClr val="tx1">
+        <a:lumMod val="75000"/>
+        <a:lumOff val="25000"/>
+      </a:schemeClr>
+    </cs:fontRef>
+    <cs:defRPr sz="900" kern="1200"/>
+  </cs:dataLabel>
+  <cs:dataLabelCallout>
+    <cs:lnRef idx="0"/>
+    <cs:fillRef idx="0"/>
+    <cs:effectRef idx="0"/>
+    <cs:fontRef idx="minor">
+      <a:schemeClr val="dk1">
+        <a:lumMod val="65000"/>
+        <a:lumOff val="35000"/>
+      </a:schemeClr>
+    </cs:fontRef>
+    <cs:spPr>
+      <a:solidFill>
+        <a:schemeClr val="lt1"/>
+      </a:solidFill>
+      <a:ln>
+        <a:solidFill>
+          <a:schemeClr val="dk1">
+            <a:lumMod val="25000"/>
+            <a:lumOff val="75000"/>
+          </a:schemeClr>
+        </a:solidFill>
+      </a:ln>
+    </cs:spPr>
+    <cs:defRPr sz="900" kern="1200"/>
+    <cs:bodyPr rot="0" spcFirstLastPara="1" vertOverflow="clip" horzOverflow="clip" vert="horz" wrap="square" lIns="36576" tIns="18288" rIns="36576" bIns="18288" anchor="ctr" anchorCtr="1">
+      <a:spAutoFit/>
+    </cs:bodyPr>
+  </cs:dataLabelCallout>
+  <cs:dataPoint>
+    <cs:lnRef idx="0"/>
+    <cs:fillRef idx="1">
+      <cs:styleClr val="auto"/>
+    </cs:fillRef>
+    <cs:effectRef idx="0"/>
+    <cs:fontRef idx="minor">
+      <a:schemeClr val="tx1"/>
+    </cs:fontRef>
+  </cs:dataPoint>
+  <cs:dataPoint3D>
+    <cs:lnRef idx="0"/>
+    <cs:fillRef idx="1">
+      <cs:styleClr val="auto"/>
+    </cs:fillRef>
+    <cs:effectRef idx="0"/>
+    <cs:fontRef idx="minor">
+      <a:schemeClr val="tx1"/>
+    </cs:fontRef>
+  </cs:dataPoint3D>
+  <cs:dataPointLine>
+    <cs:lnRef idx="0">
+      <cs:styleClr val="auto"/>
+    </cs:lnRef>
+    <cs:fillRef idx="1"/>
+    <cs:effectRef idx="0"/>
+    <cs:fontRef idx="minor">
+      <a:schemeClr val="tx1"/>
+    </cs:fontRef>
+    <cs:spPr>
+      <a:ln w="28575" cap="rnd">
+        <a:solidFill>
+          <a:schemeClr val="phClr"/>
+        </a:solidFill>
+        <a:round/>
+      </a:ln>
+    </cs:spPr>
+  </cs:dataPointLine>
+  <cs:dataPointMarker>
+    <cs:lnRef idx="0">
+      <cs:styleClr val="auto"/>
+    </cs:lnRef>
+    <cs:fillRef idx="1">
+      <cs:styleClr val="auto"/>
+    </cs:fillRef>
+    <cs:effectRef idx="0"/>
+    <cs:fontRef idx="minor">
+      <a:schemeClr val="tx1"/>
+    </cs:fontRef>
+    <cs:spPr>
+      <a:ln w="9525">
+        <a:solidFill>
+          <a:schemeClr val="phClr"/>
+        </a:solidFill>
+      </a:ln>
+    </cs:spPr>
+  </cs:dataPointMarker>
+  <cs:dataPointMarkerLayout symbol="circle" size="5"/>
+  <cs:dataPointWireframe>
+    <cs:lnRef idx="0">
+      <cs:styleClr val="auto"/>
+    </cs:lnRef>
+    <cs:fillRef idx="1"/>
+    <cs:effectRef idx="0"/>
+    <cs:fontRef idx="minor">
+      <a:schemeClr val="tx1"/>
+    </cs:fontRef>
+    <cs:spPr>
+      <a:ln w="9525" cap="rnd">
+        <a:solidFill>
+          <a:schemeClr val="phClr"/>
+        </a:solidFill>
+        <a:round/>
+      </a:ln>
+    </cs:spPr>
+  </cs:dataPointWireframe>
+  <cs:dataTable>
+    <cs:lnRef idx="0"/>
+    <cs:fillRef idx="0"/>
+    <cs:effectRef idx="0"/>
+    <cs:fontRef idx="minor">
+      <a:schemeClr val="tx1">
+        <a:lumMod val="65000"/>
+        <a:lumOff val="35000"/>
+      </a:schemeClr>
+    </cs:fontRef>
+    <cs:spPr>
+      <a:noFill/>
+      <a:ln w="9525" cap="flat" cmpd="sng" algn="ctr">
+        <a:solidFill>
+          <a:schemeClr val="tx1">
+            <a:lumMod val="15000"/>
+            <a:lumOff val="85000"/>
+          </a:schemeClr>
+        </a:solidFill>
+        <a:round/>
+      </a:ln>
+    </cs:spPr>
+    <cs:defRPr sz="900" kern="1200"/>
+  </cs:dataTable>
+  <cs:downBar>
+    <cs:lnRef idx="0"/>
+    <cs:fillRef idx="0"/>
+    <cs:effectRef idx="0"/>
+    <cs:fontRef idx="minor">
+      <a:schemeClr val="dk1"/>
+    </cs:fontRef>
+    <cs:spPr>
+      <a:solidFill>
+        <a:schemeClr val="dk1">
+          <a:lumMod val="65000"/>
+          <a:lumOff val="35000"/>
+        </a:schemeClr>
+      </a:solidFill>
+      <a:ln w="9525">
+        <a:solidFill>
+          <a:schemeClr val="tx1">
+            <a:lumMod val="65000"/>
+            <a:lumOff val="35000"/>
+          </a:schemeClr>
+        </a:solidFill>
+      </a:ln>
+    </cs:spPr>
+  </cs:downBar>
+  <cs:dropLine>
+    <cs:lnRef idx="0"/>
+    <cs:fillRef idx="0"/>
+    <cs:effectRef idx="0"/>
+    <cs:fontRef idx="minor">
+      <a:schemeClr val="tx1"/>
+    </cs:fontRef>
+    <cs:spPr>
+      <a:ln w="9525" cap="flat" cmpd="sng" algn="ctr">
+        <a:solidFill>
+          <a:schemeClr val="tx1">
+            <a:lumMod val="35000"/>
+            <a:lumOff val="65000"/>
+          </a:schemeClr>
+        </a:solidFill>
+        <a:round/>
+      </a:ln>
+    </cs:spPr>
+  </cs:dropLine>
+  <cs:errorBar>
+    <cs:lnRef idx="0"/>
+    <cs:fillRef idx="0"/>
+    <cs:effectRef idx="0"/>
+    <cs:fontRef idx="minor">
+      <a:schemeClr val="tx1"/>
+    </cs:fontRef>
+    <cs:spPr>
+      <a:ln w="9525" cap="flat" cmpd="sng" algn="ctr">
+        <a:solidFill>
+          <a:schemeClr val="tx1">
+            <a:lumMod val="65000"/>
+            <a:lumOff val="35000"/>
+          </a:schemeClr>
+        </a:solidFill>
+        <a:round/>
+      </a:ln>
+    </cs:spPr>
+  </cs:errorBar>
+  <cs:floor>
+    <cs:lnRef idx="0"/>
+    <cs:fillRef idx="0"/>
+    <cs:effectRef idx="0"/>
+    <cs:fontRef idx="minor">
+      <a:schemeClr val="tx1"/>
+    </cs:fontRef>
+    <cs:spPr>
+      <a:noFill/>
+      <a:ln>
+        <a:noFill/>
+      </a:ln>
+    </cs:spPr>
+  </cs:floor>
+  <cs:gridlineMajor>
+    <cs:lnRef idx="0"/>
+    <cs:fillRef idx="0"/>
+    <cs:effectRef idx="0"/>
+    <cs:fontRef idx="minor">
+      <a:schemeClr val="tx1"/>
+    </cs:fontRef>
+    <cs:spPr>
+      <a:ln w="9525" cap="flat" cmpd="sng" algn="ctr">
+        <a:solidFill>
+          <a:schemeClr val="tx1">
+            <a:lumMod val="15000"/>
+            <a:lumOff val="85000"/>
+          </a:schemeClr>
+        </a:solidFill>
+        <a:round/>
+      </a:ln>
+    </cs:spPr>
+  </cs:gridlineMajor>
+  <cs:gridlineMinor>
+    <cs:lnRef idx="0"/>
+    <cs:fillRef idx="0"/>
+    <cs:effectRef idx="0"/>
+    <cs:fontRef idx="minor">
+      <a:schemeClr val="tx1"/>
+    </cs:fontRef>
+    <cs:spPr>
+      <a:ln w="9525" cap="flat" cmpd="sng" algn="ctr">
+        <a:solidFill>
+          <a:schemeClr val="tx1">
+            <a:lumMod val="5000"/>
+            <a:lumOff val="95000"/>
+          </a:schemeClr>
+        </a:solidFill>
+        <a:round/>
+      </a:ln>
+    </cs:spPr>
+  </cs:gridlineMinor>
+  <cs:hiLoLine>
+    <cs:lnRef idx="0"/>
+    <cs:fillRef idx="0"/>
+    <cs:effectRef idx="0"/>
+    <cs:fontRef idx="minor">
+      <a:schemeClr val="tx1"/>
+    </cs:fontRef>
+    <cs:spPr>
+      <a:ln w="9525" cap="flat" cmpd="sng" algn="ctr">
+        <a:solidFill>
+          <a:schemeClr val="tx1">
+            <a:lumMod val="75000"/>
+            <a:lumOff val="25000"/>
+          </a:schemeClr>
+        </a:solidFill>
+        <a:round/>
+      </a:ln>
+    </cs:spPr>
+  </cs:hiLoLine>
+  <cs:leaderLine>
+    <cs:lnRef idx="0"/>
+    <cs:fillRef idx="0"/>
+    <cs:effectRef idx="0"/>
+    <cs:fontRef idx="minor">
+      <a:schemeClr val="tx1"/>
+    </cs:fontRef>
+    <cs:spPr>
+      <a:ln w="9525" cap="flat" cmpd="sng" algn="ctr">
+        <a:solidFill>
+          <a:schemeClr val="tx1">
+            <a:lumMod val="35000"/>
+            <a:lumOff val="65000"/>
+          </a:schemeClr>
+        </a:solidFill>
+        <a:round/>
+      </a:ln>
+    </cs:spPr>
+  </cs:leaderLine>
+  <cs:legend>
+    <cs:lnRef idx="0"/>
+    <cs:fillRef idx="0"/>
+    <cs:effectRef idx="0"/>
+    <cs:fontRef idx="minor">
+      <a:schemeClr val="tx1">
+        <a:lumMod val="65000"/>
+        <a:lumOff val="35000"/>
+      </a:schemeClr>
+    </cs:fontRef>
+    <cs:defRPr sz="900" kern="1200"/>
+  </cs:legend>
+  <cs:plotArea mods="allowNoFillOverride allowNoLineOverride">
+    <cs:lnRef idx="0"/>
+    <cs:fillRef idx="0"/>
+    <cs:effectRef idx="0"/>
+    <cs:fontRef idx="minor">
+      <a:schemeClr val="tx1"/>
+    </cs:fontRef>
+  </cs:plotArea>
+  <cs:plotArea3D mods="allowNoFillOverride allowNoLineOverride">
+    <cs:lnRef idx="0"/>
+    <cs:fillRef idx="0"/>
+    <cs:effectRef idx="0"/>
+    <cs:fontRef idx="minor">
+      <a:schemeClr val="tx1"/>
+    </cs:fontRef>
+  </cs:plotArea3D>
+  <cs:seriesAxis>
+    <cs:lnRef idx="0"/>
+    <cs:fillRef idx="0"/>
+    <cs:effectRef idx="0"/>
+    <cs:fontRef idx="minor">
+      <a:schemeClr val="tx1">
+        <a:lumMod val="65000"/>
+        <a:lumOff val="35000"/>
+      </a:schemeClr>
+    </cs:fontRef>
+    <cs:defRPr sz="900" kern="1200"/>
+  </cs:seriesAxis>
+  <cs:seriesLine>
+    <cs:lnRef idx="0"/>
+    <cs:fillRef idx="0"/>
+    <cs:effectRef idx="0"/>
+    <cs:fontRef idx="minor">
+      <a:schemeClr val="tx1"/>
+    </cs:fontRef>
+    <cs:spPr>
+      <a:ln w="9525" cap="flat" cmpd="sng" algn="ctr">
+        <a:solidFill>
+          <a:schemeClr val="tx1">
+            <a:lumMod val="35000"/>
+            <a:lumOff val="65000"/>
+          </a:schemeClr>
+        </a:solidFill>
+        <a:round/>
+      </a:ln>
+    </cs:spPr>
+  </cs:seriesLine>
+  <cs:title>
+    <cs:lnRef idx="0"/>
+    <cs:fillRef idx="0"/>
+    <cs:effectRef idx="0"/>
+    <cs:fontRef idx="minor">
+      <a:schemeClr val="tx1">
+        <a:lumMod val="65000"/>
+        <a:lumOff val="35000"/>
+      </a:schemeClr>
+    </cs:fontRef>
+    <cs:defRPr sz="1400" b="0" kern="1200" spc="0" baseline="0"/>
+  </cs:title>
+  <cs:trendline>
+    <cs:lnRef idx="0">
+      <cs:styleClr val="auto"/>
+    </cs:lnRef>
+    <cs:fillRef idx="0"/>
+    <cs:effectRef idx="0"/>
+    <cs:fontRef idx="minor">
+      <a:schemeClr val="tx1"/>
+    </cs:fontRef>
+    <cs:spPr>
+      <a:ln w="19050" cap="rnd">
+        <a:solidFill>
+          <a:schemeClr val="phClr"/>
+        </a:solidFill>
+        <a:prstDash val="sysDot"/>
+      </a:ln>
+    </cs:spPr>
+  </cs:trendline>
+  <cs:trendlineLabel>
+    <cs:lnRef idx="0"/>
+    <cs:fillRef idx="0"/>
+    <cs:effectRef idx="0"/>
+    <cs:fontRef idx="minor">
+      <a:schemeClr val="tx1">
+        <a:lumMod val="65000"/>
+        <a:lumOff val="35000"/>
+      </a:schemeClr>
+    </cs:fontRef>
+    <cs:defRPr sz="900" kern="1200"/>
+  </cs:trendlineLabel>
+  <cs:upBar>
+    <cs:lnRef idx="0"/>
+    <cs:fillRef idx="0"/>
+    <cs:effectRef idx="0"/>
+    <cs:fontRef idx="minor">
+      <a:schemeClr val="dk1"/>
+    </cs:fontRef>
+    <cs:spPr>
+      <a:solidFill>
+        <a:schemeClr val="lt1"/>
+      </a:solidFill>
+      <a:ln w="9525">
+        <a:solidFill>
+          <a:schemeClr val="tx1">
+            <a:lumMod val="15000"/>
+            <a:lumOff val="85000"/>
+          </a:schemeClr>
+        </a:solidFill>
+      </a:ln>
+    </cs:spPr>
+  </cs:upBar>
+  <cs:valueAxis>
+    <cs:lnRef idx="0"/>
+    <cs:fillRef idx="0"/>
+    <cs:effectRef idx="0"/>
+    <cs:fontRef idx="minor">
+      <a:schemeClr val="tx1">
+        <a:lumMod val="65000"/>
+        <a:lumOff val="35000"/>
+      </a:schemeClr>
+    </cs:fontRef>
+    <cs:defRPr sz="900" kern="1200"/>
+  </cs:valueAxis>
+  <cs:wall>
+    <cs:lnRef idx="0"/>
+    <cs:fillRef idx="0"/>
+    <cs:effectRef idx="0"/>
+    <cs:fontRef idx="minor">
+      <a:schemeClr val="tx1"/>
+    </cs:fontRef>
+    <cs:spPr>
+      <a:noFill/>
+      <a:ln>
+        <a:noFill/>
+      </a:ln>
+    </cs:spPr>
+  </cs:wall>
+</cs:chartStyle>
 </file>
 
 <file path=ppt/handoutMasters/handoutMaster1.xml><?xml version="1.0" encoding="utf-8"?>
@@ -40931,7 +42933,7 @@
             <a:pPr algn="ctr"/>
             <a:r>
               <a:rPr lang="en-GB" sz="1800" noProof="0" dirty="0"/>
-              <a:t>Enhancing Fault Isolation in Hardware Systems Using Large Language Models (LLM) </a:t>
+              <a:t>Enhancing Fault Isolation in Hardware Systems Using Large Language Models (LLMs) </a:t>
             </a:r>
           </a:p>
         </p:txBody>
@@ -41045,6 +43047,848 @@
     <p:extLst>
       <p:ext uri="{BB962C8B-B14F-4D97-AF65-F5344CB8AC3E}">
         <p14:creationId xmlns:p14="http://schemas.microsoft.com/office/powerpoint/2010/main" val="2860021257"/>
+      </p:ext>
+    </p:extLst>
+  </p:cSld>
+  <p:clrMapOvr>
+    <a:masterClrMapping/>
+  </p:clrMapOvr>
+</p:sld>
+</file>
+
+<file path=ppt/slides/slide10.xml><?xml version="1.0" encoding="utf-8"?>
+<p:sld xmlns:a="http://schemas.openxmlformats.org/drawingml/2006/main" xmlns:r="http://schemas.openxmlformats.org/officeDocument/2006/relationships" xmlns:p="http://schemas.openxmlformats.org/presentationml/2006/main">
+  <p:cSld>
+    <p:spTree>
+      <p:nvGrpSpPr>
+        <p:cNvPr id="1" name="">
+          <a:extLst>
+            <a:ext uri="{FF2B5EF4-FFF2-40B4-BE49-F238E27FC236}">
+              <a16:creationId xmlns:a16="http://schemas.microsoft.com/office/drawing/2014/main" id="{90837E1E-9F6B-9165-1AC4-7B9E53156D77}"/>
+            </a:ext>
+          </a:extLst>
+        </p:cNvPr>
+        <p:cNvGrpSpPr/>
+        <p:nvPr/>
+      </p:nvGrpSpPr>
+      <p:grpSpPr>
+        <a:xfrm>
+          <a:off x="0" y="0"/>
+          <a:ext cx="0" cy="0"/>
+          <a:chOff x="0" y="0"/>
+          <a:chExt cx="0" cy="0"/>
+        </a:xfrm>
+      </p:grpSpPr>
+      <p:sp>
+        <p:nvSpPr>
+          <p:cNvPr id="2" name="Segnaposto piè di pagina 1">
+            <a:extLst>
+              <a:ext uri="{FF2B5EF4-FFF2-40B4-BE49-F238E27FC236}">
+                <a16:creationId xmlns:a16="http://schemas.microsoft.com/office/drawing/2014/main" id="{C12BC037-721F-CD6C-FD0F-C6781C2329D9}"/>
+              </a:ext>
+            </a:extLst>
+          </p:cNvPr>
+          <p:cNvSpPr>
+            <a:spLocks noGrp="1"/>
+          </p:cNvSpPr>
+          <p:nvPr>
+            <p:ph type="ftr" sz="quarter" idx="3"/>
+          </p:nvPr>
+        </p:nvSpPr>
+        <p:spPr/>
+        <p:txBody>
+          <a:bodyPr/>
+          <a:lstStyle/>
+          <a:p>
+            <a:r>
+              <a:rPr lang="en-GB" noProof="0" dirty="0"/>
+              <a:t>Reference</a:t>
+            </a:r>
+          </a:p>
+        </p:txBody>
+      </p:sp>
+      <p:sp>
+        <p:nvSpPr>
+          <p:cNvPr id="3" name="Segnaposto numero diapositiva 2">
+            <a:extLst>
+              <a:ext uri="{FF2B5EF4-FFF2-40B4-BE49-F238E27FC236}">
+                <a16:creationId xmlns:a16="http://schemas.microsoft.com/office/drawing/2014/main" id="{C17AC112-57F1-4ED0-48B8-CA13C8FD1E01}"/>
+              </a:ext>
+            </a:extLst>
+          </p:cNvPr>
+          <p:cNvSpPr>
+            <a:spLocks noGrp="1"/>
+          </p:cNvSpPr>
+          <p:nvPr>
+            <p:ph type="sldNum" sz="quarter" idx="4"/>
+          </p:nvPr>
+        </p:nvSpPr>
+        <p:spPr/>
+        <p:txBody>
+          <a:bodyPr/>
+          <a:lstStyle/>
+          <a:p>
+            <a:fld id="{500E0521-425D-DD45-BED6-A99962E298FC}" type="slidenum">
+              <a:rPr lang="en-GB" noProof="0" smtClean="0"/>
+              <a:pPr/>
+              <a:t>10</a:t>
+            </a:fld>
+            <a:endParaRPr lang="en-GB" noProof="0" dirty="0"/>
+          </a:p>
+        </p:txBody>
+      </p:sp>
+      <p:sp>
+        <p:nvSpPr>
+          <p:cNvPr id="4" name="Titolo 3">
+            <a:extLst>
+              <a:ext uri="{FF2B5EF4-FFF2-40B4-BE49-F238E27FC236}">
+                <a16:creationId xmlns:a16="http://schemas.microsoft.com/office/drawing/2014/main" id="{3899E3A4-8BD7-EC84-22C5-253A6E1F17CE}"/>
+              </a:ext>
+            </a:extLst>
+          </p:cNvPr>
+          <p:cNvSpPr>
+            <a:spLocks noGrp="1"/>
+          </p:cNvSpPr>
+          <p:nvPr>
+            <p:ph type="title"/>
+          </p:nvPr>
+        </p:nvSpPr>
+        <p:spPr/>
+        <p:txBody>
+          <a:bodyPr>
+            <a:normAutofit/>
+          </a:bodyPr>
+          <a:lstStyle/>
+          <a:p>
+            <a:r>
+              <a:rPr lang="en-GB" sz="1800" noProof="0" dirty="0"/>
+              <a:t>Step Two – Dataset and Scenarios </a:t>
+            </a:r>
+          </a:p>
+        </p:txBody>
+      </p:sp>
+      <p:sp>
+        <p:nvSpPr>
+          <p:cNvPr id="7" name="Segnaposto contenuto 6">
+            <a:extLst>
+              <a:ext uri="{FF2B5EF4-FFF2-40B4-BE49-F238E27FC236}">
+                <a16:creationId xmlns:a16="http://schemas.microsoft.com/office/drawing/2014/main" id="{4C752120-3F05-87B2-A7B5-1A164B542EA0}"/>
+              </a:ext>
+            </a:extLst>
+          </p:cNvPr>
+          <p:cNvSpPr>
+            <a:spLocks noGrp="1"/>
+          </p:cNvSpPr>
+          <p:nvPr>
+            <p:ph idx="26"/>
+          </p:nvPr>
+        </p:nvSpPr>
+        <p:spPr>
+          <a:xfrm>
+            <a:off x="257969" y="1084900"/>
+            <a:ext cx="6933406" cy="3414648"/>
+          </a:xfrm>
+        </p:spPr>
+        <p:txBody>
+          <a:bodyPr/>
+          <a:lstStyle/>
+          <a:p>
+            <a:pPr>
+              <a:lnSpc>
+                <a:spcPct val="150000"/>
+              </a:lnSpc>
+            </a:pPr>
+            <a:endParaRPr lang="en-GB" noProof="0" dirty="0"/>
+          </a:p>
+        </p:txBody>
+      </p:sp>
+    </p:spTree>
+    <p:extLst>
+      <p:ext uri="{BB962C8B-B14F-4D97-AF65-F5344CB8AC3E}">
+        <p14:creationId xmlns:p14="http://schemas.microsoft.com/office/powerpoint/2010/main" val="4098002545"/>
+      </p:ext>
+    </p:extLst>
+  </p:cSld>
+  <p:clrMapOvr>
+    <a:masterClrMapping/>
+  </p:clrMapOvr>
+</p:sld>
+</file>
+
+<file path=ppt/slides/slide11.xml><?xml version="1.0" encoding="utf-8"?>
+<p:sld xmlns:a="http://schemas.openxmlformats.org/drawingml/2006/main" xmlns:r="http://schemas.openxmlformats.org/officeDocument/2006/relationships" xmlns:p="http://schemas.openxmlformats.org/presentationml/2006/main">
+  <p:cSld>
+    <p:spTree>
+      <p:nvGrpSpPr>
+        <p:cNvPr id="1" name="">
+          <a:extLst>
+            <a:ext uri="{FF2B5EF4-FFF2-40B4-BE49-F238E27FC236}">
+              <a16:creationId xmlns:a16="http://schemas.microsoft.com/office/drawing/2014/main" id="{E2C85684-4CB6-636B-66BE-98B99384A8A9}"/>
+            </a:ext>
+          </a:extLst>
+        </p:cNvPr>
+        <p:cNvGrpSpPr/>
+        <p:nvPr/>
+      </p:nvGrpSpPr>
+      <p:grpSpPr>
+        <a:xfrm>
+          <a:off x="0" y="0"/>
+          <a:ext cx="0" cy="0"/>
+          <a:chOff x="0" y="0"/>
+          <a:chExt cx="0" cy="0"/>
+        </a:xfrm>
+      </p:grpSpPr>
+      <p:sp>
+        <p:nvSpPr>
+          <p:cNvPr id="2" name="Segnaposto piè di pagina 1">
+            <a:extLst>
+              <a:ext uri="{FF2B5EF4-FFF2-40B4-BE49-F238E27FC236}">
+                <a16:creationId xmlns:a16="http://schemas.microsoft.com/office/drawing/2014/main" id="{36F59BE3-9E4D-820C-28B8-6BBF221D520B}"/>
+              </a:ext>
+            </a:extLst>
+          </p:cNvPr>
+          <p:cNvSpPr>
+            <a:spLocks noGrp="1"/>
+          </p:cNvSpPr>
+          <p:nvPr>
+            <p:ph type="ftr" sz="quarter" idx="3"/>
+          </p:nvPr>
+        </p:nvSpPr>
+        <p:spPr/>
+        <p:txBody>
+          <a:bodyPr/>
+          <a:lstStyle/>
+          <a:p>
+            <a:r>
+              <a:rPr lang="en-GB" noProof="0" dirty="0"/>
+              <a:t>Reference</a:t>
+            </a:r>
+          </a:p>
+        </p:txBody>
+      </p:sp>
+      <p:sp>
+        <p:nvSpPr>
+          <p:cNvPr id="3" name="Segnaposto numero diapositiva 2">
+            <a:extLst>
+              <a:ext uri="{FF2B5EF4-FFF2-40B4-BE49-F238E27FC236}">
+                <a16:creationId xmlns:a16="http://schemas.microsoft.com/office/drawing/2014/main" id="{05D6DCB4-2638-AE49-B554-BADFF716AFB6}"/>
+              </a:ext>
+            </a:extLst>
+          </p:cNvPr>
+          <p:cNvSpPr>
+            <a:spLocks noGrp="1"/>
+          </p:cNvSpPr>
+          <p:nvPr>
+            <p:ph type="sldNum" sz="quarter" idx="4"/>
+          </p:nvPr>
+        </p:nvSpPr>
+        <p:spPr/>
+        <p:txBody>
+          <a:bodyPr/>
+          <a:lstStyle/>
+          <a:p>
+            <a:fld id="{500E0521-425D-DD45-BED6-A99962E298FC}" type="slidenum">
+              <a:rPr lang="en-GB" noProof="0" smtClean="0"/>
+              <a:pPr/>
+              <a:t>11</a:t>
+            </a:fld>
+            <a:endParaRPr lang="en-GB" noProof="0" dirty="0"/>
+          </a:p>
+        </p:txBody>
+      </p:sp>
+      <p:sp>
+        <p:nvSpPr>
+          <p:cNvPr id="4" name="Titolo 3">
+            <a:extLst>
+              <a:ext uri="{FF2B5EF4-FFF2-40B4-BE49-F238E27FC236}">
+                <a16:creationId xmlns:a16="http://schemas.microsoft.com/office/drawing/2014/main" id="{6C36685E-9382-50A1-BD32-7315278F767D}"/>
+              </a:ext>
+            </a:extLst>
+          </p:cNvPr>
+          <p:cNvSpPr>
+            <a:spLocks noGrp="1"/>
+          </p:cNvSpPr>
+          <p:nvPr>
+            <p:ph type="title"/>
+          </p:nvPr>
+        </p:nvSpPr>
+        <p:spPr/>
+        <p:txBody>
+          <a:bodyPr>
+            <a:normAutofit/>
+          </a:bodyPr>
+          <a:lstStyle/>
+          <a:p>
+            <a:r>
+              <a:rPr lang="en-GB" sz="1800" noProof="0" dirty="0"/>
+              <a:t>Step Two – Few-Shot</a:t>
+            </a:r>
+          </a:p>
+        </p:txBody>
+      </p:sp>
+      <p:sp>
+        <p:nvSpPr>
+          <p:cNvPr id="7" name="Segnaposto contenuto 6">
+            <a:extLst>
+              <a:ext uri="{FF2B5EF4-FFF2-40B4-BE49-F238E27FC236}">
+                <a16:creationId xmlns:a16="http://schemas.microsoft.com/office/drawing/2014/main" id="{09F2A236-B2FE-3C3A-21EB-E4C98BEC2710}"/>
+              </a:ext>
+            </a:extLst>
+          </p:cNvPr>
+          <p:cNvSpPr>
+            <a:spLocks noGrp="1"/>
+          </p:cNvSpPr>
+          <p:nvPr>
+            <p:ph idx="26"/>
+          </p:nvPr>
+        </p:nvSpPr>
+        <p:spPr>
+          <a:xfrm>
+            <a:off x="257969" y="1084900"/>
+            <a:ext cx="6933406" cy="3414648"/>
+          </a:xfrm>
+        </p:spPr>
+        <p:txBody>
+          <a:bodyPr/>
+          <a:lstStyle/>
+          <a:p>
+            <a:pPr>
+              <a:lnSpc>
+                <a:spcPct val="150000"/>
+              </a:lnSpc>
+            </a:pPr>
+            <a:endParaRPr lang="en-GB" noProof="0" dirty="0"/>
+          </a:p>
+        </p:txBody>
+      </p:sp>
+    </p:spTree>
+    <p:extLst>
+      <p:ext uri="{BB962C8B-B14F-4D97-AF65-F5344CB8AC3E}">
+        <p14:creationId xmlns:p14="http://schemas.microsoft.com/office/powerpoint/2010/main" val="1727040728"/>
+      </p:ext>
+    </p:extLst>
+  </p:cSld>
+  <p:clrMapOvr>
+    <a:masterClrMapping/>
+  </p:clrMapOvr>
+</p:sld>
+</file>
+
+<file path=ppt/slides/slide12.xml><?xml version="1.0" encoding="utf-8"?>
+<p:sld xmlns:a="http://schemas.openxmlformats.org/drawingml/2006/main" xmlns:r="http://schemas.openxmlformats.org/officeDocument/2006/relationships" xmlns:p="http://schemas.openxmlformats.org/presentationml/2006/main">
+  <p:cSld>
+    <p:spTree>
+      <p:nvGrpSpPr>
+        <p:cNvPr id="1" name="">
+          <a:extLst>
+            <a:ext uri="{FF2B5EF4-FFF2-40B4-BE49-F238E27FC236}">
+              <a16:creationId xmlns:a16="http://schemas.microsoft.com/office/drawing/2014/main" id="{3FEC0AFC-2143-564F-8410-B5E6B29EA6F3}"/>
+            </a:ext>
+          </a:extLst>
+        </p:cNvPr>
+        <p:cNvGrpSpPr/>
+        <p:nvPr/>
+      </p:nvGrpSpPr>
+      <p:grpSpPr>
+        <a:xfrm>
+          <a:off x="0" y="0"/>
+          <a:ext cx="0" cy="0"/>
+          <a:chOff x="0" y="0"/>
+          <a:chExt cx="0" cy="0"/>
+        </a:xfrm>
+      </p:grpSpPr>
+      <p:sp>
+        <p:nvSpPr>
+          <p:cNvPr id="2" name="Segnaposto piè di pagina 1">
+            <a:extLst>
+              <a:ext uri="{FF2B5EF4-FFF2-40B4-BE49-F238E27FC236}">
+                <a16:creationId xmlns:a16="http://schemas.microsoft.com/office/drawing/2014/main" id="{22648D6F-3E03-65F4-4C36-309FC71C262A}"/>
+              </a:ext>
+            </a:extLst>
+          </p:cNvPr>
+          <p:cNvSpPr>
+            <a:spLocks noGrp="1"/>
+          </p:cNvSpPr>
+          <p:nvPr>
+            <p:ph type="ftr" sz="quarter" idx="3"/>
+          </p:nvPr>
+        </p:nvSpPr>
+        <p:spPr/>
+        <p:txBody>
+          <a:bodyPr/>
+          <a:lstStyle/>
+          <a:p>
+            <a:r>
+              <a:rPr lang="en-GB" noProof="0" dirty="0"/>
+              <a:t>Reference</a:t>
+            </a:r>
+          </a:p>
+        </p:txBody>
+      </p:sp>
+      <p:sp>
+        <p:nvSpPr>
+          <p:cNvPr id="3" name="Segnaposto numero diapositiva 2">
+            <a:extLst>
+              <a:ext uri="{FF2B5EF4-FFF2-40B4-BE49-F238E27FC236}">
+                <a16:creationId xmlns:a16="http://schemas.microsoft.com/office/drawing/2014/main" id="{E22A07DE-CDBE-0D6A-8C88-5DFD9562C5A7}"/>
+              </a:ext>
+            </a:extLst>
+          </p:cNvPr>
+          <p:cNvSpPr>
+            <a:spLocks noGrp="1"/>
+          </p:cNvSpPr>
+          <p:nvPr>
+            <p:ph type="sldNum" sz="quarter" idx="4"/>
+          </p:nvPr>
+        </p:nvSpPr>
+        <p:spPr/>
+        <p:txBody>
+          <a:bodyPr/>
+          <a:lstStyle/>
+          <a:p>
+            <a:fld id="{500E0521-425D-DD45-BED6-A99962E298FC}" type="slidenum">
+              <a:rPr lang="en-GB" noProof="0" smtClean="0"/>
+              <a:pPr/>
+              <a:t>12</a:t>
+            </a:fld>
+            <a:endParaRPr lang="en-GB" noProof="0" dirty="0"/>
+          </a:p>
+        </p:txBody>
+      </p:sp>
+      <p:sp>
+        <p:nvSpPr>
+          <p:cNvPr id="4" name="Titolo 3">
+            <a:extLst>
+              <a:ext uri="{FF2B5EF4-FFF2-40B4-BE49-F238E27FC236}">
+                <a16:creationId xmlns:a16="http://schemas.microsoft.com/office/drawing/2014/main" id="{422B30A7-E63E-1BFF-3122-BD608E236955}"/>
+              </a:ext>
+            </a:extLst>
+          </p:cNvPr>
+          <p:cNvSpPr>
+            <a:spLocks noGrp="1"/>
+          </p:cNvSpPr>
+          <p:nvPr>
+            <p:ph type="title"/>
+          </p:nvPr>
+        </p:nvSpPr>
+        <p:spPr/>
+        <p:txBody>
+          <a:bodyPr>
+            <a:normAutofit/>
+          </a:bodyPr>
+          <a:lstStyle/>
+          <a:p>
+            <a:r>
+              <a:rPr lang="en-GB" sz="1800" dirty="0"/>
+              <a:t>Step Two – No Few-Shot</a:t>
+            </a:r>
+            <a:endParaRPr lang="en-GB" sz="1800" noProof="0" dirty="0"/>
+          </a:p>
+        </p:txBody>
+      </p:sp>
+      <p:sp>
+        <p:nvSpPr>
+          <p:cNvPr id="7" name="Segnaposto contenuto 6">
+            <a:extLst>
+              <a:ext uri="{FF2B5EF4-FFF2-40B4-BE49-F238E27FC236}">
+                <a16:creationId xmlns:a16="http://schemas.microsoft.com/office/drawing/2014/main" id="{D2F4F0C1-80AA-EAF4-6091-D61D90D42EDF}"/>
+              </a:ext>
+            </a:extLst>
+          </p:cNvPr>
+          <p:cNvSpPr>
+            <a:spLocks noGrp="1"/>
+          </p:cNvSpPr>
+          <p:nvPr>
+            <p:ph idx="26"/>
+          </p:nvPr>
+        </p:nvSpPr>
+        <p:spPr>
+          <a:xfrm>
+            <a:off x="257969" y="1084900"/>
+            <a:ext cx="6933406" cy="3414648"/>
+          </a:xfrm>
+        </p:spPr>
+        <p:txBody>
+          <a:bodyPr/>
+          <a:lstStyle/>
+          <a:p>
+            <a:pPr>
+              <a:lnSpc>
+                <a:spcPct val="150000"/>
+              </a:lnSpc>
+            </a:pPr>
+            <a:endParaRPr lang="en-GB" noProof="0" dirty="0"/>
+          </a:p>
+        </p:txBody>
+      </p:sp>
+    </p:spTree>
+    <p:extLst>
+      <p:ext uri="{BB962C8B-B14F-4D97-AF65-F5344CB8AC3E}">
+        <p14:creationId xmlns:p14="http://schemas.microsoft.com/office/powerpoint/2010/main" val="193721011"/>
+      </p:ext>
+    </p:extLst>
+  </p:cSld>
+  <p:clrMapOvr>
+    <a:masterClrMapping/>
+  </p:clrMapOvr>
+</p:sld>
+</file>
+
+<file path=ppt/slides/slide13.xml><?xml version="1.0" encoding="utf-8"?>
+<p:sld xmlns:a="http://schemas.openxmlformats.org/drawingml/2006/main" xmlns:r="http://schemas.openxmlformats.org/officeDocument/2006/relationships" xmlns:p="http://schemas.openxmlformats.org/presentationml/2006/main">
+  <p:cSld>
+    <p:spTree>
+      <p:nvGrpSpPr>
+        <p:cNvPr id="1" name="">
+          <a:extLst>
+            <a:ext uri="{FF2B5EF4-FFF2-40B4-BE49-F238E27FC236}">
+              <a16:creationId xmlns:a16="http://schemas.microsoft.com/office/drawing/2014/main" id="{2A6C5959-C107-1E22-9A23-97FCB6DA58F0}"/>
+            </a:ext>
+          </a:extLst>
+        </p:cNvPr>
+        <p:cNvGrpSpPr/>
+        <p:nvPr/>
+      </p:nvGrpSpPr>
+      <p:grpSpPr>
+        <a:xfrm>
+          <a:off x="0" y="0"/>
+          <a:ext cx="0" cy="0"/>
+          <a:chOff x="0" y="0"/>
+          <a:chExt cx="0" cy="0"/>
+        </a:xfrm>
+      </p:grpSpPr>
+      <p:sp>
+        <p:nvSpPr>
+          <p:cNvPr id="2" name="Segnaposto piè di pagina 1">
+            <a:extLst>
+              <a:ext uri="{FF2B5EF4-FFF2-40B4-BE49-F238E27FC236}">
+                <a16:creationId xmlns:a16="http://schemas.microsoft.com/office/drawing/2014/main" id="{309A4E43-F36F-5D9D-1611-ACC4DA8E22D9}"/>
+              </a:ext>
+            </a:extLst>
+          </p:cNvPr>
+          <p:cNvSpPr>
+            <a:spLocks noGrp="1"/>
+          </p:cNvSpPr>
+          <p:nvPr>
+            <p:ph type="ftr" sz="quarter" idx="3"/>
+          </p:nvPr>
+        </p:nvSpPr>
+        <p:spPr/>
+        <p:txBody>
+          <a:bodyPr/>
+          <a:lstStyle/>
+          <a:p>
+            <a:r>
+              <a:rPr lang="en-GB" noProof="0" dirty="0"/>
+              <a:t>Reference</a:t>
+            </a:r>
+          </a:p>
+        </p:txBody>
+      </p:sp>
+      <p:sp>
+        <p:nvSpPr>
+          <p:cNvPr id="3" name="Segnaposto numero diapositiva 2">
+            <a:extLst>
+              <a:ext uri="{FF2B5EF4-FFF2-40B4-BE49-F238E27FC236}">
+                <a16:creationId xmlns:a16="http://schemas.microsoft.com/office/drawing/2014/main" id="{3BB67715-878F-320F-6DD2-6D4AB989ABC0}"/>
+              </a:ext>
+            </a:extLst>
+          </p:cNvPr>
+          <p:cNvSpPr>
+            <a:spLocks noGrp="1"/>
+          </p:cNvSpPr>
+          <p:nvPr>
+            <p:ph type="sldNum" sz="quarter" idx="4"/>
+          </p:nvPr>
+        </p:nvSpPr>
+        <p:spPr/>
+        <p:txBody>
+          <a:bodyPr/>
+          <a:lstStyle/>
+          <a:p>
+            <a:fld id="{500E0521-425D-DD45-BED6-A99962E298FC}" type="slidenum">
+              <a:rPr lang="en-GB" noProof="0" smtClean="0"/>
+              <a:pPr/>
+              <a:t>13</a:t>
+            </a:fld>
+            <a:endParaRPr lang="en-GB" noProof="0" dirty="0"/>
+          </a:p>
+        </p:txBody>
+      </p:sp>
+      <p:sp>
+        <p:nvSpPr>
+          <p:cNvPr id="4" name="Titolo 3">
+            <a:extLst>
+              <a:ext uri="{FF2B5EF4-FFF2-40B4-BE49-F238E27FC236}">
+                <a16:creationId xmlns:a16="http://schemas.microsoft.com/office/drawing/2014/main" id="{6C214D45-F66F-839E-AF68-87E03F958053}"/>
+              </a:ext>
+            </a:extLst>
+          </p:cNvPr>
+          <p:cNvSpPr>
+            <a:spLocks noGrp="1"/>
+          </p:cNvSpPr>
+          <p:nvPr>
+            <p:ph type="title"/>
+          </p:nvPr>
+        </p:nvSpPr>
+        <p:spPr/>
+        <p:txBody>
+          <a:bodyPr>
+            <a:normAutofit/>
+          </a:bodyPr>
+          <a:lstStyle/>
+          <a:p>
+            <a:r>
+              <a:rPr lang="en-GB" sz="1800" noProof="0" dirty="0"/>
+              <a:t>Conclusion and Future Developments</a:t>
+            </a:r>
+          </a:p>
+        </p:txBody>
+      </p:sp>
+      <p:sp>
+        <p:nvSpPr>
+          <p:cNvPr id="7" name="Segnaposto contenuto 6">
+            <a:extLst>
+              <a:ext uri="{FF2B5EF4-FFF2-40B4-BE49-F238E27FC236}">
+                <a16:creationId xmlns:a16="http://schemas.microsoft.com/office/drawing/2014/main" id="{A56E1F26-ECE6-16AB-8395-CD7A7DE69691}"/>
+              </a:ext>
+            </a:extLst>
+          </p:cNvPr>
+          <p:cNvSpPr>
+            <a:spLocks noGrp="1"/>
+          </p:cNvSpPr>
+          <p:nvPr>
+            <p:ph idx="26"/>
+          </p:nvPr>
+        </p:nvSpPr>
+        <p:spPr>
+          <a:xfrm>
+            <a:off x="257969" y="1084900"/>
+            <a:ext cx="6933406" cy="3414648"/>
+          </a:xfrm>
+        </p:spPr>
+        <p:txBody>
+          <a:bodyPr/>
+          <a:lstStyle/>
+          <a:p>
+            <a:pPr>
+              <a:lnSpc>
+                <a:spcPct val="150000"/>
+              </a:lnSpc>
+            </a:pPr>
+            <a:endParaRPr lang="en-GB" noProof="0" dirty="0"/>
+          </a:p>
+        </p:txBody>
+      </p:sp>
+    </p:spTree>
+    <p:extLst>
+      <p:ext uri="{BB962C8B-B14F-4D97-AF65-F5344CB8AC3E}">
+        <p14:creationId xmlns:p14="http://schemas.microsoft.com/office/powerpoint/2010/main" val="388601980"/>
+      </p:ext>
+    </p:extLst>
+  </p:cSld>
+  <p:clrMapOvr>
+    <a:masterClrMapping/>
+  </p:clrMapOvr>
+</p:sld>
+</file>
+
+<file path=ppt/slides/slide14.xml><?xml version="1.0" encoding="utf-8"?>
+<p:sld xmlns:a="http://schemas.openxmlformats.org/drawingml/2006/main" xmlns:r="http://schemas.openxmlformats.org/officeDocument/2006/relationships" xmlns:p="http://schemas.openxmlformats.org/presentationml/2006/main">
+  <p:cSld>
+    <p:spTree>
+      <p:nvGrpSpPr>
+        <p:cNvPr id="1" name="">
+          <a:extLst>
+            <a:ext uri="{FF2B5EF4-FFF2-40B4-BE49-F238E27FC236}">
+              <a16:creationId xmlns:a16="http://schemas.microsoft.com/office/drawing/2014/main" id="{8C3D5489-9CBD-3FC1-529F-CD125FC4B2BB}"/>
+            </a:ext>
+          </a:extLst>
+        </p:cNvPr>
+        <p:cNvGrpSpPr/>
+        <p:nvPr/>
+      </p:nvGrpSpPr>
+      <p:grpSpPr>
+        <a:xfrm>
+          <a:off x="0" y="0"/>
+          <a:ext cx="0" cy="0"/>
+          <a:chOff x="0" y="0"/>
+          <a:chExt cx="0" cy="0"/>
+        </a:xfrm>
+      </p:grpSpPr>
+      <p:sp>
+        <p:nvSpPr>
+          <p:cNvPr id="2" name="Segnaposto piè di pagina 1">
+            <a:extLst>
+              <a:ext uri="{FF2B5EF4-FFF2-40B4-BE49-F238E27FC236}">
+                <a16:creationId xmlns:a16="http://schemas.microsoft.com/office/drawing/2014/main" id="{EFDEF027-B165-075E-03DC-0E8F261CEDD8}"/>
+              </a:ext>
+            </a:extLst>
+          </p:cNvPr>
+          <p:cNvSpPr>
+            <a:spLocks noGrp="1"/>
+          </p:cNvSpPr>
+          <p:nvPr>
+            <p:ph type="ftr" sz="quarter" idx="3"/>
+          </p:nvPr>
+        </p:nvSpPr>
+        <p:spPr/>
+        <p:txBody>
+          <a:bodyPr/>
+          <a:lstStyle/>
+          <a:p>
+            <a:r>
+              <a:rPr lang="en-GB" noProof="0" dirty="0"/>
+              <a:t>Reference</a:t>
+            </a:r>
+          </a:p>
+        </p:txBody>
+      </p:sp>
+      <p:sp>
+        <p:nvSpPr>
+          <p:cNvPr id="4" name="Titolo 3">
+            <a:extLst>
+              <a:ext uri="{FF2B5EF4-FFF2-40B4-BE49-F238E27FC236}">
+                <a16:creationId xmlns:a16="http://schemas.microsoft.com/office/drawing/2014/main" id="{97E1A442-EBD2-13C8-2C85-01EED6504969}"/>
+              </a:ext>
+            </a:extLst>
+          </p:cNvPr>
+          <p:cNvSpPr>
+            <a:spLocks noGrp="1"/>
+          </p:cNvSpPr>
+          <p:nvPr>
+            <p:ph type="title"/>
+          </p:nvPr>
+        </p:nvSpPr>
+        <p:spPr>
+          <a:xfrm>
+            <a:off x="1105297" y="1833518"/>
+            <a:ext cx="6933406" cy="894414"/>
+          </a:xfrm>
+        </p:spPr>
+        <p:txBody>
+          <a:bodyPr>
+            <a:normAutofit/>
+          </a:bodyPr>
+          <a:lstStyle/>
+          <a:p>
+            <a:pPr algn="ctr"/>
+            <a:r>
+              <a:rPr lang="en-GB" sz="1800" noProof="0" dirty="0"/>
+              <a:t>Enhancing Fault Isolation in Hardware Systems Using Large Language Models (LLMs) </a:t>
+            </a:r>
+          </a:p>
+        </p:txBody>
+      </p:sp>
+      <p:sp>
+        <p:nvSpPr>
+          <p:cNvPr id="8" name="Segnaposto contenuto 6">
+            <a:extLst>
+              <a:ext uri="{FF2B5EF4-FFF2-40B4-BE49-F238E27FC236}">
+                <a16:creationId xmlns:a16="http://schemas.microsoft.com/office/drawing/2014/main" id="{6A97D92B-8FC4-1248-E446-DBF9FE5FD01D}"/>
+              </a:ext>
+            </a:extLst>
+          </p:cNvPr>
+          <p:cNvSpPr>
+            <a:spLocks noGrp="1"/>
+          </p:cNvSpPr>
+          <p:nvPr>
+            <p:ph idx="26"/>
+          </p:nvPr>
+        </p:nvSpPr>
+        <p:spPr>
+          <a:xfrm>
+            <a:off x="1105297" y="2862775"/>
+            <a:ext cx="6933406" cy="1664907"/>
+          </a:xfrm>
+        </p:spPr>
+        <p:txBody>
+          <a:bodyPr>
+            <a:normAutofit/>
+          </a:bodyPr>
+          <a:lstStyle/>
+          <a:p>
+            <a:pPr marL="0" indent="0" algn="ctr">
+              <a:buNone/>
+            </a:pPr>
+            <a:endParaRPr lang="en-GB" sz="1400" noProof="0" dirty="0"/>
+          </a:p>
+          <a:p>
+            <a:pPr marL="0" indent="0" algn="ctr">
+              <a:buNone/>
+            </a:pPr>
+            <a:r>
+              <a:rPr lang="en-GB" sz="1600" noProof="0" dirty="0"/>
+              <a:t>Matteo </a:t>
+            </a:r>
+            <a:r>
+              <a:rPr lang="en-GB" sz="1600" noProof="0" dirty="0" err="1"/>
+              <a:t>Gianvenuti</a:t>
+            </a:r>
+            <a:endParaRPr lang="en-GB" sz="1600" noProof="0" dirty="0"/>
+          </a:p>
+          <a:p>
+            <a:pPr marL="0" indent="0" algn="ctr">
+              <a:buNone/>
+            </a:pPr>
+            <a:endParaRPr lang="en-GB" sz="1400" dirty="0"/>
+          </a:p>
+          <a:p>
+            <a:pPr marL="0" indent="0" algn="ctr">
+              <a:buNone/>
+            </a:pPr>
+            <a:endParaRPr lang="en-GB" sz="1400" noProof="0" dirty="0"/>
+          </a:p>
+          <a:p>
+            <a:pPr marL="0" indent="0" algn="ctr">
+              <a:lnSpc>
+                <a:spcPct val="150000"/>
+              </a:lnSpc>
+              <a:buNone/>
+            </a:pPr>
+            <a:r>
+              <a:rPr lang="en-GB" sz="1050" noProof="0" dirty="0" err="1"/>
+              <a:t>Accademic</a:t>
+            </a:r>
+            <a:r>
+              <a:rPr lang="en-GB" sz="1050" noProof="0" dirty="0"/>
+              <a:t> year 2024/2025</a:t>
+            </a:r>
+          </a:p>
+        </p:txBody>
+      </p:sp>
+      <p:pic>
+        <p:nvPicPr>
+          <p:cNvPr id="5" name="Picture 10">
+            <a:extLst>
+              <a:ext uri="{FF2B5EF4-FFF2-40B4-BE49-F238E27FC236}">
+                <a16:creationId xmlns:a16="http://schemas.microsoft.com/office/drawing/2014/main" id="{46B89435-1B22-AE9D-B757-8BA8374B280A}"/>
+              </a:ext>
+            </a:extLst>
+          </p:cNvPr>
+          <p:cNvPicPr/>
+          <p:nvPr/>
+        </p:nvPicPr>
+        <p:blipFill>
+          <a:blip r:embed="rId2"/>
+          <a:stretch>
+            <a:fillRect/>
+          </a:stretch>
+        </p:blipFill>
+        <p:spPr>
+          <a:xfrm>
+            <a:off x="2879725" y="410364"/>
+            <a:ext cx="3384550" cy="1143000"/>
+          </a:xfrm>
+          <a:prstGeom prst="rect">
+            <a:avLst/>
+          </a:prstGeom>
+        </p:spPr>
+      </p:pic>
+    </p:spTree>
+    <p:extLst>
+      <p:ext uri="{BB962C8B-B14F-4D97-AF65-F5344CB8AC3E}">
+        <p14:creationId xmlns:p14="http://schemas.microsoft.com/office/powerpoint/2010/main" val="609805909"/>
       </p:ext>
     </p:extLst>
   </p:cSld>
@@ -41390,7 +44234,15 @@
             </a:pPr>
             <a:r>
               <a:rPr lang="en-GB" b="1" noProof="0" dirty="0"/>
-              <a:t>Step One - Evaluating LLM Understanding of the System Schema</a:t>
+              <a:t>Step One </a:t>
+            </a:r>
+            <a:r>
+              <a:rPr lang="en-GB" sz="1400" dirty="0"/>
+              <a:t>–</a:t>
+            </a:r>
+            <a:r>
+              <a:rPr lang="en-GB" b="1" noProof="0" dirty="0"/>
+              <a:t> Evaluating LLM Understanding of the System Schema</a:t>
             </a:r>
           </a:p>
           <a:p>
@@ -41452,7 +44304,15 @@
             </a:pPr>
             <a:r>
               <a:rPr lang="en-GB" b="1" noProof="0" dirty="0"/>
-              <a:t>Step Two - E</a:t>
+              <a:t>Step Two </a:t>
+            </a:r>
+            <a:r>
+              <a:rPr lang="en-GB" sz="1400" dirty="0"/>
+              <a:t>–</a:t>
+            </a:r>
+            <a:r>
+              <a:rPr lang="en-GB" b="1" noProof="0" dirty="0"/>
+              <a:t> E</a:t>
             </a:r>
             <a:r>
               <a:rPr lang="en-GB" b="1" dirty="0"/>
@@ -41591,7 +44451,7 @@
           <a:p>
             <a:r>
               <a:rPr lang="en-GB" sz="1800" dirty="0"/>
-              <a:t>Step One - </a:t>
+              <a:t>Step One – </a:t>
             </a:r>
             <a:r>
               <a:rPr lang="en-GB" sz="1800" noProof="0" dirty="0"/>
@@ -41618,8 +44478,8 @@
         </p:nvSpPr>
         <p:spPr>
           <a:xfrm>
-            <a:off x="257969" y="1084900"/>
-            <a:ext cx="6933406" cy="3414648"/>
+            <a:off x="257968" y="1084900"/>
+            <a:ext cx="7430025" cy="3414648"/>
           </a:xfrm>
         </p:spPr>
         <p:txBody>
@@ -41708,6 +44568,27 @@
             </a:pPr>
             <a:r>
               <a:rPr lang="en-GB" b="1" noProof="0" dirty="0"/>
+              <a:t>Prompt Engineering </a:t>
+            </a:r>
+          </a:p>
+          <a:p>
+            <a:r>
+              <a:rPr lang="en-GB" dirty="0"/>
+              <a:t>In-Context Learning</a:t>
+            </a:r>
+          </a:p>
+          <a:p>
+            <a:pPr>
+              <a:buNone/>
+            </a:pPr>
+            <a:endParaRPr lang="en-GB" noProof="0" dirty="0"/>
+          </a:p>
+          <a:p>
+            <a:pPr>
+              <a:buNone/>
+            </a:pPr>
+            <a:r>
+              <a:rPr lang="en-GB" b="1" noProof="0" dirty="0"/>
               <a:t>Technological Evaluation</a:t>
             </a:r>
           </a:p>
@@ -41718,7 +44599,7 @@
             </a:pPr>
             <a:r>
               <a:rPr lang="en-GB" noProof="0" dirty="0"/>
-              <a:t>Comparison of existing LLM models</a:t>
+              <a:t>Comparison of existing LLMs: Llama3.2-3B-Instuct, Phi-4-mini-reasoning, Mistral-7B-Instruct-V0.3</a:t>
             </a:r>
           </a:p>
           <a:p>
@@ -41765,159 +44646,6 @@
           <p:cNvPr id="2" name="Segnaposto piè di pagina 1">
             <a:extLst>
               <a:ext uri="{FF2B5EF4-FFF2-40B4-BE49-F238E27FC236}">
-                <a16:creationId xmlns:a16="http://schemas.microsoft.com/office/drawing/2014/main" id="{F7BF671D-F17B-E2A4-FBB6-86743DF46E12}"/>
-              </a:ext>
-            </a:extLst>
-          </p:cNvPr>
-          <p:cNvSpPr>
-            <a:spLocks noGrp="1"/>
-          </p:cNvSpPr>
-          <p:nvPr>
-            <p:ph type="ftr" sz="quarter" idx="3"/>
-          </p:nvPr>
-        </p:nvSpPr>
-        <p:spPr/>
-        <p:txBody>
-          <a:bodyPr/>
-          <a:lstStyle/>
-          <a:p>
-            <a:r>
-              <a:rPr lang="en-GB" noProof="0" dirty="0"/>
-              <a:t>Reference</a:t>
-            </a:r>
-          </a:p>
-        </p:txBody>
-      </p:sp>
-      <p:sp>
-        <p:nvSpPr>
-          <p:cNvPr id="3" name="Segnaposto numero diapositiva 2">
-            <a:extLst>
-              <a:ext uri="{FF2B5EF4-FFF2-40B4-BE49-F238E27FC236}">
-                <a16:creationId xmlns:a16="http://schemas.microsoft.com/office/drawing/2014/main" id="{6D0123D6-13A1-9BB1-38DE-5DFDA473A38E}"/>
-              </a:ext>
-            </a:extLst>
-          </p:cNvPr>
-          <p:cNvSpPr>
-            <a:spLocks noGrp="1"/>
-          </p:cNvSpPr>
-          <p:nvPr>
-            <p:ph type="sldNum" sz="quarter" idx="4"/>
-          </p:nvPr>
-        </p:nvSpPr>
-        <p:spPr/>
-        <p:txBody>
-          <a:bodyPr/>
-          <a:lstStyle/>
-          <a:p>
-            <a:fld id="{500E0521-425D-DD45-BED6-A99962E298FC}" type="slidenum">
-              <a:rPr lang="en-GB" noProof="0" smtClean="0"/>
-              <a:pPr/>
-              <a:t>5</a:t>
-            </a:fld>
-            <a:endParaRPr lang="en-GB" noProof="0" dirty="0"/>
-          </a:p>
-        </p:txBody>
-      </p:sp>
-      <p:sp>
-        <p:nvSpPr>
-          <p:cNvPr id="4" name="Titolo 3">
-            <a:extLst>
-              <a:ext uri="{FF2B5EF4-FFF2-40B4-BE49-F238E27FC236}">
-                <a16:creationId xmlns:a16="http://schemas.microsoft.com/office/drawing/2014/main" id="{2668EE1A-8CAA-4DBF-3DF8-0AF66EF2BA81}"/>
-              </a:ext>
-            </a:extLst>
-          </p:cNvPr>
-          <p:cNvSpPr>
-            <a:spLocks noGrp="1"/>
-          </p:cNvSpPr>
-          <p:nvPr>
-            <p:ph type="title"/>
-          </p:nvPr>
-        </p:nvSpPr>
-        <p:spPr/>
-        <p:txBody>
-          <a:bodyPr>
-            <a:normAutofit/>
-          </a:bodyPr>
-          <a:lstStyle/>
-          <a:p>
-            <a:r>
-              <a:rPr lang="en-GB" sz="1800" noProof="0" dirty="0"/>
-              <a:t>S</a:t>
-            </a:r>
-          </a:p>
-        </p:txBody>
-      </p:sp>
-      <p:sp>
-        <p:nvSpPr>
-          <p:cNvPr id="7" name="Segnaposto contenuto 6">
-            <a:extLst>
-              <a:ext uri="{FF2B5EF4-FFF2-40B4-BE49-F238E27FC236}">
-                <a16:creationId xmlns:a16="http://schemas.microsoft.com/office/drawing/2014/main" id="{EE7732C2-F890-AC58-EB08-AF5FBACC532D}"/>
-              </a:ext>
-            </a:extLst>
-          </p:cNvPr>
-          <p:cNvSpPr>
-            <a:spLocks noGrp="1"/>
-          </p:cNvSpPr>
-          <p:nvPr>
-            <p:ph idx="26"/>
-          </p:nvPr>
-        </p:nvSpPr>
-        <p:spPr>
-          <a:xfrm>
-            <a:off x="257969" y="1084900"/>
-            <a:ext cx="6933406" cy="3414648"/>
-          </a:xfrm>
-        </p:spPr>
-        <p:txBody>
-          <a:bodyPr/>
-          <a:lstStyle/>
-          <a:p>
-            <a:pPr>
-              <a:lnSpc>
-                <a:spcPct val="150000"/>
-              </a:lnSpc>
-            </a:pPr>
-            <a:endParaRPr lang="en-GB" noProof="0" dirty="0"/>
-          </a:p>
-        </p:txBody>
-      </p:sp>
-    </p:spTree>
-    <p:extLst>
-      <p:ext uri="{BB962C8B-B14F-4D97-AF65-F5344CB8AC3E}">
-        <p14:creationId xmlns:p14="http://schemas.microsoft.com/office/powerpoint/2010/main" val="2834207350"/>
-      </p:ext>
-    </p:extLst>
-  </p:cSld>
-  <p:clrMapOvr>
-    <a:masterClrMapping/>
-  </p:clrMapOvr>
-</p:sld>
-</file>
-
-<file path=ppt/slides/slide6.xml><?xml version="1.0" encoding="utf-8"?>
-<p:sld xmlns:a="http://schemas.openxmlformats.org/drawingml/2006/main" xmlns:r="http://schemas.openxmlformats.org/officeDocument/2006/relationships" xmlns:p="http://schemas.openxmlformats.org/presentationml/2006/main">
-  <p:cSld>
-    <p:spTree>
-      <p:nvGrpSpPr>
-        <p:cNvPr id="1" name=""/>
-        <p:cNvGrpSpPr/>
-        <p:nvPr/>
-      </p:nvGrpSpPr>
-      <p:grpSpPr>
-        <a:xfrm>
-          <a:off x="0" y="0"/>
-          <a:ext cx="0" cy="0"/>
-          <a:chOff x="0" y="0"/>
-          <a:chExt cx="0" cy="0"/>
-        </a:xfrm>
-      </p:grpSpPr>
-      <p:sp>
-        <p:nvSpPr>
-          <p:cNvPr id="2" name="Segnaposto piè di pagina 1">
-            <a:extLst>
-              <a:ext uri="{FF2B5EF4-FFF2-40B4-BE49-F238E27FC236}">
                 <a16:creationId xmlns:a16="http://schemas.microsoft.com/office/drawing/2014/main" id="{6002430C-EAB4-8247-7D26-1139B373DDB5}"/>
               </a:ext>
             </a:extLst>
@@ -41965,7 +44693,7 @@
             <a:fld id="{500E0521-425D-DD45-BED6-A99962E298FC}" type="slidenum">
               <a:rPr lang="en-GB" noProof="0" smtClean="0"/>
               <a:pPr/>
-              <a:t>6</a:t>
+              <a:t>5</a:t>
             </a:fld>
             <a:endParaRPr lang="en-GB" noProof="0" dirty="0"/>
           </a:p>
@@ -41994,6 +44722,14 @@
           </a:bodyPr>
           <a:lstStyle/>
           <a:p>
+            <a:r>
+              <a:rPr lang="en-GB" sz="1800" noProof="0" dirty="0"/>
+              <a:t>Step </a:t>
+            </a:r>
+            <a:r>
+              <a:rPr lang="en-GB" sz="1800" dirty="0"/>
+              <a:t>One – </a:t>
+            </a:r>
             <a:r>
               <a:rPr lang="en-GB" sz="1800" noProof="0" dirty="0"/>
               <a:t>Sample System </a:t>
@@ -48750,7 +51486,7 @@
 </p:sld>
 </file>
 
-<file path=ppt/slides/slide7.xml><?xml version="1.0" encoding="utf-8"?>
+<file path=ppt/slides/slide6.xml><?xml version="1.0" encoding="utf-8"?>
 <p:sld xmlns:a="http://schemas.openxmlformats.org/drawingml/2006/main" xmlns:r="http://schemas.openxmlformats.org/officeDocument/2006/relationships" xmlns:p="http://schemas.openxmlformats.org/presentationml/2006/main">
   <p:cSld>
     <p:spTree>
@@ -48772,7 +51508,7 @@
           <p:cNvPr id="2" name="Segnaposto piè di pagina 1">
             <a:extLst>
               <a:ext uri="{FF2B5EF4-FFF2-40B4-BE49-F238E27FC236}">
-                <a16:creationId xmlns:a16="http://schemas.microsoft.com/office/drawing/2014/main" id="{F34FD32C-40F1-17E5-BFCE-414B362FED86}"/>
+                <a16:creationId xmlns:a16="http://schemas.microsoft.com/office/drawing/2014/main" id="{F7BF671D-F17B-E2A4-FBB6-86743DF46E12}"/>
               </a:ext>
             </a:extLst>
           </p:cNvPr>
@@ -48800,7 +51536,7 @@
           <p:cNvPr id="3" name="Segnaposto numero diapositiva 2">
             <a:extLst>
               <a:ext uri="{FF2B5EF4-FFF2-40B4-BE49-F238E27FC236}">
-                <a16:creationId xmlns:a16="http://schemas.microsoft.com/office/drawing/2014/main" id="{5C42C062-8BFC-6B9A-41E7-A757A8442452}"/>
+                <a16:creationId xmlns:a16="http://schemas.microsoft.com/office/drawing/2014/main" id="{6D0123D6-13A1-9BB1-38DE-5DFDA473A38E}"/>
               </a:ext>
             </a:extLst>
           </p:cNvPr>
@@ -48819,7 +51555,7 @@
             <a:fld id="{500E0521-425D-DD45-BED6-A99962E298FC}" type="slidenum">
               <a:rPr lang="en-GB" noProof="0" smtClean="0"/>
               <a:pPr/>
-              <a:t>7</a:t>
+              <a:t>6</a:t>
             </a:fld>
             <a:endParaRPr lang="en-GB" noProof="0" dirty="0"/>
           </a:p>
@@ -48830,7 +51566,7 @@
           <p:cNvPr id="4" name="Titolo 3">
             <a:extLst>
               <a:ext uri="{FF2B5EF4-FFF2-40B4-BE49-F238E27FC236}">
-                <a16:creationId xmlns:a16="http://schemas.microsoft.com/office/drawing/2014/main" id="{AFAE6C53-FD02-8F04-7599-20294A79A959}"/>
+                <a16:creationId xmlns:a16="http://schemas.microsoft.com/office/drawing/2014/main" id="{2668EE1A-8CAA-4DBF-3DF8-0AF66EF2BA81}"/>
               </a:ext>
             </a:extLst>
           </p:cNvPr>
@@ -48850,7 +51586,7 @@
           <a:p>
             <a:r>
               <a:rPr lang="en-GB" sz="1800" noProof="0" dirty="0"/>
-              <a:t>Components</a:t>
+              <a:t>Step One – Prompt Engineering and ICL</a:t>
             </a:r>
           </a:p>
         </p:txBody>
@@ -48860,7 +51596,7 @@
           <p:cNvPr id="7" name="Segnaposto contenuto 6">
             <a:extLst>
               <a:ext uri="{FF2B5EF4-FFF2-40B4-BE49-F238E27FC236}">
-                <a16:creationId xmlns:a16="http://schemas.microsoft.com/office/drawing/2014/main" id="{89BCD81A-F9B0-A4FB-CF43-72E11B929F1B}"/>
+                <a16:creationId xmlns:a16="http://schemas.microsoft.com/office/drawing/2014/main" id="{EE7732C2-F890-AC58-EB08-AF5FBACC532D}"/>
               </a:ext>
             </a:extLst>
           </p:cNvPr>
@@ -48873,112 +51609,27 @@
         </p:nvSpPr>
         <p:spPr>
           <a:xfrm>
-            <a:off x="257969" y="987552"/>
-            <a:ext cx="6933406" cy="3511996"/>
+            <a:off x="257969" y="1084900"/>
+            <a:ext cx="6933406" cy="3414648"/>
           </a:xfrm>
         </p:spPr>
         <p:txBody>
-          <a:bodyPr>
-            <a:normAutofit/>
-          </a:bodyPr>
+          <a:bodyPr/>
           <a:lstStyle/>
           <a:p>
-            <a:r>
-              <a:rPr lang="en-GB" b="1" noProof="0" dirty="0"/>
-              <a:t>Console</a:t>
-            </a:r>
-          </a:p>
-          <a:p>
-            <a:pPr marL="285739" lvl="1" indent="0">
-              <a:buNone/>
+            <a:pPr>
+              <a:lnSpc>
+                <a:spcPct val="150000"/>
+              </a:lnSpc>
             </a:pPr>
-            <a:r>
-              <a:rPr lang="en-GB" noProof="0" dirty="0"/>
-              <a:t>computer equipped with a monitor, keyboard, and mouse, allowing operators to interact with a system</a:t>
-            </a:r>
-            <a:endParaRPr lang="en-GB" b="1" noProof="0" dirty="0"/>
-          </a:p>
-          <a:p>
-            <a:r>
-              <a:rPr lang="en-GB" b="1" noProof="0" dirty="0"/>
-              <a:t>Switch</a:t>
-            </a:r>
-          </a:p>
-          <a:p>
-            <a:pPr marL="285739" lvl="1" indent="0">
-              <a:buNone/>
-            </a:pPr>
-            <a:r>
-              <a:rPr lang="en-GB" noProof="0" dirty="0"/>
-              <a:t>a networking device that connects multiple computers or devices, efficiently managing data traffic within a network</a:t>
-            </a:r>
-          </a:p>
-          <a:p>
-            <a:r>
-              <a:rPr lang="en-GB" b="1" noProof="0" dirty="0"/>
-              <a:t>Workstation</a:t>
-            </a:r>
-          </a:p>
-          <a:p>
-            <a:pPr marL="285739" lvl="1" indent="0">
-              <a:buNone/>
-            </a:pPr>
-            <a:r>
-              <a:rPr lang="en-GB" noProof="0" dirty="0"/>
-              <a:t>A high-performance computer</a:t>
-            </a:r>
-          </a:p>
-          <a:p>
-            <a:r>
-              <a:rPr lang="en-GB" b="1" noProof="0" dirty="0"/>
-              <a:t>SBC (Single Board Computer)</a:t>
-            </a:r>
-          </a:p>
-          <a:p>
-            <a:pPr marL="285739" lvl="1" indent="0">
-              <a:buNone/>
-            </a:pPr>
-            <a:r>
-              <a:rPr lang="en-GB" noProof="0" dirty="0"/>
-              <a:t>A compact computer with all essential components (CPU, memory, I/O) integrated onto a single board, used in embedded systems.</a:t>
-            </a:r>
-          </a:p>
-          <a:p>
-            <a:r>
-              <a:rPr lang="en-GB" b="1" noProof="0" dirty="0"/>
-              <a:t>NAS (Network Attached Storage)</a:t>
-            </a:r>
-          </a:p>
-          <a:p>
-            <a:pPr marL="285739" lvl="1" indent="0">
-              <a:buNone/>
-            </a:pPr>
-            <a:r>
-              <a:rPr lang="en-GB" noProof="0" dirty="0"/>
-              <a:t>A dedicated storage device connected to a network, allowing multiple users to store and access files remotely.</a:t>
-            </a:r>
-          </a:p>
-          <a:p>
-            <a:r>
-              <a:rPr lang="en-GB" b="1" noProof="0" dirty="0"/>
-              <a:t>Server</a:t>
-            </a:r>
-          </a:p>
-          <a:p>
-            <a:pPr marL="285739" lvl="1" indent="0">
-              <a:buNone/>
-            </a:pPr>
-            <a:r>
-              <a:rPr lang="en-GB" noProof="0" dirty="0"/>
-              <a:t>A powerful computer that provides services or resources to other computers, managing data, applications, or networks.</a:t>
-            </a:r>
+            <a:endParaRPr lang="en-GB" noProof="0" dirty="0"/>
           </a:p>
         </p:txBody>
       </p:sp>
     </p:spTree>
     <p:extLst>
       <p:ext uri="{BB962C8B-B14F-4D97-AF65-F5344CB8AC3E}">
-        <p14:creationId xmlns:p14="http://schemas.microsoft.com/office/powerpoint/2010/main" val="3092189695"/>
+        <p14:creationId xmlns:p14="http://schemas.microsoft.com/office/powerpoint/2010/main" val="2834207350"/>
       </p:ext>
     </p:extLst>
   </p:cSld>
@@ -48988,7 +51639,7 @@
 </p:sld>
 </file>
 
-<file path=ppt/slides/slide8.xml><?xml version="1.0" encoding="utf-8"?>
+<file path=ppt/slides/slide7.xml><?xml version="1.0" encoding="utf-8"?>
 <p:sld xmlns:a="http://schemas.openxmlformats.org/drawingml/2006/main" xmlns:r="http://schemas.openxmlformats.org/officeDocument/2006/relationships" xmlns:p="http://schemas.openxmlformats.org/presentationml/2006/main">
   <p:cSld>
     <p:spTree>
@@ -48996,7 +51647,7 @@
         <p:cNvPr id="1" name="">
           <a:extLst>
             <a:ext uri="{FF2B5EF4-FFF2-40B4-BE49-F238E27FC236}">
-              <a16:creationId xmlns:a16="http://schemas.microsoft.com/office/drawing/2014/main" id="{8C3D5489-9CBD-3FC1-529F-CD125FC4B2BB}"/>
+              <a16:creationId xmlns:a16="http://schemas.microsoft.com/office/drawing/2014/main" id="{814CC3F1-8777-8739-8384-DCC1C4466330}"/>
             </a:ext>
           </a:extLst>
         </p:cNvPr>
@@ -49016,7 +51667,7 @@
           <p:cNvPr id="2" name="Segnaposto piè di pagina 1">
             <a:extLst>
               <a:ext uri="{FF2B5EF4-FFF2-40B4-BE49-F238E27FC236}">
-                <a16:creationId xmlns:a16="http://schemas.microsoft.com/office/drawing/2014/main" id="{EFDEF027-B165-075E-03DC-0E8F261CEDD8}"/>
+                <a16:creationId xmlns:a16="http://schemas.microsoft.com/office/drawing/2014/main" id="{FB2EABE5-642C-3731-DB48-355BF1E276D4}"/>
               </a:ext>
             </a:extLst>
           </p:cNvPr>
@@ -49041,10 +51692,40 @@
       </p:sp>
       <p:sp>
         <p:nvSpPr>
+          <p:cNvPr id="3" name="Segnaposto numero diapositiva 2">
+            <a:extLst>
+              <a:ext uri="{FF2B5EF4-FFF2-40B4-BE49-F238E27FC236}">
+                <a16:creationId xmlns:a16="http://schemas.microsoft.com/office/drawing/2014/main" id="{F8284851-DE40-0A4E-DFB4-34CE6A56CC57}"/>
+              </a:ext>
+            </a:extLst>
+          </p:cNvPr>
+          <p:cNvSpPr>
+            <a:spLocks noGrp="1"/>
+          </p:cNvSpPr>
+          <p:nvPr>
+            <p:ph type="sldNum" sz="quarter" idx="4"/>
+          </p:nvPr>
+        </p:nvSpPr>
+        <p:spPr/>
+        <p:txBody>
+          <a:bodyPr/>
+          <a:lstStyle/>
+          <a:p>
+            <a:fld id="{500E0521-425D-DD45-BED6-A99962E298FC}" type="slidenum">
+              <a:rPr lang="en-GB" noProof="0" smtClean="0"/>
+              <a:pPr/>
+              <a:t>7</a:t>
+            </a:fld>
+            <a:endParaRPr lang="en-GB" noProof="0" dirty="0"/>
+          </a:p>
+        </p:txBody>
+      </p:sp>
+      <p:sp>
+        <p:nvSpPr>
           <p:cNvPr id="4" name="Titolo 3">
             <a:extLst>
               <a:ext uri="{FF2B5EF4-FFF2-40B4-BE49-F238E27FC236}">
-                <a16:creationId xmlns:a16="http://schemas.microsoft.com/office/drawing/2014/main" id="{97E1A442-EBD2-13C8-2C85-01EED6504969}"/>
+                <a16:creationId xmlns:a16="http://schemas.microsoft.com/office/drawing/2014/main" id="{048EC829-D8F2-5761-F6FE-33C7841BAD1B}"/>
               </a:ext>
             </a:extLst>
           </p:cNvPr>
@@ -49055,32 +51736,26 @@
             <p:ph type="title"/>
           </p:nvPr>
         </p:nvSpPr>
-        <p:spPr>
-          <a:xfrm>
-            <a:off x="1105297" y="1833518"/>
-            <a:ext cx="6933406" cy="894414"/>
-          </a:xfrm>
-        </p:spPr>
+        <p:spPr/>
         <p:txBody>
           <a:bodyPr>
             <a:normAutofit/>
           </a:bodyPr>
           <a:lstStyle/>
           <a:p>
-            <a:pPr algn="ctr"/>
             <a:r>
               <a:rPr lang="en-GB" sz="1800" noProof="0" dirty="0"/>
-              <a:t>Enhancing Fault Isolation in Hardware Systems Using Large Language Models (LLM) </a:t>
+              <a:t>Step One – System Representation</a:t>
             </a:r>
           </a:p>
         </p:txBody>
       </p:sp>
       <p:sp>
         <p:nvSpPr>
-          <p:cNvPr id="8" name="Segnaposto contenuto 6">
+          <p:cNvPr id="7" name="Segnaposto contenuto 6">
             <a:extLst>
               <a:ext uri="{FF2B5EF4-FFF2-40B4-BE49-F238E27FC236}">
-                <a16:creationId xmlns:a16="http://schemas.microsoft.com/office/drawing/2014/main" id="{6A97D92B-8FC4-1248-E446-DBF9FE5FD01D}"/>
+                <a16:creationId xmlns:a16="http://schemas.microsoft.com/office/drawing/2014/main" id="{64B42FF5-FD99-4084-5CED-F2A658C5C232}"/>
               </a:ext>
             </a:extLst>
           </p:cNvPr>
@@ -49093,97 +51768,372 @@
         </p:nvSpPr>
         <p:spPr>
           <a:xfrm>
-            <a:off x="1105297" y="2862775"/>
-            <a:ext cx="6933406" cy="1664907"/>
+            <a:off x="257969" y="1084900"/>
+            <a:ext cx="6933406" cy="3414648"/>
           </a:xfrm>
         </p:spPr>
+        <p:txBody>
+          <a:bodyPr/>
+          <a:lstStyle/>
+          <a:p>
+            <a:pPr>
+              <a:lnSpc>
+                <a:spcPct val="150000"/>
+              </a:lnSpc>
+            </a:pPr>
+            <a:endParaRPr lang="en-GB" noProof="0" dirty="0"/>
+          </a:p>
+        </p:txBody>
+      </p:sp>
+    </p:spTree>
+    <p:extLst>
+      <p:ext uri="{BB962C8B-B14F-4D97-AF65-F5344CB8AC3E}">
+        <p14:creationId xmlns:p14="http://schemas.microsoft.com/office/powerpoint/2010/main" val="1463189521"/>
+      </p:ext>
+    </p:extLst>
+  </p:cSld>
+  <p:clrMapOvr>
+    <a:masterClrMapping/>
+  </p:clrMapOvr>
+</p:sld>
+</file>
+
+<file path=ppt/slides/slide8.xml><?xml version="1.0" encoding="utf-8"?>
+<p:sld xmlns:a="http://schemas.openxmlformats.org/drawingml/2006/main" xmlns:r="http://schemas.openxmlformats.org/officeDocument/2006/relationships" xmlns:p="http://schemas.openxmlformats.org/presentationml/2006/main">
+  <p:cSld>
+    <p:spTree>
+      <p:nvGrpSpPr>
+        <p:cNvPr id="1" name="">
+          <a:extLst>
+            <a:ext uri="{FF2B5EF4-FFF2-40B4-BE49-F238E27FC236}">
+              <a16:creationId xmlns:a16="http://schemas.microsoft.com/office/drawing/2014/main" id="{6956BEC0-5789-9EA8-2805-6CB7D880B7AC}"/>
+            </a:ext>
+          </a:extLst>
+        </p:cNvPr>
+        <p:cNvGrpSpPr/>
+        <p:nvPr/>
+      </p:nvGrpSpPr>
+      <p:grpSpPr>
+        <a:xfrm>
+          <a:off x="0" y="0"/>
+          <a:ext cx="0" cy="0"/>
+          <a:chOff x="0" y="0"/>
+          <a:chExt cx="0" cy="0"/>
+        </a:xfrm>
+      </p:grpSpPr>
+      <p:sp>
+        <p:nvSpPr>
+          <p:cNvPr id="2" name="Segnaposto piè di pagina 1">
+            <a:extLst>
+              <a:ext uri="{FF2B5EF4-FFF2-40B4-BE49-F238E27FC236}">
+                <a16:creationId xmlns:a16="http://schemas.microsoft.com/office/drawing/2014/main" id="{4E4CC85B-80DF-783E-47C3-B9E0F51D3F61}"/>
+              </a:ext>
+            </a:extLst>
+          </p:cNvPr>
+          <p:cNvSpPr>
+            <a:spLocks noGrp="1"/>
+          </p:cNvSpPr>
+          <p:nvPr>
+            <p:ph type="ftr" sz="quarter" idx="3"/>
+          </p:nvPr>
+        </p:nvSpPr>
+        <p:spPr/>
+        <p:txBody>
+          <a:bodyPr/>
+          <a:lstStyle/>
+          <a:p>
+            <a:r>
+              <a:rPr lang="en-GB" noProof="0" dirty="0"/>
+              <a:t>Reference</a:t>
+            </a:r>
+          </a:p>
+        </p:txBody>
+      </p:sp>
+      <p:sp>
+        <p:nvSpPr>
+          <p:cNvPr id="3" name="Segnaposto numero diapositiva 2">
+            <a:extLst>
+              <a:ext uri="{FF2B5EF4-FFF2-40B4-BE49-F238E27FC236}">
+                <a16:creationId xmlns:a16="http://schemas.microsoft.com/office/drawing/2014/main" id="{B5EB26B3-5CD4-7E14-0F47-396056546734}"/>
+              </a:ext>
+            </a:extLst>
+          </p:cNvPr>
+          <p:cNvSpPr>
+            <a:spLocks noGrp="1"/>
+          </p:cNvSpPr>
+          <p:nvPr>
+            <p:ph type="sldNum" sz="quarter" idx="4"/>
+          </p:nvPr>
+        </p:nvSpPr>
+        <p:spPr/>
+        <p:txBody>
+          <a:bodyPr/>
+          <a:lstStyle/>
+          <a:p>
+            <a:fld id="{500E0521-425D-DD45-BED6-A99962E298FC}" type="slidenum">
+              <a:rPr lang="en-GB" noProof="0" smtClean="0"/>
+              <a:pPr/>
+              <a:t>8</a:t>
+            </a:fld>
+            <a:endParaRPr lang="en-GB" noProof="0" dirty="0"/>
+          </a:p>
+        </p:txBody>
+      </p:sp>
+      <p:sp>
+        <p:nvSpPr>
+          <p:cNvPr id="4" name="Titolo 3">
+            <a:extLst>
+              <a:ext uri="{FF2B5EF4-FFF2-40B4-BE49-F238E27FC236}">
+                <a16:creationId xmlns:a16="http://schemas.microsoft.com/office/drawing/2014/main" id="{CCE6D897-8BE1-3C69-5346-1B65AD43819C}"/>
+              </a:ext>
+            </a:extLst>
+          </p:cNvPr>
+          <p:cNvSpPr>
+            <a:spLocks noGrp="1"/>
+          </p:cNvSpPr>
+          <p:nvPr>
+            <p:ph type="title"/>
+          </p:nvPr>
+        </p:nvSpPr>
+        <p:spPr/>
         <p:txBody>
           <a:bodyPr>
             <a:normAutofit/>
           </a:bodyPr>
           <a:lstStyle/>
           <a:p>
-            <a:pPr marL="0" indent="0" algn="ctr">
-              <a:buNone/>
-            </a:pPr>
-            <a:endParaRPr lang="en-GB" sz="1400" noProof="0" dirty="0"/>
-          </a:p>
-          <a:p>
-            <a:pPr marL="0" indent="0" algn="ctr">
-              <a:buNone/>
-            </a:pPr>
-            <a:r>
-              <a:rPr lang="en-GB" sz="1600" noProof="0" dirty="0"/>
-              <a:t>Matteo </a:t>
-            </a:r>
-            <a:r>
-              <a:rPr lang="en-GB" sz="1600" noProof="0" dirty="0" err="1"/>
-              <a:t>Gianvenuti</a:t>
-            </a:r>
-            <a:endParaRPr lang="en-GB" sz="1600" noProof="0" dirty="0"/>
-          </a:p>
-          <a:p>
-            <a:pPr marL="0" indent="0" algn="ctr">
-              <a:buNone/>
-            </a:pPr>
-            <a:endParaRPr lang="en-GB" sz="1400" dirty="0"/>
-          </a:p>
-          <a:p>
-            <a:pPr marL="0" indent="0" algn="ctr">
-              <a:buNone/>
-            </a:pPr>
-            <a:endParaRPr lang="en-GB" sz="1400" noProof="0" dirty="0"/>
-          </a:p>
-          <a:p>
-            <a:pPr marL="0" indent="0" algn="ctr">
+            <a:r>
+              <a:rPr lang="en-GB" sz="1800" noProof="0" dirty="0"/>
+              <a:t>Step </a:t>
+            </a:r>
+            <a:r>
+              <a:rPr lang="en-GB" sz="1800" dirty="0"/>
+              <a:t>One – Model Size Capabilities</a:t>
+            </a:r>
+            <a:endParaRPr lang="en-GB" sz="1800" noProof="0" dirty="0"/>
+          </a:p>
+        </p:txBody>
+      </p:sp>
+      <p:sp>
+        <p:nvSpPr>
+          <p:cNvPr id="7" name="Segnaposto contenuto 6">
+            <a:extLst>
+              <a:ext uri="{FF2B5EF4-FFF2-40B4-BE49-F238E27FC236}">
+                <a16:creationId xmlns:a16="http://schemas.microsoft.com/office/drawing/2014/main" id="{0E5225CE-BF62-06E1-11B7-85D28E48A8D3}"/>
+              </a:ext>
+            </a:extLst>
+          </p:cNvPr>
+          <p:cNvSpPr>
+            <a:spLocks noGrp="1"/>
+          </p:cNvSpPr>
+          <p:nvPr>
+            <p:ph idx="26"/>
+          </p:nvPr>
+        </p:nvSpPr>
+        <p:spPr>
+          <a:xfrm>
+            <a:off x="257969" y="1084900"/>
+            <a:ext cx="6933406" cy="3414648"/>
+          </a:xfrm>
+        </p:spPr>
+        <p:txBody>
+          <a:bodyPr/>
+          <a:lstStyle/>
+          <a:p>
+            <a:pPr>
               <a:lnSpc>
                 <a:spcPct val="150000"/>
               </a:lnSpc>
-              <a:buNone/>
             </a:pPr>
-            <a:r>
-              <a:rPr lang="en-GB" sz="1050" noProof="0" dirty="0" err="1"/>
-              <a:t>Accademic</a:t>
-            </a:r>
-            <a:r>
-              <a:rPr lang="en-GB" sz="1050" noProof="0" dirty="0"/>
-              <a:t> year 2024/2025</a:t>
-            </a:r>
+            <a:endParaRPr lang="en-GB" noProof="0" dirty="0"/>
           </a:p>
         </p:txBody>
       </p:sp>
-      <p:pic>
-        <p:nvPicPr>
-          <p:cNvPr id="5" name="Picture 10">
+    </p:spTree>
+    <p:extLst>
+      <p:ext uri="{BB962C8B-B14F-4D97-AF65-F5344CB8AC3E}">
+        <p14:creationId xmlns:p14="http://schemas.microsoft.com/office/powerpoint/2010/main" val="2578450740"/>
+      </p:ext>
+    </p:extLst>
+  </p:cSld>
+  <p:clrMapOvr>
+    <a:masterClrMapping/>
+  </p:clrMapOvr>
+</p:sld>
+</file>
+
+<file path=ppt/slides/slide9.xml><?xml version="1.0" encoding="utf-8"?>
+<p:sld xmlns:a="http://schemas.openxmlformats.org/drawingml/2006/main" xmlns:r="http://schemas.openxmlformats.org/officeDocument/2006/relationships" xmlns:p="http://schemas.openxmlformats.org/presentationml/2006/main">
+  <p:cSld>
+    <p:spTree>
+      <p:nvGrpSpPr>
+        <p:cNvPr id="1" name="">
+          <a:extLst>
+            <a:ext uri="{FF2B5EF4-FFF2-40B4-BE49-F238E27FC236}">
+              <a16:creationId xmlns:a16="http://schemas.microsoft.com/office/drawing/2014/main" id="{AB42FD1F-00CC-4A5D-BB95-1A2531161FC3}"/>
+            </a:ext>
+          </a:extLst>
+        </p:cNvPr>
+        <p:cNvGrpSpPr/>
+        <p:nvPr/>
+      </p:nvGrpSpPr>
+      <p:grpSpPr>
+        <a:xfrm>
+          <a:off x="0" y="0"/>
+          <a:ext cx="0" cy="0"/>
+          <a:chOff x="0" y="0"/>
+          <a:chExt cx="0" cy="0"/>
+        </a:xfrm>
+      </p:grpSpPr>
+      <p:sp>
+        <p:nvSpPr>
+          <p:cNvPr id="2" name="Segnaposto piè di pagina 1">
             <a:extLst>
               <a:ext uri="{FF2B5EF4-FFF2-40B4-BE49-F238E27FC236}">
-                <a16:creationId xmlns:a16="http://schemas.microsoft.com/office/drawing/2014/main" id="{46B89435-1B22-AE9D-B757-8BA8374B280A}"/>
+                <a16:creationId xmlns:a16="http://schemas.microsoft.com/office/drawing/2014/main" id="{7A7402BB-A6CF-7EFA-D2DE-FFC9B2F15553}"/>
               </a:ext>
             </a:extLst>
           </p:cNvPr>
-          <p:cNvPicPr/>
-          <p:nvPr/>
-        </p:nvPicPr>
-        <p:blipFill>
-          <a:blip r:embed="rId2"/>
-          <a:stretch>
-            <a:fillRect/>
-          </a:stretch>
-        </p:blipFill>
-        <p:spPr>
-          <a:xfrm>
-            <a:off x="2879725" y="410364"/>
-            <a:ext cx="3384550" cy="1143000"/>
-          </a:xfrm>
-          <a:prstGeom prst="rect">
-            <a:avLst/>
-          </a:prstGeom>
-        </p:spPr>
-      </p:pic>
+          <p:cNvSpPr>
+            <a:spLocks noGrp="1"/>
+          </p:cNvSpPr>
+          <p:nvPr>
+            <p:ph type="ftr" sz="quarter" idx="3"/>
+          </p:nvPr>
+        </p:nvSpPr>
+        <p:spPr/>
+        <p:txBody>
+          <a:bodyPr/>
+          <a:lstStyle/>
+          <a:p>
+            <a:r>
+              <a:rPr lang="en-GB" noProof="0" dirty="0"/>
+              <a:t>Reference</a:t>
+            </a:r>
+          </a:p>
+        </p:txBody>
+      </p:sp>
+      <p:sp>
+        <p:nvSpPr>
+          <p:cNvPr id="3" name="Segnaposto numero diapositiva 2">
+            <a:extLst>
+              <a:ext uri="{FF2B5EF4-FFF2-40B4-BE49-F238E27FC236}">
+                <a16:creationId xmlns:a16="http://schemas.microsoft.com/office/drawing/2014/main" id="{DD0C191A-A3AA-0739-C8AA-79742F25C856}"/>
+              </a:ext>
+            </a:extLst>
+          </p:cNvPr>
+          <p:cNvSpPr>
+            <a:spLocks noGrp="1"/>
+          </p:cNvSpPr>
+          <p:nvPr>
+            <p:ph type="sldNum" sz="quarter" idx="4"/>
+          </p:nvPr>
+        </p:nvSpPr>
+        <p:spPr/>
+        <p:txBody>
+          <a:bodyPr/>
+          <a:lstStyle/>
+          <a:p>
+            <a:fld id="{500E0521-425D-DD45-BED6-A99962E298FC}" type="slidenum">
+              <a:rPr lang="en-GB" noProof="0" smtClean="0"/>
+              <a:pPr/>
+              <a:t>9</a:t>
+            </a:fld>
+            <a:endParaRPr lang="en-GB" noProof="0" dirty="0"/>
+          </a:p>
+        </p:txBody>
+      </p:sp>
+      <p:sp>
+        <p:nvSpPr>
+          <p:cNvPr id="4" name="Titolo 3">
+            <a:extLst>
+              <a:ext uri="{FF2B5EF4-FFF2-40B4-BE49-F238E27FC236}">
+                <a16:creationId xmlns:a16="http://schemas.microsoft.com/office/drawing/2014/main" id="{16544AC4-BE59-257D-5BAD-291597C1E60C}"/>
+              </a:ext>
+            </a:extLst>
+          </p:cNvPr>
+          <p:cNvSpPr>
+            <a:spLocks noGrp="1"/>
+          </p:cNvSpPr>
+          <p:nvPr>
+            <p:ph type="title"/>
+          </p:nvPr>
+        </p:nvSpPr>
+        <p:spPr/>
+        <p:txBody>
+          <a:bodyPr>
+            <a:normAutofit/>
+          </a:bodyPr>
+          <a:lstStyle/>
+          <a:p>
+            <a:r>
+              <a:rPr lang="en-GB" sz="1800" dirty="0"/>
+              <a:t>Step One – Models Comparison</a:t>
+            </a:r>
+            <a:endParaRPr lang="en-GB" sz="1800" noProof="0" dirty="0"/>
+          </a:p>
+        </p:txBody>
+      </p:sp>
+      <p:graphicFrame>
+        <p:nvGraphicFramePr>
+          <p:cNvPr id="5" name="Chart 4">
+            <a:extLst>
+              <a:ext uri="{FF2B5EF4-FFF2-40B4-BE49-F238E27FC236}">
+                <a16:creationId xmlns:a16="http://schemas.microsoft.com/office/drawing/2014/main" id="{1DB15A90-2015-4DAE-B8B9-31B22BB03B4B}"/>
+              </a:ext>
+            </a:extLst>
+          </p:cNvPr>
+          <p:cNvGraphicFramePr/>
+          <p:nvPr>
+            <p:extLst>
+              <p:ext uri="{D42A27DB-BD31-4B8C-83A1-F6EECF244321}">
+                <p14:modId xmlns:p14="http://schemas.microsoft.com/office/powerpoint/2010/main" val="3148097134"/>
+              </p:ext>
+            </p:extLst>
+          </p:nvPr>
+        </p:nvGraphicFramePr>
+        <p:xfrm>
+          <a:off x="757896" y="1687829"/>
+          <a:ext cx="1780149" cy="1843161"/>
+        </p:xfrm>
+        <a:graphic>
+          <a:graphicData uri="http://schemas.openxmlformats.org/drawingml/2006/chart">
+            <c:chart xmlns:c="http://schemas.openxmlformats.org/drawingml/2006/chart" xmlns:r="http://schemas.openxmlformats.org/officeDocument/2006/relationships" r:id="rId2"/>
+          </a:graphicData>
+        </a:graphic>
+      </p:graphicFrame>
+      <p:graphicFrame>
+        <p:nvGraphicFramePr>
+          <p:cNvPr id="6" name="Chart 5">
+            <a:extLst>
+              <a:ext uri="{FF2B5EF4-FFF2-40B4-BE49-F238E27FC236}">
+                <a16:creationId xmlns:a16="http://schemas.microsoft.com/office/drawing/2014/main" id="{15C5FB37-0070-CC64-C252-AA043A02AF2C}"/>
+              </a:ext>
+            </a:extLst>
+          </p:cNvPr>
+          <p:cNvGraphicFramePr/>
+          <p:nvPr>
+            <p:extLst>
+              <p:ext uri="{D42A27DB-BD31-4B8C-83A1-F6EECF244321}">
+                <p14:modId xmlns:p14="http://schemas.microsoft.com/office/powerpoint/2010/main" val="2758418826"/>
+              </p:ext>
+            </p:extLst>
+          </p:nvPr>
+        </p:nvGraphicFramePr>
+        <p:xfrm>
+          <a:off x="2538045" y="1687830"/>
+          <a:ext cx="4067911" cy="1843160"/>
+        </p:xfrm>
+        <a:graphic>
+          <a:graphicData uri="http://schemas.openxmlformats.org/drawingml/2006/chart">
+            <c:chart xmlns:c="http://schemas.openxmlformats.org/drawingml/2006/chart" xmlns:r="http://schemas.openxmlformats.org/officeDocument/2006/relationships" r:id="rId3"/>
+          </a:graphicData>
+        </a:graphic>
+      </p:graphicFrame>
     </p:spTree>
     <p:extLst>
       <p:ext uri="{BB962C8B-B14F-4D97-AF65-F5344CB8AC3E}">
-        <p14:creationId xmlns:p14="http://schemas.microsoft.com/office/powerpoint/2010/main" val="609805909"/>
+        <p14:creationId xmlns:p14="http://schemas.microsoft.com/office/powerpoint/2010/main" val="2554264365"/>
       </p:ext>
     </p:extLst>
   </p:cSld>
@@ -50789,9 +53739,12 @@
 </file>
 
 <file path=customXml/item1.xml><?xml version="1.0" encoding="utf-8"?>
-<p:properties xmlns:p="http://schemas.microsoft.com/office/2006/metadata/properties" xmlns:xsi="http://www.w3.org/2001/XMLSchema-instance" xmlns:pc="http://schemas.microsoft.com/office/infopath/2007/PartnerControls">
-  <documentManagement/>
-</p:properties>
+<?mso-contentType ?>
+<FormTemplates xmlns="http://schemas.microsoft.com/sharepoint/v3/contenttype/forms">
+  <Display>DocumentLibraryForm</Display>
+  <Edit>DocumentLibraryForm</Edit>
+  <New>DocumentLibraryForm</New>
+</FormTemplates>
 </file>
 
 <file path=customXml/item2.xml><?xml version="1.0" encoding="utf-8"?>
@@ -50909,25 +53862,15 @@
 </file>
 
 <file path=customXml/item3.xml><?xml version="1.0" encoding="utf-8"?>
-<?mso-contentType ?>
-<FormTemplates xmlns="http://schemas.microsoft.com/sharepoint/v3/contenttype/forms">
-  <Display>DocumentLibraryForm</Display>
-  <Edit>DocumentLibraryForm</Edit>
-  <New>DocumentLibraryForm</New>
-</FormTemplates>
+<p:properties xmlns:p="http://schemas.microsoft.com/office/2006/metadata/properties" xmlns:xsi="http://www.w3.org/2001/XMLSchema-instance" xmlns:pc="http://schemas.microsoft.com/office/infopath/2007/PartnerControls">
+  <documentManagement/>
+</p:properties>
 </file>
 
 <file path=customXml/itemProps1.xml><?xml version="1.0" encoding="utf-8"?>
-<ds:datastoreItem xmlns:ds="http://schemas.openxmlformats.org/officeDocument/2006/customXml" ds:itemID="{23B6992B-7B9D-4423-9AA1-4557F2A2D8FB}">
+<ds:datastoreItem xmlns:ds="http://schemas.openxmlformats.org/officeDocument/2006/customXml" ds:itemID="{C8359B68-3A07-473A-8B77-A623612D8069}">
   <ds:schemaRefs>
-    <ds:schemaRef ds:uri="http://purl.org/dc/elements/1.1/"/>
-    <ds:schemaRef ds:uri="http://schemas.microsoft.com/office/2006/metadata/properties"/>
-    <ds:schemaRef ds:uri="http://purl.org/dc/terms/"/>
-    <ds:schemaRef ds:uri="http://schemas.openxmlformats.org/package/2006/metadata/core-properties"/>
-    <ds:schemaRef ds:uri="http://schemas.microsoft.com/office/2006/documentManagement/types"/>
-    <ds:schemaRef ds:uri="http://schemas.microsoft.com/office/infopath/2007/PartnerControls"/>
-    <ds:schemaRef ds:uri="http://www.w3.org/XML/1998/namespace"/>
-    <ds:schemaRef ds:uri="http://purl.org/dc/dcmitype/"/>
+    <ds:schemaRef ds:uri="http://schemas.microsoft.com/sharepoint/v3/contenttype/forms"/>
   </ds:schemaRefs>
 </ds:datastoreItem>
 </file>
@@ -50949,9 +53892,16 @@
 </file>
 
 <file path=customXml/itemProps3.xml><?xml version="1.0" encoding="utf-8"?>
-<ds:datastoreItem xmlns:ds="http://schemas.openxmlformats.org/officeDocument/2006/customXml" ds:itemID="{C8359B68-3A07-473A-8B77-A623612D8069}">
+<ds:datastoreItem xmlns:ds="http://schemas.openxmlformats.org/officeDocument/2006/customXml" ds:itemID="{23B6992B-7B9D-4423-9AA1-4557F2A2D8FB}">
   <ds:schemaRefs>
-    <ds:schemaRef ds:uri="http://schemas.microsoft.com/sharepoint/v3/contenttype/forms"/>
+    <ds:schemaRef ds:uri="http://purl.org/dc/elements/1.1/"/>
+    <ds:schemaRef ds:uri="http://schemas.microsoft.com/office/2006/metadata/properties"/>
+    <ds:schemaRef ds:uri="http://purl.org/dc/terms/"/>
+    <ds:schemaRef ds:uri="http://schemas.openxmlformats.org/package/2006/metadata/core-properties"/>
+    <ds:schemaRef ds:uri="http://schemas.microsoft.com/office/2006/documentManagement/types"/>
+    <ds:schemaRef ds:uri="http://schemas.microsoft.com/office/infopath/2007/PartnerControls"/>
+    <ds:schemaRef ds:uri="http://www.w3.org/XML/1998/namespace"/>
+    <ds:schemaRef ds:uri="http://purl.org/dc/dcmitype/"/>
   </ds:schemaRefs>
 </ds:datastoreItem>
 </file>
--- a/Presentation_Gianvenuti.pptx
+++ b/Presentation_Gianvenuti.pptx
@@ -9,10 +9,10 @@
     <p:sldMasterId id="2147483692" r:id="rId8"/>
   </p:sldMasterIdLst>
   <p:notesMasterIdLst>
-    <p:notesMasterId r:id="rId23"/>
+    <p:notesMasterId r:id="rId25"/>
   </p:notesMasterIdLst>
   <p:handoutMasterIdLst>
-    <p:handoutMasterId r:id="rId24"/>
+    <p:handoutMasterId r:id="rId26"/>
   </p:handoutMasterIdLst>
   <p:sldIdLst>
     <p:sldId id="556" r:id="rId9"/>
@@ -26,24 +26,26 @@
     <p:sldId id="570" r:id="rId17"/>
     <p:sldId id="568" r:id="rId18"/>
     <p:sldId id="569" r:id="rId19"/>
-    <p:sldId id="567" r:id="rId20"/>
-    <p:sldId id="566" r:id="rId21"/>
-    <p:sldId id="563" r:id="rId22"/>
+    <p:sldId id="571" r:id="rId20"/>
+    <p:sldId id="567" r:id="rId21"/>
+    <p:sldId id="572" r:id="rId22"/>
+    <p:sldId id="566" r:id="rId23"/>
+    <p:sldId id="563" r:id="rId24"/>
   </p:sldIdLst>
   <p:sldSz cx="9144000" cy="5143500" type="screen16x9"/>
   <p:notesSz cx="6808788" cy="9940925"/>
   <p:embeddedFontLst>
     <p:embeddedFont>
       <p:font typeface="Lato" panose="020F0502020204030203" pitchFamily="34" charset="0"/>
-      <p:regular r:id="rId25"/>
-      <p:bold r:id="rId26"/>
-      <p:italic r:id="rId27"/>
-      <p:boldItalic r:id="rId28"/>
+      <p:regular r:id="rId27"/>
+      <p:bold r:id="rId28"/>
+      <p:italic r:id="rId29"/>
+      <p:boldItalic r:id="rId30"/>
     </p:embeddedFont>
     <p:embeddedFont>
       <p:font typeface="Lato Medium" panose="020F0502020204030203" pitchFamily="34" charset="0"/>
-      <p:regular r:id="rId29"/>
-      <p:italic r:id="rId30"/>
+      <p:regular r:id="rId31"/>
+      <p:italic r:id="rId32"/>
     </p:embeddedFont>
   </p:embeddedFontLst>
   <p:defaultTextStyle>
@@ -43382,6 +43384,165 @@
         <p:cNvPr id="1" name="">
           <a:extLst>
             <a:ext uri="{FF2B5EF4-FFF2-40B4-BE49-F238E27FC236}">
+              <a16:creationId xmlns:a16="http://schemas.microsoft.com/office/drawing/2014/main" id="{A5C8C4F8-3C08-4AFF-0C67-8AAE578FE955}"/>
+            </a:ext>
+          </a:extLst>
+        </p:cNvPr>
+        <p:cNvGrpSpPr/>
+        <p:nvPr/>
+      </p:nvGrpSpPr>
+      <p:grpSpPr>
+        <a:xfrm>
+          <a:off x="0" y="0"/>
+          <a:ext cx="0" cy="0"/>
+          <a:chOff x="0" y="0"/>
+          <a:chExt cx="0" cy="0"/>
+        </a:xfrm>
+      </p:grpSpPr>
+      <p:sp>
+        <p:nvSpPr>
+          <p:cNvPr id="2" name="Segnaposto piè di pagina 1">
+            <a:extLst>
+              <a:ext uri="{FF2B5EF4-FFF2-40B4-BE49-F238E27FC236}">
+                <a16:creationId xmlns:a16="http://schemas.microsoft.com/office/drawing/2014/main" id="{DEC8D1E2-5752-B6FD-727C-578A22175018}"/>
+              </a:ext>
+            </a:extLst>
+          </p:cNvPr>
+          <p:cNvSpPr>
+            <a:spLocks noGrp="1"/>
+          </p:cNvSpPr>
+          <p:nvPr>
+            <p:ph type="ftr" sz="quarter" idx="3"/>
+          </p:nvPr>
+        </p:nvSpPr>
+        <p:spPr/>
+        <p:txBody>
+          <a:bodyPr/>
+          <a:lstStyle/>
+          <a:p>
+            <a:r>
+              <a:rPr lang="en-GB" noProof="0" dirty="0"/>
+              <a:t>Reference</a:t>
+            </a:r>
+          </a:p>
+        </p:txBody>
+      </p:sp>
+      <p:sp>
+        <p:nvSpPr>
+          <p:cNvPr id="3" name="Segnaposto numero diapositiva 2">
+            <a:extLst>
+              <a:ext uri="{FF2B5EF4-FFF2-40B4-BE49-F238E27FC236}">
+                <a16:creationId xmlns:a16="http://schemas.microsoft.com/office/drawing/2014/main" id="{8E53F71C-0A6F-6D00-0648-9B7FA2A84319}"/>
+              </a:ext>
+            </a:extLst>
+          </p:cNvPr>
+          <p:cNvSpPr>
+            <a:spLocks noGrp="1"/>
+          </p:cNvSpPr>
+          <p:nvPr>
+            <p:ph type="sldNum" sz="quarter" idx="4"/>
+          </p:nvPr>
+        </p:nvSpPr>
+        <p:spPr/>
+        <p:txBody>
+          <a:bodyPr/>
+          <a:lstStyle/>
+          <a:p>
+            <a:fld id="{500E0521-425D-DD45-BED6-A99962E298FC}" type="slidenum">
+              <a:rPr lang="en-GB" noProof="0" smtClean="0"/>
+              <a:pPr/>
+              <a:t>12</a:t>
+            </a:fld>
+            <a:endParaRPr lang="en-GB" noProof="0" dirty="0"/>
+          </a:p>
+        </p:txBody>
+      </p:sp>
+      <p:sp>
+        <p:nvSpPr>
+          <p:cNvPr id="4" name="Titolo 3">
+            <a:extLst>
+              <a:ext uri="{FF2B5EF4-FFF2-40B4-BE49-F238E27FC236}">
+                <a16:creationId xmlns:a16="http://schemas.microsoft.com/office/drawing/2014/main" id="{CEC467E1-0026-3DBA-50ED-1339600D8BCF}"/>
+              </a:ext>
+            </a:extLst>
+          </p:cNvPr>
+          <p:cNvSpPr>
+            <a:spLocks noGrp="1"/>
+          </p:cNvSpPr>
+          <p:nvPr>
+            <p:ph type="title"/>
+          </p:nvPr>
+        </p:nvSpPr>
+        <p:spPr/>
+        <p:txBody>
+          <a:bodyPr>
+            <a:normAutofit/>
+          </a:bodyPr>
+          <a:lstStyle/>
+          <a:p>
+            <a:r>
+              <a:rPr lang="en-GB" sz="1800" noProof="0" dirty="0"/>
+              <a:t>Step Two – Few-Shot Results</a:t>
+            </a:r>
+          </a:p>
+        </p:txBody>
+      </p:sp>
+      <p:sp>
+        <p:nvSpPr>
+          <p:cNvPr id="7" name="Segnaposto contenuto 6">
+            <a:extLst>
+              <a:ext uri="{FF2B5EF4-FFF2-40B4-BE49-F238E27FC236}">
+                <a16:creationId xmlns:a16="http://schemas.microsoft.com/office/drawing/2014/main" id="{06BC5D3D-9E95-D8BB-0975-D30BE8DDA7FE}"/>
+              </a:ext>
+            </a:extLst>
+          </p:cNvPr>
+          <p:cNvSpPr>
+            <a:spLocks noGrp="1"/>
+          </p:cNvSpPr>
+          <p:nvPr>
+            <p:ph idx="26"/>
+          </p:nvPr>
+        </p:nvSpPr>
+        <p:spPr>
+          <a:xfrm>
+            <a:off x="257969" y="1084900"/>
+            <a:ext cx="6933406" cy="3414648"/>
+          </a:xfrm>
+        </p:spPr>
+        <p:txBody>
+          <a:bodyPr/>
+          <a:lstStyle/>
+          <a:p>
+            <a:pPr>
+              <a:lnSpc>
+                <a:spcPct val="150000"/>
+              </a:lnSpc>
+            </a:pPr>
+            <a:endParaRPr lang="en-GB" noProof="0" dirty="0"/>
+          </a:p>
+        </p:txBody>
+      </p:sp>
+    </p:spTree>
+    <p:extLst>
+      <p:ext uri="{BB962C8B-B14F-4D97-AF65-F5344CB8AC3E}">
+        <p14:creationId xmlns:p14="http://schemas.microsoft.com/office/powerpoint/2010/main" val="1673486165"/>
+      </p:ext>
+    </p:extLst>
+  </p:cSld>
+  <p:clrMapOvr>
+    <a:masterClrMapping/>
+  </p:clrMapOvr>
+</p:sld>
+</file>
+
+<file path=ppt/slides/slide13.xml><?xml version="1.0" encoding="utf-8"?>
+<p:sld xmlns:a="http://schemas.openxmlformats.org/drawingml/2006/main" xmlns:r="http://schemas.openxmlformats.org/officeDocument/2006/relationships" xmlns:p="http://schemas.openxmlformats.org/presentationml/2006/main">
+  <p:cSld>
+    <p:spTree>
+      <p:nvGrpSpPr>
+        <p:cNvPr id="1" name="">
+          <a:extLst>
+            <a:ext uri="{FF2B5EF4-FFF2-40B4-BE49-F238E27FC236}">
               <a16:creationId xmlns:a16="http://schemas.microsoft.com/office/drawing/2014/main" id="{3FEC0AFC-2143-564F-8410-B5E6B29EA6F3}"/>
             </a:ext>
           </a:extLst>
@@ -43449,7 +43610,7 @@
             <a:fld id="{500E0521-425D-DD45-BED6-A99962E298FC}" type="slidenum">
               <a:rPr lang="en-GB" noProof="0" smtClean="0"/>
               <a:pPr/>
-              <a:t>12</a:t>
+              <a:t>13</a:t>
             </a:fld>
             <a:endParaRPr lang="en-GB" noProof="0" dirty="0"/>
           </a:p>
@@ -43534,7 +43695,167 @@
 </p:sld>
 </file>
 
-<file path=ppt/slides/slide13.xml><?xml version="1.0" encoding="utf-8"?>
+<file path=ppt/slides/slide14.xml><?xml version="1.0" encoding="utf-8"?>
+<p:sld xmlns:a="http://schemas.openxmlformats.org/drawingml/2006/main" xmlns:r="http://schemas.openxmlformats.org/officeDocument/2006/relationships" xmlns:p="http://schemas.openxmlformats.org/presentationml/2006/main">
+  <p:cSld>
+    <p:spTree>
+      <p:nvGrpSpPr>
+        <p:cNvPr id="1" name="">
+          <a:extLst>
+            <a:ext uri="{FF2B5EF4-FFF2-40B4-BE49-F238E27FC236}">
+              <a16:creationId xmlns:a16="http://schemas.microsoft.com/office/drawing/2014/main" id="{45A48FFA-6F75-ED75-7831-79C38632B811}"/>
+            </a:ext>
+          </a:extLst>
+        </p:cNvPr>
+        <p:cNvGrpSpPr/>
+        <p:nvPr/>
+      </p:nvGrpSpPr>
+      <p:grpSpPr>
+        <a:xfrm>
+          <a:off x="0" y="0"/>
+          <a:ext cx="0" cy="0"/>
+          <a:chOff x="0" y="0"/>
+          <a:chExt cx="0" cy="0"/>
+        </a:xfrm>
+      </p:grpSpPr>
+      <p:sp>
+        <p:nvSpPr>
+          <p:cNvPr id="2" name="Segnaposto piè di pagina 1">
+            <a:extLst>
+              <a:ext uri="{FF2B5EF4-FFF2-40B4-BE49-F238E27FC236}">
+                <a16:creationId xmlns:a16="http://schemas.microsoft.com/office/drawing/2014/main" id="{AFFE607B-D961-BD59-0B74-873B0677BBED}"/>
+              </a:ext>
+            </a:extLst>
+          </p:cNvPr>
+          <p:cNvSpPr>
+            <a:spLocks noGrp="1"/>
+          </p:cNvSpPr>
+          <p:nvPr>
+            <p:ph type="ftr" sz="quarter" idx="3"/>
+          </p:nvPr>
+        </p:nvSpPr>
+        <p:spPr/>
+        <p:txBody>
+          <a:bodyPr/>
+          <a:lstStyle/>
+          <a:p>
+            <a:r>
+              <a:rPr lang="en-GB" noProof="0" dirty="0"/>
+              <a:t>Reference</a:t>
+            </a:r>
+          </a:p>
+        </p:txBody>
+      </p:sp>
+      <p:sp>
+        <p:nvSpPr>
+          <p:cNvPr id="3" name="Segnaposto numero diapositiva 2">
+            <a:extLst>
+              <a:ext uri="{FF2B5EF4-FFF2-40B4-BE49-F238E27FC236}">
+                <a16:creationId xmlns:a16="http://schemas.microsoft.com/office/drawing/2014/main" id="{D946E8F6-6CF7-38AF-0ECA-3370A825EDAD}"/>
+              </a:ext>
+            </a:extLst>
+          </p:cNvPr>
+          <p:cNvSpPr>
+            <a:spLocks noGrp="1"/>
+          </p:cNvSpPr>
+          <p:nvPr>
+            <p:ph type="sldNum" sz="quarter" idx="4"/>
+          </p:nvPr>
+        </p:nvSpPr>
+        <p:spPr/>
+        <p:txBody>
+          <a:bodyPr/>
+          <a:lstStyle/>
+          <a:p>
+            <a:fld id="{500E0521-425D-DD45-BED6-A99962E298FC}" type="slidenum">
+              <a:rPr lang="en-GB" noProof="0" smtClean="0"/>
+              <a:pPr/>
+              <a:t>14</a:t>
+            </a:fld>
+            <a:endParaRPr lang="en-GB" noProof="0" dirty="0"/>
+          </a:p>
+        </p:txBody>
+      </p:sp>
+      <p:sp>
+        <p:nvSpPr>
+          <p:cNvPr id="4" name="Titolo 3">
+            <a:extLst>
+              <a:ext uri="{FF2B5EF4-FFF2-40B4-BE49-F238E27FC236}">
+                <a16:creationId xmlns:a16="http://schemas.microsoft.com/office/drawing/2014/main" id="{B62BD1F9-A4B0-B8FE-E030-650D8B749817}"/>
+              </a:ext>
+            </a:extLst>
+          </p:cNvPr>
+          <p:cNvSpPr>
+            <a:spLocks noGrp="1"/>
+          </p:cNvSpPr>
+          <p:nvPr>
+            <p:ph type="title"/>
+          </p:nvPr>
+        </p:nvSpPr>
+        <p:spPr/>
+        <p:txBody>
+          <a:bodyPr>
+            <a:normAutofit/>
+          </a:bodyPr>
+          <a:lstStyle/>
+          <a:p>
+            <a:r>
+              <a:rPr lang="en-GB" sz="1800" dirty="0"/>
+              <a:t>Step Two – No Few-Shot Results</a:t>
+            </a:r>
+            <a:endParaRPr lang="en-GB" sz="1800" noProof="0" dirty="0"/>
+          </a:p>
+        </p:txBody>
+      </p:sp>
+      <p:sp>
+        <p:nvSpPr>
+          <p:cNvPr id="7" name="Segnaposto contenuto 6">
+            <a:extLst>
+              <a:ext uri="{FF2B5EF4-FFF2-40B4-BE49-F238E27FC236}">
+                <a16:creationId xmlns:a16="http://schemas.microsoft.com/office/drawing/2014/main" id="{F27E807D-DAE6-E67D-EE4C-CACBC0B54AE2}"/>
+              </a:ext>
+            </a:extLst>
+          </p:cNvPr>
+          <p:cNvSpPr>
+            <a:spLocks noGrp="1"/>
+          </p:cNvSpPr>
+          <p:nvPr>
+            <p:ph idx="26"/>
+          </p:nvPr>
+        </p:nvSpPr>
+        <p:spPr>
+          <a:xfrm>
+            <a:off x="257969" y="1084900"/>
+            <a:ext cx="6933406" cy="3414648"/>
+          </a:xfrm>
+        </p:spPr>
+        <p:txBody>
+          <a:bodyPr/>
+          <a:lstStyle/>
+          <a:p>
+            <a:pPr>
+              <a:lnSpc>
+                <a:spcPct val="150000"/>
+              </a:lnSpc>
+            </a:pPr>
+            <a:endParaRPr lang="en-GB" noProof="0" dirty="0"/>
+          </a:p>
+        </p:txBody>
+      </p:sp>
+    </p:spTree>
+    <p:extLst>
+      <p:ext uri="{BB962C8B-B14F-4D97-AF65-F5344CB8AC3E}">
+        <p14:creationId xmlns:p14="http://schemas.microsoft.com/office/powerpoint/2010/main" val="3056983117"/>
+      </p:ext>
+    </p:extLst>
+  </p:cSld>
+  <p:clrMapOvr>
+    <a:masterClrMapping/>
+  </p:clrMapOvr>
+</p:sld>
+</file>
+
+<file path=ppt/slides/slide15.xml><?xml version="1.0" encoding="utf-8"?>
 <p:sld xmlns:a="http://schemas.openxmlformats.org/drawingml/2006/main" xmlns:r="http://schemas.openxmlformats.org/officeDocument/2006/relationships" xmlns:p="http://schemas.openxmlformats.org/presentationml/2006/main">
   <p:cSld>
     <p:spTree>
@@ -43609,7 +43930,7 @@
             <a:fld id="{500E0521-425D-DD45-BED6-A99962E298FC}" type="slidenum">
               <a:rPr lang="en-GB" noProof="0" smtClean="0"/>
               <a:pPr/>
-              <a:t>13</a:t>
+              <a:t>15</a:t>
             </a:fld>
             <a:endParaRPr lang="en-GB" noProof="0" dirty="0"/>
           </a:p>
@@ -43693,7 +44014,7 @@
 </p:sld>
 </file>
 
-<file path=ppt/slides/slide14.xml><?xml version="1.0" encoding="utf-8"?>
+<file path=ppt/slides/slide16.xml><?xml version="1.0" encoding="utf-8"?>
 <p:sld xmlns:a="http://schemas.openxmlformats.org/drawingml/2006/main" xmlns:r="http://schemas.openxmlformats.org/officeDocument/2006/relationships" xmlns:p="http://schemas.openxmlformats.org/presentationml/2006/main">
   <p:cSld>
     <p:spTree>
@@ -51591,41 +51912,127 @@
           </a:p>
         </p:txBody>
       </p:sp>
-      <p:sp>
-        <p:nvSpPr>
-          <p:cNvPr id="7" name="Segnaposto contenuto 6">
+      <p:pic>
+        <p:nvPicPr>
+          <p:cNvPr id="5" name="Picture 4">
             <a:extLst>
               <a:ext uri="{FF2B5EF4-FFF2-40B4-BE49-F238E27FC236}">
-                <a16:creationId xmlns:a16="http://schemas.microsoft.com/office/drawing/2014/main" id="{EE7732C2-F890-AC58-EB08-AF5FBACC532D}"/>
+                <a16:creationId xmlns:a16="http://schemas.microsoft.com/office/drawing/2014/main" id="{B50D92C8-D433-B986-8466-23D27985C7DD}"/>
               </a:ext>
             </a:extLst>
           </p:cNvPr>
-          <p:cNvSpPr>
-            <a:spLocks noGrp="1"/>
-          </p:cNvSpPr>
-          <p:nvPr>
-            <p:ph idx="26"/>
-          </p:nvPr>
-        </p:nvSpPr>
+          <p:cNvPicPr>
+            <a:picLocks noChangeAspect="1"/>
+          </p:cNvPicPr>
+          <p:nvPr/>
+        </p:nvPicPr>
+        <p:blipFill>
+          <a:blip r:embed="rId2"/>
+          <a:stretch>
+            <a:fillRect/>
+          </a:stretch>
+        </p:blipFill>
         <p:spPr>
           <a:xfrm>
-            <a:off x="257969" y="1084900"/>
-            <a:ext cx="6933406" cy="3414648"/>
+            <a:off x="273845" y="1343620"/>
+            <a:ext cx="3956300" cy="596797"/>
           </a:xfrm>
+          <a:prstGeom prst="rect">
+            <a:avLst/>
+          </a:prstGeom>
         </p:spPr>
-        <p:txBody>
-          <a:bodyPr/>
-          <a:lstStyle/>
-          <a:p>
-            <a:pPr>
-              <a:lnSpc>
-                <a:spcPct val="150000"/>
-              </a:lnSpc>
-            </a:pPr>
-            <a:endParaRPr lang="en-GB" noProof="0" dirty="0"/>
-          </a:p>
-        </p:txBody>
-      </p:sp>
+      </p:pic>
+      <p:pic>
+        <p:nvPicPr>
+          <p:cNvPr id="6" name="Picture 5">
+            <a:extLst>
+              <a:ext uri="{FF2B5EF4-FFF2-40B4-BE49-F238E27FC236}">
+                <a16:creationId xmlns:a16="http://schemas.microsoft.com/office/drawing/2014/main" id="{7D595273-8456-E8D1-E9B6-6267C6E33CDB}"/>
+              </a:ext>
+            </a:extLst>
+          </p:cNvPr>
+          <p:cNvPicPr>
+            <a:picLocks noChangeAspect="1"/>
+          </p:cNvPicPr>
+          <p:nvPr/>
+        </p:nvPicPr>
+        <p:blipFill>
+          <a:blip r:embed="rId3"/>
+          <a:stretch>
+            <a:fillRect/>
+          </a:stretch>
+        </p:blipFill>
+        <p:spPr>
+          <a:xfrm>
+            <a:off x="273845" y="2010863"/>
+            <a:ext cx="3956300" cy="1763224"/>
+          </a:xfrm>
+          <a:prstGeom prst="rect">
+            <a:avLst/>
+          </a:prstGeom>
+        </p:spPr>
+      </p:pic>
+      <p:pic>
+        <p:nvPicPr>
+          <p:cNvPr id="8" name="Picture 7" descr="A screenshot of a computer program&#10;&#10;AI-generated content may be incorrect.">
+            <a:extLst>
+              <a:ext uri="{FF2B5EF4-FFF2-40B4-BE49-F238E27FC236}">
+                <a16:creationId xmlns:a16="http://schemas.microsoft.com/office/drawing/2014/main" id="{0CE094C7-819A-B027-990D-36DB1F07DD21}"/>
+              </a:ext>
+            </a:extLst>
+          </p:cNvPr>
+          <p:cNvPicPr>
+            <a:picLocks noChangeAspect="1"/>
+          </p:cNvPicPr>
+          <p:nvPr/>
+        </p:nvPicPr>
+        <p:blipFill>
+          <a:blip r:embed="rId4"/>
+          <a:srcRect r="19463"/>
+          <a:stretch>
+            <a:fillRect/>
+          </a:stretch>
+        </p:blipFill>
+        <p:spPr>
+          <a:xfrm>
+            <a:off x="4913857" y="1140258"/>
+            <a:ext cx="2641604" cy="2371436"/>
+          </a:xfrm>
+          <a:prstGeom prst="rect">
+            <a:avLst/>
+          </a:prstGeom>
+        </p:spPr>
+      </p:pic>
+      <p:pic>
+        <p:nvPicPr>
+          <p:cNvPr id="9" name="Picture 8" descr="A black screen with white text&#10;&#10;AI-generated content may be incorrect.">
+            <a:extLst>
+              <a:ext uri="{FF2B5EF4-FFF2-40B4-BE49-F238E27FC236}">
+                <a16:creationId xmlns:a16="http://schemas.microsoft.com/office/drawing/2014/main" id="{01EACF12-9F46-80DC-9CF5-7089D2870886}"/>
+              </a:ext>
+            </a:extLst>
+          </p:cNvPr>
+          <p:cNvPicPr>
+            <a:picLocks noChangeAspect="1"/>
+          </p:cNvPicPr>
+          <p:nvPr/>
+        </p:nvPicPr>
+        <p:blipFill>
+          <a:blip r:embed="rId5"/>
+          <a:stretch>
+            <a:fillRect/>
+          </a:stretch>
+        </p:blipFill>
+        <p:spPr>
+          <a:xfrm>
+            <a:off x="4530597" y="3774087"/>
+            <a:ext cx="3355806" cy="728473"/>
+          </a:xfrm>
+          <a:prstGeom prst="rect">
+            <a:avLst/>
+          </a:prstGeom>
+        </p:spPr>
+      </p:pic>
     </p:spTree>
     <p:extLst>
       <p:ext uri="{BB962C8B-B14F-4D97-AF65-F5344CB8AC3E}">
@@ -51750,41 +52157,98 @@
           </a:p>
         </p:txBody>
       </p:sp>
-      <p:sp>
-        <p:nvSpPr>
-          <p:cNvPr id="7" name="Segnaposto contenuto 6">
+      <p:pic>
+        <p:nvPicPr>
+          <p:cNvPr id="5" name="Picture 4">
             <a:extLst>
               <a:ext uri="{FF2B5EF4-FFF2-40B4-BE49-F238E27FC236}">
-                <a16:creationId xmlns:a16="http://schemas.microsoft.com/office/drawing/2014/main" id="{64B42FF5-FD99-4084-5CED-F2A658C5C232}"/>
+                <a16:creationId xmlns:a16="http://schemas.microsoft.com/office/drawing/2014/main" id="{651AE1AF-9A3E-EEFB-3BE5-437AAC38E4F2}"/>
               </a:ext>
             </a:extLst>
           </p:cNvPr>
-          <p:cNvSpPr>
-            <a:spLocks noGrp="1"/>
-          </p:cNvSpPr>
-          <p:nvPr>
-            <p:ph idx="26"/>
-          </p:nvPr>
-        </p:nvSpPr>
+          <p:cNvPicPr>
+            <a:picLocks noChangeAspect="1"/>
+          </p:cNvPicPr>
+          <p:nvPr/>
+        </p:nvPicPr>
+        <p:blipFill>
+          <a:blip r:embed="rId2"/>
+          <a:srcRect r="8849"/>
+          <a:stretch>
+            <a:fillRect/>
+          </a:stretch>
+        </p:blipFill>
         <p:spPr>
           <a:xfrm>
-            <a:off x="257969" y="1084900"/>
-            <a:ext cx="6933406" cy="3414648"/>
+            <a:off x="610364" y="1025662"/>
+            <a:ext cx="2926159" cy="1580765"/>
           </a:xfrm>
+          <a:prstGeom prst="rect">
+            <a:avLst/>
+          </a:prstGeom>
         </p:spPr>
-        <p:txBody>
-          <a:bodyPr/>
-          <a:lstStyle/>
-          <a:p>
-            <a:pPr>
-              <a:lnSpc>
-                <a:spcPct val="150000"/>
-              </a:lnSpc>
-            </a:pPr>
-            <a:endParaRPr lang="en-GB" noProof="0" dirty="0"/>
-          </a:p>
-        </p:txBody>
-      </p:sp>
+      </p:pic>
+      <p:pic>
+        <p:nvPicPr>
+          <p:cNvPr id="6" name="Picture 5" descr="A screen shot of a computer&#10;&#10;AI-generated content may be incorrect.">
+            <a:extLst>
+              <a:ext uri="{FF2B5EF4-FFF2-40B4-BE49-F238E27FC236}">
+                <a16:creationId xmlns:a16="http://schemas.microsoft.com/office/drawing/2014/main" id="{2A5099F6-CD7B-2FD7-22A0-6CF06028EBDC}"/>
+              </a:ext>
+            </a:extLst>
+          </p:cNvPr>
+          <p:cNvPicPr>
+            <a:picLocks noChangeAspect="1"/>
+          </p:cNvPicPr>
+          <p:nvPr/>
+        </p:nvPicPr>
+        <p:blipFill>
+          <a:blip r:embed="rId3"/>
+          <a:stretch>
+            <a:fillRect/>
+          </a:stretch>
+        </p:blipFill>
+        <p:spPr>
+          <a:xfrm>
+            <a:off x="610364" y="2673450"/>
+            <a:ext cx="2866708" cy="2073275"/>
+          </a:xfrm>
+          <a:prstGeom prst="rect">
+            <a:avLst/>
+          </a:prstGeom>
+        </p:spPr>
+      </p:pic>
+      <p:pic>
+        <p:nvPicPr>
+          <p:cNvPr id="8" name="Picture 7" descr="A screenshot of a computer program&#10;&#10;AI-generated content may be incorrect.">
+            <a:extLst>
+              <a:ext uri="{FF2B5EF4-FFF2-40B4-BE49-F238E27FC236}">
+                <a16:creationId xmlns:a16="http://schemas.microsoft.com/office/drawing/2014/main" id="{236B351F-32CA-3211-5A6C-2E3280BB49B5}"/>
+              </a:ext>
+            </a:extLst>
+          </p:cNvPr>
+          <p:cNvPicPr>
+            <a:picLocks noChangeAspect="1"/>
+          </p:cNvPicPr>
+          <p:nvPr/>
+        </p:nvPicPr>
+        <p:blipFill>
+          <a:blip r:embed="rId4"/>
+          <a:srcRect r="14134"/>
+          <a:stretch>
+            <a:fillRect/>
+          </a:stretch>
+        </p:blipFill>
+        <p:spPr>
+          <a:xfrm>
+            <a:off x="3813591" y="1173494"/>
+            <a:ext cx="3100624" cy="3221453"/>
+          </a:xfrm>
+          <a:prstGeom prst="rect">
+            <a:avLst/>
+          </a:prstGeom>
+        </p:spPr>
+      </p:pic>
     </p:spTree>
     <p:extLst>
       <p:ext uri="{BB962C8B-B14F-4D97-AF65-F5344CB8AC3E}">
@@ -52087,7 +52551,7 @@
           <p:nvPr>
             <p:extLst>
               <p:ext uri="{D42A27DB-BD31-4B8C-83A1-F6EECF244321}">
-                <p14:modId xmlns:p14="http://schemas.microsoft.com/office/powerpoint/2010/main" val="3148097134"/>
+                <p14:modId xmlns:p14="http://schemas.microsoft.com/office/powerpoint/2010/main" val="3112186358"/>
               </p:ext>
             </p:extLst>
           </p:nvPr>

--- a/Presentation_Gianvenuti.pptx
+++ b/Presentation_Gianvenuti.pptx
@@ -9,43 +9,49 @@
     <p:sldMasterId id="2147483692" r:id="rId8"/>
   </p:sldMasterIdLst>
   <p:notesMasterIdLst>
-    <p:notesMasterId r:id="rId25"/>
+    <p:notesMasterId r:id="rId27"/>
   </p:notesMasterIdLst>
   <p:handoutMasterIdLst>
-    <p:handoutMasterId r:id="rId26"/>
+    <p:handoutMasterId r:id="rId28"/>
   </p:handoutMasterIdLst>
   <p:sldIdLst>
     <p:sldId id="556" r:id="rId9"/>
     <p:sldId id="562" r:id="rId10"/>
     <p:sldId id="560" r:id="rId11"/>
-    <p:sldId id="557" r:id="rId12"/>
-    <p:sldId id="559" r:id="rId13"/>
+    <p:sldId id="559" r:id="rId12"/>
+    <p:sldId id="557" r:id="rId13"/>
     <p:sldId id="555" r:id="rId14"/>
     <p:sldId id="564" r:id="rId15"/>
     <p:sldId id="565" r:id="rId16"/>
     <p:sldId id="570" r:id="rId17"/>
     <p:sldId id="568" r:id="rId18"/>
-    <p:sldId id="569" r:id="rId19"/>
-    <p:sldId id="571" r:id="rId20"/>
-    <p:sldId id="567" r:id="rId21"/>
-    <p:sldId id="572" r:id="rId22"/>
-    <p:sldId id="566" r:id="rId23"/>
-    <p:sldId id="563" r:id="rId24"/>
+    <p:sldId id="567" r:id="rId19"/>
+    <p:sldId id="572" r:id="rId20"/>
+    <p:sldId id="569" r:id="rId21"/>
+    <p:sldId id="571" r:id="rId22"/>
+    <p:sldId id="573" r:id="rId23"/>
+    <p:sldId id="574" r:id="rId24"/>
+    <p:sldId id="566" r:id="rId25"/>
+    <p:sldId id="563" r:id="rId26"/>
   </p:sldIdLst>
   <p:sldSz cx="9144000" cy="5143500" type="screen16x9"/>
   <p:notesSz cx="6808788" cy="9940925"/>
   <p:embeddedFontLst>
     <p:embeddedFont>
+      <p:font typeface="Aptos Narrow" panose="020B0004020202020204" pitchFamily="34" charset="0"/>
+      <p:regular r:id="rId29"/>
+    </p:embeddedFont>
+    <p:embeddedFont>
       <p:font typeface="Lato" panose="020F0502020204030203" pitchFamily="34" charset="0"/>
-      <p:regular r:id="rId27"/>
-      <p:bold r:id="rId28"/>
-      <p:italic r:id="rId29"/>
-      <p:boldItalic r:id="rId30"/>
+      <p:regular r:id="rId30"/>
+      <p:bold r:id="rId31"/>
+      <p:italic r:id="rId32"/>
+      <p:boldItalic r:id="rId33"/>
     </p:embeddedFont>
     <p:embeddedFont>
       <p:font typeface="Lato Medium" panose="020F0502020204030203" pitchFamily="34" charset="0"/>
-      <p:regular r:id="rId31"/>
-      <p:italic r:id="rId32"/>
+      <p:regular r:id="rId34"/>
+      <p:italic r:id="rId35"/>
     </p:embeddedFont>
   </p:embeddedFontLst>
   <p:defaultTextStyle>
@@ -600,6 +606,411 @@
 </c:chartSpace>
 </file>
 
+<file path=ppt/charts/chart10.xml><?xml version="1.0" encoding="utf-8"?>
+<c:chartSpace xmlns:c="http://schemas.openxmlformats.org/drawingml/2006/chart" xmlns:a="http://schemas.openxmlformats.org/drawingml/2006/main" xmlns:r="http://schemas.openxmlformats.org/officeDocument/2006/relationships" xmlns:c16r2="http://schemas.microsoft.com/office/drawing/2015/06/chart">
+  <c:date1904 val="0"/>
+  <c:lang val="en-GB"/>
+  <c:roundedCorners val="0"/>
+  <mc:AlternateContent xmlns:mc="http://schemas.openxmlformats.org/markup-compatibility/2006">
+    <mc:Choice xmlns:c14="http://schemas.microsoft.com/office/drawing/2007/8/2/chart" Requires="c14">
+      <c14:style val="103"/>
+    </mc:Choice>
+    <mc:Fallback>
+      <c:style val="3"/>
+    </mc:Fallback>
+  </mc:AlternateContent>
+  <c:chart>
+    <c:title>
+      <c:tx>
+        <c:rich>
+          <a:bodyPr rot="0" spcFirstLastPara="1" vertOverflow="ellipsis" vert="horz" wrap="square" anchor="ctr" anchorCtr="1"/>
+          <a:lstStyle/>
+          <a:p>
+            <a:pPr>
+              <a:defRPr sz="1400" b="0" i="0" u="none" strike="noStrike" baseline="0">
+                <a:solidFill>
+                  <a:schemeClr val="tx1">
+                    <a:lumMod val="65000"/>
+                    <a:lumOff val="35000"/>
+                  </a:schemeClr>
+                </a:solidFill>
+                <a:latin typeface="+mn-lt"/>
+                <a:ea typeface="+mn-ea"/>
+                <a:cs typeface="+mn-cs"/>
+              </a:defRPr>
+            </a:pPr>
+            <a:r>
+              <a:rPr lang="en-GB" sz="1400" b="0" i="0" u="none" strike="noStrike" baseline="0" dirty="0">
+                <a:solidFill>
+                  <a:sysClr val="windowText" lastClr="000000">
+                    <a:lumMod val="65000"/>
+                    <a:lumOff val="35000"/>
+                  </a:sysClr>
+                </a:solidFill>
+                <a:latin typeface="Aptos Narrow" panose="02110004020202020204"/>
+              </a:rPr>
+              <a:t>Anomalies and causes (PBIT)</a:t>
+            </a:r>
+          </a:p>
+        </c:rich>
+      </c:tx>
+      <c:overlay val="0"/>
+      <c:spPr>
+        <a:noFill/>
+        <a:ln>
+          <a:noFill/>
+        </a:ln>
+        <a:effectLst/>
+      </c:spPr>
+      <c:txPr>
+        <a:bodyPr rot="0" spcFirstLastPara="1" vertOverflow="ellipsis" vert="horz" wrap="square" anchor="ctr" anchorCtr="1"/>
+        <a:lstStyle/>
+        <a:p>
+          <a:pPr>
+            <a:defRPr sz="1400" b="0" i="0" u="none" strike="noStrike" baseline="0">
+              <a:solidFill>
+                <a:schemeClr val="tx1">
+                  <a:lumMod val="65000"/>
+                  <a:lumOff val="35000"/>
+                </a:schemeClr>
+              </a:solidFill>
+              <a:latin typeface="+mn-lt"/>
+              <a:ea typeface="+mn-ea"/>
+              <a:cs typeface="+mn-cs"/>
+            </a:defRPr>
+          </a:pPr>
+          <a:endParaRPr lang="en-US"/>
+        </a:p>
+      </c:txPr>
+    </c:title>
+    <c:autoTitleDeleted val="0"/>
+    <c:view3D>
+      <c:rotX val="15"/>
+      <c:rotY val="20"/>
+      <c:depthPercent val="100"/>
+      <c:rAngAx val="0"/>
+    </c:view3D>
+    <c:floor>
+      <c:thickness val="0"/>
+      <c:spPr>
+        <a:noFill/>
+        <a:ln>
+          <a:noFill/>
+        </a:ln>
+        <a:effectLst/>
+        <a:sp3d/>
+      </c:spPr>
+    </c:floor>
+    <c:sideWall>
+      <c:thickness val="0"/>
+      <c:spPr>
+        <a:noFill/>
+        <a:ln>
+          <a:noFill/>
+        </a:ln>
+        <a:effectLst/>
+        <a:sp3d/>
+      </c:spPr>
+    </c:sideWall>
+    <c:backWall>
+      <c:thickness val="0"/>
+      <c:spPr>
+        <a:noFill/>
+        <a:ln>
+          <a:noFill/>
+        </a:ln>
+        <a:effectLst/>
+        <a:sp3d/>
+      </c:spPr>
+    </c:backWall>
+    <c:plotArea>
+      <c:layout/>
+      <c:bar3DChart>
+        <c:barDir val="col"/>
+        <c:grouping val="clustered"/>
+        <c:varyColors val="0"/>
+        <c:ser>
+          <c:idx val="1"/>
+          <c:order val="1"/>
+          <c:tx>
+            <c:strRef>
+              <c:f>Sheet1!$D$157</c:f>
+              <c:strCache>
+                <c:ptCount val="1"/>
+                <c:pt idx="0">
+                  <c:v>Anomaly found</c:v>
+                </c:pt>
+              </c:strCache>
+            </c:strRef>
+          </c:tx>
+          <c:spPr>
+            <a:solidFill>
+              <a:schemeClr val="accent1">
+                <a:shade val="76000"/>
+              </a:schemeClr>
+            </a:solidFill>
+            <a:ln>
+              <a:noFill/>
+            </a:ln>
+            <a:effectLst/>
+            <a:sp3d/>
+          </c:spPr>
+          <c:invertIfNegative val="0"/>
+          <c:val>
+            <c:numRef>
+              <c:f>Sheet1!$D$158:$D$160</c:f>
+              <c:numCache>
+                <c:formatCode>General</c:formatCode>
+                <c:ptCount val="3"/>
+                <c:pt idx="0">
+                  <c:v>1</c:v>
+                </c:pt>
+                <c:pt idx="1">
+                  <c:v>1</c:v>
+                </c:pt>
+                <c:pt idx="2">
+                  <c:v>1</c:v>
+                </c:pt>
+              </c:numCache>
+            </c:numRef>
+          </c:val>
+          <c:extLst>
+            <c:ext xmlns:c16="http://schemas.microsoft.com/office/drawing/2014/chart" uri="{C3380CC4-5D6E-409C-BE32-E72D297353CC}">
+              <c16:uniqueId val="{00000000-48F7-45E1-981A-ED08221AB830}"/>
+            </c:ext>
+          </c:extLst>
+        </c:ser>
+        <c:dLbls>
+          <c:showLegendKey val="0"/>
+          <c:showVal val="0"/>
+          <c:showCatName val="0"/>
+          <c:showSerName val="0"/>
+          <c:showPercent val="0"/>
+          <c:showBubbleSize val="0"/>
+        </c:dLbls>
+        <c:gapWidth val="0"/>
+        <c:shape val="box"/>
+        <c:axId val="1247591616"/>
+        <c:axId val="1247581536"/>
+        <c:axId val="0"/>
+        <c:extLst>
+          <c:ext xmlns:c15="http://schemas.microsoft.com/office/drawing/2012/chart" uri="{02D57815-91ED-43cb-92C2-25804820EDAC}">
+            <c15:filteredBarSeries>
+              <c15:ser>
+                <c:idx val="0"/>
+                <c:order val="0"/>
+                <c:tx>
+                  <c:strRef>
+                    <c:extLst>
+                      <c:ext uri="{02D57815-91ED-43cb-92C2-25804820EDAC}">
+                        <c15:formulaRef>
+                          <c15:sqref>Sheet1!$C$157</c15:sqref>
+                        </c15:formulaRef>
+                      </c:ext>
+                    </c:extLst>
+                    <c:strCache>
+                      <c:ptCount val="1"/>
+                      <c:pt idx="0">
+                        <c:v>Cases</c:v>
+                      </c:pt>
+                    </c:strCache>
+                  </c:strRef>
+                </c:tx>
+                <c:spPr>
+                  <a:solidFill>
+                    <a:schemeClr val="accent1">
+                      <a:tint val="77000"/>
+                    </a:schemeClr>
+                  </a:solidFill>
+                  <a:ln>
+                    <a:noFill/>
+                  </a:ln>
+                  <a:effectLst/>
+                  <a:sp3d/>
+                </c:spPr>
+                <c:invertIfNegative val="0"/>
+                <c:val>
+                  <c:numRef>
+                    <c:extLst>
+                      <c:ext uri="{02D57815-91ED-43cb-92C2-25804820EDAC}">
+                        <c15:formulaRef>
+                          <c15:sqref>Sheet1!$C$158:$C$160</c15:sqref>
+                        </c15:formulaRef>
+                      </c:ext>
+                    </c:extLst>
+                    <c:numCache>
+                      <c:formatCode>General</c:formatCode>
+                      <c:ptCount val="3"/>
+                      <c:pt idx="0">
+                        <c:v>1</c:v>
+                      </c:pt>
+                      <c:pt idx="1">
+                        <c:v>2</c:v>
+                      </c:pt>
+                      <c:pt idx="2">
+                        <c:v>3</c:v>
+                      </c:pt>
+                    </c:numCache>
+                  </c:numRef>
+                </c:val>
+                <c:extLst>
+                  <c:ext xmlns:c16="http://schemas.microsoft.com/office/drawing/2014/chart" uri="{C3380CC4-5D6E-409C-BE32-E72D297353CC}">
+                    <c16:uniqueId val="{00000001-48F7-45E1-981A-ED08221AB830}"/>
+                  </c:ext>
+                </c:extLst>
+              </c15:ser>
+            </c15:filteredBarSeries>
+          </c:ext>
+        </c:extLst>
+      </c:bar3DChart>
+      <c:catAx>
+        <c:axId val="1247591616"/>
+        <c:scaling>
+          <c:orientation val="minMax"/>
+        </c:scaling>
+        <c:delete val="0"/>
+        <c:axPos val="b"/>
+        <c:majorTickMark val="none"/>
+        <c:minorTickMark val="none"/>
+        <c:tickLblPos val="nextTo"/>
+        <c:spPr>
+          <a:noFill/>
+          <a:ln w="9525" cap="flat" cmpd="sng" algn="ctr">
+            <a:solidFill>
+              <a:schemeClr val="tx1">
+                <a:lumMod val="15000"/>
+                <a:lumOff val="85000"/>
+              </a:schemeClr>
+            </a:solidFill>
+            <a:round/>
+          </a:ln>
+          <a:effectLst/>
+        </c:spPr>
+        <c:txPr>
+          <a:bodyPr rot="-60000000" spcFirstLastPara="1" vertOverflow="ellipsis" vert="horz" wrap="square" anchor="ctr" anchorCtr="1"/>
+          <a:lstStyle/>
+          <a:p>
+            <a:pPr>
+              <a:defRPr sz="900" b="0" i="0" u="none" strike="noStrike" baseline="0">
+                <a:solidFill>
+                  <a:schemeClr val="tx1">
+                    <a:lumMod val="65000"/>
+                    <a:lumOff val="35000"/>
+                  </a:schemeClr>
+                </a:solidFill>
+                <a:latin typeface="+mn-lt"/>
+                <a:ea typeface="+mn-ea"/>
+                <a:cs typeface="+mn-cs"/>
+              </a:defRPr>
+            </a:pPr>
+            <a:endParaRPr lang="en-US"/>
+          </a:p>
+        </c:txPr>
+        <c:crossAx val="1247581536"/>
+        <c:crosses val="autoZero"/>
+        <c:auto val="1"/>
+        <c:lblAlgn val="ctr"/>
+        <c:lblOffset val="100"/>
+        <c:noMultiLvlLbl val="0"/>
+      </c:catAx>
+      <c:valAx>
+        <c:axId val="1247581536"/>
+        <c:scaling>
+          <c:orientation val="minMax"/>
+        </c:scaling>
+        <c:delete val="0"/>
+        <c:axPos val="l"/>
+        <c:majorGridlines>
+          <c:spPr>
+            <a:ln w="9525" cap="flat" cmpd="sng" algn="ctr">
+              <a:solidFill>
+                <a:schemeClr val="tx1">
+                  <a:lumMod val="15000"/>
+                  <a:lumOff val="85000"/>
+                </a:schemeClr>
+              </a:solidFill>
+              <a:round/>
+            </a:ln>
+            <a:effectLst/>
+          </c:spPr>
+        </c:majorGridlines>
+        <c:numFmt formatCode="General" sourceLinked="1"/>
+        <c:majorTickMark val="none"/>
+        <c:minorTickMark val="none"/>
+        <c:tickLblPos val="nextTo"/>
+        <c:spPr>
+          <a:noFill/>
+          <a:ln>
+            <a:noFill/>
+          </a:ln>
+          <a:effectLst/>
+        </c:spPr>
+        <c:txPr>
+          <a:bodyPr rot="-60000000" spcFirstLastPara="1" vertOverflow="ellipsis" vert="horz" wrap="square" anchor="ctr" anchorCtr="1"/>
+          <a:lstStyle/>
+          <a:p>
+            <a:pPr>
+              <a:defRPr sz="900" b="0" i="0" u="none" strike="noStrike" baseline="0">
+                <a:solidFill>
+                  <a:schemeClr val="tx1">
+                    <a:lumMod val="65000"/>
+                    <a:lumOff val="35000"/>
+                  </a:schemeClr>
+                </a:solidFill>
+                <a:latin typeface="+mn-lt"/>
+                <a:ea typeface="+mn-ea"/>
+                <a:cs typeface="+mn-cs"/>
+              </a:defRPr>
+            </a:pPr>
+            <a:endParaRPr lang="en-US"/>
+          </a:p>
+        </c:txPr>
+        <c:crossAx val="1247591616"/>
+        <c:crosses val="autoZero"/>
+        <c:crossBetween val="between"/>
+      </c:valAx>
+      <c:spPr>
+        <a:noFill/>
+        <a:ln>
+          <a:noFill/>
+        </a:ln>
+        <a:effectLst/>
+      </c:spPr>
+    </c:plotArea>
+    <c:plotVisOnly val="1"/>
+    <c:dispBlanksAs val="gap"/>
+    <c:showDLblsOverMax val="0"/>
+    <c:extLst>
+      <c:ext xmlns:c16r3="http://schemas.microsoft.com/office/drawing/2017/03/chart" uri="{56B9EC1D-385E-4148-901F-78D8002777C0}">
+        <c16r3:dataDisplayOptions16>
+          <c16r3:dispNaAsBlank val="1"/>
+        </c16r3:dataDisplayOptions16>
+      </c:ext>
+    </c:extLst>
+  </c:chart>
+  <c:spPr>
+    <a:noFill/>
+    <a:ln>
+      <a:noFill/>
+    </a:ln>
+    <a:effectLst/>
+  </c:spPr>
+  <c:txPr>
+    <a:bodyPr/>
+    <a:lstStyle/>
+    <a:p>
+      <a:pPr>
+        <a:defRPr/>
+      </a:pPr>
+      <a:endParaRPr lang="en-US"/>
+    </a:p>
+  </c:txPr>
+  <c:externalData r:id="rId3">
+    <c:autoUpdate val="0"/>
+  </c:externalData>
+</c:chartSpace>
+</file>
+
 <file path=ppt/charts/chart2.xml><?xml version="1.0" encoding="utf-8"?>
 <c:chartSpace xmlns:c="http://schemas.openxmlformats.org/drawingml/2006/chart" xmlns:a="http://schemas.openxmlformats.org/drawingml/2006/main" xmlns:r="http://schemas.openxmlformats.org/officeDocument/2006/relationships" xmlns:c16r2="http://schemas.microsoft.com/office/drawing/2015/06/chart">
   <c:date1904 val="0"/>
@@ -1075,6 +1486,2860 @@
 </c:chartSpace>
 </file>
 
+<file path=ppt/charts/chart3.xml><?xml version="1.0" encoding="utf-8"?>
+<c:chartSpace xmlns:c="http://schemas.openxmlformats.org/drawingml/2006/chart" xmlns:a="http://schemas.openxmlformats.org/drawingml/2006/main" xmlns:r="http://schemas.openxmlformats.org/officeDocument/2006/relationships" xmlns:c16r2="http://schemas.microsoft.com/office/drawing/2015/06/chart">
+  <c:date1904 val="0"/>
+  <c:lang val="en-GB"/>
+  <c:roundedCorners val="0"/>
+  <mc:AlternateContent xmlns:mc="http://schemas.openxmlformats.org/markup-compatibility/2006">
+    <mc:Choice xmlns:c14="http://schemas.microsoft.com/office/drawing/2007/8/2/chart" Requires="c14">
+      <c14:style val="103"/>
+    </mc:Choice>
+    <mc:Fallback>
+      <c:style val="3"/>
+    </mc:Fallback>
+  </mc:AlternateContent>
+  <c:chart>
+    <c:title>
+      <c:tx>
+        <c:rich>
+          <a:bodyPr rot="0" spcFirstLastPara="1" vertOverflow="ellipsis" vert="horz" wrap="square" anchor="ctr" anchorCtr="1"/>
+          <a:lstStyle/>
+          <a:p>
+            <a:pPr>
+              <a:defRPr sz="1400" b="0" i="0" u="none" strike="noStrike" kern="1200" spc="0" baseline="0">
+                <a:solidFill>
+                  <a:schemeClr val="tx1">
+                    <a:lumMod val="65000"/>
+                    <a:lumOff val="35000"/>
+                  </a:schemeClr>
+                </a:solidFill>
+                <a:latin typeface="+mn-lt"/>
+                <a:ea typeface="+mn-ea"/>
+                <a:cs typeface="+mn-cs"/>
+              </a:defRPr>
+            </a:pPr>
+            <a:r>
+              <a:rPr lang="en-GB"/>
+              <a:t>Accuracy (Llama-txt)</a:t>
+            </a:r>
+          </a:p>
+        </c:rich>
+      </c:tx>
+      <c:overlay val="0"/>
+      <c:spPr>
+        <a:noFill/>
+        <a:ln>
+          <a:noFill/>
+        </a:ln>
+        <a:effectLst/>
+      </c:spPr>
+      <c:txPr>
+        <a:bodyPr rot="0" spcFirstLastPara="1" vertOverflow="ellipsis" vert="horz" wrap="square" anchor="ctr" anchorCtr="1"/>
+        <a:lstStyle/>
+        <a:p>
+          <a:pPr>
+            <a:defRPr sz="1400" b="0" i="0" u="none" strike="noStrike" kern="1200" spc="0" baseline="0">
+              <a:solidFill>
+                <a:schemeClr val="tx1">
+                  <a:lumMod val="65000"/>
+                  <a:lumOff val="35000"/>
+                </a:schemeClr>
+              </a:solidFill>
+              <a:latin typeface="+mn-lt"/>
+              <a:ea typeface="+mn-ea"/>
+              <a:cs typeface="+mn-cs"/>
+            </a:defRPr>
+          </a:pPr>
+          <a:endParaRPr lang="en-US"/>
+        </a:p>
+      </c:txPr>
+    </c:title>
+    <c:autoTitleDeleted val="0"/>
+    <c:view3D>
+      <c:rotX val="15"/>
+      <c:rotY val="20"/>
+      <c:depthPercent val="100"/>
+      <c:rAngAx val="1"/>
+    </c:view3D>
+    <c:floor>
+      <c:thickness val="0"/>
+      <c:spPr>
+        <a:noFill/>
+        <a:ln>
+          <a:noFill/>
+        </a:ln>
+        <a:effectLst/>
+        <a:sp3d/>
+      </c:spPr>
+    </c:floor>
+    <c:sideWall>
+      <c:thickness val="0"/>
+      <c:spPr>
+        <a:noFill/>
+        <a:ln>
+          <a:noFill/>
+        </a:ln>
+        <a:effectLst/>
+        <a:sp3d/>
+      </c:spPr>
+    </c:sideWall>
+    <c:backWall>
+      <c:thickness val="0"/>
+      <c:spPr>
+        <a:noFill/>
+        <a:ln>
+          <a:noFill/>
+        </a:ln>
+        <a:effectLst/>
+        <a:sp3d/>
+      </c:spPr>
+    </c:backWall>
+    <c:plotArea>
+      <c:layout/>
+      <c:bar3DChart>
+        <c:barDir val="col"/>
+        <c:grouping val="standard"/>
+        <c:varyColors val="0"/>
+        <c:ser>
+          <c:idx val="1"/>
+          <c:order val="1"/>
+          <c:tx>
+            <c:strRef>
+              <c:f>Sheet1!$C$44</c:f>
+              <c:strCache>
+                <c:ptCount val="1"/>
+                <c:pt idx="0">
+                  <c:v>dash</c:v>
+                </c:pt>
+              </c:strCache>
+            </c:strRef>
+          </c:tx>
+          <c:spPr>
+            <a:solidFill>
+              <a:schemeClr val="accent1">
+                <a:shade val="76000"/>
+              </a:schemeClr>
+            </a:solidFill>
+            <a:ln>
+              <a:noFill/>
+            </a:ln>
+            <a:effectLst/>
+            <a:sp3d/>
+          </c:spPr>
+          <c:invertIfNegative val="0"/>
+          <c:val>
+            <c:numRef>
+              <c:f>Sheet1!$E$43:$E$47</c:f>
+              <c:numCache>
+                <c:formatCode>General</c:formatCode>
+                <c:ptCount val="5"/>
+                <c:pt idx="0">
+                  <c:v>80</c:v>
+                </c:pt>
+                <c:pt idx="1">
+                  <c:v>83.3</c:v>
+                </c:pt>
+                <c:pt idx="2">
+                  <c:v>73.3</c:v>
+                </c:pt>
+                <c:pt idx="3">
+                  <c:v>83.3</c:v>
+                </c:pt>
+                <c:pt idx="4">
+                  <c:v>90</c:v>
+                </c:pt>
+              </c:numCache>
+            </c:numRef>
+          </c:val>
+          <c:extLst>
+            <c:ext xmlns:c16="http://schemas.microsoft.com/office/drawing/2014/chart" uri="{C3380CC4-5D6E-409C-BE32-E72D297353CC}">
+              <c16:uniqueId val="{00000000-E825-4CA1-840A-958343531D4D}"/>
+            </c:ext>
+          </c:extLst>
+        </c:ser>
+        <c:dLbls>
+          <c:showLegendKey val="0"/>
+          <c:showVal val="0"/>
+          <c:showCatName val="0"/>
+          <c:showSerName val="0"/>
+          <c:showPercent val="0"/>
+          <c:showBubbleSize val="0"/>
+        </c:dLbls>
+        <c:gapWidth val="150"/>
+        <c:shape val="box"/>
+        <c:axId val="1670990576"/>
+        <c:axId val="1670991056"/>
+        <c:axId val="1741357040"/>
+        <c:extLst>
+          <c:ext xmlns:c15="http://schemas.microsoft.com/office/drawing/2012/chart" uri="{02D57815-91ED-43cb-92C2-25804820EDAC}">
+            <c15:filteredBarSeries>
+              <c15:ser>
+                <c:idx val="0"/>
+                <c:order val="0"/>
+                <c:tx>
+                  <c:strRef>
+                    <c:extLst>
+                      <c:ext uri="{02D57815-91ED-43cb-92C2-25804820EDAC}">
+                        <c15:formulaRef>
+                          <c15:sqref>Sheet1!$C$39</c15:sqref>
+                        </c15:formulaRef>
+                      </c:ext>
+                    </c:extLst>
+                    <c:strCache>
+                      <c:ptCount val="1"/>
+                      <c:pt idx="0">
+                        <c:v>colon</c:v>
+                      </c:pt>
+                    </c:strCache>
+                  </c:strRef>
+                </c:tx>
+                <c:spPr>
+                  <a:solidFill>
+                    <a:schemeClr val="accent1">
+                      <a:tint val="77000"/>
+                    </a:schemeClr>
+                  </a:solidFill>
+                  <a:ln>
+                    <a:noFill/>
+                  </a:ln>
+                  <a:effectLst/>
+                  <a:sp3d/>
+                </c:spPr>
+                <c:invertIfNegative val="0"/>
+                <c:val>
+                  <c:numRef>
+                    <c:extLst>
+                      <c:ext uri="{02D57815-91ED-43cb-92C2-25804820EDAC}">
+                        <c15:formulaRef>
+                          <c15:sqref>Sheet1!$E$38:$E$42</c15:sqref>
+                        </c15:formulaRef>
+                      </c:ext>
+                    </c:extLst>
+                    <c:numCache>
+                      <c:formatCode>General</c:formatCode>
+                      <c:ptCount val="5"/>
+                      <c:pt idx="0">
+                        <c:v>86.7</c:v>
+                      </c:pt>
+                      <c:pt idx="1">
+                        <c:v>83.3</c:v>
+                      </c:pt>
+                      <c:pt idx="2">
+                        <c:v>73.3</c:v>
+                      </c:pt>
+                      <c:pt idx="3">
+                        <c:v>73.3</c:v>
+                      </c:pt>
+                      <c:pt idx="4">
+                        <c:v>86.7</c:v>
+                      </c:pt>
+                    </c:numCache>
+                  </c:numRef>
+                </c:val>
+                <c:extLst>
+                  <c:ext xmlns:c16="http://schemas.microsoft.com/office/drawing/2014/chart" uri="{C3380CC4-5D6E-409C-BE32-E72D297353CC}">
+                    <c16:uniqueId val="{00000001-E825-4CA1-840A-958343531D4D}"/>
+                  </c:ext>
+                </c:extLst>
+              </c15:ser>
+            </c15:filteredBarSeries>
+          </c:ext>
+        </c:extLst>
+      </c:bar3DChart>
+      <c:catAx>
+        <c:axId val="1670990576"/>
+        <c:scaling>
+          <c:orientation val="minMax"/>
+        </c:scaling>
+        <c:delete val="0"/>
+        <c:axPos val="b"/>
+        <c:majorTickMark val="none"/>
+        <c:minorTickMark val="none"/>
+        <c:tickLblPos val="nextTo"/>
+        <c:spPr>
+          <a:noFill/>
+          <a:ln>
+            <a:noFill/>
+          </a:ln>
+          <a:effectLst/>
+        </c:spPr>
+        <c:txPr>
+          <a:bodyPr rot="-60000000" spcFirstLastPara="1" vertOverflow="ellipsis" vert="horz" wrap="square" anchor="ctr" anchorCtr="1"/>
+          <a:lstStyle/>
+          <a:p>
+            <a:pPr>
+              <a:defRPr sz="900" b="0" i="0" u="none" strike="noStrike" kern="1200" baseline="0">
+                <a:solidFill>
+                  <a:schemeClr val="tx1">
+                    <a:lumMod val="65000"/>
+                    <a:lumOff val="35000"/>
+                  </a:schemeClr>
+                </a:solidFill>
+                <a:latin typeface="+mn-lt"/>
+                <a:ea typeface="+mn-ea"/>
+                <a:cs typeface="+mn-cs"/>
+              </a:defRPr>
+            </a:pPr>
+            <a:endParaRPr lang="en-US"/>
+          </a:p>
+        </c:txPr>
+        <c:crossAx val="1670991056"/>
+        <c:crosses val="autoZero"/>
+        <c:auto val="1"/>
+        <c:lblAlgn val="ctr"/>
+        <c:lblOffset val="100"/>
+        <c:noMultiLvlLbl val="0"/>
+      </c:catAx>
+      <c:valAx>
+        <c:axId val="1670991056"/>
+        <c:scaling>
+          <c:orientation val="minMax"/>
+        </c:scaling>
+        <c:delete val="0"/>
+        <c:axPos val="l"/>
+        <c:majorGridlines>
+          <c:spPr>
+            <a:ln w="9525" cap="flat" cmpd="sng" algn="ctr">
+              <a:solidFill>
+                <a:schemeClr val="tx1">
+                  <a:lumMod val="15000"/>
+                  <a:lumOff val="85000"/>
+                </a:schemeClr>
+              </a:solidFill>
+              <a:round/>
+            </a:ln>
+            <a:effectLst/>
+          </c:spPr>
+        </c:majorGridlines>
+        <c:numFmt formatCode="General" sourceLinked="1"/>
+        <c:majorTickMark val="none"/>
+        <c:minorTickMark val="none"/>
+        <c:tickLblPos val="nextTo"/>
+        <c:spPr>
+          <a:noFill/>
+          <a:ln>
+            <a:noFill/>
+          </a:ln>
+          <a:effectLst/>
+        </c:spPr>
+        <c:txPr>
+          <a:bodyPr rot="-60000000" spcFirstLastPara="1" vertOverflow="ellipsis" vert="horz" wrap="square" anchor="ctr" anchorCtr="1"/>
+          <a:lstStyle/>
+          <a:p>
+            <a:pPr>
+              <a:defRPr sz="900" b="0" i="0" u="none" strike="noStrike" kern="1200" baseline="0">
+                <a:solidFill>
+                  <a:schemeClr val="tx1">
+                    <a:lumMod val="65000"/>
+                    <a:lumOff val="35000"/>
+                  </a:schemeClr>
+                </a:solidFill>
+                <a:latin typeface="+mn-lt"/>
+                <a:ea typeface="+mn-ea"/>
+                <a:cs typeface="+mn-cs"/>
+              </a:defRPr>
+            </a:pPr>
+            <a:endParaRPr lang="en-US"/>
+          </a:p>
+        </c:txPr>
+        <c:crossAx val="1670990576"/>
+        <c:crosses val="autoZero"/>
+        <c:crossBetween val="between"/>
+      </c:valAx>
+      <c:serAx>
+        <c:axId val="1741357040"/>
+        <c:scaling>
+          <c:orientation val="minMax"/>
+        </c:scaling>
+        <c:delete val="1"/>
+        <c:axPos val="b"/>
+        <c:majorTickMark val="none"/>
+        <c:minorTickMark val="none"/>
+        <c:tickLblPos val="nextTo"/>
+        <c:crossAx val="1670991056"/>
+        <c:crosses val="autoZero"/>
+      </c:serAx>
+      <c:spPr>
+        <a:noFill/>
+        <a:ln>
+          <a:noFill/>
+        </a:ln>
+        <a:effectLst/>
+      </c:spPr>
+    </c:plotArea>
+    <c:plotVisOnly val="1"/>
+    <c:dispBlanksAs val="gap"/>
+    <c:showDLblsOverMax val="0"/>
+    <c:extLst>
+      <c:ext xmlns:c16r3="http://schemas.microsoft.com/office/drawing/2017/03/chart" uri="{56B9EC1D-385E-4148-901F-78D8002777C0}">
+        <c16r3:dataDisplayOptions16>
+          <c16r3:dispNaAsBlank val="1"/>
+        </c16r3:dataDisplayOptions16>
+      </c:ext>
+    </c:extLst>
+  </c:chart>
+  <c:spPr>
+    <a:noFill/>
+    <a:ln>
+      <a:noFill/>
+    </a:ln>
+    <a:effectLst/>
+  </c:spPr>
+  <c:txPr>
+    <a:bodyPr/>
+    <a:lstStyle/>
+    <a:p>
+      <a:pPr>
+        <a:defRPr/>
+      </a:pPr>
+      <a:endParaRPr lang="en-US"/>
+    </a:p>
+  </c:txPr>
+  <c:externalData r:id="rId3">
+    <c:autoUpdate val="0"/>
+  </c:externalData>
+</c:chartSpace>
+</file>
+
+<file path=ppt/charts/chart4.xml><?xml version="1.0" encoding="utf-8"?>
+<c:chartSpace xmlns:c="http://schemas.openxmlformats.org/drawingml/2006/chart" xmlns:a="http://schemas.openxmlformats.org/drawingml/2006/main" xmlns:r="http://schemas.openxmlformats.org/officeDocument/2006/relationships" xmlns:c16r2="http://schemas.microsoft.com/office/drawing/2015/06/chart">
+  <c:date1904 val="0"/>
+  <c:lang val="en-GB"/>
+  <c:roundedCorners val="0"/>
+  <mc:AlternateContent xmlns:mc="http://schemas.openxmlformats.org/markup-compatibility/2006">
+    <mc:Choice xmlns:c14="http://schemas.microsoft.com/office/drawing/2007/8/2/chart" Requires="c14">
+      <c14:style val="103"/>
+    </mc:Choice>
+    <mc:Fallback>
+      <c:style val="3"/>
+    </mc:Fallback>
+  </mc:AlternateContent>
+  <c:chart>
+    <c:title>
+      <c:tx>
+        <c:rich>
+          <a:bodyPr rot="0" spcFirstLastPara="1" vertOverflow="ellipsis" vert="horz" wrap="square" anchor="ctr" anchorCtr="1"/>
+          <a:lstStyle/>
+          <a:p>
+            <a:pPr>
+              <a:defRPr sz="1400" b="0" i="0" u="none" strike="noStrike" kern="1200" spc="0" baseline="0">
+                <a:solidFill>
+                  <a:schemeClr val="tx1">
+                    <a:lumMod val="65000"/>
+                    <a:lumOff val="35000"/>
+                  </a:schemeClr>
+                </a:solidFill>
+                <a:latin typeface="+mn-lt"/>
+                <a:ea typeface="+mn-ea"/>
+                <a:cs typeface="+mn-cs"/>
+              </a:defRPr>
+            </a:pPr>
+            <a:r>
+              <a:rPr lang="en-GB"/>
+              <a:t>Accuracy</a:t>
+            </a:r>
+            <a:r>
+              <a:rPr lang="en-GB" baseline="0"/>
+              <a:t> (Llama-tabular)</a:t>
+            </a:r>
+            <a:endParaRPr lang="en-GB"/>
+          </a:p>
+        </c:rich>
+      </c:tx>
+      <c:overlay val="0"/>
+      <c:spPr>
+        <a:noFill/>
+        <a:ln>
+          <a:noFill/>
+        </a:ln>
+        <a:effectLst/>
+      </c:spPr>
+      <c:txPr>
+        <a:bodyPr rot="0" spcFirstLastPara="1" vertOverflow="ellipsis" vert="horz" wrap="square" anchor="ctr" anchorCtr="1"/>
+        <a:lstStyle/>
+        <a:p>
+          <a:pPr>
+            <a:defRPr sz="1400" b="0" i="0" u="none" strike="noStrike" kern="1200" spc="0" baseline="0">
+              <a:solidFill>
+                <a:schemeClr val="tx1">
+                  <a:lumMod val="65000"/>
+                  <a:lumOff val="35000"/>
+                </a:schemeClr>
+              </a:solidFill>
+              <a:latin typeface="+mn-lt"/>
+              <a:ea typeface="+mn-ea"/>
+              <a:cs typeface="+mn-cs"/>
+            </a:defRPr>
+          </a:pPr>
+          <a:endParaRPr lang="en-GB"/>
+        </a:p>
+      </c:txPr>
+    </c:title>
+    <c:autoTitleDeleted val="0"/>
+    <c:view3D>
+      <c:rotX val="15"/>
+      <c:rotY val="20"/>
+      <c:depthPercent val="100"/>
+      <c:rAngAx val="1"/>
+    </c:view3D>
+    <c:floor>
+      <c:thickness val="0"/>
+      <c:spPr>
+        <a:noFill/>
+        <a:ln>
+          <a:noFill/>
+        </a:ln>
+        <a:effectLst/>
+        <a:sp3d/>
+      </c:spPr>
+    </c:floor>
+    <c:sideWall>
+      <c:thickness val="0"/>
+      <c:spPr>
+        <a:noFill/>
+        <a:ln>
+          <a:noFill/>
+        </a:ln>
+        <a:effectLst/>
+        <a:sp3d/>
+      </c:spPr>
+    </c:sideWall>
+    <c:backWall>
+      <c:thickness val="0"/>
+      <c:spPr>
+        <a:noFill/>
+        <a:ln>
+          <a:noFill/>
+        </a:ln>
+        <a:effectLst/>
+        <a:sp3d/>
+      </c:spPr>
+    </c:backWall>
+    <c:plotArea>
+      <c:layout/>
+      <c:bar3DChart>
+        <c:barDir val="col"/>
+        <c:grouping val="standard"/>
+        <c:varyColors val="0"/>
+        <c:ser>
+          <c:idx val="1"/>
+          <c:order val="1"/>
+          <c:tx>
+            <c:strRef>
+              <c:f>Sheet1!$C$58</c:f>
+              <c:strCache>
+                <c:ptCount val="1"/>
+                <c:pt idx="0">
+                  <c:v>dash</c:v>
+                </c:pt>
+              </c:strCache>
+            </c:strRef>
+          </c:tx>
+          <c:spPr>
+            <a:solidFill>
+              <a:schemeClr val="accent1">
+                <a:shade val="76000"/>
+              </a:schemeClr>
+            </a:solidFill>
+            <a:ln>
+              <a:noFill/>
+            </a:ln>
+            <a:effectLst/>
+            <a:sp3d/>
+          </c:spPr>
+          <c:invertIfNegative val="0"/>
+          <c:val>
+            <c:numRef>
+              <c:f>Sheet1!$E$57:$E$61</c:f>
+              <c:numCache>
+                <c:formatCode>General</c:formatCode>
+                <c:ptCount val="5"/>
+                <c:pt idx="0">
+                  <c:v>86.7</c:v>
+                </c:pt>
+                <c:pt idx="1">
+                  <c:v>80</c:v>
+                </c:pt>
+                <c:pt idx="2">
+                  <c:v>50</c:v>
+                </c:pt>
+                <c:pt idx="3">
+                  <c:v>53.3</c:v>
+                </c:pt>
+                <c:pt idx="4">
+                  <c:v>63.3</c:v>
+                </c:pt>
+              </c:numCache>
+            </c:numRef>
+          </c:val>
+          <c:extLst>
+            <c:ext xmlns:c16="http://schemas.microsoft.com/office/drawing/2014/chart" uri="{C3380CC4-5D6E-409C-BE32-E72D297353CC}">
+              <c16:uniqueId val="{00000000-4AD1-44A4-9BB2-9523F5F2494C}"/>
+            </c:ext>
+          </c:extLst>
+        </c:ser>
+        <c:dLbls>
+          <c:showLegendKey val="0"/>
+          <c:showVal val="0"/>
+          <c:showCatName val="0"/>
+          <c:showSerName val="0"/>
+          <c:showPercent val="0"/>
+          <c:showBubbleSize val="0"/>
+        </c:dLbls>
+        <c:gapWidth val="150"/>
+        <c:shape val="box"/>
+        <c:axId val="1822630336"/>
+        <c:axId val="1822631296"/>
+        <c:axId val="1934683136"/>
+        <c:extLst>
+          <c:ext xmlns:c15="http://schemas.microsoft.com/office/drawing/2012/chart" uri="{02D57815-91ED-43cb-92C2-25804820EDAC}">
+            <c15:filteredBarSeries>
+              <c15:ser>
+                <c:idx val="0"/>
+                <c:order val="0"/>
+                <c:tx>
+                  <c:strRef>
+                    <c:extLst>
+                      <c:ext uri="{02D57815-91ED-43cb-92C2-25804820EDAC}">
+                        <c15:formulaRef>
+                          <c15:sqref>Sheet1!$C$54</c15:sqref>
+                        </c15:formulaRef>
+                      </c:ext>
+                    </c:extLst>
+                    <c:strCache>
+                      <c:ptCount val="1"/>
+                      <c:pt idx="0">
+                        <c:v>colon</c:v>
+                      </c:pt>
+                    </c:strCache>
+                  </c:strRef>
+                </c:tx>
+                <c:spPr>
+                  <a:solidFill>
+                    <a:schemeClr val="accent1">
+                      <a:tint val="77000"/>
+                    </a:schemeClr>
+                  </a:solidFill>
+                  <a:ln>
+                    <a:noFill/>
+                  </a:ln>
+                  <a:effectLst/>
+                  <a:sp3d/>
+                </c:spPr>
+                <c:invertIfNegative val="0"/>
+                <c:val>
+                  <c:numRef>
+                    <c:extLst>
+                      <c:ext uri="{02D57815-91ED-43cb-92C2-25804820EDAC}">
+                        <c15:formulaRef>
+                          <c15:sqref>Sheet1!$E$52:$E$56</c15:sqref>
+                        </c15:formulaRef>
+                      </c:ext>
+                    </c:extLst>
+                    <c:numCache>
+                      <c:formatCode>General</c:formatCode>
+                      <c:ptCount val="5"/>
+                      <c:pt idx="0">
+                        <c:v>63.3</c:v>
+                      </c:pt>
+                      <c:pt idx="1">
+                        <c:v>70</c:v>
+                      </c:pt>
+                      <c:pt idx="2">
+                        <c:v>66.7</c:v>
+                      </c:pt>
+                      <c:pt idx="3">
+                        <c:v>80</c:v>
+                      </c:pt>
+                      <c:pt idx="4">
+                        <c:v>93.3</c:v>
+                      </c:pt>
+                    </c:numCache>
+                  </c:numRef>
+                </c:val>
+                <c:extLst>
+                  <c:ext xmlns:c16="http://schemas.microsoft.com/office/drawing/2014/chart" uri="{C3380CC4-5D6E-409C-BE32-E72D297353CC}">
+                    <c16:uniqueId val="{00000001-4AD1-44A4-9BB2-9523F5F2494C}"/>
+                  </c:ext>
+                </c:extLst>
+              </c15:ser>
+            </c15:filteredBarSeries>
+          </c:ext>
+        </c:extLst>
+      </c:bar3DChart>
+      <c:catAx>
+        <c:axId val="1822630336"/>
+        <c:scaling>
+          <c:orientation val="minMax"/>
+        </c:scaling>
+        <c:delete val="0"/>
+        <c:axPos val="b"/>
+        <c:majorTickMark val="none"/>
+        <c:minorTickMark val="none"/>
+        <c:tickLblPos val="nextTo"/>
+        <c:spPr>
+          <a:noFill/>
+          <a:ln>
+            <a:noFill/>
+          </a:ln>
+          <a:effectLst/>
+        </c:spPr>
+        <c:txPr>
+          <a:bodyPr rot="-60000000" spcFirstLastPara="1" vertOverflow="ellipsis" vert="horz" wrap="square" anchor="ctr" anchorCtr="1"/>
+          <a:lstStyle/>
+          <a:p>
+            <a:pPr>
+              <a:defRPr sz="900" b="0" i="0" u="none" strike="noStrike" kern="1200" baseline="0">
+                <a:solidFill>
+                  <a:schemeClr val="tx1">
+                    <a:lumMod val="65000"/>
+                    <a:lumOff val="35000"/>
+                  </a:schemeClr>
+                </a:solidFill>
+                <a:latin typeface="+mn-lt"/>
+                <a:ea typeface="+mn-ea"/>
+                <a:cs typeface="+mn-cs"/>
+              </a:defRPr>
+            </a:pPr>
+            <a:endParaRPr lang="en-US"/>
+          </a:p>
+        </c:txPr>
+        <c:crossAx val="1822631296"/>
+        <c:crosses val="autoZero"/>
+        <c:auto val="1"/>
+        <c:lblAlgn val="ctr"/>
+        <c:lblOffset val="100"/>
+        <c:noMultiLvlLbl val="0"/>
+      </c:catAx>
+      <c:valAx>
+        <c:axId val="1822631296"/>
+        <c:scaling>
+          <c:orientation val="minMax"/>
+        </c:scaling>
+        <c:delete val="0"/>
+        <c:axPos val="l"/>
+        <c:majorGridlines>
+          <c:spPr>
+            <a:ln w="9525" cap="flat" cmpd="sng" algn="ctr">
+              <a:solidFill>
+                <a:schemeClr val="tx1">
+                  <a:lumMod val="15000"/>
+                  <a:lumOff val="85000"/>
+                </a:schemeClr>
+              </a:solidFill>
+              <a:round/>
+            </a:ln>
+            <a:effectLst/>
+          </c:spPr>
+        </c:majorGridlines>
+        <c:numFmt formatCode="General" sourceLinked="1"/>
+        <c:majorTickMark val="none"/>
+        <c:minorTickMark val="none"/>
+        <c:tickLblPos val="nextTo"/>
+        <c:spPr>
+          <a:noFill/>
+          <a:ln>
+            <a:noFill/>
+          </a:ln>
+          <a:effectLst/>
+        </c:spPr>
+        <c:txPr>
+          <a:bodyPr rot="-60000000" spcFirstLastPara="1" vertOverflow="ellipsis" vert="horz" wrap="square" anchor="ctr" anchorCtr="1"/>
+          <a:lstStyle/>
+          <a:p>
+            <a:pPr>
+              <a:defRPr sz="900" b="0" i="0" u="none" strike="noStrike" kern="1200" baseline="0">
+                <a:solidFill>
+                  <a:schemeClr val="tx1">
+                    <a:lumMod val="65000"/>
+                    <a:lumOff val="35000"/>
+                  </a:schemeClr>
+                </a:solidFill>
+                <a:latin typeface="+mn-lt"/>
+                <a:ea typeface="+mn-ea"/>
+                <a:cs typeface="+mn-cs"/>
+              </a:defRPr>
+            </a:pPr>
+            <a:endParaRPr lang="en-US"/>
+          </a:p>
+        </c:txPr>
+        <c:crossAx val="1822630336"/>
+        <c:crosses val="autoZero"/>
+        <c:crossBetween val="between"/>
+      </c:valAx>
+      <c:serAx>
+        <c:axId val="1934683136"/>
+        <c:scaling>
+          <c:orientation val="minMax"/>
+        </c:scaling>
+        <c:delete val="1"/>
+        <c:axPos val="b"/>
+        <c:majorTickMark val="none"/>
+        <c:minorTickMark val="none"/>
+        <c:tickLblPos val="nextTo"/>
+        <c:crossAx val="1822631296"/>
+        <c:crosses val="autoZero"/>
+      </c:serAx>
+      <c:spPr>
+        <a:noFill/>
+        <a:ln>
+          <a:noFill/>
+        </a:ln>
+        <a:effectLst/>
+      </c:spPr>
+    </c:plotArea>
+    <c:plotVisOnly val="1"/>
+    <c:dispBlanksAs val="gap"/>
+    <c:showDLblsOverMax val="0"/>
+    <c:extLst>
+      <c:ext xmlns:c16r3="http://schemas.microsoft.com/office/drawing/2017/03/chart" uri="{56B9EC1D-385E-4148-901F-78D8002777C0}">
+        <c16r3:dataDisplayOptions16>
+          <c16r3:dispNaAsBlank val="1"/>
+        </c16r3:dataDisplayOptions16>
+      </c:ext>
+    </c:extLst>
+  </c:chart>
+  <c:spPr>
+    <a:noFill/>
+    <a:ln>
+      <a:noFill/>
+    </a:ln>
+    <a:effectLst/>
+  </c:spPr>
+  <c:txPr>
+    <a:bodyPr/>
+    <a:lstStyle/>
+    <a:p>
+      <a:pPr>
+        <a:defRPr/>
+      </a:pPr>
+      <a:endParaRPr lang="en-US"/>
+    </a:p>
+  </c:txPr>
+  <c:externalData r:id="rId3">
+    <c:autoUpdate val="0"/>
+  </c:externalData>
+</c:chartSpace>
+</file>
+
+<file path=ppt/charts/chart5.xml><?xml version="1.0" encoding="utf-8"?>
+<c:chartSpace xmlns:c="http://schemas.openxmlformats.org/drawingml/2006/chart" xmlns:a="http://schemas.openxmlformats.org/drawingml/2006/main" xmlns:r="http://schemas.openxmlformats.org/officeDocument/2006/relationships" xmlns:c16r2="http://schemas.microsoft.com/office/drawing/2015/06/chart">
+  <c:date1904 val="0"/>
+  <c:lang val="en-GB"/>
+  <c:roundedCorners val="0"/>
+  <mc:AlternateContent xmlns:mc="http://schemas.openxmlformats.org/markup-compatibility/2006">
+    <mc:Choice xmlns:c14="http://schemas.microsoft.com/office/drawing/2007/8/2/chart" Requires="c14">
+      <c14:style val="103"/>
+    </mc:Choice>
+    <mc:Fallback>
+      <c:style val="3"/>
+    </mc:Fallback>
+  </mc:AlternateContent>
+  <c:chart>
+    <c:title>
+      <c:tx>
+        <c:rich>
+          <a:bodyPr rot="0" spcFirstLastPara="1" vertOverflow="ellipsis" vert="horz" wrap="square" anchor="ctr" anchorCtr="1"/>
+          <a:lstStyle/>
+          <a:p>
+            <a:pPr>
+              <a:defRPr sz="1400" b="0" i="0" u="none" strike="noStrike" kern="1200" spc="0" baseline="0">
+                <a:solidFill>
+                  <a:schemeClr val="tx1">
+                    <a:lumMod val="65000"/>
+                    <a:lumOff val="35000"/>
+                  </a:schemeClr>
+                </a:solidFill>
+                <a:latin typeface="+mn-lt"/>
+                <a:ea typeface="+mn-ea"/>
+                <a:cs typeface="+mn-cs"/>
+              </a:defRPr>
+            </a:pPr>
+            <a:r>
+              <a:rPr lang="en-GB" sz="1400" b="0" i="0" u="none" strike="noStrike" kern="1200" spc="0" baseline="0">
+                <a:solidFill>
+                  <a:sysClr val="windowText" lastClr="000000">
+                    <a:lumMod val="65000"/>
+                    <a:lumOff val="35000"/>
+                  </a:sysClr>
+                </a:solidFill>
+              </a:rPr>
+              <a:t>Accuracy (Llama-json)</a:t>
+            </a:r>
+          </a:p>
+        </c:rich>
+      </c:tx>
+      <c:overlay val="0"/>
+      <c:spPr>
+        <a:noFill/>
+        <a:ln>
+          <a:noFill/>
+        </a:ln>
+        <a:effectLst/>
+      </c:spPr>
+      <c:txPr>
+        <a:bodyPr rot="0" spcFirstLastPara="1" vertOverflow="ellipsis" vert="horz" wrap="square" anchor="ctr" anchorCtr="1"/>
+        <a:lstStyle/>
+        <a:p>
+          <a:pPr>
+            <a:defRPr sz="1400" b="0" i="0" u="none" strike="noStrike" kern="1200" spc="0" baseline="0">
+              <a:solidFill>
+                <a:schemeClr val="tx1">
+                  <a:lumMod val="65000"/>
+                  <a:lumOff val="35000"/>
+                </a:schemeClr>
+              </a:solidFill>
+              <a:latin typeface="+mn-lt"/>
+              <a:ea typeface="+mn-ea"/>
+              <a:cs typeface="+mn-cs"/>
+            </a:defRPr>
+          </a:pPr>
+          <a:endParaRPr lang="en-US"/>
+        </a:p>
+      </c:txPr>
+    </c:title>
+    <c:autoTitleDeleted val="0"/>
+    <c:view3D>
+      <c:rotX val="15"/>
+      <c:rotY val="20"/>
+      <c:depthPercent val="100"/>
+      <c:rAngAx val="1"/>
+    </c:view3D>
+    <c:floor>
+      <c:thickness val="0"/>
+      <c:spPr>
+        <a:noFill/>
+        <a:ln>
+          <a:noFill/>
+        </a:ln>
+        <a:effectLst/>
+        <a:sp3d/>
+      </c:spPr>
+    </c:floor>
+    <c:sideWall>
+      <c:thickness val="0"/>
+      <c:spPr>
+        <a:noFill/>
+        <a:ln>
+          <a:noFill/>
+        </a:ln>
+        <a:effectLst/>
+        <a:sp3d/>
+      </c:spPr>
+    </c:sideWall>
+    <c:backWall>
+      <c:thickness val="0"/>
+      <c:spPr>
+        <a:noFill/>
+        <a:ln>
+          <a:noFill/>
+        </a:ln>
+        <a:effectLst/>
+        <a:sp3d/>
+      </c:spPr>
+    </c:backWall>
+    <c:plotArea>
+      <c:layout/>
+      <c:bar3DChart>
+        <c:barDir val="col"/>
+        <c:grouping val="standard"/>
+        <c:varyColors val="0"/>
+        <c:ser>
+          <c:idx val="1"/>
+          <c:order val="1"/>
+          <c:tx>
+            <c:strRef>
+              <c:f>Sheet1!$C$72</c:f>
+              <c:strCache>
+                <c:ptCount val="1"/>
+                <c:pt idx="0">
+                  <c:v>dash</c:v>
+                </c:pt>
+              </c:strCache>
+            </c:strRef>
+          </c:tx>
+          <c:spPr>
+            <a:solidFill>
+              <a:schemeClr val="accent1">
+                <a:shade val="76000"/>
+              </a:schemeClr>
+            </a:solidFill>
+            <a:ln>
+              <a:noFill/>
+            </a:ln>
+            <a:effectLst/>
+            <a:sp3d/>
+          </c:spPr>
+          <c:invertIfNegative val="0"/>
+          <c:val>
+            <c:numRef>
+              <c:f>Sheet1!$E$71:$E$75</c:f>
+              <c:numCache>
+                <c:formatCode>General</c:formatCode>
+                <c:ptCount val="5"/>
+                <c:pt idx="0">
+                  <c:v>63.3</c:v>
+                </c:pt>
+                <c:pt idx="1">
+                  <c:v>83.3</c:v>
+                </c:pt>
+                <c:pt idx="2">
+                  <c:v>83.3</c:v>
+                </c:pt>
+                <c:pt idx="3">
+                  <c:v>73.3</c:v>
+                </c:pt>
+                <c:pt idx="4">
+                  <c:v>90</c:v>
+                </c:pt>
+              </c:numCache>
+            </c:numRef>
+          </c:val>
+          <c:extLst>
+            <c:ext xmlns:c16="http://schemas.microsoft.com/office/drawing/2014/chart" uri="{C3380CC4-5D6E-409C-BE32-E72D297353CC}">
+              <c16:uniqueId val="{00000000-9FD5-4F27-B2AF-208BE66CAF86}"/>
+            </c:ext>
+          </c:extLst>
+        </c:ser>
+        <c:dLbls>
+          <c:showLegendKey val="0"/>
+          <c:showVal val="0"/>
+          <c:showCatName val="0"/>
+          <c:showSerName val="0"/>
+          <c:showPercent val="0"/>
+          <c:showBubbleSize val="0"/>
+        </c:dLbls>
+        <c:gapWidth val="150"/>
+        <c:shape val="box"/>
+        <c:axId val="1675432592"/>
+        <c:axId val="1675433552"/>
+        <c:axId val="1675415376"/>
+        <c:extLst>
+          <c:ext xmlns:c15="http://schemas.microsoft.com/office/drawing/2012/chart" uri="{02D57815-91ED-43cb-92C2-25804820EDAC}">
+            <c15:filteredBarSeries>
+              <c15:ser>
+                <c:idx val="0"/>
+                <c:order val="0"/>
+                <c:tx>
+                  <c:strRef>
+                    <c:extLst>
+                      <c:ext uri="{02D57815-91ED-43cb-92C2-25804820EDAC}">
+                        <c15:formulaRef>
+                          <c15:sqref>Sheet1!$C$67</c15:sqref>
+                        </c15:formulaRef>
+                      </c:ext>
+                    </c:extLst>
+                    <c:strCache>
+                      <c:ptCount val="1"/>
+                      <c:pt idx="0">
+                        <c:v>colon</c:v>
+                      </c:pt>
+                    </c:strCache>
+                  </c:strRef>
+                </c:tx>
+                <c:spPr>
+                  <a:solidFill>
+                    <a:schemeClr val="accent1">
+                      <a:tint val="77000"/>
+                    </a:schemeClr>
+                  </a:solidFill>
+                  <a:ln>
+                    <a:noFill/>
+                  </a:ln>
+                  <a:effectLst/>
+                  <a:sp3d/>
+                </c:spPr>
+                <c:invertIfNegative val="0"/>
+                <c:val>
+                  <c:numRef>
+                    <c:extLst>
+                      <c:ext uri="{02D57815-91ED-43cb-92C2-25804820EDAC}">
+                        <c15:formulaRef>
+                          <c15:sqref>Sheet1!$E$66:$E$70</c15:sqref>
+                        </c15:formulaRef>
+                      </c:ext>
+                    </c:extLst>
+                    <c:numCache>
+                      <c:formatCode>General</c:formatCode>
+                      <c:ptCount val="5"/>
+                      <c:pt idx="0">
+                        <c:v>80</c:v>
+                      </c:pt>
+                      <c:pt idx="1">
+                        <c:v>93.3</c:v>
+                      </c:pt>
+                      <c:pt idx="2">
+                        <c:v>83.3</c:v>
+                      </c:pt>
+                      <c:pt idx="3">
+                        <c:v>80</c:v>
+                      </c:pt>
+                      <c:pt idx="4">
+                        <c:v>76.7</c:v>
+                      </c:pt>
+                    </c:numCache>
+                  </c:numRef>
+                </c:val>
+                <c:extLst>
+                  <c:ext xmlns:c16="http://schemas.microsoft.com/office/drawing/2014/chart" uri="{C3380CC4-5D6E-409C-BE32-E72D297353CC}">
+                    <c16:uniqueId val="{00000001-9FD5-4F27-B2AF-208BE66CAF86}"/>
+                  </c:ext>
+                </c:extLst>
+              </c15:ser>
+            </c15:filteredBarSeries>
+          </c:ext>
+        </c:extLst>
+      </c:bar3DChart>
+      <c:catAx>
+        <c:axId val="1675432592"/>
+        <c:scaling>
+          <c:orientation val="minMax"/>
+        </c:scaling>
+        <c:delete val="0"/>
+        <c:axPos val="b"/>
+        <c:majorTickMark val="none"/>
+        <c:minorTickMark val="none"/>
+        <c:tickLblPos val="nextTo"/>
+        <c:spPr>
+          <a:noFill/>
+          <a:ln>
+            <a:noFill/>
+          </a:ln>
+          <a:effectLst/>
+        </c:spPr>
+        <c:txPr>
+          <a:bodyPr rot="-60000000" spcFirstLastPara="1" vertOverflow="ellipsis" vert="horz" wrap="square" anchor="ctr" anchorCtr="1"/>
+          <a:lstStyle/>
+          <a:p>
+            <a:pPr>
+              <a:defRPr sz="900" b="0" i="0" u="none" strike="noStrike" kern="1200" baseline="0">
+                <a:solidFill>
+                  <a:schemeClr val="tx1">
+                    <a:lumMod val="65000"/>
+                    <a:lumOff val="35000"/>
+                  </a:schemeClr>
+                </a:solidFill>
+                <a:latin typeface="+mn-lt"/>
+                <a:ea typeface="+mn-ea"/>
+                <a:cs typeface="+mn-cs"/>
+              </a:defRPr>
+            </a:pPr>
+            <a:endParaRPr lang="en-US"/>
+          </a:p>
+        </c:txPr>
+        <c:crossAx val="1675433552"/>
+        <c:crosses val="autoZero"/>
+        <c:auto val="1"/>
+        <c:lblAlgn val="ctr"/>
+        <c:lblOffset val="100"/>
+        <c:noMultiLvlLbl val="0"/>
+      </c:catAx>
+      <c:valAx>
+        <c:axId val="1675433552"/>
+        <c:scaling>
+          <c:orientation val="minMax"/>
+        </c:scaling>
+        <c:delete val="0"/>
+        <c:axPos val="l"/>
+        <c:majorGridlines>
+          <c:spPr>
+            <a:ln w="9525" cap="flat" cmpd="sng" algn="ctr">
+              <a:solidFill>
+                <a:schemeClr val="tx1">
+                  <a:lumMod val="15000"/>
+                  <a:lumOff val="85000"/>
+                </a:schemeClr>
+              </a:solidFill>
+              <a:round/>
+            </a:ln>
+            <a:effectLst/>
+          </c:spPr>
+        </c:majorGridlines>
+        <c:numFmt formatCode="General" sourceLinked="1"/>
+        <c:majorTickMark val="none"/>
+        <c:minorTickMark val="none"/>
+        <c:tickLblPos val="nextTo"/>
+        <c:spPr>
+          <a:noFill/>
+          <a:ln>
+            <a:noFill/>
+          </a:ln>
+          <a:effectLst/>
+        </c:spPr>
+        <c:txPr>
+          <a:bodyPr rot="-60000000" spcFirstLastPara="1" vertOverflow="ellipsis" vert="horz" wrap="square" anchor="ctr" anchorCtr="1"/>
+          <a:lstStyle/>
+          <a:p>
+            <a:pPr>
+              <a:defRPr sz="900" b="0" i="0" u="none" strike="noStrike" kern="1200" baseline="0">
+                <a:solidFill>
+                  <a:schemeClr val="tx1">
+                    <a:lumMod val="65000"/>
+                    <a:lumOff val="35000"/>
+                  </a:schemeClr>
+                </a:solidFill>
+                <a:latin typeface="+mn-lt"/>
+                <a:ea typeface="+mn-ea"/>
+                <a:cs typeface="+mn-cs"/>
+              </a:defRPr>
+            </a:pPr>
+            <a:endParaRPr lang="en-US"/>
+          </a:p>
+        </c:txPr>
+        <c:crossAx val="1675432592"/>
+        <c:crosses val="autoZero"/>
+        <c:crossBetween val="between"/>
+      </c:valAx>
+      <c:serAx>
+        <c:axId val="1675415376"/>
+        <c:scaling>
+          <c:orientation val="minMax"/>
+        </c:scaling>
+        <c:delete val="1"/>
+        <c:axPos val="b"/>
+        <c:majorTickMark val="none"/>
+        <c:minorTickMark val="none"/>
+        <c:tickLblPos val="nextTo"/>
+        <c:crossAx val="1675433552"/>
+        <c:crosses val="autoZero"/>
+      </c:serAx>
+      <c:spPr>
+        <a:noFill/>
+        <a:ln>
+          <a:noFill/>
+        </a:ln>
+        <a:effectLst/>
+      </c:spPr>
+    </c:plotArea>
+    <c:plotVisOnly val="1"/>
+    <c:dispBlanksAs val="gap"/>
+    <c:showDLblsOverMax val="0"/>
+    <c:extLst>
+      <c:ext xmlns:c16r3="http://schemas.microsoft.com/office/drawing/2017/03/chart" uri="{56B9EC1D-385E-4148-901F-78D8002777C0}">
+        <c16r3:dataDisplayOptions16>
+          <c16r3:dispNaAsBlank val="1"/>
+        </c16r3:dataDisplayOptions16>
+      </c:ext>
+    </c:extLst>
+  </c:chart>
+  <c:spPr>
+    <a:noFill/>
+    <a:ln>
+      <a:noFill/>
+    </a:ln>
+    <a:effectLst/>
+  </c:spPr>
+  <c:txPr>
+    <a:bodyPr/>
+    <a:lstStyle/>
+    <a:p>
+      <a:pPr>
+        <a:defRPr/>
+      </a:pPr>
+      <a:endParaRPr lang="en-US"/>
+    </a:p>
+  </c:txPr>
+  <c:externalData r:id="rId3">
+    <c:autoUpdate val="0"/>
+  </c:externalData>
+</c:chartSpace>
+</file>
+
+<file path=ppt/charts/chart6.xml><?xml version="1.0" encoding="utf-8"?>
+<c:chartSpace xmlns:c="http://schemas.openxmlformats.org/drawingml/2006/chart" xmlns:a="http://schemas.openxmlformats.org/drawingml/2006/main" xmlns:r="http://schemas.openxmlformats.org/officeDocument/2006/relationships" xmlns:c16r2="http://schemas.microsoft.com/office/drawing/2015/06/chart">
+  <c:date1904 val="0"/>
+  <c:lang val="en-GB"/>
+  <c:roundedCorners val="0"/>
+  <mc:AlternateContent xmlns:mc="http://schemas.openxmlformats.org/markup-compatibility/2006">
+    <mc:Choice xmlns:c14="http://schemas.microsoft.com/office/drawing/2007/8/2/chart" Requires="c14">
+      <c14:style val="102"/>
+    </mc:Choice>
+    <mc:Fallback>
+      <c:style val="2"/>
+    </mc:Fallback>
+  </mc:AlternateContent>
+  <c:chart>
+    <c:title>
+      <c:tx>
+        <c:rich>
+          <a:bodyPr rot="0" spcFirstLastPara="1" vertOverflow="ellipsis" vert="horz" wrap="square" anchor="ctr" anchorCtr="1"/>
+          <a:lstStyle/>
+          <a:p>
+            <a:pPr>
+              <a:defRPr sz="1400" b="0" i="0" u="none" strike="noStrike" baseline="0">
+                <a:solidFill>
+                  <a:schemeClr val="tx1">
+                    <a:lumMod val="65000"/>
+                    <a:lumOff val="35000"/>
+                  </a:schemeClr>
+                </a:solidFill>
+                <a:latin typeface="+mn-lt"/>
+                <a:ea typeface="+mn-ea"/>
+                <a:cs typeface="+mn-cs"/>
+              </a:defRPr>
+            </a:pPr>
+            <a:r>
+              <a:rPr lang="en-GB" sz="1400" b="0" i="0" u="none" strike="noStrike" baseline="0">
+                <a:solidFill>
+                  <a:sysClr val="windowText" lastClr="000000">
+                    <a:lumMod val="65000"/>
+                    <a:lumOff val="35000"/>
+                  </a:sysClr>
+                </a:solidFill>
+                <a:latin typeface="Aptos Narrow" panose="02110004020202020204"/>
+              </a:rPr>
+              <a:t>Anomalies and causes (no few-shot)</a:t>
+            </a:r>
+          </a:p>
+        </c:rich>
+      </c:tx>
+      <c:overlay val="0"/>
+      <c:spPr>
+        <a:noFill/>
+        <a:ln>
+          <a:noFill/>
+        </a:ln>
+        <a:effectLst/>
+      </c:spPr>
+      <c:txPr>
+        <a:bodyPr rot="0" spcFirstLastPara="1" vertOverflow="ellipsis" vert="horz" wrap="square" anchor="ctr" anchorCtr="1"/>
+        <a:lstStyle/>
+        <a:p>
+          <a:pPr>
+            <a:defRPr sz="1400" b="0" i="0" u="none" strike="noStrike" baseline="0">
+              <a:solidFill>
+                <a:schemeClr val="tx1">
+                  <a:lumMod val="65000"/>
+                  <a:lumOff val="35000"/>
+                </a:schemeClr>
+              </a:solidFill>
+              <a:latin typeface="+mn-lt"/>
+              <a:ea typeface="+mn-ea"/>
+              <a:cs typeface="+mn-cs"/>
+            </a:defRPr>
+          </a:pPr>
+          <a:endParaRPr lang="en-US"/>
+        </a:p>
+      </c:txPr>
+    </c:title>
+    <c:autoTitleDeleted val="0"/>
+    <c:view3D>
+      <c:rotX val="15"/>
+      <c:rotY val="20"/>
+      <c:depthPercent val="100"/>
+      <c:rAngAx val="0"/>
+    </c:view3D>
+    <c:floor>
+      <c:thickness val="0"/>
+      <c:spPr>
+        <a:noFill/>
+        <a:ln>
+          <a:noFill/>
+        </a:ln>
+        <a:effectLst/>
+        <a:sp3d/>
+      </c:spPr>
+    </c:floor>
+    <c:sideWall>
+      <c:thickness val="0"/>
+      <c:spPr>
+        <a:noFill/>
+        <a:ln>
+          <a:noFill/>
+        </a:ln>
+        <a:effectLst/>
+        <a:sp3d/>
+      </c:spPr>
+    </c:sideWall>
+    <c:backWall>
+      <c:thickness val="0"/>
+      <c:spPr>
+        <a:noFill/>
+        <a:ln>
+          <a:noFill/>
+        </a:ln>
+        <a:effectLst/>
+        <a:sp3d/>
+      </c:spPr>
+    </c:backWall>
+    <c:plotArea>
+      <c:layout/>
+      <c:bar3DChart>
+        <c:barDir val="col"/>
+        <c:grouping val="clustered"/>
+        <c:varyColors val="0"/>
+        <c:ser>
+          <c:idx val="0"/>
+          <c:order val="0"/>
+          <c:tx>
+            <c:strRef>
+              <c:f>Sheet1!$C$143</c:f>
+              <c:strCache>
+                <c:ptCount val="1"/>
+                <c:pt idx="0">
+                  <c:v>Anomaly found</c:v>
+                </c:pt>
+              </c:strCache>
+            </c:strRef>
+          </c:tx>
+          <c:spPr>
+            <a:solidFill>
+              <a:schemeClr val="accent1"/>
+            </a:solidFill>
+            <a:ln>
+              <a:noFill/>
+            </a:ln>
+            <a:effectLst/>
+            <a:sp3d/>
+          </c:spPr>
+          <c:invertIfNegative val="0"/>
+          <c:cat>
+            <c:strLit>
+              <c:ptCount val="4"/>
+              <c:pt idx="0">
+                <c:v>1</c:v>
+              </c:pt>
+              <c:pt idx="1">
+                <c:v>2</c:v>
+              </c:pt>
+              <c:pt idx="2">
+                <c:v>3</c:v>
+              </c:pt>
+              <c:pt idx="3">
+                <c:v>4</c:v>
+              </c:pt>
+              <c:extLst>
+                <c:ext xmlns:c15="http://schemas.microsoft.com/office/drawing/2012/chart" uri="{02D57815-91ED-43cb-92C2-25804820EDAC}">
+                  <c15:autoCat val="1"/>
+                </c:ext>
+              </c:extLst>
+            </c:strLit>
+          </c:cat>
+          <c:val>
+            <c:numRef>
+              <c:f>Sheet1!$C$144:$C$146</c:f>
+              <c:numCache>
+                <c:formatCode>General</c:formatCode>
+                <c:ptCount val="3"/>
+                <c:pt idx="0">
+                  <c:v>0.5</c:v>
+                </c:pt>
+                <c:pt idx="1">
+                  <c:v>0</c:v>
+                </c:pt>
+                <c:pt idx="2">
+                  <c:v>0</c:v>
+                </c:pt>
+              </c:numCache>
+              <c:extLst/>
+            </c:numRef>
+          </c:val>
+          <c:extLst>
+            <c:ext xmlns:c16="http://schemas.microsoft.com/office/drawing/2014/chart" uri="{C3380CC4-5D6E-409C-BE32-E72D297353CC}">
+              <c16:uniqueId val="{00000000-E4B8-419E-BB2C-64DDAF895524}"/>
+            </c:ext>
+          </c:extLst>
+        </c:ser>
+        <c:ser>
+          <c:idx val="1"/>
+          <c:order val="1"/>
+          <c:tx>
+            <c:strRef>
+              <c:f>Sheet1!$D$143</c:f>
+              <c:strCache>
+                <c:ptCount val="1"/>
+                <c:pt idx="0">
+                  <c:v>Cause found</c:v>
+                </c:pt>
+              </c:strCache>
+            </c:strRef>
+          </c:tx>
+          <c:spPr>
+            <a:solidFill>
+              <a:schemeClr val="accent2"/>
+            </a:solidFill>
+            <a:ln>
+              <a:noFill/>
+            </a:ln>
+            <a:effectLst/>
+            <a:sp3d/>
+          </c:spPr>
+          <c:invertIfNegative val="0"/>
+          <c:cat>
+            <c:strLit>
+              <c:ptCount val="3"/>
+              <c:pt idx="0">
+                <c:v>1</c:v>
+              </c:pt>
+              <c:pt idx="1">
+                <c:v>2</c:v>
+              </c:pt>
+              <c:pt idx="2">
+                <c:v>3</c:v>
+              </c:pt>
+              <c:extLst>
+                <c:ext xmlns:c15="http://schemas.microsoft.com/office/drawing/2012/chart" uri="{02D57815-91ED-43cb-92C2-25804820EDAC}">
+                  <c15:autoCat val="1"/>
+                </c:ext>
+              </c:extLst>
+            </c:strLit>
+          </c:cat>
+          <c:val>
+            <c:numRef>
+              <c:f>Sheet1!$D$144:$D$146</c:f>
+              <c:numCache>
+                <c:formatCode>General</c:formatCode>
+                <c:ptCount val="3"/>
+                <c:pt idx="0">
+                  <c:v>0</c:v>
+                </c:pt>
+                <c:pt idx="1">
+                  <c:v>0</c:v>
+                </c:pt>
+                <c:pt idx="2">
+                  <c:v>0</c:v>
+                </c:pt>
+              </c:numCache>
+              <c:extLst/>
+            </c:numRef>
+          </c:val>
+          <c:extLst>
+            <c:ext xmlns:c16="http://schemas.microsoft.com/office/drawing/2014/chart" uri="{C3380CC4-5D6E-409C-BE32-E72D297353CC}">
+              <c16:uniqueId val="{00000001-E4B8-419E-BB2C-64DDAF895524}"/>
+            </c:ext>
+          </c:extLst>
+        </c:ser>
+        <c:dLbls>
+          <c:showLegendKey val="0"/>
+          <c:showVal val="0"/>
+          <c:showCatName val="0"/>
+          <c:showSerName val="0"/>
+          <c:showPercent val="0"/>
+          <c:showBubbleSize val="0"/>
+        </c:dLbls>
+        <c:gapWidth val="0"/>
+        <c:shape val="box"/>
+        <c:axId val="1247591616"/>
+        <c:axId val="1247581536"/>
+        <c:axId val="0"/>
+      </c:bar3DChart>
+      <c:catAx>
+        <c:axId val="1247591616"/>
+        <c:scaling>
+          <c:orientation val="minMax"/>
+        </c:scaling>
+        <c:delete val="0"/>
+        <c:axPos val="b"/>
+        <c:numFmt formatCode="General" sourceLinked="0"/>
+        <c:majorTickMark val="none"/>
+        <c:minorTickMark val="none"/>
+        <c:tickLblPos val="nextTo"/>
+        <c:spPr>
+          <a:noFill/>
+          <a:ln w="9525" cap="flat" cmpd="sng" algn="ctr">
+            <a:solidFill>
+              <a:schemeClr val="tx1">
+                <a:lumMod val="15000"/>
+                <a:lumOff val="85000"/>
+              </a:schemeClr>
+            </a:solidFill>
+            <a:round/>
+          </a:ln>
+          <a:effectLst/>
+        </c:spPr>
+        <c:txPr>
+          <a:bodyPr rot="-60000000" spcFirstLastPara="1" vertOverflow="ellipsis" vert="horz" wrap="square" anchor="ctr" anchorCtr="1"/>
+          <a:lstStyle/>
+          <a:p>
+            <a:pPr>
+              <a:defRPr sz="900" b="0" i="0" u="none" strike="noStrike" baseline="0">
+                <a:solidFill>
+                  <a:schemeClr val="tx1">
+                    <a:lumMod val="65000"/>
+                    <a:lumOff val="35000"/>
+                  </a:schemeClr>
+                </a:solidFill>
+                <a:latin typeface="+mn-lt"/>
+                <a:ea typeface="+mn-ea"/>
+                <a:cs typeface="+mn-cs"/>
+              </a:defRPr>
+            </a:pPr>
+            <a:endParaRPr lang="en-US"/>
+          </a:p>
+        </c:txPr>
+        <c:crossAx val="1247581536"/>
+        <c:crosses val="autoZero"/>
+        <c:auto val="1"/>
+        <c:lblAlgn val="ctr"/>
+        <c:lblOffset val="100"/>
+        <c:noMultiLvlLbl val="0"/>
+      </c:catAx>
+      <c:valAx>
+        <c:axId val="1247581536"/>
+        <c:scaling>
+          <c:orientation val="minMax"/>
+        </c:scaling>
+        <c:delete val="0"/>
+        <c:axPos val="l"/>
+        <c:majorGridlines>
+          <c:spPr>
+            <a:ln w="9525" cap="flat" cmpd="sng" algn="ctr">
+              <a:solidFill>
+                <a:schemeClr val="tx1">
+                  <a:lumMod val="15000"/>
+                  <a:lumOff val="85000"/>
+                </a:schemeClr>
+              </a:solidFill>
+              <a:round/>
+            </a:ln>
+            <a:effectLst/>
+          </c:spPr>
+        </c:majorGridlines>
+        <c:numFmt formatCode="General" sourceLinked="1"/>
+        <c:majorTickMark val="none"/>
+        <c:minorTickMark val="none"/>
+        <c:tickLblPos val="nextTo"/>
+        <c:spPr>
+          <a:noFill/>
+          <a:ln>
+            <a:noFill/>
+          </a:ln>
+          <a:effectLst/>
+        </c:spPr>
+        <c:txPr>
+          <a:bodyPr rot="-60000000" spcFirstLastPara="1" vertOverflow="ellipsis" vert="horz" wrap="square" anchor="ctr" anchorCtr="1"/>
+          <a:lstStyle/>
+          <a:p>
+            <a:pPr>
+              <a:defRPr sz="900" b="0" i="0" u="none" strike="noStrike" baseline="0">
+                <a:solidFill>
+                  <a:schemeClr val="tx1">
+                    <a:lumMod val="65000"/>
+                    <a:lumOff val="35000"/>
+                  </a:schemeClr>
+                </a:solidFill>
+                <a:latin typeface="+mn-lt"/>
+                <a:ea typeface="+mn-ea"/>
+                <a:cs typeface="+mn-cs"/>
+              </a:defRPr>
+            </a:pPr>
+            <a:endParaRPr lang="en-US"/>
+          </a:p>
+        </c:txPr>
+        <c:crossAx val="1247591616"/>
+        <c:crosses val="autoZero"/>
+        <c:crossBetween val="between"/>
+      </c:valAx>
+      <c:spPr>
+        <a:noFill/>
+        <a:ln>
+          <a:noFill/>
+        </a:ln>
+        <a:effectLst/>
+      </c:spPr>
+    </c:plotArea>
+    <c:plotVisOnly val="1"/>
+    <c:dispBlanksAs val="gap"/>
+    <c:showDLblsOverMax val="0"/>
+    <c:extLst>
+      <c:ext xmlns:c16r3="http://schemas.microsoft.com/office/drawing/2017/03/chart" uri="{56B9EC1D-385E-4148-901F-78D8002777C0}">
+        <c16r3:dataDisplayOptions16>
+          <c16r3:dispNaAsBlank val="1"/>
+        </c16r3:dataDisplayOptions16>
+      </c:ext>
+    </c:extLst>
+  </c:chart>
+  <c:spPr>
+    <a:noFill/>
+    <a:ln>
+      <a:noFill/>
+    </a:ln>
+    <a:effectLst/>
+  </c:spPr>
+  <c:txPr>
+    <a:bodyPr/>
+    <a:lstStyle/>
+    <a:p>
+      <a:pPr>
+        <a:defRPr/>
+      </a:pPr>
+      <a:endParaRPr lang="en-US"/>
+    </a:p>
+  </c:txPr>
+  <c:externalData r:id="rId3">
+    <c:autoUpdate val="0"/>
+  </c:externalData>
+</c:chartSpace>
+</file>
+
+<file path=ppt/charts/chart7.xml><?xml version="1.0" encoding="utf-8"?>
+<c:chartSpace xmlns:c="http://schemas.openxmlformats.org/drawingml/2006/chart" xmlns:a="http://schemas.openxmlformats.org/drawingml/2006/main" xmlns:r="http://schemas.openxmlformats.org/officeDocument/2006/relationships" xmlns:c16r2="http://schemas.microsoft.com/office/drawing/2015/06/chart">
+  <c:date1904 val="0"/>
+  <c:lang val="en-GB"/>
+  <c:roundedCorners val="0"/>
+  <mc:AlternateContent xmlns:mc="http://schemas.openxmlformats.org/markup-compatibility/2006">
+    <mc:Choice xmlns:c14="http://schemas.microsoft.com/office/drawing/2007/8/2/chart" Requires="c14">
+      <c14:style val="102"/>
+    </mc:Choice>
+    <mc:Fallback>
+      <c:style val="2"/>
+    </mc:Fallback>
+  </mc:AlternateContent>
+  <c:chart>
+    <c:title>
+      <c:tx>
+        <c:rich>
+          <a:bodyPr rot="0" spcFirstLastPara="1" vertOverflow="ellipsis" vert="horz" wrap="square" anchor="ctr" anchorCtr="1"/>
+          <a:lstStyle/>
+          <a:p>
+            <a:pPr>
+              <a:defRPr sz="1400" b="0" i="0" u="none" strike="noStrike" baseline="0">
+                <a:solidFill>
+                  <a:schemeClr val="tx1">
+                    <a:lumMod val="65000"/>
+                    <a:lumOff val="35000"/>
+                  </a:schemeClr>
+                </a:solidFill>
+                <a:latin typeface="+mn-lt"/>
+                <a:ea typeface="+mn-ea"/>
+                <a:cs typeface="+mn-cs"/>
+              </a:defRPr>
+            </a:pPr>
+            <a:r>
+              <a:rPr lang="en-GB" sz="1400" b="0" i="0" u="none" strike="noStrike" baseline="0">
+                <a:solidFill>
+                  <a:sysClr val="windowText" lastClr="000000">
+                    <a:lumMod val="65000"/>
+                    <a:lumOff val="35000"/>
+                  </a:sysClr>
+                </a:solidFill>
+                <a:latin typeface="Aptos Narrow" panose="02110004020202020204"/>
+              </a:rPr>
+              <a:t>Anomalies and causes (one-shot)</a:t>
+            </a:r>
+          </a:p>
+        </c:rich>
+      </c:tx>
+      <c:overlay val="0"/>
+      <c:spPr>
+        <a:noFill/>
+        <a:ln>
+          <a:noFill/>
+        </a:ln>
+        <a:effectLst/>
+      </c:spPr>
+      <c:txPr>
+        <a:bodyPr rot="0" spcFirstLastPara="1" vertOverflow="ellipsis" vert="horz" wrap="square" anchor="ctr" anchorCtr="1"/>
+        <a:lstStyle/>
+        <a:p>
+          <a:pPr>
+            <a:defRPr sz="1400" b="0" i="0" u="none" strike="noStrike" baseline="0">
+              <a:solidFill>
+                <a:schemeClr val="tx1">
+                  <a:lumMod val="65000"/>
+                  <a:lumOff val="35000"/>
+                </a:schemeClr>
+              </a:solidFill>
+              <a:latin typeface="+mn-lt"/>
+              <a:ea typeface="+mn-ea"/>
+              <a:cs typeface="+mn-cs"/>
+            </a:defRPr>
+          </a:pPr>
+          <a:endParaRPr lang="en-US"/>
+        </a:p>
+      </c:txPr>
+    </c:title>
+    <c:autoTitleDeleted val="0"/>
+    <c:view3D>
+      <c:rotX val="15"/>
+      <c:rotY val="20"/>
+      <c:depthPercent val="100"/>
+      <c:rAngAx val="0"/>
+    </c:view3D>
+    <c:floor>
+      <c:thickness val="0"/>
+      <c:spPr>
+        <a:noFill/>
+        <a:ln>
+          <a:noFill/>
+        </a:ln>
+        <a:effectLst/>
+        <a:sp3d/>
+      </c:spPr>
+    </c:floor>
+    <c:sideWall>
+      <c:thickness val="0"/>
+      <c:spPr>
+        <a:noFill/>
+        <a:ln>
+          <a:noFill/>
+        </a:ln>
+        <a:effectLst/>
+        <a:sp3d/>
+      </c:spPr>
+    </c:sideWall>
+    <c:backWall>
+      <c:thickness val="0"/>
+      <c:spPr>
+        <a:noFill/>
+        <a:ln>
+          <a:noFill/>
+        </a:ln>
+        <a:effectLst/>
+        <a:sp3d/>
+      </c:spPr>
+    </c:backWall>
+    <c:plotArea>
+      <c:layout/>
+      <c:bar3DChart>
+        <c:barDir val="col"/>
+        <c:grouping val="clustered"/>
+        <c:varyColors val="0"/>
+        <c:ser>
+          <c:idx val="0"/>
+          <c:order val="0"/>
+          <c:tx>
+            <c:strRef>
+              <c:f>Sheet1!$C$125</c:f>
+              <c:strCache>
+                <c:ptCount val="1"/>
+                <c:pt idx="0">
+                  <c:v>Anomaly found</c:v>
+                </c:pt>
+              </c:strCache>
+            </c:strRef>
+          </c:tx>
+          <c:spPr>
+            <a:solidFill>
+              <a:schemeClr val="accent1"/>
+            </a:solidFill>
+            <a:ln>
+              <a:noFill/>
+            </a:ln>
+            <a:effectLst/>
+            <a:sp3d/>
+          </c:spPr>
+          <c:invertIfNegative val="0"/>
+          <c:val>
+            <c:numRef>
+              <c:f>Sheet1!$C$126:$C$131</c:f>
+              <c:numCache>
+                <c:formatCode>General</c:formatCode>
+                <c:ptCount val="6"/>
+                <c:pt idx="0">
+                  <c:v>0.5</c:v>
+                </c:pt>
+                <c:pt idx="1">
+                  <c:v>0</c:v>
+                </c:pt>
+                <c:pt idx="2">
+                  <c:v>1</c:v>
+                </c:pt>
+                <c:pt idx="3">
+                  <c:v>0</c:v>
+                </c:pt>
+                <c:pt idx="4">
+                  <c:v>1</c:v>
+                </c:pt>
+                <c:pt idx="5">
+                  <c:v>1</c:v>
+                </c:pt>
+              </c:numCache>
+            </c:numRef>
+          </c:val>
+          <c:extLst>
+            <c:ext xmlns:c16="http://schemas.microsoft.com/office/drawing/2014/chart" uri="{C3380CC4-5D6E-409C-BE32-E72D297353CC}">
+              <c16:uniqueId val="{00000000-49F2-48C7-A3EF-05EA91CC4964}"/>
+            </c:ext>
+          </c:extLst>
+        </c:ser>
+        <c:ser>
+          <c:idx val="1"/>
+          <c:order val="1"/>
+          <c:tx>
+            <c:strRef>
+              <c:f>Sheet1!$D$125</c:f>
+              <c:strCache>
+                <c:ptCount val="1"/>
+                <c:pt idx="0">
+                  <c:v>Cause found</c:v>
+                </c:pt>
+              </c:strCache>
+            </c:strRef>
+          </c:tx>
+          <c:spPr>
+            <a:solidFill>
+              <a:schemeClr val="accent2"/>
+            </a:solidFill>
+            <a:ln>
+              <a:noFill/>
+            </a:ln>
+            <a:effectLst/>
+            <a:sp3d/>
+          </c:spPr>
+          <c:invertIfNegative val="0"/>
+          <c:val>
+            <c:numRef>
+              <c:f>Sheet1!$D$126:$D$131</c:f>
+              <c:numCache>
+                <c:formatCode>General</c:formatCode>
+                <c:ptCount val="6"/>
+                <c:pt idx="0">
+                  <c:v>0</c:v>
+                </c:pt>
+                <c:pt idx="1">
+                  <c:v>0</c:v>
+                </c:pt>
+                <c:pt idx="2">
+                  <c:v>0</c:v>
+                </c:pt>
+                <c:pt idx="3">
+                  <c:v>0</c:v>
+                </c:pt>
+                <c:pt idx="4">
+                  <c:v>0</c:v>
+                </c:pt>
+                <c:pt idx="5">
+                  <c:v>0</c:v>
+                </c:pt>
+              </c:numCache>
+            </c:numRef>
+          </c:val>
+          <c:extLst>
+            <c:ext xmlns:c16="http://schemas.microsoft.com/office/drawing/2014/chart" uri="{C3380CC4-5D6E-409C-BE32-E72D297353CC}">
+              <c16:uniqueId val="{00000001-49F2-48C7-A3EF-05EA91CC4964}"/>
+            </c:ext>
+          </c:extLst>
+        </c:ser>
+        <c:dLbls>
+          <c:showLegendKey val="0"/>
+          <c:showVal val="0"/>
+          <c:showCatName val="0"/>
+          <c:showSerName val="0"/>
+          <c:showPercent val="0"/>
+          <c:showBubbleSize val="0"/>
+        </c:dLbls>
+        <c:gapWidth val="0"/>
+        <c:shape val="box"/>
+        <c:axId val="1247591616"/>
+        <c:axId val="1247581536"/>
+        <c:axId val="0"/>
+      </c:bar3DChart>
+      <c:catAx>
+        <c:axId val="1247591616"/>
+        <c:scaling>
+          <c:orientation val="minMax"/>
+        </c:scaling>
+        <c:delete val="0"/>
+        <c:axPos val="b"/>
+        <c:majorTickMark val="none"/>
+        <c:minorTickMark val="none"/>
+        <c:tickLblPos val="nextTo"/>
+        <c:spPr>
+          <a:noFill/>
+          <a:ln w="9525" cap="flat" cmpd="sng" algn="ctr">
+            <a:solidFill>
+              <a:schemeClr val="tx1">
+                <a:lumMod val="15000"/>
+                <a:lumOff val="85000"/>
+              </a:schemeClr>
+            </a:solidFill>
+            <a:round/>
+          </a:ln>
+          <a:effectLst/>
+        </c:spPr>
+        <c:txPr>
+          <a:bodyPr rot="-60000000" spcFirstLastPara="1" vertOverflow="ellipsis" vert="horz" wrap="square" anchor="ctr" anchorCtr="1"/>
+          <a:lstStyle/>
+          <a:p>
+            <a:pPr>
+              <a:defRPr sz="900" b="0" i="0" u="none" strike="noStrike" baseline="0">
+                <a:solidFill>
+                  <a:schemeClr val="tx1">
+                    <a:lumMod val="65000"/>
+                    <a:lumOff val="35000"/>
+                  </a:schemeClr>
+                </a:solidFill>
+                <a:latin typeface="+mn-lt"/>
+                <a:ea typeface="+mn-ea"/>
+                <a:cs typeface="+mn-cs"/>
+              </a:defRPr>
+            </a:pPr>
+            <a:endParaRPr lang="en-US"/>
+          </a:p>
+        </c:txPr>
+        <c:crossAx val="1247581536"/>
+        <c:crosses val="autoZero"/>
+        <c:auto val="1"/>
+        <c:lblAlgn val="ctr"/>
+        <c:lblOffset val="100"/>
+        <c:noMultiLvlLbl val="0"/>
+      </c:catAx>
+      <c:valAx>
+        <c:axId val="1247581536"/>
+        <c:scaling>
+          <c:orientation val="minMax"/>
+        </c:scaling>
+        <c:delete val="0"/>
+        <c:axPos val="l"/>
+        <c:majorGridlines>
+          <c:spPr>
+            <a:ln w="9525" cap="flat" cmpd="sng" algn="ctr">
+              <a:solidFill>
+                <a:schemeClr val="tx1">
+                  <a:lumMod val="15000"/>
+                  <a:lumOff val="85000"/>
+                </a:schemeClr>
+              </a:solidFill>
+              <a:round/>
+            </a:ln>
+            <a:effectLst/>
+          </c:spPr>
+        </c:majorGridlines>
+        <c:numFmt formatCode="General" sourceLinked="1"/>
+        <c:majorTickMark val="none"/>
+        <c:minorTickMark val="none"/>
+        <c:tickLblPos val="nextTo"/>
+        <c:spPr>
+          <a:noFill/>
+          <a:ln>
+            <a:noFill/>
+          </a:ln>
+          <a:effectLst/>
+        </c:spPr>
+        <c:txPr>
+          <a:bodyPr rot="-60000000" spcFirstLastPara="1" vertOverflow="ellipsis" vert="horz" wrap="square" anchor="ctr" anchorCtr="1"/>
+          <a:lstStyle/>
+          <a:p>
+            <a:pPr>
+              <a:defRPr sz="900" b="0" i="0" u="none" strike="noStrike" baseline="0">
+                <a:solidFill>
+                  <a:schemeClr val="tx1">
+                    <a:lumMod val="65000"/>
+                    <a:lumOff val="35000"/>
+                  </a:schemeClr>
+                </a:solidFill>
+                <a:latin typeface="+mn-lt"/>
+                <a:ea typeface="+mn-ea"/>
+                <a:cs typeface="+mn-cs"/>
+              </a:defRPr>
+            </a:pPr>
+            <a:endParaRPr lang="en-US"/>
+          </a:p>
+        </c:txPr>
+        <c:crossAx val="1247591616"/>
+        <c:crosses val="autoZero"/>
+        <c:crossBetween val="between"/>
+      </c:valAx>
+      <c:spPr>
+        <a:noFill/>
+        <a:ln>
+          <a:noFill/>
+        </a:ln>
+        <a:effectLst/>
+      </c:spPr>
+    </c:plotArea>
+    <c:plotVisOnly val="1"/>
+    <c:dispBlanksAs val="gap"/>
+    <c:showDLblsOverMax val="0"/>
+    <c:extLst>
+      <c:ext xmlns:c16r3="http://schemas.microsoft.com/office/drawing/2017/03/chart" uri="{56B9EC1D-385E-4148-901F-78D8002777C0}">
+        <c16r3:dataDisplayOptions16>
+          <c16r3:dispNaAsBlank val="1"/>
+        </c16r3:dataDisplayOptions16>
+      </c:ext>
+    </c:extLst>
+  </c:chart>
+  <c:spPr>
+    <a:noFill/>
+    <a:ln>
+      <a:noFill/>
+    </a:ln>
+    <a:effectLst/>
+  </c:spPr>
+  <c:txPr>
+    <a:bodyPr/>
+    <a:lstStyle/>
+    <a:p>
+      <a:pPr>
+        <a:defRPr/>
+      </a:pPr>
+      <a:endParaRPr lang="en-US"/>
+    </a:p>
+  </c:txPr>
+  <c:externalData r:id="rId3">
+    <c:autoUpdate val="0"/>
+  </c:externalData>
+</c:chartSpace>
+</file>
+
+<file path=ppt/charts/chart8.xml><?xml version="1.0" encoding="utf-8"?>
+<c:chartSpace xmlns:c="http://schemas.openxmlformats.org/drawingml/2006/chart" xmlns:a="http://schemas.openxmlformats.org/drawingml/2006/main" xmlns:r="http://schemas.openxmlformats.org/officeDocument/2006/relationships" xmlns:c16r2="http://schemas.microsoft.com/office/drawing/2015/06/chart">
+  <c:date1904 val="0"/>
+  <c:lang val="en-GB"/>
+  <c:roundedCorners val="0"/>
+  <mc:AlternateContent xmlns:mc="http://schemas.openxmlformats.org/markup-compatibility/2006">
+    <mc:Choice xmlns:c14="http://schemas.microsoft.com/office/drawing/2007/8/2/chart" Requires="c14">
+      <c14:style val="102"/>
+    </mc:Choice>
+    <mc:Fallback>
+      <c:style val="2"/>
+    </mc:Fallback>
+  </mc:AlternateContent>
+  <c:chart>
+    <c:title>
+      <c:tx>
+        <c:rich>
+          <a:bodyPr rot="0" spcFirstLastPara="1" vertOverflow="ellipsis" vert="horz" wrap="square" anchor="ctr" anchorCtr="1"/>
+          <a:lstStyle/>
+          <a:p>
+            <a:pPr>
+              <a:defRPr sz="1400" b="0" i="0" u="none" strike="noStrike" baseline="0">
+                <a:solidFill>
+                  <a:schemeClr val="tx1">
+                    <a:lumMod val="65000"/>
+                    <a:lumOff val="35000"/>
+                  </a:schemeClr>
+                </a:solidFill>
+                <a:latin typeface="+mn-lt"/>
+                <a:ea typeface="+mn-ea"/>
+                <a:cs typeface="+mn-cs"/>
+              </a:defRPr>
+            </a:pPr>
+            <a:r>
+              <a:rPr lang="en-GB" sz="1400" b="0" i="0" u="none" strike="noStrike" baseline="0">
+                <a:solidFill>
+                  <a:sysClr val="windowText" lastClr="000000">
+                    <a:lumMod val="65000"/>
+                    <a:lumOff val="35000"/>
+                  </a:sysClr>
+                </a:solidFill>
+                <a:latin typeface="Aptos Narrow" panose="02110004020202020204"/>
+              </a:rPr>
+              <a:t>Anomalies and causes (two-shot)</a:t>
+            </a:r>
+          </a:p>
+        </c:rich>
+      </c:tx>
+      <c:overlay val="0"/>
+      <c:spPr>
+        <a:noFill/>
+        <a:ln>
+          <a:noFill/>
+        </a:ln>
+        <a:effectLst/>
+      </c:spPr>
+      <c:txPr>
+        <a:bodyPr rot="0" spcFirstLastPara="1" vertOverflow="ellipsis" vert="horz" wrap="square" anchor="ctr" anchorCtr="1"/>
+        <a:lstStyle/>
+        <a:p>
+          <a:pPr>
+            <a:defRPr sz="1400" b="0" i="0" u="none" strike="noStrike" baseline="0">
+              <a:solidFill>
+                <a:schemeClr val="tx1">
+                  <a:lumMod val="65000"/>
+                  <a:lumOff val="35000"/>
+                </a:schemeClr>
+              </a:solidFill>
+              <a:latin typeface="+mn-lt"/>
+              <a:ea typeface="+mn-ea"/>
+              <a:cs typeface="+mn-cs"/>
+            </a:defRPr>
+          </a:pPr>
+          <a:endParaRPr lang="en-US"/>
+        </a:p>
+      </c:txPr>
+    </c:title>
+    <c:autoTitleDeleted val="0"/>
+    <c:view3D>
+      <c:rotX val="15"/>
+      <c:rotY val="20"/>
+      <c:depthPercent val="100"/>
+      <c:rAngAx val="0"/>
+    </c:view3D>
+    <c:floor>
+      <c:thickness val="0"/>
+      <c:spPr>
+        <a:noFill/>
+        <a:ln>
+          <a:noFill/>
+        </a:ln>
+        <a:effectLst/>
+        <a:sp3d/>
+      </c:spPr>
+    </c:floor>
+    <c:sideWall>
+      <c:thickness val="0"/>
+      <c:spPr>
+        <a:noFill/>
+        <a:ln>
+          <a:noFill/>
+        </a:ln>
+        <a:effectLst/>
+        <a:sp3d/>
+      </c:spPr>
+    </c:sideWall>
+    <c:backWall>
+      <c:thickness val="0"/>
+      <c:spPr>
+        <a:noFill/>
+        <a:ln>
+          <a:noFill/>
+        </a:ln>
+        <a:effectLst/>
+        <a:sp3d/>
+      </c:spPr>
+    </c:backWall>
+    <c:plotArea>
+      <c:layout/>
+      <c:bar3DChart>
+        <c:barDir val="col"/>
+        <c:grouping val="clustered"/>
+        <c:varyColors val="0"/>
+        <c:ser>
+          <c:idx val="0"/>
+          <c:order val="0"/>
+          <c:tx>
+            <c:strRef>
+              <c:f>Sheet1!$C$134</c:f>
+              <c:strCache>
+                <c:ptCount val="1"/>
+                <c:pt idx="0">
+                  <c:v>Anomaly found</c:v>
+                </c:pt>
+              </c:strCache>
+            </c:strRef>
+          </c:tx>
+          <c:spPr>
+            <a:solidFill>
+              <a:schemeClr val="accent1"/>
+            </a:solidFill>
+            <a:ln>
+              <a:noFill/>
+            </a:ln>
+            <a:effectLst/>
+            <a:sp3d/>
+          </c:spPr>
+          <c:invertIfNegative val="0"/>
+          <c:val>
+            <c:numRef>
+              <c:f>Sheet1!$C$135:$C$137</c:f>
+              <c:numCache>
+                <c:formatCode>General</c:formatCode>
+                <c:ptCount val="3"/>
+                <c:pt idx="0">
+                  <c:v>0</c:v>
+                </c:pt>
+                <c:pt idx="1">
+                  <c:v>0.5</c:v>
+                </c:pt>
+                <c:pt idx="2">
+                  <c:v>1</c:v>
+                </c:pt>
+              </c:numCache>
+            </c:numRef>
+          </c:val>
+          <c:extLst>
+            <c:ext xmlns:c16="http://schemas.microsoft.com/office/drawing/2014/chart" uri="{C3380CC4-5D6E-409C-BE32-E72D297353CC}">
+              <c16:uniqueId val="{00000000-805E-4731-8285-E99C978C6883}"/>
+            </c:ext>
+          </c:extLst>
+        </c:ser>
+        <c:ser>
+          <c:idx val="1"/>
+          <c:order val="1"/>
+          <c:tx>
+            <c:strRef>
+              <c:f>Sheet1!$D$134</c:f>
+              <c:strCache>
+                <c:ptCount val="1"/>
+                <c:pt idx="0">
+                  <c:v>Cause found</c:v>
+                </c:pt>
+              </c:strCache>
+            </c:strRef>
+          </c:tx>
+          <c:spPr>
+            <a:solidFill>
+              <a:schemeClr val="accent2"/>
+            </a:solidFill>
+            <a:ln>
+              <a:noFill/>
+            </a:ln>
+            <a:effectLst/>
+            <a:sp3d/>
+          </c:spPr>
+          <c:invertIfNegative val="0"/>
+          <c:val>
+            <c:numRef>
+              <c:f>Sheet1!$D$135:$D$137</c:f>
+              <c:numCache>
+                <c:formatCode>General</c:formatCode>
+                <c:ptCount val="3"/>
+                <c:pt idx="0">
+                  <c:v>0</c:v>
+                </c:pt>
+                <c:pt idx="1">
+                  <c:v>0</c:v>
+                </c:pt>
+                <c:pt idx="2">
+                  <c:v>0</c:v>
+                </c:pt>
+              </c:numCache>
+            </c:numRef>
+          </c:val>
+          <c:extLst>
+            <c:ext xmlns:c16="http://schemas.microsoft.com/office/drawing/2014/chart" uri="{C3380CC4-5D6E-409C-BE32-E72D297353CC}">
+              <c16:uniqueId val="{00000001-805E-4731-8285-E99C978C6883}"/>
+            </c:ext>
+          </c:extLst>
+        </c:ser>
+        <c:dLbls>
+          <c:showLegendKey val="0"/>
+          <c:showVal val="0"/>
+          <c:showCatName val="0"/>
+          <c:showSerName val="0"/>
+          <c:showPercent val="0"/>
+          <c:showBubbleSize val="0"/>
+        </c:dLbls>
+        <c:gapWidth val="0"/>
+        <c:shape val="box"/>
+        <c:axId val="1247591616"/>
+        <c:axId val="1247581536"/>
+        <c:axId val="0"/>
+      </c:bar3DChart>
+      <c:catAx>
+        <c:axId val="1247591616"/>
+        <c:scaling>
+          <c:orientation val="minMax"/>
+        </c:scaling>
+        <c:delete val="0"/>
+        <c:axPos val="b"/>
+        <c:majorTickMark val="none"/>
+        <c:minorTickMark val="none"/>
+        <c:tickLblPos val="nextTo"/>
+        <c:spPr>
+          <a:noFill/>
+          <a:ln w="9525" cap="flat" cmpd="sng" algn="ctr">
+            <a:solidFill>
+              <a:schemeClr val="tx1">
+                <a:lumMod val="15000"/>
+                <a:lumOff val="85000"/>
+              </a:schemeClr>
+            </a:solidFill>
+            <a:round/>
+          </a:ln>
+          <a:effectLst/>
+        </c:spPr>
+        <c:txPr>
+          <a:bodyPr rot="-60000000" spcFirstLastPara="1" vertOverflow="ellipsis" vert="horz" wrap="square" anchor="ctr" anchorCtr="1"/>
+          <a:lstStyle/>
+          <a:p>
+            <a:pPr>
+              <a:defRPr sz="900" b="0" i="0" u="none" strike="noStrike" baseline="0">
+                <a:solidFill>
+                  <a:schemeClr val="tx1">
+                    <a:lumMod val="65000"/>
+                    <a:lumOff val="35000"/>
+                  </a:schemeClr>
+                </a:solidFill>
+                <a:latin typeface="+mn-lt"/>
+                <a:ea typeface="+mn-ea"/>
+                <a:cs typeface="+mn-cs"/>
+              </a:defRPr>
+            </a:pPr>
+            <a:endParaRPr lang="en-US"/>
+          </a:p>
+        </c:txPr>
+        <c:crossAx val="1247581536"/>
+        <c:crosses val="autoZero"/>
+        <c:auto val="1"/>
+        <c:lblAlgn val="ctr"/>
+        <c:lblOffset val="100"/>
+        <c:noMultiLvlLbl val="0"/>
+      </c:catAx>
+      <c:valAx>
+        <c:axId val="1247581536"/>
+        <c:scaling>
+          <c:orientation val="minMax"/>
+        </c:scaling>
+        <c:delete val="0"/>
+        <c:axPos val="l"/>
+        <c:majorGridlines>
+          <c:spPr>
+            <a:ln w="9525" cap="flat" cmpd="sng" algn="ctr">
+              <a:solidFill>
+                <a:schemeClr val="tx1">
+                  <a:lumMod val="15000"/>
+                  <a:lumOff val="85000"/>
+                </a:schemeClr>
+              </a:solidFill>
+              <a:round/>
+            </a:ln>
+            <a:effectLst/>
+          </c:spPr>
+        </c:majorGridlines>
+        <c:numFmt formatCode="General" sourceLinked="1"/>
+        <c:majorTickMark val="none"/>
+        <c:minorTickMark val="none"/>
+        <c:tickLblPos val="nextTo"/>
+        <c:spPr>
+          <a:noFill/>
+          <a:ln>
+            <a:noFill/>
+          </a:ln>
+          <a:effectLst/>
+        </c:spPr>
+        <c:txPr>
+          <a:bodyPr rot="-60000000" spcFirstLastPara="1" vertOverflow="ellipsis" vert="horz" wrap="square" anchor="ctr" anchorCtr="1"/>
+          <a:lstStyle/>
+          <a:p>
+            <a:pPr>
+              <a:defRPr sz="900" b="0" i="0" u="none" strike="noStrike" baseline="0">
+                <a:solidFill>
+                  <a:schemeClr val="tx1">
+                    <a:lumMod val="65000"/>
+                    <a:lumOff val="35000"/>
+                  </a:schemeClr>
+                </a:solidFill>
+                <a:latin typeface="+mn-lt"/>
+                <a:ea typeface="+mn-ea"/>
+                <a:cs typeface="+mn-cs"/>
+              </a:defRPr>
+            </a:pPr>
+            <a:endParaRPr lang="en-US"/>
+          </a:p>
+        </c:txPr>
+        <c:crossAx val="1247591616"/>
+        <c:crosses val="autoZero"/>
+        <c:crossBetween val="between"/>
+      </c:valAx>
+      <c:spPr>
+        <a:noFill/>
+        <a:ln>
+          <a:noFill/>
+        </a:ln>
+        <a:effectLst/>
+      </c:spPr>
+    </c:plotArea>
+    <c:plotVisOnly val="1"/>
+    <c:dispBlanksAs val="gap"/>
+    <c:showDLblsOverMax val="0"/>
+    <c:extLst>
+      <c:ext xmlns:c16r3="http://schemas.microsoft.com/office/drawing/2017/03/chart" uri="{56B9EC1D-385E-4148-901F-78D8002777C0}">
+        <c16r3:dataDisplayOptions16>
+          <c16r3:dispNaAsBlank val="1"/>
+        </c16r3:dataDisplayOptions16>
+      </c:ext>
+    </c:extLst>
+  </c:chart>
+  <c:spPr>
+    <a:noFill/>
+    <a:ln>
+      <a:noFill/>
+    </a:ln>
+    <a:effectLst/>
+  </c:spPr>
+  <c:txPr>
+    <a:bodyPr/>
+    <a:lstStyle/>
+    <a:p>
+      <a:pPr>
+        <a:defRPr/>
+      </a:pPr>
+      <a:endParaRPr lang="en-US"/>
+    </a:p>
+  </c:txPr>
+  <c:externalData r:id="rId3">
+    <c:autoUpdate val="0"/>
+  </c:externalData>
+</c:chartSpace>
+</file>
+
+<file path=ppt/charts/chart9.xml><?xml version="1.0" encoding="utf-8"?>
+<c:chartSpace xmlns:c="http://schemas.openxmlformats.org/drawingml/2006/chart" xmlns:a="http://schemas.openxmlformats.org/drawingml/2006/main" xmlns:r="http://schemas.openxmlformats.org/officeDocument/2006/relationships" xmlns:c16r2="http://schemas.microsoft.com/office/drawing/2015/06/chart">
+  <c:date1904 val="0"/>
+  <c:lang val="en-GB"/>
+  <c:roundedCorners val="0"/>
+  <mc:AlternateContent xmlns:mc="http://schemas.openxmlformats.org/markup-compatibility/2006">
+    <mc:Choice xmlns:c14="http://schemas.microsoft.com/office/drawing/2007/8/2/chart" Requires="c14">
+      <c14:style val="102"/>
+    </mc:Choice>
+    <mc:Fallback>
+      <c:style val="2"/>
+    </mc:Fallback>
+  </mc:AlternateContent>
+  <c:chart>
+    <c:title>
+      <c:tx>
+        <c:rich>
+          <a:bodyPr rot="0" spcFirstLastPara="1" vertOverflow="ellipsis" vert="horz" wrap="square" anchor="ctr" anchorCtr="1"/>
+          <a:lstStyle/>
+          <a:p>
+            <a:pPr>
+              <a:defRPr sz="1400" b="0" i="0" u="none" strike="noStrike" baseline="0">
+                <a:solidFill>
+                  <a:schemeClr val="tx1">
+                    <a:lumMod val="65000"/>
+                    <a:lumOff val="35000"/>
+                  </a:schemeClr>
+                </a:solidFill>
+                <a:latin typeface="+mn-lt"/>
+                <a:ea typeface="+mn-ea"/>
+                <a:cs typeface="+mn-cs"/>
+              </a:defRPr>
+            </a:pPr>
+            <a:r>
+              <a:rPr lang="en-GB" sz="1400" b="0" i="0" u="none" strike="noStrike" baseline="0">
+                <a:solidFill>
+                  <a:sysClr val="windowText" lastClr="000000">
+                    <a:lumMod val="65000"/>
+                    <a:lumOff val="35000"/>
+                  </a:sysClr>
+                </a:solidFill>
+                <a:latin typeface="Aptos Narrow" panose="02110004020202020204"/>
+              </a:rPr>
+              <a:t>Anomalies and causes (conn cases)</a:t>
+            </a:r>
+          </a:p>
+        </c:rich>
+      </c:tx>
+      <c:overlay val="0"/>
+      <c:spPr>
+        <a:noFill/>
+        <a:ln>
+          <a:noFill/>
+        </a:ln>
+        <a:effectLst/>
+      </c:spPr>
+      <c:txPr>
+        <a:bodyPr rot="0" spcFirstLastPara="1" vertOverflow="ellipsis" vert="horz" wrap="square" anchor="ctr" anchorCtr="1"/>
+        <a:lstStyle/>
+        <a:p>
+          <a:pPr>
+            <a:defRPr sz="1400" b="0" i="0" u="none" strike="noStrike" baseline="0">
+              <a:solidFill>
+                <a:schemeClr val="tx1">
+                  <a:lumMod val="65000"/>
+                  <a:lumOff val="35000"/>
+                </a:schemeClr>
+              </a:solidFill>
+              <a:latin typeface="+mn-lt"/>
+              <a:ea typeface="+mn-ea"/>
+              <a:cs typeface="+mn-cs"/>
+            </a:defRPr>
+          </a:pPr>
+          <a:endParaRPr lang="en-US"/>
+        </a:p>
+      </c:txPr>
+    </c:title>
+    <c:autoTitleDeleted val="0"/>
+    <c:view3D>
+      <c:rotX val="15"/>
+      <c:rotY val="20"/>
+      <c:depthPercent val="100"/>
+      <c:rAngAx val="0"/>
+    </c:view3D>
+    <c:floor>
+      <c:thickness val="0"/>
+      <c:spPr>
+        <a:noFill/>
+        <a:ln>
+          <a:noFill/>
+        </a:ln>
+        <a:effectLst/>
+        <a:sp3d/>
+      </c:spPr>
+    </c:floor>
+    <c:sideWall>
+      <c:thickness val="0"/>
+      <c:spPr>
+        <a:noFill/>
+        <a:ln>
+          <a:noFill/>
+        </a:ln>
+        <a:effectLst/>
+        <a:sp3d/>
+      </c:spPr>
+    </c:sideWall>
+    <c:backWall>
+      <c:thickness val="0"/>
+      <c:spPr>
+        <a:noFill/>
+        <a:ln>
+          <a:noFill/>
+        </a:ln>
+        <a:effectLst/>
+        <a:sp3d/>
+      </c:spPr>
+    </c:backWall>
+    <c:plotArea>
+      <c:layout/>
+      <c:bar3DChart>
+        <c:barDir val="col"/>
+        <c:grouping val="clustered"/>
+        <c:varyColors val="0"/>
+        <c:ser>
+          <c:idx val="0"/>
+          <c:order val="0"/>
+          <c:tx>
+            <c:strRef>
+              <c:f>Sheet1!$C$150</c:f>
+              <c:strCache>
+                <c:ptCount val="1"/>
+                <c:pt idx="0">
+                  <c:v>Anomaly found</c:v>
+                </c:pt>
+              </c:strCache>
+            </c:strRef>
+          </c:tx>
+          <c:spPr>
+            <a:solidFill>
+              <a:schemeClr val="accent1"/>
+            </a:solidFill>
+            <a:ln>
+              <a:noFill/>
+            </a:ln>
+            <a:effectLst/>
+            <a:sp3d/>
+          </c:spPr>
+          <c:invertIfNegative val="0"/>
+          <c:val>
+            <c:numRef>
+              <c:f>Sheet1!$C$151:$C$153</c:f>
+              <c:numCache>
+                <c:formatCode>General</c:formatCode>
+                <c:ptCount val="3"/>
+                <c:pt idx="0">
+                  <c:v>1</c:v>
+                </c:pt>
+                <c:pt idx="1">
+                  <c:v>1</c:v>
+                </c:pt>
+                <c:pt idx="2">
+                  <c:v>0</c:v>
+                </c:pt>
+              </c:numCache>
+            </c:numRef>
+          </c:val>
+          <c:extLst>
+            <c:ext xmlns:c16="http://schemas.microsoft.com/office/drawing/2014/chart" uri="{C3380CC4-5D6E-409C-BE32-E72D297353CC}">
+              <c16:uniqueId val="{00000000-326A-4610-9F93-5F39AF11ACEC}"/>
+            </c:ext>
+          </c:extLst>
+        </c:ser>
+        <c:ser>
+          <c:idx val="1"/>
+          <c:order val="1"/>
+          <c:tx>
+            <c:strRef>
+              <c:f>Sheet1!$D$150</c:f>
+              <c:strCache>
+                <c:ptCount val="1"/>
+                <c:pt idx="0">
+                  <c:v>Cause found</c:v>
+                </c:pt>
+              </c:strCache>
+            </c:strRef>
+          </c:tx>
+          <c:spPr>
+            <a:solidFill>
+              <a:schemeClr val="accent2"/>
+            </a:solidFill>
+            <a:ln>
+              <a:noFill/>
+            </a:ln>
+            <a:effectLst/>
+            <a:sp3d/>
+          </c:spPr>
+          <c:invertIfNegative val="0"/>
+          <c:val>
+            <c:numRef>
+              <c:f>Sheet1!$D$151:$D$153</c:f>
+              <c:numCache>
+                <c:formatCode>General</c:formatCode>
+                <c:ptCount val="3"/>
+                <c:pt idx="0">
+                  <c:v>0</c:v>
+                </c:pt>
+                <c:pt idx="1">
+                  <c:v>1</c:v>
+                </c:pt>
+                <c:pt idx="2">
+                  <c:v>0</c:v>
+                </c:pt>
+              </c:numCache>
+            </c:numRef>
+          </c:val>
+          <c:extLst>
+            <c:ext xmlns:c16="http://schemas.microsoft.com/office/drawing/2014/chart" uri="{C3380CC4-5D6E-409C-BE32-E72D297353CC}">
+              <c16:uniqueId val="{00000001-326A-4610-9F93-5F39AF11ACEC}"/>
+            </c:ext>
+          </c:extLst>
+        </c:ser>
+        <c:dLbls>
+          <c:showLegendKey val="0"/>
+          <c:showVal val="0"/>
+          <c:showCatName val="0"/>
+          <c:showSerName val="0"/>
+          <c:showPercent val="0"/>
+          <c:showBubbleSize val="0"/>
+        </c:dLbls>
+        <c:gapWidth val="0"/>
+        <c:shape val="box"/>
+        <c:axId val="1247591616"/>
+        <c:axId val="1247581536"/>
+        <c:axId val="0"/>
+      </c:bar3DChart>
+      <c:catAx>
+        <c:axId val="1247591616"/>
+        <c:scaling>
+          <c:orientation val="minMax"/>
+        </c:scaling>
+        <c:delete val="0"/>
+        <c:axPos val="b"/>
+        <c:majorTickMark val="none"/>
+        <c:minorTickMark val="none"/>
+        <c:tickLblPos val="nextTo"/>
+        <c:spPr>
+          <a:noFill/>
+          <a:ln w="9525" cap="flat" cmpd="sng" algn="ctr">
+            <a:solidFill>
+              <a:schemeClr val="tx1">
+                <a:lumMod val="15000"/>
+                <a:lumOff val="85000"/>
+              </a:schemeClr>
+            </a:solidFill>
+            <a:round/>
+          </a:ln>
+          <a:effectLst/>
+        </c:spPr>
+        <c:txPr>
+          <a:bodyPr rot="-60000000" spcFirstLastPara="1" vertOverflow="ellipsis" vert="horz" wrap="square" anchor="ctr" anchorCtr="1"/>
+          <a:lstStyle/>
+          <a:p>
+            <a:pPr>
+              <a:defRPr sz="900" b="0" i="0" u="none" strike="noStrike" baseline="0">
+                <a:solidFill>
+                  <a:schemeClr val="tx1">
+                    <a:lumMod val="65000"/>
+                    <a:lumOff val="35000"/>
+                  </a:schemeClr>
+                </a:solidFill>
+                <a:latin typeface="+mn-lt"/>
+                <a:ea typeface="+mn-ea"/>
+                <a:cs typeface="+mn-cs"/>
+              </a:defRPr>
+            </a:pPr>
+            <a:endParaRPr lang="en-US"/>
+          </a:p>
+        </c:txPr>
+        <c:crossAx val="1247581536"/>
+        <c:crosses val="autoZero"/>
+        <c:auto val="1"/>
+        <c:lblAlgn val="ctr"/>
+        <c:lblOffset val="100"/>
+        <c:noMultiLvlLbl val="0"/>
+      </c:catAx>
+      <c:valAx>
+        <c:axId val="1247581536"/>
+        <c:scaling>
+          <c:orientation val="minMax"/>
+        </c:scaling>
+        <c:delete val="0"/>
+        <c:axPos val="l"/>
+        <c:majorGridlines>
+          <c:spPr>
+            <a:ln w="9525" cap="flat" cmpd="sng" algn="ctr">
+              <a:solidFill>
+                <a:schemeClr val="tx1">
+                  <a:lumMod val="15000"/>
+                  <a:lumOff val="85000"/>
+                </a:schemeClr>
+              </a:solidFill>
+              <a:round/>
+            </a:ln>
+            <a:effectLst/>
+          </c:spPr>
+        </c:majorGridlines>
+        <c:numFmt formatCode="General" sourceLinked="1"/>
+        <c:majorTickMark val="none"/>
+        <c:minorTickMark val="none"/>
+        <c:tickLblPos val="nextTo"/>
+        <c:spPr>
+          <a:noFill/>
+          <a:ln>
+            <a:noFill/>
+          </a:ln>
+          <a:effectLst/>
+        </c:spPr>
+        <c:txPr>
+          <a:bodyPr rot="-60000000" spcFirstLastPara="1" vertOverflow="ellipsis" vert="horz" wrap="square" anchor="ctr" anchorCtr="1"/>
+          <a:lstStyle/>
+          <a:p>
+            <a:pPr>
+              <a:defRPr sz="900" b="0" i="0" u="none" strike="noStrike" baseline="0">
+                <a:solidFill>
+                  <a:schemeClr val="tx1">
+                    <a:lumMod val="65000"/>
+                    <a:lumOff val="35000"/>
+                  </a:schemeClr>
+                </a:solidFill>
+                <a:latin typeface="+mn-lt"/>
+                <a:ea typeface="+mn-ea"/>
+                <a:cs typeface="+mn-cs"/>
+              </a:defRPr>
+            </a:pPr>
+            <a:endParaRPr lang="en-US"/>
+          </a:p>
+        </c:txPr>
+        <c:crossAx val="1247591616"/>
+        <c:crosses val="autoZero"/>
+        <c:crossBetween val="between"/>
+      </c:valAx>
+      <c:spPr>
+        <a:noFill/>
+        <a:ln>
+          <a:noFill/>
+        </a:ln>
+        <a:effectLst/>
+      </c:spPr>
+    </c:plotArea>
+    <c:plotVisOnly val="1"/>
+    <c:dispBlanksAs val="gap"/>
+    <c:showDLblsOverMax val="0"/>
+    <c:extLst>
+      <c:ext xmlns:c16r3="http://schemas.microsoft.com/office/drawing/2017/03/chart" uri="{56B9EC1D-385E-4148-901F-78D8002777C0}">
+        <c16r3:dataDisplayOptions16>
+          <c16r3:dispNaAsBlank val="1"/>
+        </c16r3:dataDisplayOptions16>
+      </c:ext>
+    </c:extLst>
+  </c:chart>
+  <c:spPr>
+    <a:noFill/>
+    <a:ln>
+      <a:noFill/>
+    </a:ln>
+    <a:effectLst/>
+  </c:spPr>
+  <c:txPr>
+    <a:bodyPr/>
+    <a:lstStyle/>
+    <a:p>
+      <a:pPr>
+        <a:defRPr/>
+      </a:pPr>
+      <a:endParaRPr lang="en-US"/>
+    </a:p>
+  </c:txPr>
+  <c:externalData r:id="rId3">
+    <c:autoUpdate val="0"/>
+  </c:externalData>
+</c:chartSpace>
+</file>
+
 <file path=ppt/charts/colors1.xml><?xml version="1.0" encoding="utf-8"?>
 <cs:colorStyle xmlns:cs="http://schemas.microsoft.com/office/drawing/2012/chartStyle" xmlns:a="http://schemas.openxmlformats.org/drawingml/2006/main" meth="cycle" id="10">
   <a:schemeClr val="accent1"/>
@@ -1115,7 +4380,191 @@
 </cs:colorStyle>
 </file>
 
+<file path=ppt/charts/colors10.xml><?xml version="1.0" encoding="utf-8"?>
+<cs:colorStyle xmlns:cs="http://schemas.microsoft.com/office/drawing/2012/chartStyle" xmlns:a="http://schemas.openxmlformats.org/drawingml/2006/main" meth="withinLinearReversed" id="21">
+  <a:schemeClr val="accent1"/>
+</cs:colorStyle>
+</file>
+
 <file path=ppt/charts/colors2.xml><?xml version="1.0" encoding="utf-8"?>
+<cs:colorStyle xmlns:cs="http://schemas.microsoft.com/office/drawing/2012/chartStyle" xmlns:a="http://schemas.openxmlformats.org/drawingml/2006/main" meth="cycle" id="10">
+  <a:schemeClr val="accent1"/>
+  <a:schemeClr val="accent2"/>
+  <a:schemeClr val="accent3"/>
+  <a:schemeClr val="accent4"/>
+  <a:schemeClr val="accent5"/>
+  <a:schemeClr val="accent6"/>
+  <cs:variation/>
+  <cs:variation>
+    <a:lumMod val="60000"/>
+  </cs:variation>
+  <cs:variation>
+    <a:lumMod val="80000"/>
+    <a:lumOff val="20000"/>
+  </cs:variation>
+  <cs:variation>
+    <a:lumMod val="80000"/>
+  </cs:variation>
+  <cs:variation>
+    <a:lumMod val="60000"/>
+    <a:lumOff val="40000"/>
+  </cs:variation>
+  <cs:variation>
+    <a:lumMod val="50000"/>
+  </cs:variation>
+  <cs:variation>
+    <a:lumMod val="70000"/>
+    <a:lumOff val="30000"/>
+  </cs:variation>
+  <cs:variation>
+    <a:lumMod val="70000"/>
+  </cs:variation>
+  <cs:variation>
+    <a:lumMod val="50000"/>
+    <a:lumOff val="50000"/>
+  </cs:variation>
+</cs:colorStyle>
+</file>
+
+<file path=ppt/charts/colors3.xml><?xml version="1.0" encoding="utf-8"?>
+<cs:colorStyle xmlns:cs="http://schemas.microsoft.com/office/drawing/2012/chartStyle" xmlns:a="http://schemas.openxmlformats.org/drawingml/2006/main" meth="withinLinearReversed" id="21">
+  <a:schemeClr val="accent1"/>
+</cs:colorStyle>
+</file>
+
+<file path=ppt/charts/colors4.xml><?xml version="1.0" encoding="utf-8"?>
+<cs:colorStyle xmlns:cs="http://schemas.microsoft.com/office/drawing/2012/chartStyle" xmlns:a="http://schemas.openxmlformats.org/drawingml/2006/main" meth="withinLinearReversed" id="21">
+  <a:schemeClr val="accent1"/>
+</cs:colorStyle>
+</file>
+
+<file path=ppt/charts/colors5.xml><?xml version="1.0" encoding="utf-8"?>
+<cs:colorStyle xmlns:cs="http://schemas.microsoft.com/office/drawing/2012/chartStyle" xmlns:a="http://schemas.openxmlformats.org/drawingml/2006/main" meth="withinLinearReversed" id="21">
+  <a:schemeClr val="accent1"/>
+</cs:colorStyle>
+</file>
+
+<file path=ppt/charts/colors6.xml><?xml version="1.0" encoding="utf-8"?>
+<cs:colorStyle xmlns:cs="http://schemas.microsoft.com/office/drawing/2012/chartStyle" xmlns:a="http://schemas.openxmlformats.org/drawingml/2006/main" meth="cycle" id="10">
+  <a:schemeClr val="accent1"/>
+  <a:schemeClr val="accent2"/>
+  <a:schemeClr val="accent3"/>
+  <a:schemeClr val="accent4"/>
+  <a:schemeClr val="accent5"/>
+  <a:schemeClr val="accent6"/>
+  <cs:variation/>
+  <cs:variation>
+    <a:lumMod val="60000"/>
+  </cs:variation>
+  <cs:variation>
+    <a:lumMod val="80000"/>
+    <a:lumOff val="20000"/>
+  </cs:variation>
+  <cs:variation>
+    <a:lumMod val="80000"/>
+  </cs:variation>
+  <cs:variation>
+    <a:lumMod val="60000"/>
+    <a:lumOff val="40000"/>
+  </cs:variation>
+  <cs:variation>
+    <a:lumMod val="50000"/>
+  </cs:variation>
+  <cs:variation>
+    <a:lumMod val="70000"/>
+    <a:lumOff val="30000"/>
+  </cs:variation>
+  <cs:variation>
+    <a:lumMod val="70000"/>
+  </cs:variation>
+  <cs:variation>
+    <a:lumMod val="50000"/>
+    <a:lumOff val="50000"/>
+  </cs:variation>
+</cs:colorStyle>
+</file>
+
+<file path=ppt/charts/colors7.xml><?xml version="1.0" encoding="utf-8"?>
+<cs:colorStyle xmlns:cs="http://schemas.microsoft.com/office/drawing/2012/chartStyle" xmlns:a="http://schemas.openxmlformats.org/drawingml/2006/main" meth="cycle" id="10">
+  <a:schemeClr val="accent1"/>
+  <a:schemeClr val="accent2"/>
+  <a:schemeClr val="accent3"/>
+  <a:schemeClr val="accent4"/>
+  <a:schemeClr val="accent5"/>
+  <a:schemeClr val="accent6"/>
+  <cs:variation/>
+  <cs:variation>
+    <a:lumMod val="60000"/>
+  </cs:variation>
+  <cs:variation>
+    <a:lumMod val="80000"/>
+    <a:lumOff val="20000"/>
+  </cs:variation>
+  <cs:variation>
+    <a:lumMod val="80000"/>
+  </cs:variation>
+  <cs:variation>
+    <a:lumMod val="60000"/>
+    <a:lumOff val="40000"/>
+  </cs:variation>
+  <cs:variation>
+    <a:lumMod val="50000"/>
+  </cs:variation>
+  <cs:variation>
+    <a:lumMod val="70000"/>
+    <a:lumOff val="30000"/>
+  </cs:variation>
+  <cs:variation>
+    <a:lumMod val="70000"/>
+  </cs:variation>
+  <cs:variation>
+    <a:lumMod val="50000"/>
+    <a:lumOff val="50000"/>
+  </cs:variation>
+</cs:colorStyle>
+</file>
+
+<file path=ppt/charts/colors8.xml><?xml version="1.0" encoding="utf-8"?>
+<cs:colorStyle xmlns:cs="http://schemas.microsoft.com/office/drawing/2012/chartStyle" xmlns:a="http://schemas.openxmlformats.org/drawingml/2006/main" meth="cycle" id="10">
+  <a:schemeClr val="accent1"/>
+  <a:schemeClr val="accent2"/>
+  <a:schemeClr val="accent3"/>
+  <a:schemeClr val="accent4"/>
+  <a:schemeClr val="accent5"/>
+  <a:schemeClr val="accent6"/>
+  <cs:variation/>
+  <cs:variation>
+    <a:lumMod val="60000"/>
+  </cs:variation>
+  <cs:variation>
+    <a:lumMod val="80000"/>
+    <a:lumOff val="20000"/>
+  </cs:variation>
+  <cs:variation>
+    <a:lumMod val="80000"/>
+  </cs:variation>
+  <cs:variation>
+    <a:lumMod val="60000"/>
+    <a:lumOff val="40000"/>
+  </cs:variation>
+  <cs:variation>
+    <a:lumMod val="50000"/>
+  </cs:variation>
+  <cs:variation>
+    <a:lumMod val="70000"/>
+    <a:lumOff val="30000"/>
+  </cs:variation>
+  <cs:variation>
+    <a:lumMod val="70000"/>
+  </cs:variation>
+  <cs:variation>
+    <a:lumMod val="50000"/>
+    <a:lumOff val="50000"/>
+  </cs:variation>
+</cs:colorStyle>
+</file>
+
+<file path=ppt/charts/colors9.xml><?xml version="1.0" encoding="utf-8"?>
 <cs:colorStyle xmlns:cs="http://schemas.microsoft.com/office/drawing/2012/chartStyle" xmlns:a="http://schemas.openxmlformats.org/drawingml/2006/main" meth="cycle" id="10">
   <a:schemeClr val="accent1"/>
   <a:schemeClr val="accent2"/>
@@ -1658,6 +5107,514 @@
 </cs:chartStyle>
 </file>
 
+<file path=ppt/charts/style10.xml><?xml version="1.0" encoding="utf-8"?>
+<cs:chartStyle xmlns:cs="http://schemas.microsoft.com/office/drawing/2012/chartStyle" xmlns:a="http://schemas.openxmlformats.org/drawingml/2006/main" id="366">
+  <cs:axisTitle>
+    <cs:lnRef idx="0"/>
+    <cs:fillRef idx="0"/>
+    <cs:effectRef idx="0"/>
+    <cs:fontRef idx="minor">
+      <a:schemeClr val="tx1">
+        <a:lumMod val="65000"/>
+        <a:lumOff val="35000"/>
+      </a:schemeClr>
+    </cs:fontRef>
+    <cs:defRPr sz="900"/>
+  </cs:axisTitle>
+  <cs:categoryAxis>
+    <cs:lnRef idx="0"/>
+    <cs:fillRef idx="0"/>
+    <cs:effectRef idx="0"/>
+    <cs:fontRef idx="minor">
+      <a:schemeClr val="tx1">
+        <a:lumMod val="65000"/>
+        <a:lumOff val="35000"/>
+      </a:schemeClr>
+    </cs:fontRef>
+    <cs:spPr>
+      <a:ln w="9525" cap="flat" cmpd="sng" algn="ctr">
+        <a:solidFill>
+          <a:schemeClr val="tx1">
+            <a:lumMod val="15000"/>
+            <a:lumOff val="85000"/>
+          </a:schemeClr>
+        </a:solidFill>
+        <a:round/>
+      </a:ln>
+    </cs:spPr>
+    <cs:defRPr sz="900"/>
+  </cs:categoryAxis>
+  <cs:chartArea mods="allowNoFillOverride allowNoLineOverride">
+    <cs:lnRef idx="0"/>
+    <cs:fillRef idx="0"/>
+    <cs:effectRef idx="0"/>
+    <cs:fontRef idx="minor">
+      <a:schemeClr val="tx1"/>
+    </cs:fontRef>
+    <cs:spPr>
+      <a:solidFill>
+        <a:schemeClr val="bg1"/>
+      </a:solidFill>
+      <a:ln w="9525" cap="flat" cmpd="sng" algn="ctr">
+        <a:solidFill>
+          <a:schemeClr val="tx1">
+            <a:lumMod val="15000"/>
+            <a:lumOff val="85000"/>
+          </a:schemeClr>
+        </a:solidFill>
+        <a:round/>
+      </a:ln>
+    </cs:spPr>
+    <cs:defRPr sz="1000"/>
+  </cs:chartArea>
+  <cs:dataLabel>
+    <cs:lnRef idx="0"/>
+    <cs:fillRef idx="0"/>
+    <cs:effectRef idx="0"/>
+    <cs:fontRef idx="minor">
+      <a:schemeClr val="tx1">
+        <a:lumMod val="65000"/>
+        <a:lumOff val="35000"/>
+      </a:schemeClr>
+    </cs:fontRef>
+    <cs:defRPr sz="900"/>
+  </cs:dataLabel>
+  <cs:dataLabelCallout>
+    <cs:lnRef idx="0"/>
+    <cs:fillRef idx="0"/>
+    <cs:effectRef idx="0"/>
+    <cs:fontRef idx="minor">
+      <a:schemeClr val="dk1">
+        <a:lumMod val="65000"/>
+        <a:lumOff val="35000"/>
+      </a:schemeClr>
+    </cs:fontRef>
+    <cs:spPr>
+      <a:solidFill>
+        <a:schemeClr val="lt1"/>
+      </a:solidFill>
+      <a:ln>
+        <a:solidFill>
+          <a:schemeClr val="dk1">
+            <a:lumMod val="25000"/>
+            <a:lumOff val="75000"/>
+          </a:schemeClr>
+        </a:solidFill>
+      </a:ln>
+    </cs:spPr>
+    <cs:defRPr sz="900"/>
+    <cs:bodyPr rot="0" spcFirstLastPara="1" vertOverflow="clip" horzOverflow="clip" vert="horz" wrap="square" lIns="36576" tIns="18288" rIns="36576" bIns="18288" anchor="ctr" anchorCtr="1">
+      <a:spAutoFit/>
+    </cs:bodyPr>
+  </cs:dataLabelCallout>
+  <cs:dataPoint>
+    <cs:lnRef idx="0"/>
+    <cs:fillRef idx="0">
+      <cs:styleClr val="auto"/>
+    </cs:fillRef>
+    <cs:effectRef idx="0"/>
+    <cs:fontRef idx="minor">
+      <a:schemeClr val="tx1"/>
+    </cs:fontRef>
+    <cs:spPr>
+      <a:solidFill>
+        <a:schemeClr val="phClr"/>
+      </a:solidFill>
+    </cs:spPr>
+  </cs:dataPoint>
+  <cs:dataPoint3D>
+    <cs:lnRef idx="0"/>
+    <cs:fillRef idx="0">
+      <cs:styleClr val="auto"/>
+    </cs:fillRef>
+    <cs:effectRef idx="0"/>
+    <cs:fontRef idx="minor">
+      <a:schemeClr val="tx1"/>
+    </cs:fontRef>
+    <cs:spPr>
+      <a:solidFill>
+        <a:schemeClr val="phClr"/>
+      </a:solidFill>
+    </cs:spPr>
+  </cs:dataPoint3D>
+  <cs:dataPointLine>
+    <cs:lnRef idx="0">
+      <cs:styleClr val="auto"/>
+    </cs:lnRef>
+    <cs:fillRef idx="0"/>
+    <cs:effectRef idx="0"/>
+    <cs:fontRef idx="minor">
+      <a:schemeClr val="tx1"/>
+    </cs:fontRef>
+    <cs:spPr>
+      <a:ln w="28575" cap="rnd">
+        <a:solidFill>
+          <a:schemeClr val="phClr"/>
+        </a:solidFill>
+        <a:round/>
+      </a:ln>
+    </cs:spPr>
+  </cs:dataPointLine>
+  <cs:dataPointMarker>
+    <cs:lnRef idx="0"/>
+    <cs:fillRef idx="0">
+      <cs:styleClr val="auto"/>
+    </cs:fillRef>
+    <cs:effectRef idx="0"/>
+    <cs:fontRef idx="minor">
+      <a:schemeClr val="tx1"/>
+    </cs:fontRef>
+    <cs:spPr>
+      <a:solidFill>
+        <a:schemeClr val="phClr"/>
+      </a:solidFill>
+      <a:ln w="9525">
+        <a:solidFill>
+          <a:schemeClr val="lt1"/>
+        </a:solidFill>
+      </a:ln>
+    </cs:spPr>
+  </cs:dataPointMarker>
+  <cs:dataPointMarkerLayout symbol="circle" size="5"/>
+  <cs:dataPointWireframe>
+    <cs:lnRef idx="0">
+      <cs:styleClr val="auto"/>
+    </cs:lnRef>
+    <cs:fillRef idx="0"/>
+    <cs:effectRef idx="0"/>
+    <cs:fontRef idx="minor">
+      <a:schemeClr val="tx1"/>
+    </cs:fontRef>
+    <cs:spPr>
+      <a:ln w="28575" cap="rnd">
+        <a:solidFill>
+          <a:schemeClr val="phClr"/>
+        </a:solidFill>
+        <a:round/>
+      </a:ln>
+    </cs:spPr>
+  </cs:dataPointWireframe>
+  <cs:dataTable>
+    <cs:lnRef idx="0"/>
+    <cs:fillRef idx="0"/>
+    <cs:effectRef idx="0"/>
+    <cs:fontRef idx="minor">
+      <a:schemeClr val="tx1">
+        <a:lumMod val="65000"/>
+        <a:lumOff val="35000"/>
+      </a:schemeClr>
+    </cs:fontRef>
+    <cs:spPr>
+      <a:ln w="9525">
+        <a:solidFill>
+          <a:schemeClr val="tx1">
+            <a:lumMod val="15000"/>
+            <a:lumOff val="85000"/>
+          </a:schemeClr>
+        </a:solidFill>
+      </a:ln>
+    </cs:spPr>
+    <cs:defRPr sz="900"/>
+  </cs:dataTable>
+  <cs:downBar>
+    <cs:lnRef idx="0"/>
+    <cs:fillRef idx="0"/>
+    <cs:effectRef idx="0"/>
+    <cs:fontRef idx="minor">
+      <a:schemeClr val="dk1"/>
+    </cs:fontRef>
+    <cs:spPr>
+      <a:solidFill>
+        <a:schemeClr val="dk1">
+          <a:lumMod val="65000"/>
+          <a:lumOff val="35000"/>
+        </a:schemeClr>
+      </a:solidFill>
+      <a:ln w="9525">
+        <a:solidFill>
+          <a:schemeClr val="tx1">
+            <a:lumMod val="65000"/>
+            <a:lumOff val="35000"/>
+          </a:schemeClr>
+        </a:solidFill>
+      </a:ln>
+    </cs:spPr>
+  </cs:downBar>
+  <cs:dropLine>
+    <cs:lnRef idx="0"/>
+    <cs:fillRef idx="0"/>
+    <cs:effectRef idx="0"/>
+    <cs:fontRef idx="minor">
+      <a:schemeClr val="tx1"/>
+    </cs:fontRef>
+    <cs:spPr>
+      <a:ln w="9525" cap="flat" cmpd="sng" algn="ctr">
+        <a:solidFill>
+          <a:schemeClr val="tx1">
+            <a:lumMod val="35000"/>
+            <a:lumOff val="65000"/>
+          </a:schemeClr>
+        </a:solidFill>
+        <a:round/>
+      </a:ln>
+    </cs:spPr>
+  </cs:dropLine>
+  <cs:errorBar>
+    <cs:lnRef idx="0"/>
+    <cs:fillRef idx="0"/>
+    <cs:effectRef idx="0"/>
+    <cs:fontRef idx="minor">
+      <a:schemeClr val="tx1"/>
+    </cs:fontRef>
+    <cs:spPr>
+      <a:ln w="9525" cap="flat" cmpd="sng" algn="ctr">
+        <a:solidFill>
+          <a:schemeClr val="tx1">
+            <a:lumMod val="65000"/>
+            <a:lumOff val="35000"/>
+          </a:schemeClr>
+        </a:solidFill>
+        <a:round/>
+      </a:ln>
+    </cs:spPr>
+  </cs:errorBar>
+  <cs:floor>
+    <cs:lnRef idx="0"/>
+    <cs:fillRef idx="0"/>
+    <cs:effectRef idx="0"/>
+    <cs:fontRef idx="minor">
+      <a:schemeClr val="tx1"/>
+    </cs:fontRef>
+  </cs:floor>
+  <cs:gridlineMajor>
+    <cs:lnRef idx="0"/>
+    <cs:fillRef idx="0"/>
+    <cs:effectRef idx="0"/>
+    <cs:fontRef idx="minor">
+      <a:schemeClr val="tx1"/>
+    </cs:fontRef>
+    <cs:spPr>
+      <a:ln w="9525" cap="flat" cmpd="sng" algn="ctr">
+        <a:solidFill>
+          <a:schemeClr val="tx1">
+            <a:lumMod val="15000"/>
+            <a:lumOff val="85000"/>
+          </a:schemeClr>
+        </a:solidFill>
+        <a:round/>
+      </a:ln>
+    </cs:spPr>
+  </cs:gridlineMajor>
+  <cs:gridlineMinor>
+    <cs:lnRef idx="0"/>
+    <cs:fillRef idx="0"/>
+    <cs:effectRef idx="0"/>
+    <cs:fontRef idx="minor">
+      <a:schemeClr val="tx1"/>
+    </cs:fontRef>
+    <cs:spPr>
+      <a:ln w="9525" cap="flat" cmpd="sng" algn="ctr">
+        <a:solidFill>
+          <a:schemeClr val="tx1">
+            <a:lumMod val="15000"/>
+            <a:lumOff val="85000"/>
+          </a:schemeClr>
+        </a:solidFill>
+        <a:round/>
+      </a:ln>
+    </cs:spPr>
+  </cs:gridlineMinor>
+  <cs:hiLoLine>
+    <cs:lnRef idx="0"/>
+    <cs:fillRef idx="0"/>
+    <cs:effectRef idx="0"/>
+    <cs:fontRef idx="minor">
+      <a:schemeClr val="tx1"/>
+    </cs:fontRef>
+    <cs:spPr>
+      <a:ln w="9525" cap="flat" cmpd="sng" algn="ctr">
+        <a:solidFill>
+          <a:schemeClr val="tx1">
+            <a:lumMod val="75000"/>
+            <a:lumOff val="25000"/>
+          </a:schemeClr>
+        </a:solidFill>
+        <a:round/>
+      </a:ln>
+    </cs:spPr>
+  </cs:hiLoLine>
+  <cs:leaderLine>
+    <cs:lnRef idx="0"/>
+    <cs:fillRef idx="0"/>
+    <cs:effectRef idx="0"/>
+    <cs:fontRef idx="minor">
+      <a:schemeClr val="tx1"/>
+    </cs:fontRef>
+    <cs:spPr>
+      <a:ln w="9525" cap="flat" cmpd="sng" algn="ctr">
+        <a:solidFill>
+          <a:schemeClr val="tx1">
+            <a:lumMod val="35000"/>
+            <a:lumOff val="65000"/>
+          </a:schemeClr>
+        </a:solidFill>
+        <a:round/>
+      </a:ln>
+    </cs:spPr>
+  </cs:leaderLine>
+  <cs:legend>
+    <cs:lnRef idx="0"/>
+    <cs:fillRef idx="0"/>
+    <cs:effectRef idx="0"/>
+    <cs:fontRef idx="minor">
+      <a:schemeClr val="tx1">
+        <a:lumMod val="65000"/>
+        <a:lumOff val="35000"/>
+      </a:schemeClr>
+    </cs:fontRef>
+    <cs:defRPr sz="900"/>
+  </cs:legend>
+  <cs:plotArea mods="allowNoFillOverride allowNoLineOverride">
+    <cs:lnRef idx="0"/>
+    <cs:fillRef idx="0"/>
+    <cs:effectRef idx="0"/>
+    <cs:fontRef idx="minor">
+      <a:schemeClr val="tx1"/>
+    </cs:fontRef>
+  </cs:plotArea>
+  <cs:plotArea3D mods="allowNoFillOverride allowNoLineOverride">
+    <cs:lnRef idx="0"/>
+    <cs:fillRef idx="0"/>
+    <cs:effectRef idx="0"/>
+    <cs:fontRef idx="minor">
+      <a:schemeClr val="tx1"/>
+    </cs:fontRef>
+  </cs:plotArea3D>
+  <cs:seriesAxis>
+    <cs:lnRef idx="0"/>
+    <cs:fillRef idx="0"/>
+    <cs:effectRef idx="0"/>
+    <cs:fontRef idx="minor">
+      <a:schemeClr val="tx1">
+        <a:lumMod val="65000"/>
+        <a:lumOff val="35000"/>
+      </a:schemeClr>
+    </cs:fontRef>
+    <cs:spPr>
+      <a:ln w="9525" cap="flat" cmpd="sng" algn="ctr">
+        <a:solidFill>
+          <a:schemeClr val="tx1">
+            <a:lumMod val="15000"/>
+            <a:lumOff val="85000"/>
+          </a:schemeClr>
+        </a:solidFill>
+        <a:round/>
+      </a:ln>
+    </cs:spPr>
+    <cs:defRPr sz="900"/>
+  </cs:seriesAxis>
+  <cs:seriesLine>
+    <cs:lnRef idx="0"/>
+    <cs:fillRef idx="0"/>
+    <cs:effectRef idx="0"/>
+    <cs:fontRef idx="minor">
+      <a:schemeClr val="tx1"/>
+    </cs:fontRef>
+    <cs:spPr>
+      <a:ln w="9525" cap="flat">
+        <a:solidFill>
+          <a:srgbClr val="D9D9D9"/>
+        </a:solidFill>
+        <a:round/>
+      </a:ln>
+    </cs:spPr>
+  </cs:seriesLine>
+  <cs:title>
+    <cs:lnRef idx="0"/>
+    <cs:fillRef idx="0"/>
+    <cs:effectRef idx="0"/>
+    <cs:fontRef idx="minor">
+      <a:schemeClr val="tx1">
+        <a:lumMod val="65000"/>
+        <a:lumOff val="35000"/>
+      </a:schemeClr>
+    </cs:fontRef>
+    <cs:defRPr sz="1400"/>
+  </cs:title>
+  <cs:trendline>
+    <cs:lnRef idx="0">
+      <cs:styleClr val="auto"/>
+    </cs:lnRef>
+    <cs:fillRef idx="0"/>
+    <cs:effectRef idx="0"/>
+    <cs:fontRef idx="minor">
+      <a:schemeClr val="tx1"/>
+    </cs:fontRef>
+    <cs:spPr>
+      <a:ln w="19050" cap="rnd">
+        <a:solidFill>
+          <a:schemeClr val="phClr"/>
+        </a:solidFill>
+        <a:prstDash val="sysDash"/>
+      </a:ln>
+    </cs:spPr>
+  </cs:trendline>
+  <cs:trendlineLabel>
+    <cs:lnRef idx="0"/>
+    <cs:fillRef idx="0"/>
+    <cs:effectRef idx="0"/>
+    <cs:fontRef idx="minor">
+      <a:schemeClr val="tx1">
+        <a:lumMod val="65000"/>
+        <a:lumOff val="35000"/>
+      </a:schemeClr>
+    </cs:fontRef>
+    <cs:defRPr sz="900"/>
+  </cs:trendlineLabel>
+  <cs:upBar>
+    <cs:lnRef idx="0"/>
+    <cs:fillRef idx="0"/>
+    <cs:effectRef idx="0"/>
+    <cs:fontRef idx="minor">
+      <a:schemeClr val="dk1"/>
+    </cs:fontRef>
+    <cs:spPr>
+      <a:solidFill>
+        <a:schemeClr val="lt1"/>
+      </a:solidFill>
+      <a:ln w="9525">
+        <a:solidFill>
+          <a:schemeClr val="tx1">
+            <a:lumMod val="15000"/>
+            <a:lumOff val="85000"/>
+          </a:schemeClr>
+        </a:solidFill>
+      </a:ln>
+    </cs:spPr>
+  </cs:upBar>
+  <cs:valueAxis>
+    <cs:lnRef idx="0"/>
+    <cs:fillRef idx="0"/>
+    <cs:effectRef idx="0"/>
+    <cs:fontRef idx="minor">
+      <a:schemeClr val="tx1">
+        <a:lumMod val="65000"/>
+        <a:lumOff val="35000"/>
+      </a:schemeClr>
+    </cs:fontRef>
+    <cs:defRPr sz="900"/>
+  </cs:valueAxis>
+  <cs:wall>
+    <cs:lnRef idx="0"/>
+    <cs:fillRef idx="0"/>
+    <cs:effectRef idx="0"/>
+    <cs:fontRef idx="minor">
+      <a:schemeClr val="tx1"/>
+    </cs:fontRef>
+  </cs:wall>
+</cs:chartStyle>
+</file>
+
 <file path=ppt/charts/style2.xml><?xml version="1.0" encoding="utf-8"?>
 <cs:chartStyle xmlns:cs="http://schemas.microsoft.com/office/drawing/2012/chartStyle" xmlns:a="http://schemas.openxmlformats.org/drawingml/2006/main" id="332">
   <cs:axisTitle>
@@ -2161,6 +6118,3520 @@
 </cs:chartStyle>
 </file>
 
+<file path=ppt/charts/style3.xml><?xml version="1.0" encoding="utf-8"?>
+<cs:chartStyle xmlns:cs="http://schemas.microsoft.com/office/drawing/2012/chartStyle" xmlns:a="http://schemas.openxmlformats.org/drawingml/2006/main" id="286">
+  <cs:axisTitle>
+    <cs:lnRef idx="0"/>
+    <cs:fillRef idx="0"/>
+    <cs:effectRef idx="0"/>
+    <cs:fontRef idx="minor">
+      <a:schemeClr val="tx1">
+        <a:lumMod val="65000"/>
+        <a:lumOff val="35000"/>
+      </a:schemeClr>
+    </cs:fontRef>
+    <cs:defRPr sz="1000" kern="1200"/>
+  </cs:axisTitle>
+  <cs:categoryAxis>
+    <cs:lnRef idx="0"/>
+    <cs:fillRef idx="0"/>
+    <cs:effectRef idx="0"/>
+    <cs:fontRef idx="minor">
+      <a:schemeClr val="tx1">
+        <a:lumMod val="65000"/>
+        <a:lumOff val="35000"/>
+      </a:schemeClr>
+    </cs:fontRef>
+    <cs:defRPr sz="900" kern="1200"/>
+  </cs:categoryAxis>
+  <cs:chartArea mods="allowNoFillOverride allowNoLineOverride">
+    <cs:lnRef idx="0"/>
+    <cs:fillRef idx="0"/>
+    <cs:effectRef idx="0"/>
+    <cs:fontRef idx="minor">
+      <a:schemeClr val="tx1"/>
+    </cs:fontRef>
+    <cs:spPr>
+      <a:solidFill>
+        <a:schemeClr val="bg1"/>
+      </a:solidFill>
+      <a:ln w="9525" cap="flat" cmpd="sng" algn="ctr">
+        <a:solidFill>
+          <a:schemeClr val="tx1">
+            <a:lumMod val="15000"/>
+            <a:lumOff val="85000"/>
+          </a:schemeClr>
+        </a:solidFill>
+        <a:round/>
+      </a:ln>
+    </cs:spPr>
+    <cs:defRPr sz="1000" kern="1200"/>
+  </cs:chartArea>
+  <cs:dataLabel>
+    <cs:lnRef idx="0"/>
+    <cs:fillRef idx="0"/>
+    <cs:effectRef idx="0"/>
+    <cs:fontRef idx="minor">
+      <a:schemeClr val="tx1">
+        <a:lumMod val="75000"/>
+        <a:lumOff val="25000"/>
+      </a:schemeClr>
+    </cs:fontRef>
+    <cs:defRPr sz="900" kern="1200"/>
+  </cs:dataLabel>
+  <cs:dataLabelCallout>
+    <cs:lnRef idx="0"/>
+    <cs:fillRef idx="0"/>
+    <cs:effectRef idx="0"/>
+    <cs:fontRef idx="minor">
+      <a:schemeClr val="dk1">
+        <a:lumMod val="65000"/>
+        <a:lumOff val="35000"/>
+      </a:schemeClr>
+    </cs:fontRef>
+    <cs:spPr>
+      <a:solidFill>
+        <a:schemeClr val="lt1"/>
+      </a:solidFill>
+      <a:ln>
+        <a:solidFill>
+          <a:schemeClr val="dk1">
+            <a:lumMod val="25000"/>
+            <a:lumOff val="75000"/>
+          </a:schemeClr>
+        </a:solidFill>
+      </a:ln>
+    </cs:spPr>
+    <cs:defRPr sz="900" kern="1200"/>
+    <cs:bodyPr rot="0" spcFirstLastPara="1" vertOverflow="clip" horzOverflow="clip" vert="horz" wrap="square" lIns="36576" tIns="18288" rIns="36576" bIns="18288" anchor="ctr" anchorCtr="1">
+      <a:spAutoFit/>
+    </cs:bodyPr>
+  </cs:dataLabelCallout>
+  <cs:dataPoint>
+    <cs:lnRef idx="0"/>
+    <cs:fillRef idx="1">
+      <cs:styleClr val="auto"/>
+    </cs:fillRef>
+    <cs:effectRef idx="0"/>
+    <cs:fontRef idx="minor">
+      <a:schemeClr val="tx1"/>
+    </cs:fontRef>
+  </cs:dataPoint>
+  <cs:dataPoint3D>
+    <cs:lnRef idx="0"/>
+    <cs:fillRef idx="1">
+      <cs:styleClr val="auto"/>
+    </cs:fillRef>
+    <cs:effectRef idx="0"/>
+    <cs:fontRef idx="minor">
+      <a:schemeClr val="tx1"/>
+    </cs:fontRef>
+  </cs:dataPoint3D>
+  <cs:dataPointLine>
+    <cs:lnRef idx="0">
+      <cs:styleClr val="auto"/>
+    </cs:lnRef>
+    <cs:fillRef idx="1"/>
+    <cs:effectRef idx="0"/>
+    <cs:fontRef idx="minor">
+      <a:schemeClr val="tx1"/>
+    </cs:fontRef>
+    <cs:spPr>
+      <a:ln w="28575" cap="rnd">
+        <a:solidFill>
+          <a:schemeClr val="phClr"/>
+        </a:solidFill>
+        <a:round/>
+      </a:ln>
+    </cs:spPr>
+  </cs:dataPointLine>
+  <cs:dataPointMarker>
+    <cs:lnRef idx="0">
+      <cs:styleClr val="auto"/>
+    </cs:lnRef>
+    <cs:fillRef idx="1">
+      <cs:styleClr val="auto"/>
+    </cs:fillRef>
+    <cs:effectRef idx="0"/>
+    <cs:fontRef idx="minor">
+      <a:schemeClr val="tx1"/>
+    </cs:fontRef>
+    <cs:spPr>
+      <a:ln w="9525">
+        <a:solidFill>
+          <a:schemeClr val="phClr"/>
+        </a:solidFill>
+      </a:ln>
+    </cs:spPr>
+  </cs:dataPointMarker>
+  <cs:dataPointMarkerLayout symbol="circle" size="5"/>
+  <cs:dataPointWireframe>
+    <cs:lnRef idx="0">
+      <cs:styleClr val="auto"/>
+    </cs:lnRef>
+    <cs:fillRef idx="1"/>
+    <cs:effectRef idx="0"/>
+    <cs:fontRef idx="minor">
+      <a:schemeClr val="tx1"/>
+    </cs:fontRef>
+    <cs:spPr>
+      <a:ln w="9525" cap="rnd">
+        <a:solidFill>
+          <a:schemeClr val="phClr"/>
+        </a:solidFill>
+        <a:round/>
+      </a:ln>
+    </cs:spPr>
+  </cs:dataPointWireframe>
+  <cs:dataTable>
+    <cs:lnRef idx="0"/>
+    <cs:fillRef idx="0"/>
+    <cs:effectRef idx="0"/>
+    <cs:fontRef idx="minor">
+      <a:schemeClr val="tx1">
+        <a:lumMod val="65000"/>
+        <a:lumOff val="35000"/>
+      </a:schemeClr>
+    </cs:fontRef>
+    <cs:spPr>
+      <a:noFill/>
+      <a:ln w="9525" cap="flat" cmpd="sng" algn="ctr">
+        <a:solidFill>
+          <a:schemeClr val="tx1">
+            <a:lumMod val="15000"/>
+            <a:lumOff val="85000"/>
+          </a:schemeClr>
+        </a:solidFill>
+        <a:round/>
+      </a:ln>
+    </cs:spPr>
+    <cs:defRPr sz="900" kern="1200"/>
+  </cs:dataTable>
+  <cs:downBar>
+    <cs:lnRef idx="0"/>
+    <cs:fillRef idx="0"/>
+    <cs:effectRef idx="0"/>
+    <cs:fontRef idx="minor">
+      <a:schemeClr val="tx1"/>
+    </cs:fontRef>
+    <cs:spPr>
+      <a:solidFill>
+        <a:schemeClr val="dk1">
+          <a:lumMod val="75000"/>
+          <a:lumOff val="25000"/>
+        </a:schemeClr>
+      </a:solidFill>
+      <a:ln w="9525" cap="flat" cmpd="sng" algn="ctr">
+        <a:solidFill>
+          <a:schemeClr val="tx1">
+            <a:lumMod val="65000"/>
+            <a:lumOff val="35000"/>
+          </a:schemeClr>
+        </a:solidFill>
+        <a:round/>
+      </a:ln>
+    </cs:spPr>
+  </cs:downBar>
+  <cs:dropLine>
+    <cs:lnRef idx="0"/>
+    <cs:fillRef idx="0"/>
+    <cs:effectRef idx="0"/>
+    <cs:fontRef idx="minor">
+      <a:schemeClr val="tx1"/>
+    </cs:fontRef>
+    <cs:spPr>
+      <a:ln w="9525" cap="flat" cmpd="sng" algn="ctr">
+        <a:solidFill>
+          <a:schemeClr val="tx1">
+            <a:lumMod val="35000"/>
+            <a:lumOff val="65000"/>
+          </a:schemeClr>
+        </a:solidFill>
+        <a:round/>
+      </a:ln>
+    </cs:spPr>
+  </cs:dropLine>
+  <cs:errorBar>
+    <cs:lnRef idx="0"/>
+    <cs:fillRef idx="0"/>
+    <cs:effectRef idx="0"/>
+    <cs:fontRef idx="minor">
+      <a:schemeClr val="tx1"/>
+    </cs:fontRef>
+    <cs:spPr>
+      <a:ln w="9525" cap="flat" cmpd="sng" algn="ctr">
+        <a:solidFill>
+          <a:schemeClr val="tx1">
+            <a:lumMod val="65000"/>
+            <a:lumOff val="35000"/>
+          </a:schemeClr>
+        </a:solidFill>
+        <a:round/>
+      </a:ln>
+    </cs:spPr>
+  </cs:errorBar>
+  <cs:floor>
+    <cs:lnRef idx="0"/>
+    <cs:fillRef idx="0"/>
+    <cs:effectRef idx="0"/>
+    <cs:fontRef idx="minor">
+      <a:schemeClr val="tx1"/>
+    </cs:fontRef>
+    <cs:spPr>
+      <a:noFill/>
+      <a:ln>
+        <a:noFill/>
+      </a:ln>
+    </cs:spPr>
+  </cs:floor>
+  <cs:gridlineMajor>
+    <cs:lnRef idx="0"/>
+    <cs:fillRef idx="0"/>
+    <cs:effectRef idx="0"/>
+    <cs:fontRef idx="minor">
+      <a:schemeClr val="tx1"/>
+    </cs:fontRef>
+    <cs:spPr>
+      <a:ln w="9525" cap="flat" cmpd="sng" algn="ctr">
+        <a:solidFill>
+          <a:schemeClr val="tx1">
+            <a:lumMod val="15000"/>
+            <a:lumOff val="85000"/>
+          </a:schemeClr>
+        </a:solidFill>
+        <a:round/>
+      </a:ln>
+    </cs:spPr>
+  </cs:gridlineMajor>
+  <cs:gridlineMinor>
+    <cs:lnRef idx="0"/>
+    <cs:fillRef idx="0"/>
+    <cs:effectRef idx="0"/>
+    <cs:fontRef idx="minor">
+      <a:schemeClr val="tx1"/>
+    </cs:fontRef>
+    <cs:spPr>
+      <a:ln w="9525" cap="flat" cmpd="sng" algn="ctr">
+        <a:solidFill>
+          <a:schemeClr val="tx1">
+            <a:lumMod val="5000"/>
+            <a:lumOff val="95000"/>
+          </a:schemeClr>
+        </a:solidFill>
+        <a:round/>
+      </a:ln>
+    </cs:spPr>
+  </cs:gridlineMinor>
+  <cs:hiLoLine>
+    <cs:lnRef idx="0"/>
+    <cs:fillRef idx="0"/>
+    <cs:effectRef idx="0"/>
+    <cs:fontRef idx="minor">
+      <a:schemeClr val="tx1"/>
+    </cs:fontRef>
+    <cs:spPr>
+      <a:ln w="9525" cap="flat" cmpd="sng" algn="ctr">
+        <a:solidFill>
+          <a:schemeClr val="tx1">
+            <a:lumMod val="50000"/>
+            <a:lumOff val="50000"/>
+          </a:schemeClr>
+        </a:solidFill>
+        <a:round/>
+      </a:ln>
+    </cs:spPr>
+  </cs:hiLoLine>
+  <cs:leaderLine>
+    <cs:lnRef idx="0"/>
+    <cs:fillRef idx="0"/>
+    <cs:effectRef idx="0"/>
+    <cs:fontRef idx="minor">
+      <a:schemeClr val="tx1"/>
+    </cs:fontRef>
+    <cs:spPr>
+      <a:ln w="9525" cap="flat" cmpd="sng" algn="ctr">
+        <a:solidFill>
+          <a:schemeClr val="tx1">
+            <a:lumMod val="35000"/>
+            <a:lumOff val="65000"/>
+          </a:schemeClr>
+        </a:solidFill>
+        <a:round/>
+      </a:ln>
+    </cs:spPr>
+  </cs:leaderLine>
+  <cs:legend>
+    <cs:lnRef idx="0"/>
+    <cs:fillRef idx="0"/>
+    <cs:effectRef idx="0"/>
+    <cs:fontRef idx="minor">
+      <a:schemeClr val="tx1">
+        <a:lumMod val="65000"/>
+        <a:lumOff val="35000"/>
+      </a:schemeClr>
+    </cs:fontRef>
+    <cs:defRPr sz="900" kern="1200"/>
+  </cs:legend>
+  <cs:plotArea mods="allowNoFillOverride allowNoLineOverride">
+    <cs:lnRef idx="0"/>
+    <cs:fillRef idx="0"/>
+    <cs:effectRef idx="0"/>
+    <cs:fontRef idx="minor">
+      <a:schemeClr val="tx1"/>
+    </cs:fontRef>
+  </cs:plotArea>
+  <cs:plotArea3D mods="allowNoFillOverride allowNoLineOverride">
+    <cs:lnRef idx="0"/>
+    <cs:fillRef idx="0"/>
+    <cs:effectRef idx="0"/>
+    <cs:fontRef idx="minor">
+      <a:schemeClr val="tx1"/>
+    </cs:fontRef>
+  </cs:plotArea3D>
+  <cs:seriesAxis>
+    <cs:lnRef idx="0"/>
+    <cs:fillRef idx="0"/>
+    <cs:effectRef idx="0"/>
+    <cs:fontRef idx="minor">
+      <a:schemeClr val="tx1">
+        <a:lumMod val="65000"/>
+        <a:lumOff val="35000"/>
+      </a:schemeClr>
+    </cs:fontRef>
+    <cs:defRPr sz="900" kern="1200"/>
+  </cs:seriesAxis>
+  <cs:seriesLine>
+    <cs:lnRef idx="0"/>
+    <cs:fillRef idx="0"/>
+    <cs:effectRef idx="0"/>
+    <cs:fontRef idx="minor">
+      <a:schemeClr val="tx1"/>
+    </cs:fontRef>
+    <cs:spPr>
+      <a:ln w="9525" cap="flat" cmpd="sng" algn="ctr">
+        <a:solidFill>
+          <a:schemeClr val="tx1">
+            <a:lumMod val="35000"/>
+            <a:lumOff val="65000"/>
+          </a:schemeClr>
+        </a:solidFill>
+        <a:round/>
+      </a:ln>
+    </cs:spPr>
+  </cs:seriesLine>
+  <cs:title>
+    <cs:lnRef idx="0"/>
+    <cs:fillRef idx="0"/>
+    <cs:effectRef idx="0"/>
+    <cs:fontRef idx="minor">
+      <a:schemeClr val="tx1">
+        <a:lumMod val="65000"/>
+        <a:lumOff val="35000"/>
+      </a:schemeClr>
+    </cs:fontRef>
+    <cs:defRPr sz="1400" b="0" kern="1200" spc="0" baseline="0"/>
+  </cs:title>
+  <cs:trendline>
+    <cs:lnRef idx="0">
+      <cs:styleClr val="auto"/>
+    </cs:lnRef>
+    <cs:fillRef idx="0"/>
+    <cs:effectRef idx="0"/>
+    <cs:fontRef idx="minor">
+      <a:schemeClr val="tx1"/>
+    </cs:fontRef>
+    <cs:spPr>
+      <a:ln w="19050" cap="rnd">
+        <a:solidFill>
+          <a:schemeClr val="phClr"/>
+        </a:solidFill>
+        <a:prstDash val="sysDot"/>
+      </a:ln>
+    </cs:spPr>
+  </cs:trendline>
+  <cs:trendlineLabel>
+    <cs:lnRef idx="0"/>
+    <cs:fillRef idx="0"/>
+    <cs:effectRef idx="0"/>
+    <cs:fontRef idx="minor">
+      <a:schemeClr val="tx1">
+        <a:lumMod val="65000"/>
+        <a:lumOff val="35000"/>
+      </a:schemeClr>
+    </cs:fontRef>
+    <cs:defRPr sz="900" kern="1200"/>
+  </cs:trendlineLabel>
+  <cs:upBar>
+    <cs:lnRef idx="0"/>
+    <cs:fillRef idx="0"/>
+    <cs:effectRef idx="0"/>
+    <cs:fontRef idx="minor">
+      <a:schemeClr val="tx1"/>
+    </cs:fontRef>
+    <cs:spPr>
+      <a:solidFill>
+        <a:schemeClr val="lt1"/>
+      </a:solidFill>
+      <a:ln w="9525" cap="flat" cmpd="sng" algn="ctr">
+        <a:solidFill>
+          <a:schemeClr val="tx1">
+            <a:lumMod val="65000"/>
+            <a:lumOff val="35000"/>
+          </a:schemeClr>
+        </a:solidFill>
+        <a:round/>
+      </a:ln>
+    </cs:spPr>
+  </cs:upBar>
+  <cs:valueAxis>
+    <cs:lnRef idx="0"/>
+    <cs:fillRef idx="0"/>
+    <cs:effectRef idx="0"/>
+    <cs:fontRef idx="minor">
+      <a:schemeClr val="tx1">
+        <a:lumMod val="65000"/>
+        <a:lumOff val="35000"/>
+      </a:schemeClr>
+    </cs:fontRef>
+    <cs:defRPr sz="900" kern="1200"/>
+  </cs:valueAxis>
+  <cs:wall>
+    <cs:lnRef idx="0"/>
+    <cs:fillRef idx="0"/>
+    <cs:effectRef idx="0"/>
+    <cs:fontRef idx="minor">
+      <a:schemeClr val="tx1"/>
+    </cs:fontRef>
+    <cs:spPr>
+      <a:noFill/>
+      <a:ln>
+        <a:noFill/>
+      </a:ln>
+    </cs:spPr>
+  </cs:wall>
+</cs:chartStyle>
+</file>
+
+<file path=ppt/charts/style4.xml><?xml version="1.0" encoding="utf-8"?>
+<cs:chartStyle xmlns:cs="http://schemas.microsoft.com/office/drawing/2012/chartStyle" xmlns:a="http://schemas.openxmlformats.org/drawingml/2006/main" id="286">
+  <cs:axisTitle>
+    <cs:lnRef idx="0"/>
+    <cs:fillRef idx="0"/>
+    <cs:effectRef idx="0"/>
+    <cs:fontRef idx="minor">
+      <a:schemeClr val="tx1">
+        <a:lumMod val="65000"/>
+        <a:lumOff val="35000"/>
+      </a:schemeClr>
+    </cs:fontRef>
+    <cs:defRPr sz="1000" kern="1200"/>
+  </cs:axisTitle>
+  <cs:categoryAxis>
+    <cs:lnRef idx="0"/>
+    <cs:fillRef idx="0"/>
+    <cs:effectRef idx="0"/>
+    <cs:fontRef idx="minor">
+      <a:schemeClr val="tx1">
+        <a:lumMod val="65000"/>
+        <a:lumOff val="35000"/>
+      </a:schemeClr>
+    </cs:fontRef>
+    <cs:defRPr sz="900" kern="1200"/>
+  </cs:categoryAxis>
+  <cs:chartArea mods="allowNoFillOverride allowNoLineOverride">
+    <cs:lnRef idx="0"/>
+    <cs:fillRef idx="0"/>
+    <cs:effectRef idx="0"/>
+    <cs:fontRef idx="minor">
+      <a:schemeClr val="tx1"/>
+    </cs:fontRef>
+    <cs:spPr>
+      <a:solidFill>
+        <a:schemeClr val="bg1"/>
+      </a:solidFill>
+      <a:ln w="9525" cap="flat" cmpd="sng" algn="ctr">
+        <a:solidFill>
+          <a:schemeClr val="tx1">
+            <a:lumMod val="15000"/>
+            <a:lumOff val="85000"/>
+          </a:schemeClr>
+        </a:solidFill>
+        <a:round/>
+      </a:ln>
+    </cs:spPr>
+    <cs:defRPr sz="1000" kern="1200"/>
+  </cs:chartArea>
+  <cs:dataLabel>
+    <cs:lnRef idx="0"/>
+    <cs:fillRef idx="0"/>
+    <cs:effectRef idx="0"/>
+    <cs:fontRef idx="minor">
+      <a:schemeClr val="tx1">
+        <a:lumMod val="75000"/>
+        <a:lumOff val="25000"/>
+      </a:schemeClr>
+    </cs:fontRef>
+    <cs:defRPr sz="900" kern="1200"/>
+  </cs:dataLabel>
+  <cs:dataLabelCallout>
+    <cs:lnRef idx="0"/>
+    <cs:fillRef idx="0"/>
+    <cs:effectRef idx="0"/>
+    <cs:fontRef idx="minor">
+      <a:schemeClr val="dk1">
+        <a:lumMod val="65000"/>
+        <a:lumOff val="35000"/>
+      </a:schemeClr>
+    </cs:fontRef>
+    <cs:spPr>
+      <a:solidFill>
+        <a:schemeClr val="lt1"/>
+      </a:solidFill>
+      <a:ln>
+        <a:solidFill>
+          <a:schemeClr val="dk1">
+            <a:lumMod val="25000"/>
+            <a:lumOff val="75000"/>
+          </a:schemeClr>
+        </a:solidFill>
+      </a:ln>
+    </cs:spPr>
+    <cs:defRPr sz="900" kern="1200"/>
+    <cs:bodyPr rot="0" spcFirstLastPara="1" vertOverflow="clip" horzOverflow="clip" vert="horz" wrap="square" lIns="36576" tIns="18288" rIns="36576" bIns="18288" anchor="ctr" anchorCtr="1">
+      <a:spAutoFit/>
+    </cs:bodyPr>
+  </cs:dataLabelCallout>
+  <cs:dataPoint>
+    <cs:lnRef idx="0"/>
+    <cs:fillRef idx="1">
+      <cs:styleClr val="auto"/>
+    </cs:fillRef>
+    <cs:effectRef idx="0"/>
+    <cs:fontRef idx="minor">
+      <a:schemeClr val="tx1"/>
+    </cs:fontRef>
+  </cs:dataPoint>
+  <cs:dataPoint3D>
+    <cs:lnRef idx="0"/>
+    <cs:fillRef idx="1">
+      <cs:styleClr val="auto"/>
+    </cs:fillRef>
+    <cs:effectRef idx="0"/>
+    <cs:fontRef idx="minor">
+      <a:schemeClr val="tx1"/>
+    </cs:fontRef>
+  </cs:dataPoint3D>
+  <cs:dataPointLine>
+    <cs:lnRef idx="0">
+      <cs:styleClr val="auto"/>
+    </cs:lnRef>
+    <cs:fillRef idx="1"/>
+    <cs:effectRef idx="0"/>
+    <cs:fontRef idx="minor">
+      <a:schemeClr val="tx1"/>
+    </cs:fontRef>
+    <cs:spPr>
+      <a:ln w="28575" cap="rnd">
+        <a:solidFill>
+          <a:schemeClr val="phClr"/>
+        </a:solidFill>
+        <a:round/>
+      </a:ln>
+    </cs:spPr>
+  </cs:dataPointLine>
+  <cs:dataPointMarker>
+    <cs:lnRef idx="0">
+      <cs:styleClr val="auto"/>
+    </cs:lnRef>
+    <cs:fillRef idx="1">
+      <cs:styleClr val="auto"/>
+    </cs:fillRef>
+    <cs:effectRef idx="0"/>
+    <cs:fontRef idx="minor">
+      <a:schemeClr val="tx1"/>
+    </cs:fontRef>
+    <cs:spPr>
+      <a:ln w="9525">
+        <a:solidFill>
+          <a:schemeClr val="phClr"/>
+        </a:solidFill>
+      </a:ln>
+    </cs:spPr>
+  </cs:dataPointMarker>
+  <cs:dataPointMarkerLayout symbol="circle" size="5"/>
+  <cs:dataPointWireframe>
+    <cs:lnRef idx="0">
+      <cs:styleClr val="auto"/>
+    </cs:lnRef>
+    <cs:fillRef idx="1"/>
+    <cs:effectRef idx="0"/>
+    <cs:fontRef idx="minor">
+      <a:schemeClr val="tx1"/>
+    </cs:fontRef>
+    <cs:spPr>
+      <a:ln w="9525" cap="rnd">
+        <a:solidFill>
+          <a:schemeClr val="phClr"/>
+        </a:solidFill>
+        <a:round/>
+      </a:ln>
+    </cs:spPr>
+  </cs:dataPointWireframe>
+  <cs:dataTable>
+    <cs:lnRef idx="0"/>
+    <cs:fillRef idx="0"/>
+    <cs:effectRef idx="0"/>
+    <cs:fontRef idx="minor">
+      <a:schemeClr val="tx1">
+        <a:lumMod val="65000"/>
+        <a:lumOff val="35000"/>
+      </a:schemeClr>
+    </cs:fontRef>
+    <cs:spPr>
+      <a:noFill/>
+      <a:ln w="9525" cap="flat" cmpd="sng" algn="ctr">
+        <a:solidFill>
+          <a:schemeClr val="tx1">
+            <a:lumMod val="15000"/>
+            <a:lumOff val="85000"/>
+          </a:schemeClr>
+        </a:solidFill>
+        <a:round/>
+      </a:ln>
+    </cs:spPr>
+    <cs:defRPr sz="900" kern="1200"/>
+  </cs:dataTable>
+  <cs:downBar>
+    <cs:lnRef idx="0"/>
+    <cs:fillRef idx="0"/>
+    <cs:effectRef idx="0"/>
+    <cs:fontRef idx="minor">
+      <a:schemeClr val="tx1"/>
+    </cs:fontRef>
+    <cs:spPr>
+      <a:solidFill>
+        <a:schemeClr val="dk1">
+          <a:lumMod val="75000"/>
+          <a:lumOff val="25000"/>
+        </a:schemeClr>
+      </a:solidFill>
+      <a:ln w="9525" cap="flat" cmpd="sng" algn="ctr">
+        <a:solidFill>
+          <a:schemeClr val="tx1">
+            <a:lumMod val="65000"/>
+            <a:lumOff val="35000"/>
+          </a:schemeClr>
+        </a:solidFill>
+        <a:round/>
+      </a:ln>
+    </cs:spPr>
+  </cs:downBar>
+  <cs:dropLine>
+    <cs:lnRef idx="0"/>
+    <cs:fillRef idx="0"/>
+    <cs:effectRef idx="0"/>
+    <cs:fontRef idx="minor">
+      <a:schemeClr val="tx1"/>
+    </cs:fontRef>
+    <cs:spPr>
+      <a:ln w="9525" cap="flat" cmpd="sng" algn="ctr">
+        <a:solidFill>
+          <a:schemeClr val="tx1">
+            <a:lumMod val="35000"/>
+            <a:lumOff val="65000"/>
+          </a:schemeClr>
+        </a:solidFill>
+        <a:round/>
+      </a:ln>
+    </cs:spPr>
+  </cs:dropLine>
+  <cs:errorBar>
+    <cs:lnRef idx="0"/>
+    <cs:fillRef idx="0"/>
+    <cs:effectRef idx="0"/>
+    <cs:fontRef idx="minor">
+      <a:schemeClr val="tx1"/>
+    </cs:fontRef>
+    <cs:spPr>
+      <a:ln w="9525" cap="flat" cmpd="sng" algn="ctr">
+        <a:solidFill>
+          <a:schemeClr val="tx1">
+            <a:lumMod val="65000"/>
+            <a:lumOff val="35000"/>
+          </a:schemeClr>
+        </a:solidFill>
+        <a:round/>
+      </a:ln>
+    </cs:spPr>
+  </cs:errorBar>
+  <cs:floor>
+    <cs:lnRef idx="0"/>
+    <cs:fillRef idx="0"/>
+    <cs:effectRef idx="0"/>
+    <cs:fontRef idx="minor">
+      <a:schemeClr val="tx1"/>
+    </cs:fontRef>
+    <cs:spPr>
+      <a:noFill/>
+      <a:ln>
+        <a:noFill/>
+      </a:ln>
+    </cs:spPr>
+  </cs:floor>
+  <cs:gridlineMajor>
+    <cs:lnRef idx="0"/>
+    <cs:fillRef idx="0"/>
+    <cs:effectRef idx="0"/>
+    <cs:fontRef idx="minor">
+      <a:schemeClr val="tx1"/>
+    </cs:fontRef>
+    <cs:spPr>
+      <a:ln w="9525" cap="flat" cmpd="sng" algn="ctr">
+        <a:solidFill>
+          <a:schemeClr val="tx1">
+            <a:lumMod val="15000"/>
+            <a:lumOff val="85000"/>
+          </a:schemeClr>
+        </a:solidFill>
+        <a:round/>
+      </a:ln>
+    </cs:spPr>
+  </cs:gridlineMajor>
+  <cs:gridlineMinor>
+    <cs:lnRef idx="0"/>
+    <cs:fillRef idx="0"/>
+    <cs:effectRef idx="0"/>
+    <cs:fontRef idx="minor">
+      <a:schemeClr val="tx1"/>
+    </cs:fontRef>
+    <cs:spPr>
+      <a:ln w="9525" cap="flat" cmpd="sng" algn="ctr">
+        <a:solidFill>
+          <a:schemeClr val="tx1">
+            <a:lumMod val="5000"/>
+            <a:lumOff val="95000"/>
+          </a:schemeClr>
+        </a:solidFill>
+        <a:round/>
+      </a:ln>
+    </cs:spPr>
+  </cs:gridlineMinor>
+  <cs:hiLoLine>
+    <cs:lnRef idx="0"/>
+    <cs:fillRef idx="0"/>
+    <cs:effectRef idx="0"/>
+    <cs:fontRef idx="minor">
+      <a:schemeClr val="tx1"/>
+    </cs:fontRef>
+    <cs:spPr>
+      <a:ln w="9525" cap="flat" cmpd="sng" algn="ctr">
+        <a:solidFill>
+          <a:schemeClr val="tx1">
+            <a:lumMod val="50000"/>
+            <a:lumOff val="50000"/>
+          </a:schemeClr>
+        </a:solidFill>
+        <a:round/>
+      </a:ln>
+    </cs:spPr>
+  </cs:hiLoLine>
+  <cs:leaderLine>
+    <cs:lnRef idx="0"/>
+    <cs:fillRef idx="0"/>
+    <cs:effectRef idx="0"/>
+    <cs:fontRef idx="minor">
+      <a:schemeClr val="tx1"/>
+    </cs:fontRef>
+    <cs:spPr>
+      <a:ln w="9525" cap="flat" cmpd="sng" algn="ctr">
+        <a:solidFill>
+          <a:schemeClr val="tx1">
+            <a:lumMod val="35000"/>
+            <a:lumOff val="65000"/>
+          </a:schemeClr>
+        </a:solidFill>
+        <a:round/>
+      </a:ln>
+    </cs:spPr>
+  </cs:leaderLine>
+  <cs:legend>
+    <cs:lnRef idx="0"/>
+    <cs:fillRef idx="0"/>
+    <cs:effectRef idx="0"/>
+    <cs:fontRef idx="minor">
+      <a:schemeClr val="tx1">
+        <a:lumMod val="65000"/>
+        <a:lumOff val="35000"/>
+      </a:schemeClr>
+    </cs:fontRef>
+    <cs:defRPr sz="900" kern="1200"/>
+  </cs:legend>
+  <cs:plotArea mods="allowNoFillOverride allowNoLineOverride">
+    <cs:lnRef idx="0"/>
+    <cs:fillRef idx="0"/>
+    <cs:effectRef idx="0"/>
+    <cs:fontRef idx="minor">
+      <a:schemeClr val="tx1"/>
+    </cs:fontRef>
+  </cs:plotArea>
+  <cs:plotArea3D mods="allowNoFillOverride allowNoLineOverride">
+    <cs:lnRef idx="0"/>
+    <cs:fillRef idx="0"/>
+    <cs:effectRef idx="0"/>
+    <cs:fontRef idx="minor">
+      <a:schemeClr val="tx1"/>
+    </cs:fontRef>
+  </cs:plotArea3D>
+  <cs:seriesAxis>
+    <cs:lnRef idx="0"/>
+    <cs:fillRef idx="0"/>
+    <cs:effectRef idx="0"/>
+    <cs:fontRef idx="minor">
+      <a:schemeClr val="tx1">
+        <a:lumMod val="65000"/>
+        <a:lumOff val="35000"/>
+      </a:schemeClr>
+    </cs:fontRef>
+    <cs:defRPr sz="900" kern="1200"/>
+  </cs:seriesAxis>
+  <cs:seriesLine>
+    <cs:lnRef idx="0"/>
+    <cs:fillRef idx="0"/>
+    <cs:effectRef idx="0"/>
+    <cs:fontRef idx="minor">
+      <a:schemeClr val="tx1"/>
+    </cs:fontRef>
+    <cs:spPr>
+      <a:ln w="9525" cap="flat" cmpd="sng" algn="ctr">
+        <a:solidFill>
+          <a:schemeClr val="tx1">
+            <a:lumMod val="35000"/>
+            <a:lumOff val="65000"/>
+          </a:schemeClr>
+        </a:solidFill>
+        <a:round/>
+      </a:ln>
+    </cs:spPr>
+  </cs:seriesLine>
+  <cs:title>
+    <cs:lnRef idx="0"/>
+    <cs:fillRef idx="0"/>
+    <cs:effectRef idx="0"/>
+    <cs:fontRef idx="minor">
+      <a:schemeClr val="tx1">
+        <a:lumMod val="65000"/>
+        <a:lumOff val="35000"/>
+      </a:schemeClr>
+    </cs:fontRef>
+    <cs:defRPr sz="1400" b="0" kern="1200" spc="0" baseline="0"/>
+  </cs:title>
+  <cs:trendline>
+    <cs:lnRef idx="0">
+      <cs:styleClr val="auto"/>
+    </cs:lnRef>
+    <cs:fillRef idx="0"/>
+    <cs:effectRef idx="0"/>
+    <cs:fontRef idx="minor">
+      <a:schemeClr val="tx1"/>
+    </cs:fontRef>
+    <cs:spPr>
+      <a:ln w="19050" cap="rnd">
+        <a:solidFill>
+          <a:schemeClr val="phClr"/>
+        </a:solidFill>
+        <a:prstDash val="sysDot"/>
+      </a:ln>
+    </cs:spPr>
+  </cs:trendline>
+  <cs:trendlineLabel>
+    <cs:lnRef idx="0"/>
+    <cs:fillRef idx="0"/>
+    <cs:effectRef idx="0"/>
+    <cs:fontRef idx="minor">
+      <a:schemeClr val="tx1">
+        <a:lumMod val="65000"/>
+        <a:lumOff val="35000"/>
+      </a:schemeClr>
+    </cs:fontRef>
+    <cs:defRPr sz="900" kern="1200"/>
+  </cs:trendlineLabel>
+  <cs:upBar>
+    <cs:lnRef idx="0"/>
+    <cs:fillRef idx="0"/>
+    <cs:effectRef idx="0"/>
+    <cs:fontRef idx="minor">
+      <a:schemeClr val="tx1"/>
+    </cs:fontRef>
+    <cs:spPr>
+      <a:solidFill>
+        <a:schemeClr val="lt1"/>
+      </a:solidFill>
+      <a:ln w="9525" cap="flat" cmpd="sng" algn="ctr">
+        <a:solidFill>
+          <a:schemeClr val="tx1">
+            <a:lumMod val="65000"/>
+            <a:lumOff val="35000"/>
+          </a:schemeClr>
+        </a:solidFill>
+        <a:round/>
+      </a:ln>
+    </cs:spPr>
+  </cs:upBar>
+  <cs:valueAxis>
+    <cs:lnRef idx="0"/>
+    <cs:fillRef idx="0"/>
+    <cs:effectRef idx="0"/>
+    <cs:fontRef idx="minor">
+      <a:schemeClr val="tx1">
+        <a:lumMod val="65000"/>
+        <a:lumOff val="35000"/>
+      </a:schemeClr>
+    </cs:fontRef>
+    <cs:defRPr sz="900" kern="1200"/>
+  </cs:valueAxis>
+  <cs:wall>
+    <cs:lnRef idx="0"/>
+    <cs:fillRef idx="0"/>
+    <cs:effectRef idx="0"/>
+    <cs:fontRef idx="minor">
+      <a:schemeClr val="tx1"/>
+    </cs:fontRef>
+    <cs:spPr>
+      <a:noFill/>
+      <a:ln>
+        <a:noFill/>
+      </a:ln>
+    </cs:spPr>
+  </cs:wall>
+</cs:chartStyle>
+</file>
+
+<file path=ppt/charts/style5.xml><?xml version="1.0" encoding="utf-8"?>
+<cs:chartStyle xmlns:cs="http://schemas.microsoft.com/office/drawing/2012/chartStyle" xmlns:a="http://schemas.openxmlformats.org/drawingml/2006/main" id="286">
+  <cs:axisTitle>
+    <cs:lnRef idx="0"/>
+    <cs:fillRef idx="0"/>
+    <cs:effectRef idx="0"/>
+    <cs:fontRef idx="minor">
+      <a:schemeClr val="tx1">
+        <a:lumMod val="65000"/>
+        <a:lumOff val="35000"/>
+      </a:schemeClr>
+    </cs:fontRef>
+    <cs:defRPr sz="1000" kern="1200"/>
+  </cs:axisTitle>
+  <cs:categoryAxis>
+    <cs:lnRef idx="0"/>
+    <cs:fillRef idx="0"/>
+    <cs:effectRef idx="0"/>
+    <cs:fontRef idx="minor">
+      <a:schemeClr val="tx1">
+        <a:lumMod val="65000"/>
+        <a:lumOff val="35000"/>
+      </a:schemeClr>
+    </cs:fontRef>
+    <cs:defRPr sz="900" kern="1200"/>
+  </cs:categoryAxis>
+  <cs:chartArea mods="allowNoFillOverride allowNoLineOverride">
+    <cs:lnRef idx="0"/>
+    <cs:fillRef idx="0"/>
+    <cs:effectRef idx="0"/>
+    <cs:fontRef idx="minor">
+      <a:schemeClr val="tx1"/>
+    </cs:fontRef>
+    <cs:spPr>
+      <a:solidFill>
+        <a:schemeClr val="bg1"/>
+      </a:solidFill>
+      <a:ln w="9525" cap="flat" cmpd="sng" algn="ctr">
+        <a:solidFill>
+          <a:schemeClr val="tx1">
+            <a:lumMod val="15000"/>
+            <a:lumOff val="85000"/>
+          </a:schemeClr>
+        </a:solidFill>
+        <a:round/>
+      </a:ln>
+    </cs:spPr>
+    <cs:defRPr sz="1000" kern="1200"/>
+  </cs:chartArea>
+  <cs:dataLabel>
+    <cs:lnRef idx="0"/>
+    <cs:fillRef idx="0"/>
+    <cs:effectRef idx="0"/>
+    <cs:fontRef idx="minor">
+      <a:schemeClr val="tx1">
+        <a:lumMod val="75000"/>
+        <a:lumOff val="25000"/>
+      </a:schemeClr>
+    </cs:fontRef>
+    <cs:defRPr sz="900" kern="1200"/>
+  </cs:dataLabel>
+  <cs:dataLabelCallout>
+    <cs:lnRef idx="0"/>
+    <cs:fillRef idx="0"/>
+    <cs:effectRef idx="0"/>
+    <cs:fontRef idx="minor">
+      <a:schemeClr val="dk1">
+        <a:lumMod val="65000"/>
+        <a:lumOff val="35000"/>
+      </a:schemeClr>
+    </cs:fontRef>
+    <cs:spPr>
+      <a:solidFill>
+        <a:schemeClr val="lt1"/>
+      </a:solidFill>
+      <a:ln>
+        <a:solidFill>
+          <a:schemeClr val="dk1">
+            <a:lumMod val="25000"/>
+            <a:lumOff val="75000"/>
+          </a:schemeClr>
+        </a:solidFill>
+      </a:ln>
+    </cs:spPr>
+    <cs:defRPr sz="900" kern="1200"/>
+    <cs:bodyPr rot="0" spcFirstLastPara="1" vertOverflow="clip" horzOverflow="clip" vert="horz" wrap="square" lIns="36576" tIns="18288" rIns="36576" bIns="18288" anchor="ctr" anchorCtr="1">
+      <a:spAutoFit/>
+    </cs:bodyPr>
+  </cs:dataLabelCallout>
+  <cs:dataPoint>
+    <cs:lnRef idx="0"/>
+    <cs:fillRef idx="1">
+      <cs:styleClr val="auto"/>
+    </cs:fillRef>
+    <cs:effectRef idx="0"/>
+    <cs:fontRef idx="minor">
+      <a:schemeClr val="tx1"/>
+    </cs:fontRef>
+  </cs:dataPoint>
+  <cs:dataPoint3D>
+    <cs:lnRef idx="0"/>
+    <cs:fillRef idx="1">
+      <cs:styleClr val="auto"/>
+    </cs:fillRef>
+    <cs:effectRef idx="0"/>
+    <cs:fontRef idx="minor">
+      <a:schemeClr val="tx1"/>
+    </cs:fontRef>
+  </cs:dataPoint3D>
+  <cs:dataPointLine>
+    <cs:lnRef idx="0">
+      <cs:styleClr val="auto"/>
+    </cs:lnRef>
+    <cs:fillRef idx="1"/>
+    <cs:effectRef idx="0"/>
+    <cs:fontRef idx="minor">
+      <a:schemeClr val="tx1"/>
+    </cs:fontRef>
+    <cs:spPr>
+      <a:ln w="28575" cap="rnd">
+        <a:solidFill>
+          <a:schemeClr val="phClr"/>
+        </a:solidFill>
+        <a:round/>
+      </a:ln>
+    </cs:spPr>
+  </cs:dataPointLine>
+  <cs:dataPointMarker>
+    <cs:lnRef idx="0">
+      <cs:styleClr val="auto"/>
+    </cs:lnRef>
+    <cs:fillRef idx="1">
+      <cs:styleClr val="auto"/>
+    </cs:fillRef>
+    <cs:effectRef idx="0"/>
+    <cs:fontRef idx="minor">
+      <a:schemeClr val="tx1"/>
+    </cs:fontRef>
+    <cs:spPr>
+      <a:ln w="9525">
+        <a:solidFill>
+          <a:schemeClr val="phClr"/>
+        </a:solidFill>
+      </a:ln>
+    </cs:spPr>
+  </cs:dataPointMarker>
+  <cs:dataPointMarkerLayout symbol="circle" size="5"/>
+  <cs:dataPointWireframe>
+    <cs:lnRef idx="0">
+      <cs:styleClr val="auto"/>
+    </cs:lnRef>
+    <cs:fillRef idx="1"/>
+    <cs:effectRef idx="0"/>
+    <cs:fontRef idx="minor">
+      <a:schemeClr val="tx1"/>
+    </cs:fontRef>
+    <cs:spPr>
+      <a:ln w="9525" cap="rnd">
+        <a:solidFill>
+          <a:schemeClr val="phClr"/>
+        </a:solidFill>
+        <a:round/>
+      </a:ln>
+    </cs:spPr>
+  </cs:dataPointWireframe>
+  <cs:dataTable>
+    <cs:lnRef idx="0"/>
+    <cs:fillRef idx="0"/>
+    <cs:effectRef idx="0"/>
+    <cs:fontRef idx="minor">
+      <a:schemeClr val="tx1">
+        <a:lumMod val="65000"/>
+        <a:lumOff val="35000"/>
+      </a:schemeClr>
+    </cs:fontRef>
+    <cs:spPr>
+      <a:noFill/>
+      <a:ln w="9525" cap="flat" cmpd="sng" algn="ctr">
+        <a:solidFill>
+          <a:schemeClr val="tx1">
+            <a:lumMod val="15000"/>
+            <a:lumOff val="85000"/>
+          </a:schemeClr>
+        </a:solidFill>
+        <a:round/>
+      </a:ln>
+    </cs:spPr>
+    <cs:defRPr sz="900" kern="1200"/>
+  </cs:dataTable>
+  <cs:downBar>
+    <cs:lnRef idx="0"/>
+    <cs:fillRef idx="0"/>
+    <cs:effectRef idx="0"/>
+    <cs:fontRef idx="minor">
+      <a:schemeClr val="tx1"/>
+    </cs:fontRef>
+    <cs:spPr>
+      <a:solidFill>
+        <a:schemeClr val="dk1">
+          <a:lumMod val="75000"/>
+          <a:lumOff val="25000"/>
+        </a:schemeClr>
+      </a:solidFill>
+      <a:ln w="9525" cap="flat" cmpd="sng" algn="ctr">
+        <a:solidFill>
+          <a:schemeClr val="tx1">
+            <a:lumMod val="65000"/>
+            <a:lumOff val="35000"/>
+          </a:schemeClr>
+        </a:solidFill>
+        <a:round/>
+      </a:ln>
+    </cs:spPr>
+  </cs:downBar>
+  <cs:dropLine>
+    <cs:lnRef idx="0"/>
+    <cs:fillRef idx="0"/>
+    <cs:effectRef idx="0"/>
+    <cs:fontRef idx="minor">
+      <a:schemeClr val="tx1"/>
+    </cs:fontRef>
+    <cs:spPr>
+      <a:ln w="9525" cap="flat" cmpd="sng" algn="ctr">
+        <a:solidFill>
+          <a:schemeClr val="tx1">
+            <a:lumMod val="35000"/>
+            <a:lumOff val="65000"/>
+          </a:schemeClr>
+        </a:solidFill>
+        <a:round/>
+      </a:ln>
+    </cs:spPr>
+  </cs:dropLine>
+  <cs:errorBar>
+    <cs:lnRef idx="0"/>
+    <cs:fillRef idx="0"/>
+    <cs:effectRef idx="0"/>
+    <cs:fontRef idx="minor">
+      <a:schemeClr val="tx1"/>
+    </cs:fontRef>
+    <cs:spPr>
+      <a:ln w="9525" cap="flat" cmpd="sng" algn="ctr">
+        <a:solidFill>
+          <a:schemeClr val="tx1">
+            <a:lumMod val="65000"/>
+            <a:lumOff val="35000"/>
+          </a:schemeClr>
+        </a:solidFill>
+        <a:round/>
+      </a:ln>
+    </cs:spPr>
+  </cs:errorBar>
+  <cs:floor>
+    <cs:lnRef idx="0"/>
+    <cs:fillRef idx="0"/>
+    <cs:effectRef idx="0"/>
+    <cs:fontRef idx="minor">
+      <a:schemeClr val="tx1"/>
+    </cs:fontRef>
+    <cs:spPr>
+      <a:noFill/>
+      <a:ln>
+        <a:noFill/>
+      </a:ln>
+    </cs:spPr>
+  </cs:floor>
+  <cs:gridlineMajor>
+    <cs:lnRef idx="0"/>
+    <cs:fillRef idx="0"/>
+    <cs:effectRef idx="0"/>
+    <cs:fontRef idx="minor">
+      <a:schemeClr val="tx1"/>
+    </cs:fontRef>
+    <cs:spPr>
+      <a:ln w="9525" cap="flat" cmpd="sng" algn="ctr">
+        <a:solidFill>
+          <a:schemeClr val="tx1">
+            <a:lumMod val="15000"/>
+            <a:lumOff val="85000"/>
+          </a:schemeClr>
+        </a:solidFill>
+        <a:round/>
+      </a:ln>
+    </cs:spPr>
+  </cs:gridlineMajor>
+  <cs:gridlineMinor>
+    <cs:lnRef idx="0"/>
+    <cs:fillRef idx="0"/>
+    <cs:effectRef idx="0"/>
+    <cs:fontRef idx="minor">
+      <a:schemeClr val="tx1"/>
+    </cs:fontRef>
+    <cs:spPr>
+      <a:ln w="9525" cap="flat" cmpd="sng" algn="ctr">
+        <a:solidFill>
+          <a:schemeClr val="tx1">
+            <a:lumMod val="5000"/>
+            <a:lumOff val="95000"/>
+          </a:schemeClr>
+        </a:solidFill>
+        <a:round/>
+      </a:ln>
+    </cs:spPr>
+  </cs:gridlineMinor>
+  <cs:hiLoLine>
+    <cs:lnRef idx="0"/>
+    <cs:fillRef idx="0"/>
+    <cs:effectRef idx="0"/>
+    <cs:fontRef idx="minor">
+      <a:schemeClr val="tx1"/>
+    </cs:fontRef>
+    <cs:spPr>
+      <a:ln w="9525" cap="flat" cmpd="sng" algn="ctr">
+        <a:solidFill>
+          <a:schemeClr val="tx1">
+            <a:lumMod val="50000"/>
+            <a:lumOff val="50000"/>
+          </a:schemeClr>
+        </a:solidFill>
+        <a:round/>
+      </a:ln>
+    </cs:spPr>
+  </cs:hiLoLine>
+  <cs:leaderLine>
+    <cs:lnRef idx="0"/>
+    <cs:fillRef idx="0"/>
+    <cs:effectRef idx="0"/>
+    <cs:fontRef idx="minor">
+      <a:schemeClr val="tx1"/>
+    </cs:fontRef>
+    <cs:spPr>
+      <a:ln w="9525" cap="flat" cmpd="sng" algn="ctr">
+        <a:solidFill>
+          <a:schemeClr val="tx1">
+            <a:lumMod val="35000"/>
+            <a:lumOff val="65000"/>
+          </a:schemeClr>
+        </a:solidFill>
+        <a:round/>
+      </a:ln>
+    </cs:spPr>
+  </cs:leaderLine>
+  <cs:legend>
+    <cs:lnRef idx="0"/>
+    <cs:fillRef idx="0"/>
+    <cs:effectRef idx="0"/>
+    <cs:fontRef idx="minor">
+      <a:schemeClr val="tx1">
+        <a:lumMod val="65000"/>
+        <a:lumOff val="35000"/>
+      </a:schemeClr>
+    </cs:fontRef>
+    <cs:defRPr sz="900" kern="1200"/>
+  </cs:legend>
+  <cs:plotArea mods="allowNoFillOverride allowNoLineOverride">
+    <cs:lnRef idx="0"/>
+    <cs:fillRef idx="0"/>
+    <cs:effectRef idx="0"/>
+    <cs:fontRef idx="minor">
+      <a:schemeClr val="tx1"/>
+    </cs:fontRef>
+  </cs:plotArea>
+  <cs:plotArea3D mods="allowNoFillOverride allowNoLineOverride">
+    <cs:lnRef idx="0"/>
+    <cs:fillRef idx="0"/>
+    <cs:effectRef idx="0"/>
+    <cs:fontRef idx="minor">
+      <a:schemeClr val="tx1"/>
+    </cs:fontRef>
+  </cs:plotArea3D>
+  <cs:seriesAxis>
+    <cs:lnRef idx="0"/>
+    <cs:fillRef idx="0"/>
+    <cs:effectRef idx="0"/>
+    <cs:fontRef idx="minor">
+      <a:schemeClr val="tx1">
+        <a:lumMod val="65000"/>
+        <a:lumOff val="35000"/>
+      </a:schemeClr>
+    </cs:fontRef>
+    <cs:defRPr sz="900" kern="1200"/>
+  </cs:seriesAxis>
+  <cs:seriesLine>
+    <cs:lnRef idx="0"/>
+    <cs:fillRef idx="0"/>
+    <cs:effectRef idx="0"/>
+    <cs:fontRef idx="minor">
+      <a:schemeClr val="tx1"/>
+    </cs:fontRef>
+    <cs:spPr>
+      <a:ln w="9525" cap="flat" cmpd="sng" algn="ctr">
+        <a:solidFill>
+          <a:schemeClr val="tx1">
+            <a:lumMod val="35000"/>
+            <a:lumOff val="65000"/>
+          </a:schemeClr>
+        </a:solidFill>
+        <a:round/>
+      </a:ln>
+    </cs:spPr>
+  </cs:seriesLine>
+  <cs:title>
+    <cs:lnRef idx="0"/>
+    <cs:fillRef idx="0"/>
+    <cs:effectRef idx="0"/>
+    <cs:fontRef idx="minor">
+      <a:schemeClr val="tx1">
+        <a:lumMod val="65000"/>
+        <a:lumOff val="35000"/>
+      </a:schemeClr>
+    </cs:fontRef>
+    <cs:defRPr sz="1400" b="0" kern="1200" spc="0" baseline="0"/>
+  </cs:title>
+  <cs:trendline>
+    <cs:lnRef idx="0">
+      <cs:styleClr val="auto"/>
+    </cs:lnRef>
+    <cs:fillRef idx="0"/>
+    <cs:effectRef idx="0"/>
+    <cs:fontRef idx="minor">
+      <a:schemeClr val="tx1"/>
+    </cs:fontRef>
+    <cs:spPr>
+      <a:ln w="19050" cap="rnd">
+        <a:solidFill>
+          <a:schemeClr val="phClr"/>
+        </a:solidFill>
+        <a:prstDash val="sysDot"/>
+      </a:ln>
+    </cs:spPr>
+  </cs:trendline>
+  <cs:trendlineLabel>
+    <cs:lnRef idx="0"/>
+    <cs:fillRef idx="0"/>
+    <cs:effectRef idx="0"/>
+    <cs:fontRef idx="minor">
+      <a:schemeClr val="tx1">
+        <a:lumMod val="65000"/>
+        <a:lumOff val="35000"/>
+      </a:schemeClr>
+    </cs:fontRef>
+    <cs:defRPr sz="900" kern="1200"/>
+  </cs:trendlineLabel>
+  <cs:upBar>
+    <cs:lnRef idx="0"/>
+    <cs:fillRef idx="0"/>
+    <cs:effectRef idx="0"/>
+    <cs:fontRef idx="minor">
+      <a:schemeClr val="tx1"/>
+    </cs:fontRef>
+    <cs:spPr>
+      <a:solidFill>
+        <a:schemeClr val="lt1"/>
+      </a:solidFill>
+      <a:ln w="9525" cap="flat" cmpd="sng" algn="ctr">
+        <a:solidFill>
+          <a:schemeClr val="tx1">
+            <a:lumMod val="65000"/>
+            <a:lumOff val="35000"/>
+          </a:schemeClr>
+        </a:solidFill>
+        <a:round/>
+      </a:ln>
+    </cs:spPr>
+  </cs:upBar>
+  <cs:valueAxis>
+    <cs:lnRef idx="0"/>
+    <cs:fillRef idx="0"/>
+    <cs:effectRef idx="0"/>
+    <cs:fontRef idx="minor">
+      <a:schemeClr val="tx1">
+        <a:lumMod val="65000"/>
+        <a:lumOff val="35000"/>
+      </a:schemeClr>
+    </cs:fontRef>
+    <cs:defRPr sz="900" kern="1200"/>
+  </cs:valueAxis>
+  <cs:wall>
+    <cs:lnRef idx="0"/>
+    <cs:fillRef idx="0"/>
+    <cs:effectRef idx="0"/>
+    <cs:fontRef idx="minor">
+      <a:schemeClr val="tx1"/>
+    </cs:fontRef>
+    <cs:spPr>
+      <a:noFill/>
+      <a:ln>
+        <a:noFill/>
+      </a:ln>
+    </cs:spPr>
+  </cs:wall>
+</cs:chartStyle>
+</file>
+
+<file path=ppt/charts/style6.xml><?xml version="1.0" encoding="utf-8"?>
+<cs:chartStyle xmlns:cs="http://schemas.microsoft.com/office/drawing/2012/chartStyle" xmlns:a="http://schemas.openxmlformats.org/drawingml/2006/main" id="366">
+  <cs:axisTitle>
+    <cs:lnRef idx="0"/>
+    <cs:fillRef idx="0"/>
+    <cs:effectRef idx="0"/>
+    <cs:fontRef idx="minor">
+      <a:schemeClr val="tx1">
+        <a:lumMod val="65000"/>
+        <a:lumOff val="35000"/>
+      </a:schemeClr>
+    </cs:fontRef>
+    <cs:defRPr sz="900"/>
+  </cs:axisTitle>
+  <cs:categoryAxis>
+    <cs:lnRef idx="0"/>
+    <cs:fillRef idx="0"/>
+    <cs:effectRef idx="0"/>
+    <cs:fontRef idx="minor">
+      <a:schemeClr val="tx1">
+        <a:lumMod val="65000"/>
+        <a:lumOff val="35000"/>
+      </a:schemeClr>
+    </cs:fontRef>
+    <cs:spPr>
+      <a:ln w="9525" cap="flat" cmpd="sng" algn="ctr">
+        <a:solidFill>
+          <a:schemeClr val="tx1">
+            <a:lumMod val="15000"/>
+            <a:lumOff val="85000"/>
+          </a:schemeClr>
+        </a:solidFill>
+        <a:round/>
+      </a:ln>
+    </cs:spPr>
+    <cs:defRPr sz="900"/>
+  </cs:categoryAxis>
+  <cs:chartArea mods="allowNoFillOverride allowNoLineOverride">
+    <cs:lnRef idx="0"/>
+    <cs:fillRef idx="0"/>
+    <cs:effectRef idx="0"/>
+    <cs:fontRef idx="minor">
+      <a:schemeClr val="tx1"/>
+    </cs:fontRef>
+    <cs:spPr>
+      <a:solidFill>
+        <a:schemeClr val="bg1"/>
+      </a:solidFill>
+      <a:ln w="9525" cap="flat" cmpd="sng" algn="ctr">
+        <a:solidFill>
+          <a:schemeClr val="tx1">
+            <a:lumMod val="15000"/>
+            <a:lumOff val="85000"/>
+          </a:schemeClr>
+        </a:solidFill>
+        <a:round/>
+      </a:ln>
+    </cs:spPr>
+    <cs:defRPr sz="1000"/>
+  </cs:chartArea>
+  <cs:dataLabel>
+    <cs:lnRef idx="0"/>
+    <cs:fillRef idx="0"/>
+    <cs:effectRef idx="0"/>
+    <cs:fontRef idx="minor">
+      <a:schemeClr val="tx1">
+        <a:lumMod val="65000"/>
+        <a:lumOff val="35000"/>
+      </a:schemeClr>
+    </cs:fontRef>
+    <cs:defRPr sz="900"/>
+  </cs:dataLabel>
+  <cs:dataLabelCallout>
+    <cs:lnRef idx="0"/>
+    <cs:fillRef idx="0"/>
+    <cs:effectRef idx="0"/>
+    <cs:fontRef idx="minor">
+      <a:schemeClr val="dk1">
+        <a:lumMod val="65000"/>
+        <a:lumOff val="35000"/>
+      </a:schemeClr>
+    </cs:fontRef>
+    <cs:spPr>
+      <a:solidFill>
+        <a:schemeClr val="lt1"/>
+      </a:solidFill>
+      <a:ln>
+        <a:solidFill>
+          <a:schemeClr val="dk1">
+            <a:lumMod val="25000"/>
+            <a:lumOff val="75000"/>
+          </a:schemeClr>
+        </a:solidFill>
+      </a:ln>
+    </cs:spPr>
+    <cs:defRPr sz="900"/>
+    <cs:bodyPr rot="0" spcFirstLastPara="1" vertOverflow="clip" horzOverflow="clip" vert="horz" wrap="square" lIns="36576" tIns="18288" rIns="36576" bIns="18288" anchor="ctr" anchorCtr="1">
+      <a:spAutoFit/>
+    </cs:bodyPr>
+  </cs:dataLabelCallout>
+  <cs:dataPoint>
+    <cs:lnRef idx="0"/>
+    <cs:fillRef idx="0">
+      <cs:styleClr val="auto"/>
+    </cs:fillRef>
+    <cs:effectRef idx="0"/>
+    <cs:fontRef idx="minor">
+      <a:schemeClr val="tx1"/>
+    </cs:fontRef>
+    <cs:spPr>
+      <a:solidFill>
+        <a:schemeClr val="phClr"/>
+      </a:solidFill>
+    </cs:spPr>
+  </cs:dataPoint>
+  <cs:dataPoint3D>
+    <cs:lnRef idx="0"/>
+    <cs:fillRef idx="0">
+      <cs:styleClr val="auto"/>
+    </cs:fillRef>
+    <cs:effectRef idx="0"/>
+    <cs:fontRef idx="minor">
+      <a:schemeClr val="tx1"/>
+    </cs:fontRef>
+    <cs:spPr>
+      <a:solidFill>
+        <a:schemeClr val="phClr"/>
+      </a:solidFill>
+    </cs:spPr>
+  </cs:dataPoint3D>
+  <cs:dataPointLine>
+    <cs:lnRef idx="0">
+      <cs:styleClr val="auto"/>
+    </cs:lnRef>
+    <cs:fillRef idx="0"/>
+    <cs:effectRef idx="0"/>
+    <cs:fontRef idx="minor">
+      <a:schemeClr val="tx1"/>
+    </cs:fontRef>
+    <cs:spPr>
+      <a:ln w="28575" cap="rnd">
+        <a:solidFill>
+          <a:schemeClr val="phClr"/>
+        </a:solidFill>
+        <a:round/>
+      </a:ln>
+    </cs:spPr>
+  </cs:dataPointLine>
+  <cs:dataPointMarker>
+    <cs:lnRef idx="0"/>
+    <cs:fillRef idx="0">
+      <cs:styleClr val="auto"/>
+    </cs:fillRef>
+    <cs:effectRef idx="0"/>
+    <cs:fontRef idx="minor">
+      <a:schemeClr val="tx1"/>
+    </cs:fontRef>
+    <cs:spPr>
+      <a:solidFill>
+        <a:schemeClr val="phClr"/>
+      </a:solidFill>
+      <a:ln w="9525">
+        <a:solidFill>
+          <a:schemeClr val="lt1"/>
+        </a:solidFill>
+      </a:ln>
+    </cs:spPr>
+  </cs:dataPointMarker>
+  <cs:dataPointMarkerLayout symbol="circle" size="5"/>
+  <cs:dataPointWireframe>
+    <cs:lnRef idx="0">
+      <cs:styleClr val="auto"/>
+    </cs:lnRef>
+    <cs:fillRef idx="0"/>
+    <cs:effectRef idx="0"/>
+    <cs:fontRef idx="minor">
+      <a:schemeClr val="tx1"/>
+    </cs:fontRef>
+    <cs:spPr>
+      <a:ln w="28575" cap="rnd">
+        <a:solidFill>
+          <a:schemeClr val="phClr"/>
+        </a:solidFill>
+        <a:round/>
+      </a:ln>
+    </cs:spPr>
+  </cs:dataPointWireframe>
+  <cs:dataTable>
+    <cs:lnRef idx="0"/>
+    <cs:fillRef idx="0"/>
+    <cs:effectRef idx="0"/>
+    <cs:fontRef idx="minor">
+      <a:schemeClr val="tx1">
+        <a:lumMod val="65000"/>
+        <a:lumOff val="35000"/>
+      </a:schemeClr>
+    </cs:fontRef>
+    <cs:spPr>
+      <a:ln w="9525">
+        <a:solidFill>
+          <a:schemeClr val="tx1">
+            <a:lumMod val="15000"/>
+            <a:lumOff val="85000"/>
+          </a:schemeClr>
+        </a:solidFill>
+      </a:ln>
+    </cs:spPr>
+    <cs:defRPr sz="900"/>
+  </cs:dataTable>
+  <cs:downBar>
+    <cs:lnRef idx="0"/>
+    <cs:fillRef idx="0"/>
+    <cs:effectRef idx="0"/>
+    <cs:fontRef idx="minor">
+      <a:schemeClr val="dk1"/>
+    </cs:fontRef>
+    <cs:spPr>
+      <a:solidFill>
+        <a:schemeClr val="dk1">
+          <a:lumMod val="65000"/>
+          <a:lumOff val="35000"/>
+        </a:schemeClr>
+      </a:solidFill>
+      <a:ln w="9525">
+        <a:solidFill>
+          <a:schemeClr val="tx1">
+            <a:lumMod val="65000"/>
+            <a:lumOff val="35000"/>
+          </a:schemeClr>
+        </a:solidFill>
+      </a:ln>
+    </cs:spPr>
+  </cs:downBar>
+  <cs:dropLine>
+    <cs:lnRef idx="0"/>
+    <cs:fillRef idx="0"/>
+    <cs:effectRef idx="0"/>
+    <cs:fontRef idx="minor">
+      <a:schemeClr val="tx1"/>
+    </cs:fontRef>
+    <cs:spPr>
+      <a:ln w="9525" cap="flat" cmpd="sng" algn="ctr">
+        <a:solidFill>
+          <a:schemeClr val="tx1">
+            <a:lumMod val="35000"/>
+            <a:lumOff val="65000"/>
+          </a:schemeClr>
+        </a:solidFill>
+        <a:round/>
+      </a:ln>
+    </cs:spPr>
+  </cs:dropLine>
+  <cs:errorBar>
+    <cs:lnRef idx="0"/>
+    <cs:fillRef idx="0"/>
+    <cs:effectRef idx="0"/>
+    <cs:fontRef idx="minor">
+      <a:schemeClr val="tx1"/>
+    </cs:fontRef>
+    <cs:spPr>
+      <a:ln w="9525" cap="flat" cmpd="sng" algn="ctr">
+        <a:solidFill>
+          <a:schemeClr val="tx1">
+            <a:lumMod val="65000"/>
+            <a:lumOff val="35000"/>
+          </a:schemeClr>
+        </a:solidFill>
+        <a:round/>
+      </a:ln>
+    </cs:spPr>
+  </cs:errorBar>
+  <cs:floor>
+    <cs:lnRef idx="0"/>
+    <cs:fillRef idx="0"/>
+    <cs:effectRef idx="0"/>
+    <cs:fontRef idx="minor">
+      <a:schemeClr val="tx1"/>
+    </cs:fontRef>
+  </cs:floor>
+  <cs:gridlineMajor>
+    <cs:lnRef idx="0"/>
+    <cs:fillRef idx="0"/>
+    <cs:effectRef idx="0"/>
+    <cs:fontRef idx="minor">
+      <a:schemeClr val="tx1"/>
+    </cs:fontRef>
+    <cs:spPr>
+      <a:ln w="9525" cap="flat" cmpd="sng" algn="ctr">
+        <a:solidFill>
+          <a:schemeClr val="tx1">
+            <a:lumMod val="15000"/>
+            <a:lumOff val="85000"/>
+          </a:schemeClr>
+        </a:solidFill>
+        <a:round/>
+      </a:ln>
+    </cs:spPr>
+  </cs:gridlineMajor>
+  <cs:gridlineMinor>
+    <cs:lnRef idx="0"/>
+    <cs:fillRef idx="0"/>
+    <cs:effectRef idx="0"/>
+    <cs:fontRef idx="minor">
+      <a:schemeClr val="tx1"/>
+    </cs:fontRef>
+    <cs:spPr>
+      <a:ln w="9525" cap="flat" cmpd="sng" algn="ctr">
+        <a:solidFill>
+          <a:schemeClr val="tx1">
+            <a:lumMod val="15000"/>
+            <a:lumOff val="85000"/>
+          </a:schemeClr>
+        </a:solidFill>
+        <a:round/>
+      </a:ln>
+    </cs:spPr>
+  </cs:gridlineMinor>
+  <cs:hiLoLine>
+    <cs:lnRef idx="0"/>
+    <cs:fillRef idx="0"/>
+    <cs:effectRef idx="0"/>
+    <cs:fontRef idx="minor">
+      <a:schemeClr val="tx1"/>
+    </cs:fontRef>
+    <cs:spPr>
+      <a:ln w="9525" cap="flat" cmpd="sng" algn="ctr">
+        <a:solidFill>
+          <a:schemeClr val="tx1">
+            <a:lumMod val="75000"/>
+            <a:lumOff val="25000"/>
+          </a:schemeClr>
+        </a:solidFill>
+        <a:round/>
+      </a:ln>
+    </cs:spPr>
+  </cs:hiLoLine>
+  <cs:leaderLine>
+    <cs:lnRef idx="0"/>
+    <cs:fillRef idx="0"/>
+    <cs:effectRef idx="0"/>
+    <cs:fontRef idx="minor">
+      <a:schemeClr val="tx1"/>
+    </cs:fontRef>
+    <cs:spPr>
+      <a:ln w="9525" cap="flat" cmpd="sng" algn="ctr">
+        <a:solidFill>
+          <a:schemeClr val="tx1">
+            <a:lumMod val="35000"/>
+            <a:lumOff val="65000"/>
+          </a:schemeClr>
+        </a:solidFill>
+        <a:round/>
+      </a:ln>
+    </cs:spPr>
+  </cs:leaderLine>
+  <cs:legend>
+    <cs:lnRef idx="0"/>
+    <cs:fillRef idx="0"/>
+    <cs:effectRef idx="0"/>
+    <cs:fontRef idx="minor">
+      <a:schemeClr val="tx1">
+        <a:lumMod val="65000"/>
+        <a:lumOff val="35000"/>
+      </a:schemeClr>
+    </cs:fontRef>
+    <cs:defRPr sz="900"/>
+  </cs:legend>
+  <cs:plotArea mods="allowNoFillOverride allowNoLineOverride">
+    <cs:lnRef idx="0"/>
+    <cs:fillRef idx="0"/>
+    <cs:effectRef idx="0"/>
+    <cs:fontRef idx="minor">
+      <a:schemeClr val="tx1"/>
+    </cs:fontRef>
+  </cs:plotArea>
+  <cs:plotArea3D mods="allowNoFillOverride allowNoLineOverride">
+    <cs:lnRef idx="0"/>
+    <cs:fillRef idx="0"/>
+    <cs:effectRef idx="0"/>
+    <cs:fontRef idx="minor">
+      <a:schemeClr val="tx1"/>
+    </cs:fontRef>
+  </cs:plotArea3D>
+  <cs:seriesAxis>
+    <cs:lnRef idx="0"/>
+    <cs:fillRef idx="0"/>
+    <cs:effectRef idx="0"/>
+    <cs:fontRef idx="minor">
+      <a:schemeClr val="tx1">
+        <a:lumMod val="65000"/>
+        <a:lumOff val="35000"/>
+      </a:schemeClr>
+    </cs:fontRef>
+    <cs:spPr>
+      <a:ln w="9525" cap="flat" cmpd="sng" algn="ctr">
+        <a:solidFill>
+          <a:schemeClr val="tx1">
+            <a:lumMod val="15000"/>
+            <a:lumOff val="85000"/>
+          </a:schemeClr>
+        </a:solidFill>
+        <a:round/>
+      </a:ln>
+    </cs:spPr>
+    <cs:defRPr sz="900"/>
+  </cs:seriesAxis>
+  <cs:seriesLine>
+    <cs:lnRef idx="0"/>
+    <cs:fillRef idx="0"/>
+    <cs:effectRef idx="0"/>
+    <cs:fontRef idx="minor">
+      <a:schemeClr val="tx1"/>
+    </cs:fontRef>
+    <cs:spPr>
+      <a:ln w="9525" cap="flat">
+        <a:solidFill>
+          <a:srgbClr val="D9D9D9"/>
+        </a:solidFill>
+        <a:round/>
+      </a:ln>
+    </cs:spPr>
+  </cs:seriesLine>
+  <cs:title>
+    <cs:lnRef idx="0"/>
+    <cs:fillRef idx="0"/>
+    <cs:effectRef idx="0"/>
+    <cs:fontRef idx="minor">
+      <a:schemeClr val="tx1">
+        <a:lumMod val="65000"/>
+        <a:lumOff val="35000"/>
+      </a:schemeClr>
+    </cs:fontRef>
+    <cs:defRPr sz="1400"/>
+  </cs:title>
+  <cs:trendline>
+    <cs:lnRef idx="0">
+      <cs:styleClr val="auto"/>
+    </cs:lnRef>
+    <cs:fillRef idx="0"/>
+    <cs:effectRef idx="0"/>
+    <cs:fontRef idx="minor">
+      <a:schemeClr val="tx1"/>
+    </cs:fontRef>
+    <cs:spPr>
+      <a:ln w="19050" cap="rnd">
+        <a:solidFill>
+          <a:schemeClr val="phClr"/>
+        </a:solidFill>
+        <a:prstDash val="sysDash"/>
+      </a:ln>
+    </cs:spPr>
+  </cs:trendline>
+  <cs:trendlineLabel>
+    <cs:lnRef idx="0"/>
+    <cs:fillRef idx="0"/>
+    <cs:effectRef idx="0"/>
+    <cs:fontRef idx="minor">
+      <a:schemeClr val="tx1">
+        <a:lumMod val="65000"/>
+        <a:lumOff val="35000"/>
+      </a:schemeClr>
+    </cs:fontRef>
+    <cs:defRPr sz="900"/>
+  </cs:trendlineLabel>
+  <cs:upBar>
+    <cs:lnRef idx="0"/>
+    <cs:fillRef idx="0"/>
+    <cs:effectRef idx="0"/>
+    <cs:fontRef idx="minor">
+      <a:schemeClr val="dk1"/>
+    </cs:fontRef>
+    <cs:spPr>
+      <a:solidFill>
+        <a:schemeClr val="lt1"/>
+      </a:solidFill>
+      <a:ln w="9525">
+        <a:solidFill>
+          <a:schemeClr val="tx1">
+            <a:lumMod val="15000"/>
+            <a:lumOff val="85000"/>
+          </a:schemeClr>
+        </a:solidFill>
+      </a:ln>
+    </cs:spPr>
+  </cs:upBar>
+  <cs:valueAxis>
+    <cs:lnRef idx="0"/>
+    <cs:fillRef idx="0"/>
+    <cs:effectRef idx="0"/>
+    <cs:fontRef idx="minor">
+      <a:schemeClr val="tx1">
+        <a:lumMod val="65000"/>
+        <a:lumOff val="35000"/>
+      </a:schemeClr>
+    </cs:fontRef>
+    <cs:defRPr sz="900"/>
+  </cs:valueAxis>
+  <cs:wall>
+    <cs:lnRef idx="0"/>
+    <cs:fillRef idx="0"/>
+    <cs:effectRef idx="0"/>
+    <cs:fontRef idx="minor">
+      <a:schemeClr val="tx1"/>
+    </cs:fontRef>
+  </cs:wall>
+</cs:chartStyle>
+</file>
+
+<file path=ppt/charts/style7.xml><?xml version="1.0" encoding="utf-8"?>
+<cs:chartStyle xmlns:cs="http://schemas.microsoft.com/office/drawing/2012/chartStyle" xmlns:a="http://schemas.openxmlformats.org/drawingml/2006/main" id="366">
+  <cs:axisTitle>
+    <cs:lnRef idx="0"/>
+    <cs:fillRef idx="0"/>
+    <cs:effectRef idx="0"/>
+    <cs:fontRef idx="minor">
+      <a:schemeClr val="tx1">
+        <a:lumMod val="65000"/>
+        <a:lumOff val="35000"/>
+      </a:schemeClr>
+    </cs:fontRef>
+    <cs:defRPr sz="900"/>
+  </cs:axisTitle>
+  <cs:categoryAxis>
+    <cs:lnRef idx="0"/>
+    <cs:fillRef idx="0"/>
+    <cs:effectRef idx="0"/>
+    <cs:fontRef idx="minor">
+      <a:schemeClr val="tx1">
+        <a:lumMod val="65000"/>
+        <a:lumOff val="35000"/>
+      </a:schemeClr>
+    </cs:fontRef>
+    <cs:spPr>
+      <a:ln w="9525" cap="flat" cmpd="sng" algn="ctr">
+        <a:solidFill>
+          <a:schemeClr val="tx1">
+            <a:lumMod val="15000"/>
+            <a:lumOff val="85000"/>
+          </a:schemeClr>
+        </a:solidFill>
+        <a:round/>
+      </a:ln>
+    </cs:spPr>
+    <cs:defRPr sz="900"/>
+  </cs:categoryAxis>
+  <cs:chartArea mods="allowNoFillOverride allowNoLineOverride">
+    <cs:lnRef idx="0"/>
+    <cs:fillRef idx="0"/>
+    <cs:effectRef idx="0"/>
+    <cs:fontRef idx="minor">
+      <a:schemeClr val="tx1"/>
+    </cs:fontRef>
+    <cs:spPr>
+      <a:solidFill>
+        <a:schemeClr val="bg1"/>
+      </a:solidFill>
+      <a:ln w="9525" cap="flat" cmpd="sng" algn="ctr">
+        <a:solidFill>
+          <a:schemeClr val="tx1">
+            <a:lumMod val="15000"/>
+            <a:lumOff val="85000"/>
+          </a:schemeClr>
+        </a:solidFill>
+        <a:round/>
+      </a:ln>
+    </cs:spPr>
+    <cs:defRPr sz="1000"/>
+  </cs:chartArea>
+  <cs:dataLabel>
+    <cs:lnRef idx="0"/>
+    <cs:fillRef idx="0"/>
+    <cs:effectRef idx="0"/>
+    <cs:fontRef idx="minor">
+      <a:schemeClr val="tx1">
+        <a:lumMod val="65000"/>
+        <a:lumOff val="35000"/>
+      </a:schemeClr>
+    </cs:fontRef>
+    <cs:defRPr sz="900"/>
+  </cs:dataLabel>
+  <cs:dataLabelCallout>
+    <cs:lnRef idx="0"/>
+    <cs:fillRef idx="0"/>
+    <cs:effectRef idx="0"/>
+    <cs:fontRef idx="minor">
+      <a:schemeClr val="dk1">
+        <a:lumMod val="65000"/>
+        <a:lumOff val="35000"/>
+      </a:schemeClr>
+    </cs:fontRef>
+    <cs:spPr>
+      <a:solidFill>
+        <a:schemeClr val="lt1"/>
+      </a:solidFill>
+      <a:ln>
+        <a:solidFill>
+          <a:schemeClr val="dk1">
+            <a:lumMod val="25000"/>
+            <a:lumOff val="75000"/>
+          </a:schemeClr>
+        </a:solidFill>
+      </a:ln>
+    </cs:spPr>
+    <cs:defRPr sz="900"/>
+    <cs:bodyPr rot="0" spcFirstLastPara="1" vertOverflow="clip" horzOverflow="clip" vert="horz" wrap="square" lIns="36576" tIns="18288" rIns="36576" bIns="18288" anchor="ctr" anchorCtr="1">
+      <a:spAutoFit/>
+    </cs:bodyPr>
+  </cs:dataLabelCallout>
+  <cs:dataPoint>
+    <cs:lnRef idx="0"/>
+    <cs:fillRef idx="0">
+      <cs:styleClr val="auto"/>
+    </cs:fillRef>
+    <cs:effectRef idx="0"/>
+    <cs:fontRef idx="minor">
+      <a:schemeClr val="tx1"/>
+    </cs:fontRef>
+    <cs:spPr>
+      <a:solidFill>
+        <a:schemeClr val="phClr"/>
+      </a:solidFill>
+    </cs:spPr>
+  </cs:dataPoint>
+  <cs:dataPoint3D>
+    <cs:lnRef idx="0"/>
+    <cs:fillRef idx="0">
+      <cs:styleClr val="auto"/>
+    </cs:fillRef>
+    <cs:effectRef idx="0"/>
+    <cs:fontRef idx="minor">
+      <a:schemeClr val="tx1"/>
+    </cs:fontRef>
+    <cs:spPr>
+      <a:solidFill>
+        <a:schemeClr val="phClr"/>
+      </a:solidFill>
+    </cs:spPr>
+  </cs:dataPoint3D>
+  <cs:dataPointLine>
+    <cs:lnRef idx="0">
+      <cs:styleClr val="auto"/>
+    </cs:lnRef>
+    <cs:fillRef idx="0"/>
+    <cs:effectRef idx="0"/>
+    <cs:fontRef idx="minor">
+      <a:schemeClr val="tx1"/>
+    </cs:fontRef>
+    <cs:spPr>
+      <a:ln w="28575" cap="rnd">
+        <a:solidFill>
+          <a:schemeClr val="phClr"/>
+        </a:solidFill>
+        <a:round/>
+      </a:ln>
+    </cs:spPr>
+  </cs:dataPointLine>
+  <cs:dataPointMarker>
+    <cs:lnRef idx="0"/>
+    <cs:fillRef idx="0">
+      <cs:styleClr val="auto"/>
+    </cs:fillRef>
+    <cs:effectRef idx="0"/>
+    <cs:fontRef idx="minor">
+      <a:schemeClr val="tx1"/>
+    </cs:fontRef>
+    <cs:spPr>
+      <a:solidFill>
+        <a:schemeClr val="phClr"/>
+      </a:solidFill>
+      <a:ln w="9525">
+        <a:solidFill>
+          <a:schemeClr val="lt1"/>
+        </a:solidFill>
+      </a:ln>
+    </cs:spPr>
+  </cs:dataPointMarker>
+  <cs:dataPointMarkerLayout symbol="circle" size="5"/>
+  <cs:dataPointWireframe>
+    <cs:lnRef idx="0">
+      <cs:styleClr val="auto"/>
+    </cs:lnRef>
+    <cs:fillRef idx="0"/>
+    <cs:effectRef idx="0"/>
+    <cs:fontRef idx="minor">
+      <a:schemeClr val="tx1"/>
+    </cs:fontRef>
+    <cs:spPr>
+      <a:ln w="28575" cap="rnd">
+        <a:solidFill>
+          <a:schemeClr val="phClr"/>
+        </a:solidFill>
+        <a:round/>
+      </a:ln>
+    </cs:spPr>
+  </cs:dataPointWireframe>
+  <cs:dataTable>
+    <cs:lnRef idx="0"/>
+    <cs:fillRef idx="0"/>
+    <cs:effectRef idx="0"/>
+    <cs:fontRef idx="minor">
+      <a:schemeClr val="tx1">
+        <a:lumMod val="65000"/>
+        <a:lumOff val="35000"/>
+      </a:schemeClr>
+    </cs:fontRef>
+    <cs:spPr>
+      <a:ln w="9525">
+        <a:solidFill>
+          <a:schemeClr val="tx1">
+            <a:lumMod val="15000"/>
+            <a:lumOff val="85000"/>
+          </a:schemeClr>
+        </a:solidFill>
+      </a:ln>
+    </cs:spPr>
+    <cs:defRPr sz="900"/>
+  </cs:dataTable>
+  <cs:downBar>
+    <cs:lnRef idx="0"/>
+    <cs:fillRef idx="0"/>
+    <cs:effectRef idx="0"/>
+    <cs:fontRef idx="minor">
+      <a:schemeClr val="dk1"/>
+    </cs:fontRef>
+    <cs:spPr>
+      <a:solidFill>
+        <a:schemeClr val="dk1">
+          <a:lumMod val="65000"/>
+          <a:lumOff val="35000"/>
+        </a:schemeClr>
+      </a:solidFill>
+      <a:ln w="9525">
+        <a:solidFill>
+          <a:schemeClr val="tx1">
+            <a:lumMod val="65000"/>
+            <a:lumOff val="35000"/>
+          </a:schemeClr>
+        </a:solidFill>
+      </a:ln>
+    </cs:spPr>
+  </cs:downBar>
+  <cs:dropLine>
+    <cs:lnRef idx="0"/>
+    <cs:fillRef idx="0"/>
+    <cs:effectRef idx="0"/>
+    <cs:fontRef idx="minor">
+      <a:schemeClr val="tx1"/>
+    </cs:fontRef>
+    <cs:spPr>
+      <a:ln w="9525" cap="flat" cmpd="sng" algn="ctr">
+        <a:solidFill>
+          <a:schemeClr val="tx1">
+            <a:lumMod val="35000"/>
+            <a:lumOff val="65000"/>
+          </a:schemeClr>
+        </a:solidFill>
+        <a:round/>
+      </a:ln>
+    </cs:spPr>
+  </cs:dropLine>
+  <cs:errorBar>
+    <cs:lnRef idx="0"/>
+    <cs:fillRef idx="0"/>
+    <cs:effectRef idx="0"/>
+    <cs:fontRef idx="minor">
+      <a:schemeClr val="tx1"/>
+    </cs:fontRef>
+    <cs:spPr>
+      <a:ln w="9525" cap="flat" cmpd="sng" algn="ctr">
+        <a:solidFill>
+          <a:schemeClr val="tx1">
+            <a:lumMod val="65000"/>
+            <a:lumOff val="35000"/>
+          </a:schemeClr>
+        </a:solidFill>
+        <a:round/>
+      </a:ln>
+    </cs:spPr>
+  </cs:errorBar>
+  <cs:floor>
+    <cs:lnRef idx="0"/>
+    <cs:fillRef idx="0"/>
+    <cs:effectRef idx="0"/>
+    <cs:fontRef idx="minor">
+      <a:schemeClr val="tx1"/>
+    </cs:fontRef>
+  </cs:floor>
+  <cs:gridlineMajor>
+    <cs:lnRef idx="0"/>
+    <cs:fillRef idx="0"/>
+    <cs:effectRef idx="0"/>
+    <cs:fontRef idx="minor">
+      <a:schemeClr val="tx1"/>
+    </cs:fontRef>
+    <cs:spPr>
+      <a:ln w="9525" cap="flat" cmpd="sng" algn="ctr">
+        <a:solidFill>
+          <a:schemeClr val="tx1">
+            <a:lumMod val="15000"/>
+            <a:lumOff val="85000"/>
+          </a:schemeClr>
+        </a:solidFill>
+        <a:round/>
+      </a:ln>
+    </cs:spPr>
+  </cs:gridlineMajor>
+  <cs:gridlineMinor>
+    <cs:lnRef idx="0"/>
+    <cs:fillRef idx="0"/>
+    <cs:effectRef idx="0"/>
+    <cs:fontRef idx="minor">
+      <a:schemeClr val="tx1"/>
+    </cs:fontRef>
+    <cs:spPr>
+      <a:ln w="9525" cap="flat" cmpd="sng" algn="ctr">
+        <a:solidFill>
+          <a:schemeClr val="tx1">
+            <a:lumMod val="15000"/>
+            <a:lumOff val="85000"/>
+          </a:schemeClr>
+        </a:solidFill>
+        <a:round/>
+      </a:ln>
+    </cs:spPr>
+  </cs:gridlineMinor>
+  <cs:hiLoLine>
+    <cs:lnRef idx="0"/>
+    <cs:fillRef idx="0"/>
+    <cs:effectRef idx="0"/>
+    <cs:fontRef idx="minor">
+      <a:schemeClr val="tx1"/>
+    </cs:fontRef>
+    <cs:spPr>
+      <a:ln w="9525" cap="flat" cmpd="sng" algn="ctr">
+        <a:solidFill>
+          <a:schemeClr val="tx1">
+            <a:lumMod val="75000"/>
+            <a:lumOff val="25000"/>
+          </a:schemeClr>
+        </a:solidFill>
+        <a:round/>
+      </a:ln>
+    </cs:spPr>
+  </cs:hiLoLine>
+  <cs:leaderLine>
+    <cs:lnRef idx="0"/>
+    <cs:fillRef idx="0"/>
+    <cs:effectRef idx="0"/>
+    <cs:fontRef idx="minor">
+      <a:schemeClr val="tx1"/>
+    </cs:fontRef>
+    <cs:spPr>
+      <a:ln w="9525" cap="flat" cmpd="sng" algn="ctr">
+        <a:solidFill>
+          <a:schemeClr val="tx1">
+            <a:lumMod val="35000"/>
+            <a:lumOff val="65000"/>
+          </a:schemeClr>
+        </a:solidFill>
+        <a:round/>
+      </a:ln>
+    </cs:spPr>
+  </cs:leaderLine>
+  <cs:legend>
+    <cs:lnRef idx="0"/>
+    <cs:fillRef idx="0"/>
+    <cs:effectRef idx="0"/>
+    <cs:fontRef idx="minor">
+      <a:schemeClr val="tx1">
+        <a:lumMod val="65000"/>
+        <a:lumOff val="35000"/>
+      </a:schemeClr>
+    </cs:fontRef>
+    <cs:defRPr sz="900"/>
+  </cs:legend>
+  <cs:plotArea mods="allowNoFillOverride allowNoLineOverride">
+    <cs:lnRef idx="0"/>
+    <cs:fillRef idx="0"/>
+    <cs:effectRef idx="0"/>
+    <cs:fontRef idx="minor">
+      <a:schemeClr val="tx1"/>
+    </cs:fontRef>
+  </cs:plotArea>
+  <cs:plotArea3D mods="allowNoFillOverride allowNoLineOverride">
+    <cs:lnRef idx="0"/>
+    <cs:fillRef idx="0"/>
+    <cs:effectRef idx="0"/>
+    <cs:fontRef idx="minor">
+      <a:schemeClr val="tx1"/>
+    </cs:fontRef>
+  </cs:plotArea3D>
+  <cs:seriesAxis>
+    <cs:lnRef idx="0"/>
+    <cs:fillRef idx="0"/>
+    <cs:effectRef idx="0"/>
+    <cs:fontRef idx="minor">
+      <a:schemeClr val="tx1">
+        <a:lumMod val="65000"/>
+        <a:lumOff val="35000"/>
+      </a:schemeClr>
+    </cs:fontRef>
+    <cs:spPr>
+      <a:ln w="9525" cap="flat" cmpd="sng" algn="ctr">
+        <a:solidFill>
+          <a:schemeClr val="tx1">
+            <a:lumMod val="15000"/>
+            <a:lumOff val="85000"/>
+          </a:schemeClr>
+        </a:solidFill>
+        <a:round/>
+      </a:ln>
+    </cs:spPr>
+    <cs:defRPr sz="900"/>
+  </cs:seriesAxis>
+  <cs:seriesLine>
+    <cs:lnRef idx="0"/>
+    <cs:fillRef idx="0"/>
+    <cs:effectRef idx="0"/>
+    <cs:fontRef idx="minor">
+      <a:schemeClr val="tx1"/>
+    </cs:fontRef>
+    <cs:spPr>
+      <a:ln w="9525" cap="flat">
+        <a:solidFill>
+          <a:srgbClr val="D9D9D9"/>
+        </a:solidFill>
+        <a:round/>
+      </a:ln>
+    </cs:spPr>
+  </cs:seriesLine>
+  <cs:title>
+    <cs:lnRef idx="0"/>
+    <cs:fillRef idx="0"/>
+    <cs:effectRef idx="0"/>
+    <cs:fontRef idx="minor">
+      <a:schemeClr val="tx1">
+        <a:lumMod val="65000"/>
+        <a:lumOff val="35000"/>
+      </a:schemeClr>
+    </cs:fontRef>
+    <cs:defRPr sz="1400"/>
+  </cs:title>
+  <cs:trendline>
+    <cs:lnRef idx="0">
+      <cs:styleClr val="auto"/>
+    </cs:lnRef>
+    <cs:fillRef idx="0"/>
+    <cs:effectRef idx="0"/>
+    <cs:fontRef idx="minor">
+      <a:schemeClr val="tx1"/>
+    </cs:fontRef>
+    <cs:spPr>
+      <a:ln w="19050" cap="rnd">
+        <a:solidFill>
+          <a:schemeClr val="phClr"/>
+        </a:solidFill>
+        <a:prstDash val="sysDash"/>
+      </a:ln>
+    </cs:spPr>
+  </cs:trendline>
+  <cs:trendlineLabel>
+    <cs:lnRef idx="0"/>
+    <cs:fillRef idx="0"/>
+    <cs:effectRef idx="0"/>
+    <cs:fontRef idx="minor">
+      <a:schemeClr val="tx1">
+        <a:lumMod val="65000"/>
+        <a:lumOff val="35000"/>
+      </a:schemeClr>
+    </cs:fontRef>
+    <cs:defRPr sz="900"/>
+  </cs:trendlineLabel>
+  <cs:upBar>
+    <cs:lnRef idx="0"/>
+    <cs:fillRef idx="0"/>
+    <cs:effectRef idx="0"/>
+    <cs:fontRef idx="minor">
+      <a:schemeClr val="dk1"/>
+    </cs:fontRef>
+    <cs:spPr>
+      <a:solidFill>
+        <a:schemeClr val="lt1"/>
+      </a:solidFill>
+      <a:ln w="9525">
+        <a:solidFill>
+          <a:schemeClr val="tx1">
+            <a:lumMod val="15000"/>
+            <a:lumOff val="85000"/>
+          </a:schemeClr>
+        </a:solidFill>
+      </a:ln>
+    </cs:spPr>
+  </cs:upBar>
+  <cs:valueAxis>
+    <cs:lnRef idx="0"/>
+    <cs:fillRef idx="0"/>
+    <cs:effectRef idx="0"/>
+    <cs:fontRef idx="minor">
+      <a:schemeClr val="tx1">
+        <a:lumMod val="65000"/>
+        <a:lumOff val="35000"/>
+      </a:schemeClr>
+    </cs:fontRef>
+    <cs:defRPr sz="900"/>
+  </cs:valueAxis>
+  <cs:wall>
+    <cs:lnRef idx="0"/>
+    <cs:fillRef idx="0"/>
+    <cs:effectRef idx="0"/>
+    <cs:fontRef idx="minor">
+      <a:schemeClr val="tx1"/>
+    </cs:fontRef>
+  </cs:wall>
+</cs:chartStyle>
+</file>
+
+<file path=ppt/charts/style8.xml><?xml version="1.0" encoding="utf-8"?>
+<cs:chartStyle xmlns:cs="http://schemas.microsoft.com/office/drawing/2012/chartStyle" xmlns:a="http://schemas.openxmlformats.org/drawingml/2006/main" id="366">
+  <cs:axisTitle>
+    <cs:lnRef idx="0"/>
+    <cs:fillRef idx="0"/>
+    <cs:effectRef idx="0"/>
+    <cs:fontRef idx="minor">
+      <a:schemeClr val="tx1">
+        <a:lumMod val="65000"/>
+        <a:lumOff val="35000"/>
+      </a:schemeClr>
+    </cs:fontRef>
+    <cs:defRPr sz="900"/>
+  </cs:axisTitle>
+  <cs:categoryAxis>
+    <cs:lnRef idx="0"/>
+    <cs:fillRef idx="0"/>
+    <cs:effectRef idx="0"/>
+    <cs:fontRef idx="minor">
+      <a:schemeClr val="tx1">
+        <a:lumMod val="65000"/>
+        <a:lumOff val="35000"/>
+      </a:schemeClr>
+    </cs:fontRef>
+    <cs:spPr>
+      <a:ln w="9525" cap="flat" cmpd="sng" algn="ctr">
+        <a:solidFill>
+          <a:schemeClr val="tx1">
+            <a:lumMod val="15000"/>
+            <a:lumOff val="85000"/>
+          </a:schemeClr>
+        </a:solidFill>
+        <a:round/>
+      </a:ln>
+    </cs:spPr>
+    <cs:defRPr sz="900"/>
+  </cs:categoryAxis>
+  <cs:chartArea mods="allowNoFillOverride allowNoLineOverride">
+    <cs:lnRef idx="0"/>
+    <cs:fillRef idx="0"/>
+    <cs:effectRef idx="0"/>
+    <cs:fontRef idx="minor">
+      <a:schemeClr val="tx1"/>
+    </cs:fontRef>
+    <cs:spPr>
+      <a:solidFill>
+        <a:schemeClr val="bg1"/>
+      </a:solidFill>
+      <a:ln w="9525" cap="flat" cmpd="sng" algn="ctr">
+        <a:solidFill>
+          <a:schemeClr val="tx1">
+            <a:lumMod val="15000"/>
+            <a:lumOff val="85000"/>
+          </a:schemeClr>
+        </a:solidFill>
+        <a:round/>
+      </a:ln>
+    </cs:spPr>
+    <cs:defRPr sz="1000"/>
+  </cs:chartArea>
+  <cs:dataLabel>
+    <cs:lnRef idx="0"/>
+    <cs:fillRef idx="0"/>
+    <cs:effectRef idx="0"/>
+    <cs:fontRef idx="minor">
+      <a:schemeClr val="tx1">
+        <a:lumMod val="65000"/>
+        <a:lumOff val="35000"/>
+      </a:schemeClr>
+    </cs:fontRef>
+    <cs:defRPr sz="900"/>
+  </cs:dataLabel>
+  <cs:dataLabelCallout>
+    <cs:lnRef idx="0"/>
+    <cs:fillRef idx="0"/>
+    <cs:effectRef idx="0"/>
+    <cs:fontRef idx="minor">
+      <a:schemeClr val="dk1">
+        <a:lumMod val="65000"/>
+        <a:lumOff val="35000"/>
+      </a:schemeClr>
+    </cs:fontRef>
+    <cs:spPr>
+      <a:solidFill>
+        <a:schemeClr val="lt1"/>
+      </a:solidFill>
+      <a:ln>
+        <a:solidFill>
+          <a:schemeClr val="dk1">
+            <a:lumMod val="25000"/>
+            <a:lumOff val="75000"/>
+          </a:schemeClr>
+        </a:solidFill>
+      </a:ln>
+    </cs:spPr>
+    <cs:defRPr sz="900"/>
+    <cs:bodyPr rot="0" spcFirstLastPara="1" vertOverflow="clip" horzOverflow="clip" vert="horz" wrap="square" lIns="36576" tIns="18288" rIns="36576" bIns="18288" anchor="ctr" anchorCtr="1">
+      <a:spAutoFit/>
+    </cs:bodyPr>
+  </cs:dataLabelCallout>
+  <cs:dataPoint>
+    <cs:lnRef idx="0"/>
+    <cs:fillRef idx="0">
+      <cs:styleClr val="auto"/>
+    </cs:fillRef>
+    <cs:effectRef idx="0"/>
+    <cs:fontRef idx="minor">
+      <a:schemeClr val="tx1"/>
+    </cs:fontRef>
+    <cs:spPr>
+      <a:solidFill>
+        <a:schemeClr val="phClr"/>
+      </a:solidFill>
+    </cs:spPr>
+  </cs:dataPoint>
+  <cs:dataPoint3D>
+    <cs:lnRef idx="0"/>
+    <cs:fillRef idx="0">
+      <cs:styleClr val="auto"/>
+    </cs:fillRef>
+    <cs:effectRef idx="0"/>
+    <cs:fontRef idx="minor">
+      <a:schemeClr val="tx1"/>
+    </cs:fontRef>
+    <cs:spPr>
+      <a:solidFill>
+        <a:schemeClr val="phClr"/>
+      </a:solidFill>
+    </cs:spPr>
+  </cs:dataPoint3D>
+  <cs:dataPointLine>
+    <cs:lnRef idx="0">
+      <cs:styleClr val="auto"/>
+    </cs:lnRef>
+    <cs:fillRef idx="0"/>
+    <cs:effectRef idx="0"/>
+    <cs:fontRef idx="minor">
+      <a:schemeClr val="tx1"/>
+    </cs:fontRef>
+    <cs:spPr>
+      <a:ln w="28575" cap="rnd">
+        <a:solidFill>
+          <a:schemeClr val="phClr"/>
+        </a:solidFill>
+        <a:round/>
+      </a:ln>
+    </cs:spPr>
+  </cs:dataPointLine>
+  <cs:dataPointMarker>
+    <cs:lnRef idx="0"/>
+    <cs:fillRef idx="0">
+      <cs:styleClr val="auto"/>
+    </cs:fillRef>
+    <cs:effectRef idx="0"/>
+    <cs:fontRef idx="minor">
+      <a:schemeClr val="tx1"/>
+    </cs:fontRef>
+    <cs:spPr>
+      <a:solidFill>
+        <a:schemeClr val="phClr"/>
+      </a:solidFill>
+      <a:ln w="9525">
+        <a:solidFill>
+          <a:schemeClr val="lt1"/>
+        </a:solidFill>
+      </a:ln>
+    </cs:spPr>
+  </cs:dataPointMarker>
+  <cs:dataPointMarkerLayout symbol="circle" size="5"/>
+  <cs:dataPointWireframe>
+    <cs:lnRef idx="0">
+      <cs:styleClr val="auto"/>
+    </cs:lnRef>
+    <cs:fillRef idx="0"/>
+    <cs:effectRef idx="0"/>
+    <cs:fontRef idx="minor">
+      <a:schemeClr val="tx1"/>
+    </cs:fontRef>
+    <cs:spPr>
+      <a:ln w="28575" cap="rnd">
+        <a:solidFill>
+          <a:schemeClr val="phClr"/>
+        </a:solidFill>
+        <a:round/>
+      </a:ln>
+    </cs:spPr>
+  </cs:dataPointWireframe>
+  <cs:dataTable>
+    <cs:lnRef idx="0"/>
+    <cs:fillRef idx="0"/>
+    <cs:effectRef idx="0"/>
+    <cs:fontRef idx="minor">
+      <a:schemeClr val="tx1">
+        <a:lumMod val="65000"/>
+        <a:lumOff val="35000"/>
+      </a:schemeClr>
+    </cs:fontRef>
+    <cs:spPr>
+      <a:ln w="9525">
+        <a:solidFill>
+          <a:schemeClr val="tx1">
+            <a:lumMod val="15000"/>
+            <a:lumOff val="85000"/>
+          </a:schemeClr>
+        </a:solidFill>
+      </a:ln>
+    </cs:spPr>
+    <cs:defRPr sz="900"/>
+  </cs:dataTable>
+  <cs:downBar>
+    <cs:lnRef idx="0"/>
+    <cs:fillRef idx="0"/>
+    <cs:effectRef idx="0"/>
+    <cs:fontRef idx="minor">
+      <a:schemeClr val="dk1"/>
+    </cs:fontRef>
+    <cs:spPr>
+      <a:solidFill>
+        <a:schemeClr val="dk1">
+          <a:lumMod val="65000"/>
+          <a:lumOff val="35000"/>
+        </a:schemeClr>
+      </a:solidFill>
+      <a:ln w="9525">
+        <a:solidFill>
+          <a:schemeClr val="tx1">
+            <a:lumMod val="65000"/>
+            <a:lumOff val="35000"/>
+          </a:schemeClr>
+        </a:solidFill>
+      </a:ln>
+    </cs:spPr>
+  </cs:downBar>
+  <cs:dropLine>
+    <cs:lnRef idx="0"/>
+    <cs:fillRef idx="0"/>
+    <cs:effectRef idx="0"/>
+    <cs:fontRef idx="minor">
+      <a:schemeClr val="tx1"/>
+    </cs:fontRef>
+    <cs:spPr>
+      <a:ln w="9525" cap="flat" cmpd="sng" algn="ctr">
+        <a:solidFill>
+          <a:schemeClr val="tx1">
+            <a:lumMod val="35000"/>
+            <a:lumOff val="65000"/>
+          </a:schemeClr>
+        </a:solidFill>
+        <a:round/>
+      </a:ln>
+    </cs:spPr>
+  </cs:dropLine>
+  <cs:errorBar>
+    <cs:lnRef idx="0"/>
+    <cs:fillRef idx="0"/>
+    <cs:effectRef idx="0"/>
+    <cs:fontRef idx="minor">
+      <a:schemeClr val="tx1"/>
+    </cs:fontRef>
+    <cs:spPr>
+      <a:ln w="9525" cap="flat" cmpd="sng" algn="ctr">
+        <a:solidFill>
+          <a:schemeClr val="tx1">
+            <a:lumMod val="65000"/>
+            <a:lumOff val="35000"/>
+          </a:schemeClr>
+        </a:solidFill>
+        <a:round/>
+      </a:ln>
+    </cs:spPr>
+  </cs:errorBar>
+  <cs:floor>
+    <cs:lnRef idx="0"/>
+    <cs:fillRef idx="0"/>
+    <cs:effectRef idx="0"/>
+    <cs:fontRef idx="minor">
+      <a:schemeClr val="tx1"/>
+    </cs:fontRef>
+  </cs:floor>
+  <cs:gridlineMajor>
+    <cs:lnRef idx="0"/>
+    <cs:fillRef idx="0"/>
+    <cs:effectRef idx="0"/>
+    <cs:fontRef idx="minor">
+      <a:schemeClr val="tx1"/>
+    </cs:fontRef>
+    <cs:spPr>
+      <a:ln w="9525" cap="flat" cmpd="sng" algn="ctr">
+        <a:solidFill>
+          <a:schemeClr val="tx1">
+            <a:lumMod val="15000"/>
+            <a:lumOff val="85000"/>
+          </a:schemeClr>
+        </a:solidFill>
+        <a:round/>
+      </a:ln>
+    </cs:spPr>
+  </cs:gridlineMajor>
+  <cs:gridlineMinor>
+    <cs:lnRef idx="0"/>
+    <cs:fillRef idx="0"/>
+    <cs:effectRef idx="0"/>
+    <cs:fontRef idx="minor">
+      <a:schemeClr val="tx1"/>
+    </cs:fontRef>
+    <cs:spPr>
+      <a:ln w="9525" cap="flat" cmpd="sng" algn="ctr">
+        <a:solidFill>
+          <a:schemeClr val="tx1">
+            <a:lumMod val="15000"/>
+            <a:lumOff val="85000"/>
+          </a:schemeClr>
+        </a:solidFill>
+        <a:round/>
+      </a:ln>
+    </cs:spPr>
+  </cs:gridlineMinor>
+  <cs:hiLoLine>
+    <cs:lnRef idx="0"/>
+    <cs:fillRef idx="0"/>
+    <cs:effectRef idx="0"/>
+    <cs:fontRef idx="minor">
+      <a:schemeClr val="tx1"/>
+    </cs:fontRef>
+    <cs:spPr>
+      <a:ln w="9525" cap="flat" cmpd="sng" algn="ctr">
+        <a:solidFill>
+          <a:schemeClr val="tx1">
+            <a:lumMod val="75000"/>
+            <a:lumOff val="25000"/>
+          </a:schemeClr>
+        </a:solidFill>
+        <a:round/>
+      </a:ln>
+    </cs:spPr>
+  </cs:hiLoLine>
+  <cs:leaderLine>
+    <cs:lnRef idx="0"/>
+    <cs:fillRef idx="0"/>
+    <cs:effectRef idx="0"/>
+    <cs:fontRef idx="minor">
+      <a:schemeClr val="tx1"/>
+    </cs:fontRef>
+    <cs:spPr>
+      <a:ln w="9525" cap="flat" cmpd="sng" algn="ctr">
+        <a:solidFill>
+          <a:schemeClr val="tx1">
+            <a:lumMod val="35000"/>
+            <a:lumOff val="65000"/>
+          </a:schemeClr>
+        </a:solidFill>
+        <a:round/>
+      </a:ln>
+    </cs:spPr>
+  </cs:leaderLine>
+  <cs:legend>
+    <cs:lnRef idx="0"/>
+    <cs:fillRef idx="0"/>
+    <cs:effectRef idx="0"/>
+    <cs:fontRef idx="minor">
+      <a:schemeClr val="tx1">
+        <a:lumMod val="65000"/>
+        <a:lumOff val="35000"/>
+      </a:schemeClr>
+    </cs:fontRef>
+    <cs:defRPr sz="900"/>
+  </cs:legend>
+  <cs:plotArea mods="allowNoFillOverride allowNoLineOverride">
+    <cs:lnRef idx="0"/>
+    <cs:fillRef idx="0"/>
+    <cs:effectRef idx="0"/>
+    <cs:fontRef idx="minor">
+      <a:schemeClr val="tx1"/>
+    </cs:fontRef>
+  </cs:plotArea>
+  <cs:plotArea3D mods="allowNoFillOverride allowNoLineOverride">
+    <cs:lnRef idx="0"/>
+    <cs:fillRef idx="0"/>
+    <cs:effectRef idx="0"/>
+    <cs:fontRef idx="minor">
+      <a:schemeClr val="tx1"/>
+    </cs:fontRef>
+  </cs:plotArea3D>
+  <cs:seriesAxis>
+    <cs:lnRef idx="0"/>
+    <cs:fillRef idx="0"/>
+    <cs:effectRef idx="0"/>
+    <cs:fontRef idx="minor">
+      <a:schemeClr val="tx1">
+        <a:lumMod val="65000"/>
+        <a:lumOff val="35000"/>
+      </a:schemeClr>
+    </cs:fontRef>
+    <cs:spPr>
+      <a:ln w="9525" cap="flat" cmpd="sng" algn="ctr">
+        <a:solidFill>
+          <a:schemeClr val="tx1">
+            <a:lumMod val="15000"/>
+            <a:lumOff val="85000"/>
+          </a:schemeClr>
+        </a:solidFill>
+        <a:round/>
+      </a:ln>
+    </cs:spPr>
+    <cs:defRPr sz="900"/>
+  </cs:seriesAxis>
+  <cs:seriesLine>
+    <cs:lnRef idx="0"/>
+    <cs:fillRef idx="0"/>
+    <cs:effectRef idx="0"/>
+    <cs:fontRef idx="minor">
+      <a:schemeClr val="tx1"/>
+    </cs:fontRef>
+    <cs:spPr>
+      <a:ln w="9525" cap="flat">
+        <a:solidFill>
+          <a:srgbClr val="D9D9D9"/>
+        </a:solidFill>
+        <a:round/>
+      </a:ln>
+    </cs:spPr>
+  </cs:seriesLine>
+  <cs:title>
+    <cs:lnRef idx="0"/>
+    <cs:fillRef idx="0"/>
+    <cs:effectRef idx="0"/>
+    <cs:fontRef idx="minor">
+      <a:schemeClr val="tx1">
+        <a:lumMod val="65000"/>
+        <a:lumOff val="35000"/>
+      </a:schemeClr>
+    </cs:fontRef>
+    <cs:defRPr sz="1400"/>
+  </cs:title>
+  <cs:trendline>
+    <cs:lnRef idx="0">
+      <cs:styleClr val="auto"/>
+    </cs:lnRef>
+    <cs:fillRef idx="0"/>
+    <cs:effectRef idx="0"/>
+    <cs:fontRef idx="minor">
+      <a:schemeClr val="tx1"/>
+    </cs:fontRef>
+    <cs:spPr>
+      <a:ln w="19050" cap="rnd">
+        <a:solidFill>
+          <a:schemeClr val="phClr"/>
+        </a:solidFill>
+        <a:prstDash val="sysDash"/>
+      </a:ln>
+    </cs:spPr>
+  </cs:trendline>
+  <cs:trendlineLabel>
+    <cs:lnRef idx="0"/>
+    <cs:fillRef idx="0"/>
+    <cs:effectRef idx="0"/>
+    <cs:fontRef idx="minor">
+      <a:schemeClr val="tx1">
+        <a:lumMod val="65000"/>
+        <a:lumOff val="35000"/>
+      </a:schemeClr>
+    </cs:fontRef>
+    <cs:defRPr sz="900"/>
+  </cs:trendlineLabel>
+  <cs:upBar>
+    <cs:lnRef idx="0"/>
+    <cs:fillRef idx="0"/>
+    <cs:effectRef idx="0"/>
+    <cs:fontRef idx="minor">
+      <a:schemeClr val="dk1"/>
+    </cs:fontRef>
+    <cs:spPr>
+      <a:solidFill>
+        <a:schemeClr val="lt1"/>
+      </a:solidFill>
+      <a:ln w="9525">
+        <a:solidFill>
+          <a:schemeClr val="tx1">
+            <a:lumMod val="15000"/>
+            <a:lumOff val="85000"/>
+          </a:schemeClr>
+        </a:solidFill>
+      </a:ln>
+    </cs:spPr>
+  </cs:upBar>
+  <cs:valueAxis>
+    <cs:lnRef idx="0"/>
+    <cs:fillRef idx="0"/>
+    <cs:effectRef idx="0"/>
+    <cs:fontRef idx="minor">
+      <a:schemeClr val="tx1">
+        <a:lumMod val="65000"/>
+        <a:lumOff val="35000"/>
+      </a:schemeClr>
+    </cs:fontRef>
+    <cs:defRPr sz="900"/>
+  </cs:valueAxis>
+  <cs:wall>
+    <cs:lnRef idx="0"/>
+    <cs:fillRef idx="0"/>
+    <cs:effectRef idx="0"/>
+    <cs:fontRef idx="minor">
+      <a:schemeClr val="tx1"/>
+    </cs:fontRef>
+  </cs:wall>
+</cs:chartStyle>
+</file>
+
+<file path=ppt/charts/style9.xml><?xml version="1.0" encoding="utf-8"?>
+<cs:chartStyle xmlns:cs="http://schemas.microsoft.com/office/drawing/2012/chartStyle" xmlns:a="http://schemas.openxmlformats.org/drawingml/2006/main" id="366">
+  <cs:axisTitle>
+    <cs:lnRef idx="0"/>
+    <cs:fillRef idx="0"/>
+    <cs:effectRef idx="0"/>
+    <cs:fontRef idx="minor">
+      <a:schemeClr val="tx1">
+        <a:lumMod val="65000"/>
+        <a:lumOff val="35000"/>
+      </a:schemeClr>
+    </cs:fontRef>
+    <cs:defRPr sz="900"/>
+  </cs:axisTitle>
+  <cs:categoryAxis>
+    <cs:lnRef idx="0"/>
+    <cs:fillRef idx="0"/>
+    <cs:effectRef idx="0"/>
+    <cs:fontRef idx="minor">
+      <a:schemeClr val="tx1">
+        <a:lumMod val="65000"/>
+        <a:lumOff val="35000"/>
+      </a:schemeClr>
+    </cs:fontRef>
+    <cs:spPr>
+      <a:ln w="9525" cap="flat" cmpd="sng" algn="ctr">
+        <a:solidFill>
+          <a:schemeClr val="tx1">
+            <a:lumMod val="15000"/>
+            <a:lumOff val="85000"/>
+          </a:schemeClr>
+        </a:solidFill>
+        <a:round/>
+      </a:ln>
+    </cs:spPr>
+    <cs:defRPr sz="900"/>
+  </cs:categoryAxis>
+  <cs:chartArea mods="allowNoFillOverride allowNoLineOverride">
+    <cs:lnRef idx="0"/>
+    <cs:fillRef idx="0"/>
+    <cs:effectRef idx="0"/>
+    <cs:fontRef idx="minor">
+      <a:schemeClr val="tx1"/>
+    </cs:fontRef>
+    <cs:spPr>
+      <a:solidFill>
+        <a:schemeClr val="bg1"/>
+      </a:solidFill>
+      <a:ln w="9525" cap="flat" cmpd="sng" algn="ctr">
+        <a:solidFill>
+          <a:schemeClr val="tx1">
+            <a:lumMod val="15000"/>
+            <a:lumOff val="85000"/>
+          </a:schemeClr>
+        </a:solidFill>
+        <a:round/>
+      </a:ln>
+    </cs:spPr>
+    <cs:defRPr sz="1000"/>
+  </cs:chartArea>
+  <cs:dataLabel>
+    <cs:lnRef idx="0"/>
+    <cs:fillRef idx="0"/>
+    <cs:effectRef idx="0"/>
+    <cs:fontRef idx="minor">
+      <a:schemeClr val="tx1">
+        <a:lumMod val="65000"/>
+        <a:lumOff val="35000"/>
+      </a:schemeClr>
+    </cs:fontRef>
+    <cs:defRPr sz="900"/>
+  </cs:dataLabel>
+  <cs:dataLabelCallout>
+    <cs:lnRef idx="0"/>
+    <cs:fillRef idx="0"/>
+    <cs:effectRef idx="0"/>
+    <cs:fontRef idx="minor">
+      <a:schemeClr val="dk1">
+        <a:lumMod val="65000"/>
+        <a:lumOff val="35000"/>
+      </a:schemeClr>
+    </cs:fontRef>
+    <cs:spPr>
+      <a:solidFill>
+        <a:schemeClr val="lt1"/>
+      </a:solidFill>
+      <a:ln>
+        <a:solidFill>
+          <a:schemeClr val="dk1">
+            <a:lumMod val="25000"/>
+            <a:lumOff val="75000"/>
+          </a:schemeClr>
+        </a:solidFill>
+      </a:ln>
+    </cs:spPr>
+    <cs:defRPr sz="900"/>
+    <cs:bodyPr rot="0" spcFirstLastPara="1" vertOverflow="clip" horzOverflow="clip" vert="horz" wrap="square" lIns="36576" tIns="18288" rIns="36576" bIns="18288" anchor="ctr" anchorCtr="1">
+      <a:spAutoFit/>
+    </cs:bodyPr>
+  </cs:dataLabelCallout>
+  <cs:dataPoint>
+    <cs:lnRef idx="0"/>
+    <cs:fillRef idx="0">
+      <cs:styleClr val="auto"/>
+    </cs:fillRef>
+    <cs:effectRef idx="0"/>
+    <cs:fontRef idx="minor">
+      <a:schemeClr val="tx1"/>
+    </cs:fontRef>
+    <cs:spPr>
+      <a:solidFill>
+        <a:schemeClr val="phClr"/>
+      </a:solidFill>
+    </cs:spPr>
+  </cs:dataPoint>
+  <cs:dataPoint3D>
+    <cs:lnRef idx="0"/>
+    <cs:fillRef idx="0">
+      <cs:styleClr val="auto"/>
+    </cs:fillRef>
+    <cs:effectRef idx="0"/>
+    <cs:fontRef idx="minor">
+      <a:schemeClr val="tx1"/>
+    </cs:fontRef>
+    <cs:spPr>
+      <a:solidFill>
+        <a:schemeClr val="phClr"/>
+      </a:solidFill>
+    </cs:spPr>
+  </cs:dataPoint3D>
+  <cs:dataPointLine>
+    <cs:lnRef idx="0">
+      <cs:styleClr val="auto"/>
+    </cs:lnRef>
+    <cs:fillRef idx="0"/>
+    <cs:effectRef idx="0"/>
+    <cs:fontRef idx="minor">
+      <a:schemeClr val="tx1"/>
+    </cs:fontRef>
+    <cs:spPr>
+      <a:ln w="28575" cap="rnd">
+        <a:solidFill>
+          <a:schemeClr val="phClr"/>
+        </a:solidFill>
+        <a:round/>
+      </a:ln>
+    </cs:spPr>
+  </cs:dataPointLine>
+  <cs:dataPointMarker>
+    <cs:lnRef idx="0"/>
+    <cs:fillRef idx="0">
+      <cs:styleClr val="auto"/>
+    </cs:fillRef>
+    <cs:effectRef idx="0"/>
+    <cs:fontRef idx="minor">
+      <a:schemeClr val="tx1"/>
+    </cs:fontRef>
+    <cs:spPr>
+      <a:solidFill>
+        <a:schemeClr val="phClr"/>
+      </a:solidFill>
+      <a:ln w="9525">
+        <a:solidFill>
+          <a:schemeClr val="lt1"/>
+        </a:solidFill>
+      </a:ln>
+    </cs:spPr>
+  </cs:dataPointMarker>
+  <cs:dataPointMarkerLayout symbol="circle" size="5"/>
+  <cs:dataPointWireframe>
+    <cs:lnRef idx="0">
+      <cs:styleClr val="auto"/>
+    </cs:lnRef>
+    <cs:fillRef idx="0"/>
+    <cs:effectRef idx="0"/>
+    <cs:fontRef idx="minor">
+      <a:schemeClr val="tx1"/>
+    </cs:fontRef>
+    <cs:spPr>
+      <a:ln w="28575" cap="rnd">
+        <a:solidFill>
+          <a:schemeClr val="phClr"/>
+        </a:solidFill>
+        <a:round/>
+      </a:ln>
+    </cs:spPr>
+  </cs:dataPointWireframe>
+  <cs:dataTable>
+    <cs:lnRef idx="0"/>
+    <cs:fillRef idx="0"/>
+    <cs:effectRef idx="0"/>
+    <cs:fontRef idx="minor">
+      <a:schemeClr val="tx1">
+        <a:lumMod val="65000"/>
+        <a:lumOff val="35000"/>
+      </a:schemeClr>
+    </cs:fontRef>
+    <cs:spPr>
+      <a:ln w="9525">
+        <a:solidFill>
+          <a:schemeClr val="tx1">
+            <a:lumMod val="15000"/>
+            <a:lumOff val="85000"/>
+          </a:schemeClr>
+        </a:solidFill>
+      </a:ln>
+    </cs:spPr>
+    <cs:defRPr sz="900"/>
+  </cs:dataTable>
+  <cs:downBar>
+    <cs:lnRef idx="0"/>
+    <cs:fillRef idx="0"/>
+    <cs:effectRef idx="0"/>
+    <cs:fontRef idx="minor">
+      <a:schemeClr val="dk1"/>
+    </cs:fontRef>
+    <cs:spPr>
+      <a:solidFill>
+        <a:schemeClr val="dk1">
+          <a:lumMod val="65000"/>
+          <a:lumOff val="35000"/>
+        </a:schemeClr>
+      </a:solidFill>
+      <a:ln w="9525">
+        <a:solidFill>
+          <a:schemeClr val="tx1">
+            <a:lumMod val="65000"/>
+            <a:lumOff val="35000"/>
+          </a:schemeClr>
+        </a:solidFill>
+      </a:ln>
+    </cs:spPr>
+  </cs:downBar>
+  <cs:dropLine>
+    <cs:lnRef idx="0"/>
+    <cs:fillRef idx="0"/>
+    <cs:effectRef idx="0"/>
+    <cs:fontRef idx="minor">
+      <a:schemeClr val="tx1"/>
+    </cs:fontRef>
+    <cs:spPr>
+      <a:ln w="9525" cap="flat" cmpd="sng" algn="ctr">
+        <a:solidFill>
+          <a:schemeClr val="tx1">
+            <a:lumMod val="35000"/>
+            <a:lumOff val="65000"/>
+          </a:schemeClr>
+        </a:solidFill>
+        <a:round/>
+      </a:ln>
+    </cs:spPr>
+  </cs:dropLine>
+  <cs:errorBar>
+    <cs:lnRef idx="0"/>
+    <cs:fillRef idx="0"/>
+    <cs:effectRef idx="0"/>
+    <cs:fontRef idx="minor">
+      <a:schemeClr val="tx1"/>
+    </cs:fontRef>
+    <cs:spPr>
+      <a:ln w="9525" cap="flat" cmpd="sng" algn="ctr">
+        <a:solidFill>
+          <a:schemeClr val="tx1">
+            <a:lumMod val="65000"/>
+            <a:lumOff val="35000"/>
+          </a:schemeClr>
+        </a:solidFill>
+        <a:round/>
+      </a:ln>
+    </cs:spPr>
+  </cs:errorBar>
+  <cs:floor>
+    <cs:lnRef idx="0"/>
+    <cs:fillRef idx="0"/>
+    <cs:effectRef idx="0"/>
+    <cs:fontRef idx="minor">
+      <a:schemeClr val="tx1"/>
+    </cs:fontRef>
+  </cs:floor>
+  <cs:gridlineMajor>
+    <cs:lnRef idx="0"/>
+    <cs:fillRef idx="0"/>
+    <cs:effectRef idx="0"/>
+    <cs:fontRef idx="minor">
+      <a:schemeClr val="tx1"/>
+    </cs:fontRef>
+    <cs:spPr>
+      <a:ln w="9525" cap="flat" cmpd="sng" algn="ctr">
+        <a:solidFill>
+          <a:schemeClr val="tx1">
+            <a:lumMod val="15000"/>
+            <a:lumOff val="85000"/>
+          </a:schemeClr>
+        </a:solidFill>
+        <a:round/>
+      </a:ln>
+    </cs:spPr>
+  </cs:gridlineMajor>
+  <cs:gridlineMinor>
+    <cs:lnRef idx="0"/>
+    <cs:fillRef idx="0"/>
+    <cs:effectRef idx="0"/>
+    <cs:fontRef idx="minor">
+      <a:schemeClr val="tx1"/>
+    </cs:fontRef>
+    <cs:spPr>
+      <a:ln w="9525" cap="flat" cmpd="sng" algn="ctr">
+        <a:solidFill>
+          <a:schemeClr val="tx1">
+            <a:lumMod val="15000"/>
+            <a:lumOff val="85000"/>
+          </a:schemeClr>
+        </a:solidFill>
+        <a:round/>
+      </a:ln>
+    </cs:spPr>
+  </cs:gridlineMinor>
+  <cs:hiLoLine>
+    <cs:lnRef idx="0"/>
+    <cs:fillRef idx="0"/>
+    <cs:effectRef idx="0"/>
+    <cs:fontRef idx="minor">
+      <a:schemeClr val="tx1"/>
+    </cs:fontRef>
+    <cs:spPr>
+      <a:ln w="9525" cap="flat" cmpd="sng" algn="ctr">
+        <a:solidFill>
+          <a:schemeClr val="tx1">
+            <a:lumMod val="75000"/>
+            <a:lumOff val="25000"/>
+          </a:schemeClr>
+        </a:solidFill>
+        <a:round/>
+      </a:ln>
+    </cs:spPr>
+  </cs:hiLoLine>
+  <cs:leaderLine>
+    <cs:lnRef idx="0"/>
+    <cs:fillRef idx="0"/>
+    <cs:effectRef idx="0"/>
+    <cs:fontRef idx="minor">
+      <a:schemeClr val="tx1"/>
+    </cs:fontRef>
+    <cs:spPr>
+      <a:ln w="9525" cap="flat" cmpd="sng" algn="ctr">
+        <a:solidFill>
+          <a:schemeClr val="tx1">
+            <a:lumMod val="35000"/>
+            <a:lumOff val="65000"/>
+          </a:schemeClr>
+        </a:solidFill>
+        <a:round/>
+      </a:ln>
+    </cs:spPr>
+  </cs:leaderLine>
+  <cs:legend>
+    <cs:lnRef idx="0"/>
+    <cs:fillRef idx="0"/>
+    <cs:effectRef idx="0"/>
+    <cs:fontRef idx="minor">
+      <a:schemeClr val="tx1">
+        <a:lumMod val="65000"/>
+        <a:lumOff val="35000"/>
+      </a:schemeClr>
+    </cs:fontRef>
+    <cs:defRPr sz="900"/>
+  </cs:legend>
+  <cs:plotArea mods="allowNoFillOverride allowNoLineOverride">
+    <cs:lnRef idx="0"/>
+    <cs:fillRef idx="0"/>
+    <cs:effectRef idx="0"/>
+    <cs:fontRef idx="minor">
+      <a:schemeClr val="tx1"/>
+    </cs:fontRef>
+  </cs:plotArea>
+  <cs:plotArea3D mods="allowNoFillOverride allowNoLineOverride">
+    <cs:lnRef idx="0"/>
+    <cs:fillRef idx="0"/>
+    <cs:effectRef idx="0"/>
+    <cs:fontRef idx="minor">
+      <a:schemeClr val="tx1"/>
+    </cs:fontRef>
+  </cs:plotArea3D>
+  <cs:seriesAxis>
+    <cs:lnRef idx="0"/>
+    <cs:fillRef idx="0"/>
+    <cs:effectRef idx="0"/>
+    <cs:fontRef idx="minor">
+      <a:schemeClr val="tx1">
+        <a:lumMod val="65000"/>
+        <a:lumOff val="35000"/>
+      </a:schemeClr>
+    </cs:fontRef>
+    <cs:spPr>
+      <a:ln w="9525" cap="flat" cmpd="sng" algn="ctr">
+        <a:solidFill>
+          <a:schemeClr val="tx1">
+            <a:lumMod val="15000"/>
+            <a:lumOff val="85000"/>
+          </a:schemeClr>
+        </a:solidFill>
+        <a:round/>
+      </a:ln>
+    </cs:spPr>
+    <cs:defRPr sz="900"/>
+  </cs:seriesAxis>
+  <cs:seriesLine>
+    <cs:lnRef idx="0"/>
+    <cs:fillRef idx="0"/>
+    <cs:effectRef idx="0"/>
+    <cs:fontRef idx="minor">
+      <a:schemeClr val="tx1"/>
+    </cs:fontRef>
+    <cs:spPr>
+      <a:ln w="9525" cap="flat">
+        <a:solidFill>
+          <a:srgbClr val="D9D9D9"/>
+        </a:solidFill>
+        <a:round/>
+      </a:ln>
+    </cs:spPr>
+  </cs:seriesLine>
+  <cs:title>
+    <cs:lnRef idx="0"/>
+    <cs:fillRef idx="0"/>
+    <cs:effectRef idx="0"/>
+    <cs:fontRef idx="minor">
+      <a:schemeClr val="tx1">
+        <a:lumMod val="65000"/>
+        <a:lumOff val="35000"/>
+      </a:schemeClr>
+    </cs:fontRef>
+    <cs:defRPr sz="1400"/>
+  </cs:title>
+  <cs:trendline>
+    <cs:lnRef idx="0">
+      <cs:styleClr val="auto"/>
+    </cs:lnRef>
+    <cs:fillRef idx="0"/>
+    <cs:effectRef idx="0"/>
+    <cs:fontRef idx="minor">
+      <a:schemeClr val="tx1"/>
+    </cs:fontRef>
+    <cs:spPr>
+      <a:ln w="19050" cap="rnd">
+        <a:solidFill>
+          <a:schemeClr val="phClr"/>
+        </a:solidFill>
+        <a:prstDash val="sysDash"/>
+      </a:ln>
+    </cs:spPr>
+  </cs:trendline>
+  <cs:trendlineLabel>
+    <cs:lnRef idx="0"/>
+    <cs:fillRef idx="0"/>
+    <cs:effectRef idx="0"/>
+    <cs:fontRef idx="minor">
+      <a:schemeClr val="tx1">
+        <a:lumMod val="65000"/>
+        <a:lumOff val="35000"/>
+      </a:schemeClr>
+    </cs:fontRef>
+    <cs:defRPr sz="900"/>
+  </cs:trendlineLabel>
+  <cs:upBar>
+    <cs:lnRef idx="0"/>
+    <cs:fillRef idx="0"/>
+    <cs:effectRef idx="0"/>
+    <cs:fontRef idx="minor">
+      <a:schemeClr val="dk1"/>
+    </cs:fontRef>
+    <cs:spPr>
+      <a:solidFill>
+        <a:schemeClr val="lt1"/>
+      </a:solidFill>
+      <a:ln w="9525">
+        <a:solidFill>
+          <a:schemeClr val="tx1">
+            <a:lumMod val="15000"/>
+            <a:lumOff val="85000"/>
+          </a:schemeClr>
+        </a:solidFill>
+      </a:ln>
+    </cs:spPr>
+  </cs:upBar>
+  <cs:valueAxis>
+    <cs:lnRef idx="0"/>
+    <cs:fillRef idx="0"/>
+    <cs:effectRef idx="0"/>
+    <cs:fontRef idx="minor">
+      <a:schemeClr val="tx1">
+        <a:lumMod val="65000"/>
+        <a:lumOff val="35000"/>
+      </a:schemeClr>
+    </cs:fontRef>
+    <cs:defRPr sz="900"/>
+  </cs:valueAxis>
+  <cs:wall>
+    <cs:lnRef idx="0"/>
+    <cs:fillRef idx="0"/>
+    <cs:effectRef idx="0"/>
+    <cs:fontRef idx="minor">
+      <a:schemeClr val="tx1"/>
+    </cs:fontRef>
+  </cs:wall>
+</cs:chartStyle>
+</file>
+
 <file path=ppt/handoutMasters/handoutMaster1.xml><?xml version="1.0" encoding="utf-8"?>
 <p:handoutMaster xmlns:a="http://schemas.openxmlformats.org/drawingml/2006/main" xmlns:r="http://schemas.openxmlformats.org/officeDocument/2006/relationships" xmlns:p="http://schemas.openxmlformats.org/presentationml/2006/main">
   <p:cSld>
@@ -2255,7 +9726,7 @@
           <a:p>
             <a:fld id="{B540D523-7ADA-4299-8075-D5AC897023D1}" type="datetimeFigureOut">
               <a:rPr lang="en-GB" smtClean="0"/>
-              <a:t>28/09/2025</a:t>
+              <a:t>29/09/2025</a:t>
             </a:fld>
             <a:endParaRPr lang="en-GB" dirty="0"/>
           </a:p>
@@ -2432,7 +9903,7 @@
           <a:p>
             <a:fld id="{FF687256-2CC9-4504-A84A-9BCE6041808D}" type="datetimeFigureOut">
               <a:rPr lang="en-GB" smtClean="0"/>
-              <a:t>28/09/2025</a:t>
+              <a:t>29/09/2025</a:t>
             </a:fld>
             <a:endParaRPr lang="en-GB" dirty="0"/>
           </a:p>
@@ -43164,8 +50635,13 @@
           <a:p>
             <a:r>
               <a:rPr lang="en-GB" sz="1800" noProof="0" dirty="0"/>
-              <a:t>Step Two – Dataset and Scenarios </a:t>
-            </a:r>
+              <a:t>Step Two – Scenarios </a:t>
+            </a:r>
+            <a:r>
+              <a:rPr lang="en-GB" sz="1800" dirty="0"/>
+              <a:t>and Dataset</a:t>
+            </a:r>
+            <a:endParaRPr lang="en-GB" sz="1800" noProof="0" dirty="0"/>
           </a:p>
         </p:txBody>
       </p:sp>
@@ -43187,19 +50663,79 @@
         </p:nvSpPr>
         <p:spPr>
           <a:xfrm>
-            <a:off x="257969" y="1084900"/>
-            <a:ext cx="6933406" cy="3414648"/>
+            <a:off x="257968" y="1084900"/>
+            <a:ext cx="7422991" cy="3414648"/>
           </a:xfrm>
         </p:spPr>
         <p:txBody>
           <a:bodyPr/>
           <a:lstStyle/>
           <a:p>
-            <a:pPr>
-              <a:lnSpc>
-                <a:spcPct val="150000"/>
-              </a:lnSpc>
+            <a:r>
+              <a:rPr lang="en-GB" dirty="0"/>
+              <a:t>Scenario 1 – Fully Functional System:</a:t>
+            </a:r>
+          </a:p>
+          <a:p>
+            <a:pPr marL="0" indent="0">
+              <a:buNone/>
             </a:pPr>
+            <a:r>
+              <a:rPr lang="en-GB" dirty="0"/>
+              <a:t>	The system operates correctly, and all diagnostic tests return successful results</a:t>
+            </a:r>
+          </a:p>
+          <a:p>
+            <a:pPr marL="0" indent="0">
+              <a:buNone/>
+            </a:pPr>
+            <a:endParaRPr lang="en-GB" dirty="0"/>
+          </a:p>
+          <a:p>
+            <a:r>
+              <a:rPr lang="en-GB" dirty="0"/>
+              <a:t>Scenario 2 – Failure of Switch 2:</a:t>
+            </a:r>
+          </a:p>
+          <a:p>
+            <a:pPr marL="0" indent="0">
+              <a:buNone/>
+            </a:pPr>
+            <a:r>
+              <a:rPr lang="en-GB" dirty="0"/>
+              <a:t>	The component "Switch 2" is entirely non-functional. As a result, all tests directly associated 	with it and its connected devices fail</a:t>
+            </a:r>
+          </a:p>
+          <a:p>
+            <a:pPr marL="0" indent="0">
+              <a:buNone/>
+            </a:pPr>
+            <a:endParaRPr lang="en-GB" dirty="0"/>
+          </a:p>
+          <a:p>
+            <a:r>
+              <a:rPr lang="en-GB" dirty="0"/>
+              <a:t>Scenario 3 – Failure of SBC2:</a:t>
+            </a:r>
+          </a:p>
+          <a:p>
+            <a:pPr marL="0" indent="0">
+              <a:buNone/>
+            </a:pPr>
+            <a:r>
+              <a:rPr lang="en-GB" dirty="0"/>
+              <a:t>	The "SBC2" component is completely broken, leading to the failure of all tests targeting it </a:t>
+            </a:r>
+            <a:br>
+              <a:rPr lang="en-GB" dirty="0"/>
+            </a:br>
+            <a:endParaRPr lang="en-GB" dirty="0"/>
+          </a:p>
+          <a:p>
+            <a:r>
+              <a:rPr lang="en-GB" dirty="0"/>
+              <a:t>For each scenario there is a dataset with diagnostic tests (ram status, temperature, link status, connectivity speed, PBIT, sensors status, voltage status, etc)</a:t>
+            </a:r>
             <a:endParaRPr lang="en-GB" noProof="0" dirty="0"/>
           </a:p>
         </p:txBody>
@@ -43218,6 +50754,392 @@
 </file>
 
 <file path=ppt/slides/slide11.xml><?xml version="1.0" encoding="utf-8"?>
+<p:sld xmlns:a="http://schemas.openxmlformats.org/drawingml/2006/main" xmlns:r="http://schemas.openxmlformats.org/officeDocument/2006/relationships" xmlns:p="http://schemas.openxmlformats.org/presentationml/2006/main">
+  <p:cSld>
+    <p:spTree>
+      <p:nvGrpSpPr>
+        <p:cNvPr id="1" name="">
+          <a:extLst>
+            <a:ext uri="{FF2B5EF4-FFF2-40B4-BE49-F238E27FC236}">
+              <a16:creationId xmlns:a16="http://schemas.microsoft.com/office/drawing/2014/main" id="{3FEC0AFC-2143-564F-8410-B5E6B29EA6F3}"/>
+            </a:ext>
+          </a:extLst>
+        </p:cNvPr>
+        <p:cNvGrpSpPr/>
+        <p:nvPr/>
+      </p:nvGrpSpPr>
+      <p:grpSpPr>
+        <a:xfrm>
+          <a:off x="0" y="0"/>
+          <a:ext cx="0" cy="0"/>
+          <a:chOff x="0" y="0"/>
+          <a:chExt cx="0" cy="0"/>
+        </a:xfrm>
+      </p:grpSpPr>
+      <p:sp>
+        <p:nvSpPr>
+          <p:cNvPr id="2" name="Segnaposto piè di pagina 1">
+            <a:extLst>
+              <a:ext uri="{FF2B5EF4-FFF2-40B4-BE49-F238E27FC236}">
+                <a16:creationId xmlns:a16="http://schemas.microsoft.com/office/drawing/2014/main" id="{22648D6F-3E03-65F4-4C36-309FC71C262A}"/>
+              </a:ext>
+            </a:extLst>
+          </p:cNvPr>
+          <p:cNvSpPr>
+            <a:spLocks noGrp="1"/>
+          </p:cNvSpPr>
+          <p:nvPr>
+            <p:ph type="ftr" sz="quarter" idx="3"/>
+          </p:nvPr>
+        </p:nvSpPr>
+        <p:spPr/>
+        <p:txBody>
+          <a:bodyPr/>
+          <a:lstStyle/>
+          <a:p>
+            <a:r>
+              <a:rPr lang="en-GB" noProof="0" dirty="0"/>
+              <a:t>Reference</a:t>
+            </a:r>
+          </a:p>
+        </p:txBody>
+      </p:sp>
+      <p:sp>
+        <p:nvSpPr>
+          <p:cNvPr id="3" name="Segnaposto numero diapositiva 2">
+            <a:extLst>
+              <a:ext uri="{FF2B5EF4-FFF2-40B4-BE49-F238E27FC236}">
+                <a16:creationId xmlns:a16="http://schemas.microsoft.com/office/drawing/2014/main" id="{E22A07DE-CDBE-0D6A-8C88-5DFD9562C5A7}"/>
+              </a:ext>
+            </a:extLst>
+          </p:cNvPr>
+          <p:cNvSpPr>
+            <a:spLocks noGrp="1"/>
+          </p:cNvSpPr>
+          <p:nvPr>
+            <p:ph type="sldNum" sz="quarter" idx="4"/>
+          </p:nvPr>
+        </p:nvSpPr>
+        <p:spPr/>
+        <p:txBody>
+          <a:bodyPr/>
+          <a:lstStyle/>
+          <a:p>
+            <a:fld id="{500E0521-425D-DD45-BED6-A99962E298FC}" type="slidenum">
+              <a:rPr lang="en-GB" noProof="0" smtClean="0"/>
+              <a:pPr/>
+              <a:t>11</a:t>
+            </a:fld>
+            <a:endParaRPr lang="en-GB" noProof="0" dirty="0"/>
+          </a:p>
+        </p:txBody>
+      </p:sp>
+      <p:sp>
+        <p:nvSpPr>
+          <p:cNvPr id="4" name="Titolo 3">
+            <a:extLst>
+              <a:ext uri="{FF2B5EF4-FFF2-40B4-BE49-F238E27FC236}">
+                <a16:creationId xmlns:a16="http://schemas.microsoft.com/office/drawing/2014/main" id="{422B30A7-E63E-1BFF-3122-BD608E236955}"/>
+              </a:ext>
+            </a:extLst>
+          </p:cNvPr>
+          <p:cNvSpPr>
+            <a:spLocks noGrp="1"/>
+          </p:cNvSpPr>
+          <p:nvPr>
+            <p:ph type="title"/>
+          </p:nvPr>
+        </p:nvSpPr>
+        <p:spPr/>
+        <p:txBody>
+          <a:bodyPr>
+            <a:normAutofit/>
+          </a:bodyPr>
+          <a:lstStyle/>
+          <a:p>
+            <a:r>
+              <a:rPr lang="en-GB" sz="1800" dirty="0"/>
+              <a:t>Step Two – No Few-Shot</a:t>
+            </a:r>
+            <a:endParaRPr lang="en-GB" sz="1800" noProof="0" dirty="0"/>
+          </a:p>
+        </p:txBody>
+      </p:sp>
+      <p:pic>
+        <p:nvPicPr>
+          <p:cNvPr id="6" name="Picture 5" descr="A screenshot of a computer screen&#10;&#10;AI-generated content may be incorrect.">
+            <a:extLst>
+              <a:ext uri="{FF2B5EF4-FFF2-40B4-BE49-F238E27FC236}">
+                <a16:creationId xmlns:a16="http://schemas.microsoft.com/office/drawing/2014/main" id="{1C7917DA-0063-6165-2FE1-91904E20E292}"/>
+              </a:ext>
+            </a:extLst>
+          </p:cNvPr>
+          <p:cNvPicPr>
+            <a:picLocks noChangeAspect="1"/>
+          </p:cNvPicPr>
+          <p:nvPr/>
+        </p:nvPicPr>
+        <p:blipFill>
+          <a:blip r:embed="rId2"/>
+          <a:stretch>
+            <a:fillRect/>
+          </a:stretch>
+        </p:blipFill>
+        <p:spPr>
+          <a:xfrm>
+            <a:off x="3818229" y="601536"/>
+            <a:ext cx="3239502" cy="2308446"/>
+          </a:xfrm>
+          <a:prstGeom prst="rect">
+            <a:avLst/>
+          </a:prstGeom>
+        </p:spPr>
+      </p:pic>
+      <p:sp>
+        <p:nvSpPr>
+          <p:cNvPr id="10" name="Segnaposto contenuto 6">
+            <a:extLst>
+              <a:ext uri="{FF2B5EF4-FFF2-40B4-BE49-F238E27FC236}">
+                <a16:creationId xmlns:a16="http://schemas.microsoft.com/office/drawing/2014/main" id="{FBFA0929-8858-9F03-E0BC-7F02383FCA74}"/>
+              </a:ext>
+            </a:extLst>
+          </p:cNvPr>
+          <p:cNvSpPr>
+            <a:spLocks noGrp="1"/>
+          </p:cNvSpPr>
+          <p:nvPr>
+            <p:ph idx="26"/>
+          </p:nvPr>
+        </p:nvSpPr>
+        <p:spPr>
+          <a:xfrm>
+            <a:off x="257969" y="1084900"/>
+            <a:ext cx="6933406" cy="3414648"/>
+          </a:xfrm>
+        </p:spPr>
+        <p:txBody>
+          <a:bodyPr/>
+          <a:lstStyle/>
+          <a:p>
+            <a:pPr>
+              <a:lnSpc>
+                <a:spcPct val="150000"/>
+              </a:lnSpc>
+            </a:pPr>
+            <a:r>
+              <a:rPr lang="en-GB" noProof="0" dirty="0"/>
+              <a:t>q</a:t>
+            </a:r>
+          </a:p>
+        </p:txBody>
+      </p:sp>
+    </p:spTree>
+    <p:extLst>
+      <p:ext uri="{BB962C8B-B14F-4D97-AF65-F5344CB8AC3E}">
+        <p14:creationId xmlns:p14="http://schemas.microsoft.com/office/powerpoint/2010/main" val="193721011"/>
+      </p:ext>
+    </p:extLst>
+  </p:cSld>
+  <p:clrMapOvr>
+    <a:masterClrMapping/>
+  </p:clrMapOvr>
+</p:sld>
+</file>
+
+<file path=ppt/slides/slide12.xml><?xml version="1.0" encoding="utf-8"?>
+<p:sld xmlns:a="http://schemas.openxmlformats.org/drawingml/2006/main" xmlns:r="http://schemas.openxmlformats.org/officeDocument/2006/relationships" xmlns:p="http://schemas.openxmlformats.org/presentationml/2006/main">
+  <p:cSld>
+    <p:spTree>
+      <p:nvGrpSpPr>
+        <p:cNvPr id="1" name="">
+          <a:extLst>
+            <a:ext uri="{FF2B5EF4-FFF2-40B4-BE49-F238E27FC236}">
+              <a16:creationId xmlns:a16="http://schemas.microsoft.com/office/drawing/2014/main" id="{45A48FFA-6F75-ED75-7831-79C38632B811}"/>
+            </a:ext>
+          </a:extLst>
+        </p:cNvPr>
+        <p:cNvGrpSpPr/>
+        <p:nvPr/>
+      </p:nvGrpSpPr>
+      <p:grpSpPr>
+        <a:xfrm>
+          <a:off x="0" y="0"/>
+          <a:ext cx="0" cy="0"/>
+          <a:chOff x="0" y="0"/>
+          <a:chExt cx="0" cy="0"/>
+        </a:xfrm>
+      </p:grpSpPr>
+      <p:sp>
+        <p:nvSpPr>
+          <p:cNvPr id="2" name="Segnaposto piè di pagina 1">
+            <a:extLst>
+              <a:ext uri="{FF2B5EF4-FFF2-40B4-BE49-F238E27FC236}">
+                <a16:creationId xmlns:a16="http://schemas.microsoft.com/office/drawing/2014/main" id="{AFFE607B-D961-BD59-0B74-873B0677BBED}"/>
+              </a:ext>
+            </a:extLst>
+          </p:cNvPr>
+          <p:cNvSpPr>
+            <a:spLocks noGrp="1"/>
+          </p:cNvSpPr>
+          <p:nvPr>
+            <p:ph type="ftr" sz="quarter" idx="3"/>
+          </p:nvPr>
+        </p:nvSpPr>
+        <p:spPr/>
+        <p:txBody>
+          <a:bodyPr/>
+          <a:lstStyle/>
+          <a:p>
+            <a:r>
+              <a:rPr lang="en-GB" noProof="0" dirty="0"/>
+              <a:t>Reference</a:t>
+            </a:r>
+          </a:p>
+        </p:txBody>
+      </p:sp>
+      <p:sp>
+        <p:nvSpPr>
+          <p:cNvPr id="3" name="Segnaposto numero diapositiva 2">
+            <a:extLst>
+              <a:ext uri="{FF2B5EF4-FFF2-40B4-BE49-F238E27FC236}">
+                <a16:creationId xmlns:a16="http://schemas.microsoft.com/office/drawing/2014/main" id="{D946E8F6-6CF7-38AF-0ECA-3370A825EDAD}"/>
+              </a:ext>
+            </a:extLst>
+          </p:cNvPr>
+          <p:cNvSpPr>
+            <a:spLocks noGrp="1"/>
+          </p:cNvSpPr>
+          <p:nvPr>
+            <p:ph type="sldNum" sz="quarter" idx="4"/>
+          </p:nvPr>
+        </p:nvSpPr>
+        <p:spPr/>
+        <p:txBody>
+          <a:bodyPr/>
+          <a:lstStyle/>
+          <a:p>
+            <a:fld id="{500E0521-425D-DD45-BED6-A99962E298FC}" type="slidenum">
+              <a:rPr lang="en-GB" noProof="0" smtClean="0"/>
+              <a:pPr/>
+              <a:t>12</a:t>
+            </a:fld>
+            <a:endParaRPr lang="en-GB" noProof="0" dirty="0"/>
+          </a:p>
+        </p:txBody>
+      </p:sp>
+      <p:sp>
+        <p:nvSpPr>
+          <p:cNvPr id="4" name="Titolo 3">
+            <a:extLst>
+              <a:ext uri="{FF2B5EF4-FFF2-40B4-BE49-F238E27FC236}">
+                <a16:creationId xmlns:a16="http://schemas.microsoft.com/office/drawing/2014/main" id="{B62BD1F9-A4B0-B8FE-E030-650D8B749817}"/>
+              </a:ext>
+            </a:extLst>
+          </p:cNvPr>
+          <p:cNvSpPr>
+            <a:spLocks noGrp="1"/>
+          </p:cNvSpPr>
+          <p:nvPr>
+            <p:ph type="title"/>
+          </p:nvPr>
+        </p:nvSpPr>
+        <p:spPr/>
+        <p:txBody>
+          <a:bodyPr>
+            <a:normAutofit/>
+          </a:bodyPr>
+          <a:lstStyle/>
+          <a:p>
+            <a:r>
+              <a:rPr lang="en-GB" sz="1800" dirty="0"/>
+              <a:t>Step Two – No Few-Shot Results</a:t>
+            </a:r>
+            <a:endParaRPr lang="en-GB" sz="1800" noProof="0" dirty="0"/>
+          </a:p>
+        </p:txBody>
+      </p:sp>
+      <p:sp>
+        <p:nvSpPr>
+          <p:cNvPr id="7" name="Segnaposto contenuto 6">
+            <a:extLst>
+              <a:ext uri="{FF2B5EF4-FFF2-40B4-BE49-F238E27FC236}">
+                <a16:creationId xmlns:a16="http://schemas.microsoft.com/office/drawing/2014/main" id="{F27E807D-DAE6-E67D-EE4C-CACBC0B54AE2}"/>
+              </a:ext>
+            </a:extLst>
+          </p:cNvPr>
+          <p:cNvSpPr>
+            <a:spLocks noGrp="1"/>
+          </p:cNvSpPr>
+          <p:nvPr>
+            <p:ph idx="26"/>
+          </p:nvPr>
+        </p:nvSpPr>
+        <p:spPr>
+          <a:xfrm>
+            <a:off x="257969" y="1084900"/>
+            <a:ext cx="6933406" cy="3414648"/>
+          </a:xfrm>
+        </p:spPr>
+        <p:txBody>
+          <a:bodyPr/>
+          <a:lstStyle/>
+          <a:p>
+            <a:pPr>
+              <a:lnSpc>
+                <a:spcPct val="150000"/>
+              </a:lnSpc>
+            </a:pPr>
+            <a:r>
+              <a:rPr lang="en-GB" dirty="0"/>
+              <a:t>The model partially detected the anomalies but did not understand the cause</a:t>
+            </a:r>
+          </a:p>
+        </p:txBody>
+      </p:sp>
+      <p:graphicFrame>
+        <p:nvGraphicFramePr>
+          <p:cNvPr id="5" name="Chart 4">
+            <a:extLst>
+              <a:ext uri="{FF2B5EF4-FFF2-40B4-BE49-F238E27FC236}">
+                <a16:creationId xmlns:a16="http://schemas.microsoft.com/office/drawing/2014/main" id="{1230003B-EA5F-452C-AD21-AC327D6DF37C}"/>
+              </a:ext>
+            </a:extLst>
+          </p:cNvPr>
+          <p:cNvGraphicFramePr>
+            <a:graphicFrameLocks/>
+          </p:cNvGraphicFramePr>
+          <p:nvPr>
+            <p:extLst>
+              <p:ext uri="{D42A27DB-BD31-4B8C-83A1-F6EECF244321}">
+                <p14:modId xmlns:p14="http://schemas.microsoft.com/office/powerpoint/2010/main" val="1429220120"/>
+              </p:ext>
+            </p:extLst>
+          </p:nvPr>
+        </p:nvGraphicFramePr>
+        <p:xfrm>
+          <a:off x="1356085" y="1934496"/>
+          <a:ext cx="4003706" cy="1702002"/>
+        </p:xfrm>
+        <a:graphic>
+          <a:graphicData uri="http://schemas.openxmlformats.org/drawingml/2006/chart">
+            <c:chart xmlns:c="http://schemas.openxmlformats.org/drawingml/2006/chart" xmlns:r="http://schemas.openxmlformats.org/officeDocument/2006/relationships" r:id="rId2"/>
+          </a:graphicData>
+        </a:graphic>
+      </p:graphicFrame>
+    </p:spTree>
+    <p:extLst>
+      <p:ext uri="{BB962C8B-B14F-4D97-AF65-F5344CB8AC3E}">
+        <p14:creationId xmlns:p14="http://schemas.microsoft.com/office/powerpoint/2010/main" val="3056983117"/>
+      </p:ext>
+    </p:extLst>
+  </p:cSld>
+  <p:clrMapOvr>
+    <a:masterClrMapping/>
+  </p:clrMapOvr>
+</p:sld>
+</file>
+
+<file path=ppt/slides/slide13.xml><?xml version="1.0" encoding="utf-8"?>
 <p:sld xmlns:a="http://schemas.openxmlformats.org/drawingml/2006/main" xmlns:r="http://schemas.openxmlformats.org/officeDocument/2006/relationships" xmlns:p="http://schemas.openxmlformats.org/presentationml/2006/main">
   <p:cSld>
     <p:spTree>
@@ -43292,7 +51214,7 @@
             <a:fld id="{500E0521-425D-DD45-BED6-A99962E298FC}" type="slidenum">
               <a:rPr lang="en-GB" noProof="0" smtClean="0"/>
               <a:pPr/>
-              <a:t>11</a:t>
+              <a:t>13</a:t>
             </a:fld>
             <a:endParaRPr lang="en-GB" noProof="0" dirty="0"/>
           </a:p>
@@ -43328,12 +51250,132 @@
           </a:p>
         </p:txBody>
       </p:sp>
+      <p:pic>
+        <p:nvPicPr>
+          <p:cNvPr id="5" name="Picture 4" descr="A screenshot of a computer screen&#10;&#10;AI-generated content may be incorrect.">
+            <a:extLst>
+              <a:ext uri="{FF2B5EF4-FFF2-40B4-BE49-F238E27FC236}">
+                <a16:creationId xmlns:a16="http://schemas.microsoft.com/office/drawing/2014/main" id="{89C70774-3109-C0B6-D1AE-769DB32A275F}"/>
+              </a:ext>
+            </a:extLst>
+          </p:cNvPr>
+          <p:cNvPicPr>
+            <a:picLocks noChangeAspect="1"/>
+          </p:cNvPicPr>
+          <p:nvPr/>
+        </p:nvPicPr>
+        <p:blipFill>
+          <a:blip r:embed="rId2"/>
+          <a:stretch>
+            <a:fillRect/>
+          </a:stretch>
+        </p:blipFill>
+        <p:spPr>
+          <a:xfrm>
+            <a:off x="1667454" y="1084900"/>
+            <a:ext cx="3239502" cy="2308446"/>
+          </a:xfrm>
+          <a:prstGeom prst="rect">
+            <a:avLst/>
+          </a:prstGeom>
+        </p:spPr>
+      </p:pic>
+      <p:pic>
+        <p:nvPicPr>
+          <p:cNvPr id="6" name="Picture 5" descr="A screen shot of a computer&#10;&#10;AI-generated content may be incorrect.">
+            <a:extLst>
+              <a:ext uri="{FF2B5EF4-FFF2-40B4-BE49-F238E27FC236}">
+                <a16:creationId xmlns:a16="http://schemas.microsoft.com/office/drawing/2014/main" id="{B234F292-823B-47BE-5FA1-6454AE5C4CA6}"/>
+              </a:ext>
+            </a:extLst>
+          </p:cNvPr>
+          <p:cNvPicPr>
+            <a:picLocks noChangeAspect="1"/>
+          </p:cNvPicPr>
+          <p:nvPr/>
+        </p:nvPicPr>
+        <p:blipFill>
+          <a:blip r:embed="rId3"/>
+          <a:stretch>
+            <a:fillRect/>
+          </a:stretch>
+        </p:blipFill>
+        <p:spPr>
+          <a:xfrm>
+            <a:off x="5177962" y="749966"/>
+            <a:ext cx="3380023" cy="845661"/>
+          </a:xfrm>
+          <a:prstGeom prst="rect">
+            <a:avLst/>
+          </a:prstGeom>
+        </p:spPr>
+      </p:pic>
+      <p:pic>
+        <p:nvPicPr>
+          <p:cNvPr id="8" name="Picture 7" descr="A black screen with white text&#10;&#10;AI-generated content may be incorrect.">
+            <a:extLst>
+              <a:ext uri="{FF2B5EF4-FFF2-40B4-BE49-F238E27FC236}">
+                <a16:creationId xmlns:a16="http://schemas.microsoft.com/office/drawing/2014/main" id="{22E3772A-8756-3B68-9235-2C3F4424182F}"/>
+              </a:ext>
+            </a:extLst>
+          </p:cNvPr>
+          <p:cNvPicPr>
+            <a:picLocks noChangeAspect="1"/>
+          </p:cNvPicPr>
+          <p:nvPr/>
+        </p:nvPicPr>
+        <p:blipFill>
+          <a:blip r:embed="rId4"/>
+          <a:stretch>
+            <a:fillRect/>
+          </a:stretch>
+        </p:blipFill>
+        <p:spPr>
+          <a:xfrm>
+            <a:off x="5167989" y="1782624"/>
+            <a:ext cx="3379976" cy="1281390"/>
+          </a:xfrm>
+          <a:prstGeom prst="rect">
+            <a:avLst/>
+          </a:prstGeom>
+        </p:spPr>
+      </p:pic>
+      <p:pic>
+        <p:nvPicPr>
+          <p:cNvPr id="9" name="Picture 8" descr="A screen shot of a computer screen&#10;&#10;AI-generated content may be incorrect.">
+            <a:extLst>
+              <a:ext uri="{FF2B5EF4-FFF2-40B4-BE49-F238E27FC236}">
+                <a16:creationId xmlns:a16="http://schemas.microsoft.com/office/drawing/2014/main" id="{0BFD046C-019F-D84F-01C5-6A8B0F58FAA7}"/>
+              </a:ext>
+            </a:extLst>
+          </p:cNvPr>
+          <p:cNvPicPr>
+            <a:picLocks noChangeAspect="1"/>
+          </p:cNvPicPr>
+          <p:nvPr/>
+        </p:nvPicPr>
+        <p:blipFill>
+          <a:blip r:embed="rId5"/>
+          <a:stretch>
+            <a:fillRect/>
+          </a:stretch>
+        </p:blipFill>
+        <p:spPr>
+          <a:xfrm>
+            <a:off x="5177962" y="3307290"/>
+            <a:ext cx="3389996" cy="865699"/>
+          </a:xfrm>
+          <a:prstGeom prst="rect">
+            <a:avLst/>
+          </a:prstGeom>
+        </p:spPr>
+      </p:pic>
       <p:sp>
         <p:nvSpPr>
-          <p:cNvPr id="7" name="Segnaposto contenuto 6">
+          <p:cNvPr id="10" name="Segnaposto contenuto 6">
             <a:extLst>
               <a:ext uri="{FF2B5EF4-FFF2-40B4-BE49-F238E27FC236}">
-                <a16:creationId xmlns:a16="http://schemas.microsoft.com/office/drawing/2014/main" id="{09F2A236-B2FE-3C3A-21EB-E4C98BEC2710}"/>
+                <a16:creationId xmlns:a16="http://schemas.microsoft.com/office/drawing/2014/main" id="{EF19E475-196E-5D0D-7A43-68AACD6015EF}"/>
               </a:ext>
             </a:extLst>
           </p:cNvPr>
@@ -43347,7 +51389,7 @@
         <p:spPr>
           <a:xfrm>
             <a:off x="257969" y="1084900"/>
-            <a:ext cx="6933406" cy="3414648"/>
+            <a:ext cx="3389996" cy="3414648"/>
           </a:xfrm>
         </p:spPr>
         <p:txBody>
@@ -43359,6 +51401,21 @@
                 <a:spcPct val="150000"/>
               </a:lnSpc>
             </a:pPr>
+            <a:r>
+              <a:rPr lang="en-GB" noProof="0" dirty="0"/>
+              <a:t>One-Shot</a:t>
+            </a:r>
+          </a:p>
+          <a:p>
+            <a:pPr>
+              <a:lnSpc>
+                <a:spcPct val="150000"/>
+              </a:lnSpc>
+            </a:pPr>
+            <a:r>
+              <a:rPr lang="en-GB" dirty="0"/>
+              <a:t>Two-Shot</a:t>
+            </a:r>
             <a:endParaRPr lang="en-GB" noProof="0" dirty="0"/>
           </a:p>
         </p:txBody>
@@ -43376,7 +51433,7 @@
 </p:sld>
 </file>
 
-<file path=ppt/slides/slide12.xml><?xml version="1.0" encoding="utf-8"?>
+<file path=ppt/slides/slide14.xml><?xml version="1.0" encoding="utf-8"?>
 <p:sld xmlns:a="http://schemas.openxmlformats.org/drawingml/2006/main" xmlns:r="http://schemas.openxmlformats.org/officeDocument/2006/relationships" xmlns:p="http://schemas.openxmlformats.org/presentationml/2006/main">
   <p:cSld>
     <p:spTree>
@@ -43451,7 +51508,7 @@
             <a:fld id="{500E0521-425D-DD45-BED6-A99962E298FC}" type="slidenum">
               <a:rPr lang="en-GB" noProof="0" smtClean="0"/>
               <a:pPr/>
-              <a:t>12</a:t>
+              <a:t>14</a:t>
             </a:fld>
             <a:endParaRPr lang="en-GB" noProof="0" dirty="0"/>
           </a:p>
@@ -43506,7 +51563,7 @@
         <p:spPr>
           <a:xfrm>
             <a:off x="257969" y="1084900"/>
-            <a:ext cx="6933406" cy="3414648"/>
+            <a:ext cx="3223785" cy="3414648"/>
           </a:xfrm>
         </p:spPr>
         <p:txBody>
@@ -43518,10 +51575,85 @@
                 <a:spcPct val="150000"/>
               </a:lnSpc>
             </a:pPr>
+            <a:r>
+              <a:rPr lang="en-GB" noProof="0" dirty="0"/>
+              <a:t>The model detect some anomalies but still do not find the cause</a:t>
+            </a:r>
+          </a:p>
+          <a:p>
+            <a:pPr>
+              <a:lnSpc>
+                <a:spcPct val="150000"/>
+              </a:lnSpc>
+            </a:pPr>
+            <a:r>
+              <a:rPr lang="en-GB" dirty="0"/>
+              <a:t>An extended context do not let focus the model on the real issues</a:t>
+            </a:r>
             <a:endParaRPr lang="en-GB" noProof="0" dirty="0"/>
           </a:p>
         </p:txBody>
       </p:sp>
+      <p:graphicFrame>
+        <p:nvGraphicFramePr>
+          <p:cNvPr id="6" name="Chart 5">
+            <a:extLst>
+              <a:ext uri="{FF2B5EF4-FFF2-40B4-BE49-F238E27FC236}">
+                <a16:creationId xmlns:a16="http://schemas.microsoft.com/office/drawing/2014/main" id="{AA439B84-AD6E-D48D-3BFD-8A342918C1CF}"/>
+              </a:ext>
+            </a:extLst>
+          </p:cNvPr>
+          <p:cNvGraphicFramePr>
+            <a:graphicFrameLocks/>
+          </p:cNvGraphicFramePr>
+          <p:nvPr>
+            <p:extLst>
+              <p:ext uri="{D42A27DB-BD31-4B8C-83A1-F6EECF244321}">
+                <p14:modId xmlns:p14="http://schemas.microsoft.com/office/powerpoint/2010/main" val="1542671299"/>
+              </p:ext>
+            </p:extLst>
+          </p:nvPr>
+        </p:nvGraphicFramePr>
+        <p:xfrm>
+          <a:off x="3296210" y="1187541"/>
+          <a:ext cx="3895165" cy="1604683"/>
+        </p:xfrm>
+        <a:graphic>
+          <a:graphicData uri="http://schemas.openxmlformats.org/drawingml/2006/chart">
+            <c:chart xmlns:c="http://schemas.openxmlformats.org/drawingml/2006/chart" xmlns:r="http://schemas.openxmlformats.org/officeDocument/2006/relationships" r:id="rId2"/>
+          </a:graphicData>
+        </a:graphic>
+      </p:graphicFrame>
+      <p:graphicFrame>
+        <p:nvGraphicFramePr>
+          <p:cNvPr id="8" name="Chart 7">
+            <a:extLst>
+              <a:ext uri="{FF2B5EF4-FFF2-40B4-BE49-F238E27FC236}">
+                <a16:creationId xmlns:a16="http://schemas.microsoft.com/office/drawing/2014/main" id="{4AEEA6B3-84BA-4F5D-9614-A75BB361DEE0}"/>
+              </a:ext>
+            </a:extLst>
+          </p:cNvPr>
+          <p:cNvGraphicFramePr>
+            <a:graphicFrameLocks/>
+          </p:cNvGraphicFramePr>
+          <p:nvPr>
+            <p:extLst>
+              <p:ext uri="{D42A27DB-BD31-4B8C-83A1-F6EECF244321}">
+                <p14:modId xmlns:p14="http://schemas.microsoft.com/office/powerpoint/2010/main" val="3346987817"/>
+              </p:ext>
+            </p:extLst>
+          </p:nvPr>
+        </p:nvGraphicFramePr>
+        <p:xfrm>
+          <a:off x="3287479" y="2924227"/>
+          <a:ext cx="3899646" cy="1443318"/>
+        </p:xfrm>
+        <a:graphic>
+          <a:graphicData uri="http://schemas.openxmlformats.org/drawingml/2006/chart">
+            <c:chart xmlns:c="http://schemas.openxmlformats.org/drawingml/2006/chart" xmlns:r="http://schemas.openxmlformats.org/officeDocument/2006/relationships" r:id="rId3"/>
+          </a:graphicData>
+        </a:graphic>
+      </p:graphicFrame>
     </p:spTree>
     <p:extLst>
       <p:ext uri="{BB962C8B-B14F-4D97-AF65-F5344CB8AC3E}">
@@ -43535,7 +51667,7 @@
 </p:sld>
 </file>
 
-<file path=ppt/slides/slide13.xml><?xml version="1.0" encoding="utf-8"?>
+<file path=ppt/slides/slide15.xml><?xml version="1.0" encoding="utf-8"?>
 <p:sld xmlns:a="http://schemas.openxmlformats.org/drawingml/2006/main" xmlns:r="http://schemas.openxmlformats.org/officeDocument/2006/relationships" xmlns:p="http://schemas.openxmlformats.org/presentationml/2006/main">
   <p:cSld>
     <p:spTree>
@@ -43543,7 +51675,7 @@
         <p:cNvPr id="1" name="">
           <a:extLst>
             <a:ext uri="{FF2B5EF4-FFF2-40B4-BE49-F238E27FC236}">
-              <a16:creationId xmlns:a16="http://schemas.microsoft.com/office/drawing/2014/main" id="{3FEC0AFC-2143-564F-8410-B5E6B29EA6F3}"/>
+              <a16:creationId xmlns:a16="http://schemas.microsoft.com/office/drawing/2014/main" id="{3CB4F7C7-A942-E80E-52CE-995989972B3E}"/>
             </a:ext>
           </a:extLst>
         </p:cNvPr>
@@ -43563,7 +51695,7 @@
           <p:cNvPr id="2" name="Segnaposto piè di pagina 1">
             <a:extLst>
               <a:ext uri="{FF2B5EF4-FFF2-40B4-BE49-F238E27FC236}">
-                <a16:creationId xmlns:a16="http://schemas.microsoft.com/office/drawing/2014/main" id="{22648D6F-3E03-65F4-4C36-309FC71C262A}"/>
+                <a16:creationId xmlns:a16="http://schemas.microsoft.com/office/drawing/2014/main" id="{0EA537DC-056D-38C3-989B-45CEDD2F1468}"/>
               </a:ext>
             </a:extLst>
           </p:cNvPr>
@@ -43591,7 +51723,7 @@
           <p:cNvPr id="3" name="Segnaposto numero diapositiva 2">
             <a:extLst>
               <a:ext uri="{FF2B5EF4-FFF2-40B4-BE49-F238E27FC236}">
-                <a16:creationId xmlns:a16="http://schemas.microsoft.com/office/drawing/2014/main" id="{E22A07DE-CDBE-0D6A-8C88-5DFD9562C5A7}"/>
+                <a16:creationId xmlns:a16="http://schemas.microsoft.com/office/drawing/2014/main" id="{FD63934E-65D5-D24E-541C-79C1BB9A134D}"/>
               </a:ext>
             </a:extLst>
           </p:cNvPr>
@@ -43610,7 +51742,7 @@
             <a:fld id="{500E0521-425D-DD45-BED6-A99962E298FC}" type="slidenum">
               <a:rPr lang="en-GB" noProof="0" smtClean="0"/>
               <a:pPr/>
-              <a:t>13</a:t>
+              <a:t>15</a:t>
             </a:fld>
             <a:endParaRPr lang="en-GB" noProof="0" dirty="0"/>
           </a:p>
@@ -43621,7 +51753,7 @@
           <p:cNvPr id="4" name="Titolo 3">
             <a:extLst>
               <a:ext uri="{FF2B5EF4-FFF2-40B4-BE49-F238E27FC236}">
-                <a16:creationId xmlns:a16="http://schemas.microsoft.com/office/drawing/2014/main" id="{422B30A7-E63E-1BFF-3122-BD608E236955}"/>
+                <a16:creationId xmlns:a16="http://schemas.microsoft.com/office/drawing/2014/main" id="{448361F3-C4E6-E612-DA73-C76B83B2BB33}"/>
               </a:ext>
             </a:extLst>
           </p:cNvPr>
@@ -43641,7 +51773,7 @@
           <a:p>
             <a:r>
               <a:rPr lang="en-GB" sz="1800" dirty="0"/>
-              <a:t>Step Two – No Few-Shot</a:t>
+              <a:t>Step Two – No Few-Shot Reduced</a:t>
             </a:r>
             <a:endParaRPr lang="en-GB" sz="1800" noProof="0" dirty="0"/>
           </a:p>
@@ -43649,10 +51781,10 @@
       </p:sp>
       <p:sp>
         <p:nvSpPr>
-          <p:cNvPr id="7" name="Segnaposto contenuto 6">
+          <p:cNvPr id="10" name="Segnaposto contenuto 6">
             <a:extLst>
               <a:ext uri="{FF2B5EF4-FFF2-40B4-BE49-F238E27FC236}">
-                <a16:creationId xmlns:a16="http://schemas.microsoft.com/office/drawing/2014/main" id="{D2F4F0C1-80AA-EAF4-6091-D61D90D42EDF}"/>
+                <a16:creationId xmlns:a16="http://schemas.microsoft.com/office/drawing/2014/main" id="{7C9CAF1D-5AF4-CC25-EE9C-6BEB3DB665CE}"/>
               </a:ext>
             </a:extLst>
           </p:cNvPr>
@@ -43678,6 +51810,32 @@
                 <a:spcPct val="150000"/>
               </a:lnSpc>
             </a:pPr>
+            <a:r>
+              <a:rPr lang="en-GB" dirty="0"/>
+              <a:t>To solve the problem, I reduced the number of tests:</a:t>
+            </a:r>
+          </a:p>
+          <a:p>
+            <a:pPr lvl="1">
+              <a:lnSpc>
+                <a:spcPct val="150000"/>
+              </a:lnSpc>
+            </a:pPr>
+            <a:r>
+              <a:rPr lang="en-GB" noProof="0" dirty="0"/>
+              <a:t>Connectivity tests</a:t>
+            </a:r>
+          </a:p>
+          <a:p>
+            <a:pPr lvl="1">
+              <a:lnSpc>
+                <a:spcPct val="150000"/>
+              </a:lnSpc>
+            </a:pPr>
+            <a:r>
+              <a:rPr lang="en-GB" dirty="0"/>
+              <a:t>PBIT tests</a:t>
+            </a:r>
             <a:endParaRPr lang="en-GB" noProof="0" dirty="0"/>
           </a:p>
         </p:txBody>
@@ -43685,7 +51843,7 @@
     </p:spTree>
     <p:extLst>
       <p:ext uri="{BB962C8B-B14F-4D97-AF65-F5344CB8AC3E}">
-        <p14:creationId xmlns:p14="http://schemas.microsoft.com/office/powerpoint/2010/main" val="193721011"/>
+        <p14:creationId xmlns:p14="http://schemas.microsoft.com/office/powerpoint/2010/main" val="3908534013"/>
       </p:ext>
     </p:extLst>
   </p:cSld>
@@ -43695,7 +51853,7 @@
 </p:sld>
 </file>
 
-<file path=ppt/slides/slide14.xml><?xml version="1.0" encoding="utf-8"?>
+<file path=ppt/slides/slide16.xml><?xml version="1.0" encoding="utf-8"?>
 <p:sld xmlns:a="http://schemas.openxmlformats.org/drawingml/2006/main" xmlns:r="http://schemas.openxmlformats.org/officeDocument/2006/relationships" xmlns:p="http://schemas.openxmlformats.org/presentationml/2006/main">
   <p:cSld>
     <p:spTree>
@@ -43703,7 +51861,7 @@
         <p:cNvPr id="1" name="">
           <a:extLst>
             <a:ext uri="{FF2B5EF4-FFF2-40B4-BE49-F238E27FC236}">
-              <a16:creationId xmlns:a16="http://schemas.microsoft.com/office/drawing/2014/main" id="{45A48FFA-6F75-ED75-7831-79C38632B811}"/>
+              <a16:creationId xmlns:a16="http://schemas.microsoft.com/office/drawing/2014/main" id="{6C7C37BE-77DE-5C55-AA08-52B223034005}"/>
             </a:ext>
           </a:extLst>
         </p:cNvPr>
@@ -43723,7 +51881,7 @@
           <p:cNvPr id="2" name="Segnaposto piè di pagina 1">
             <a:extLst>
               <a:ext uri="{FF2B5EF4-FFF2-40B4-BE49-F238E27FC236}">
-                <a16:creationId xmlns:a16="http://schemas.microsoft.com/office/drawing/2014/main" id="{AFFE607B-D961-BD59-0B74-873B0677BBED}"/>
+                <a16:creationId xmlns:a16="http://schemas.microsoft.com/office/drawing/2014/main" id="{5D75A1EC-BD6A-B332-383B-0AA827D542D8}"/>
               </a:ext>
             </a:extLst>
           </p:cNvPr>
@@ -43751,7 +51909,7 @@
           <p:cNvPr id="3" name="Segnaposto numero diapositiva 2">
             <a:extLst>
               <a:ext uri="{FF2B5EF4-FFF2-40B4-BE49-F238E27FC236}">
-                <a16:creationId xmlns:a16="http://schemas.microsoft.com/office/drawing/2014/main" id="{D946E8F6-6CF7-38AF-0ECA-3370A825EDAD}"/>
+                <a16:creationId xmlns:a16="http://schemas.microsoft.com/office/drawing/2014/main" id="{48856421-E8B9-F189-FD70-0D8129263FDA}"/>
               </a:ext>
             </a:extLst>
           </p:cNvPr>
@@ -43770,7 +51928,7 @@
             <a:fld id="{500E0521-425D-DD45-BED6-A99962E298FC}" type="slidenum">
               <a:rPr lang="en-GB" noProof="0" smtClean="0"/>
               <a:pPr/>
-              <a:t>14</a:t>
+              <a:t>16</a:t>
             </a:fld>
             <a:endParaRPr lang="en-GB" noProof="0" dirty="0"/>
           </a:p>
@@ -43781,7 +51939,7 @@
           <p:cNvPr id="4" name="Titolo 3">
             <a:extLst>
               <a:ext uri="{FF2B5EF4-FFF2-40B4-BE49-F238E27FC236}">
-                <a16:creationId xmlns:a16="http://schemas.microsoft.com/office/drawing/2014/main" id="{B62BD1F9-A4B0-B8FE-E030-650D8B749817}"/>
+                <a16:creationId xmlns:a16="http://schemas.microsoft.com/office/drawing/2014/main" id="{C6D3AD6F-DD5C-188F-984E-0746E5762EDE}"/>
               </a:ext>
             </a:extLst>
           </p:cNvPr>
@@ -43801,7 +51959,7 @@
           <a:p>
             <a:r>
               <a:rPr lang="en-GB" sz="1800" dirty="0"/>
-              <a:t>Step Two – No Few-Shot Results</a:t>
+              <a:t>Step Two – No Few-Shot Reduced Results</a:t>
             </a:r>
             <a:endParaRPr lang="en-GB" sz="1800" noProof="0" dirty="0"/>
           </a:p>
@@ -43812,7 +51970,7 @@
           <p:cNvPr id="7" name="Segnaposto contenuto 6">
             <a:extLst>
               <a:ext uri="{FF2B5EF4-FFF2-40B4-BE49-F238E27FC236}">
-                <a16:creationId xmlns:a16="http://schemas.microsoft.com/office/drawing/2014/main" id="{F27E807D-DAE6-E67D-EE4C-CACBC0B54AE2}"/>
+                <a16:creationId xmlns:a16="http://schemas.microsoft.com/office/drawing/2014/main" id="{FA714F44-705D-6D83-B0B8-AE5EDF220F65}"/>
               </a:ext>
             </a:extLst>
           </p:cNvPr>
@@ -43826,7 +51984,7 @@
         <p:spPr>
           <a:xfrm>
             <a:off x="257969" y="1084900"/>
-            <a:ext cx="6933406" cy="3414648"/>
+            <a:ext cx="2991668" cy="1443318"/>
           </a:xfrm>
         </p:spPr>
         <p:txBody>
@@ -43838,14 +51996,144 @@
                 <a:spcPct val="150000"/>
               </a:lnSpc>
             </a:pPr>
-            <a:endParaRPr lang="en-GB" noProof="0" dirty="0"/>
+            <a:endParaRPr lang="en-GB" dirty="0"/>
           </a:p>
         </p:txBody>
       </p:sp>
+      <p:graphicFrame>
+        <p:nvGraphicFramePr>
+          <p:cNvPr id="5" name="Chart 4">
+            <a:extLst>
+              <a:ext uri="{FF2B5EF4-FFF2-40B4-BE49-F238E27FC236}">
+                <a16:creationId xmlns:a16="http://schemas.microsoft.com/office/drawing/2014/main" id="{2F16D276-8B8B-4B43-9B6A-4F5B4219E7BE}"/>
+              </a:ext>
+            </a:extLst>
+          </p:cNvPr>
+          <p:cNvGraphicFramePr>
+            <a:graphicFrameLocks/>
+          </p:cNvGraphicFramePr>
+          <p:nvPr>
+            <p:extLst>
+              <p:ext uri="{D42A27DB-BD31-4B8C-83A1-F6EECF244321}">
+                <p14:modId xmlns:p14="http://schemas.microsoft.com/office/powerpoint/2010/main" val="1389417302"/>
+              </p:ext>
+            </p:extLst>
+          </p:nvPr>
+        </p:nvGraphicFramePr>
+        <p:xfrm>
+          <a:off x="3986757" y="2055255"/>
+          <a:ext cx="3899646" cy="1443318"/>
+        </p:xfrm>
+        <a:graphic>
+          <a:graphicData uri="http://schemas.openxmlformats.org/drawingml/2006/chart">
+            <c:chart xmlns:c="http://schemas.openxmlformats.org/drawingml/2006/chart" xmlns:r="http://schemas.openxmlformats.org/officeDocument/2006/relationships" r:id="rId2"/>
+          </a:graphicData>
+        </a:graphic>
+      </p:graphicFrame>
+      <p:pic>
+        <p:nvPicPr>
+          <p:cNvPr id="6" name="Picture 5" descr="A diagram of a computer unit test">
+            <a:extLst>
+              <a:ext uri="{FF2B5EF4-FFF2-40B4-BE49-F238E27FC236}">
+                <a16:creationId xmlns:a16="http://schemas.microsoft.com/office/drawing/2014/main" id="{94491321-8278-43C1-5D97-FF6B7C57D87C}"/>
+              </a:ext>
+            </a:extLst>
+          </p:cNvPr>
+          <p:cNvPicPr>
+            <a:picLocks noChangeAspect="1"/>
+          </p:cNvPicPr>
+          <p:nvPr/>
+        </p:nvPicPr>
+        <p:blipFill>
+          <a:blip r:embed="rId3"/>
+          <a:stretch>
+            <a:fillRect/>
+          </a:stretch>
+        </p:blipFill>
+        <p:spPr>
+          <a:xfrm>
+            <a:off x="670284" y="2822317"/>
+            <a:ext cx="2873326" cy="1715086"/>
+          </a:xfrm>
+          <a:prstGeom prst="rect">
+            <a:avLst/>
+          </a:prstGeom>
+        </p:spPr>
+      </p:pic>
+      <p:pic>
+        <p:nvPicPr>
+          <p:cNvPr id="8" name="Picture 7">
+            <a:extLst>
+              <a:ext uri="{FF2B5EF4-FFF2-40B4-BE49-F238E27FC236}">
+                <a16:creationId xmlns:a16="http://schemas.microsoft.com/office/drawing/2014/main" id="{0CE4973E-205D-5442-9A11-CF030263ED47}"/>
+              </a:ext>
+            </a:extLst>
+          </p:cNvPr>
+          <p:cNvPicPr>
+            <a:picLocks noChangeAspect="1"/>
+          </p:cNvPicPr>
+          <p:nvPr/>
+        </p:nvPicPr>
+        <p:blipFill>
+          <a:blip r:embed="rId4">
+            <a:extLst>
+              <a:ext uri="{28A0092B-C50C-407E-A947-70E740481C1C}">
+                <a14:useLocalDpi xmlns:a14="http://schemas.microsoft.com/office/drawing/2010/main" val="0"/>
+              </a:ext>
+            </a:extLst>
+          </a:blip>
+          <a:stretch>
+            <a:fillRect/>
+          </a:stretch>
+        </p:blipFill>
+        <p:spPr bwMode="auto">
+          <a:xfrm>
+            <a:off x="2056329" y="1060295"/>
+            <a:ext cx="2793758" cy="1579592"/>
+          </a:xfrm>
+          <a:prstGeom prst="rect">
+            <a:avLst/>
+          </a:prstGeom>
+          <a:noFill/>
+          <a:ln>
+            <a:noFill/>
+          </a:ln>
+        </p:spPr>
+      </p:pic>
+      <p:graphicFrame>
+        <p:nvGraphicFramePr>
+          <p:cNvPr id="9" name="Chart 8">
+            <a:extLst>
+              <a:ext uri="{FF2B5EF4-FFF2-40B4-BE49-F238E27FC236}">
+                <a16:creationId xmlns:a16="http://schemas.microsoft.com/office/drawing/2014/main" id="{602695C5-BCF8-49A9-ADC8-160BDBDB988A}"/>
+              </a:ext>
+            </a:extLst>
+          </p:cNvPr>
+          <p:cNvGraphicFramePr>
+            <a:graphicFrameLocks/>
+          </p:cNvGraphicFramePr>
+          <p:nvPr>
+            <p:extLst>
+              <p:ext uri="{D42A27DB-BD31-4B8C-83A1-F6EECF244321}">
+                <p14:modId xmlns:p14="http://schemas.microsoft.com/office/powerpoint/2010/main" val="3072016410"/>
+              </p:ext>
+            </p:extLst>
+          </p:nvPr>
+        </p:nvGraphicFramePr>
+        <p:xfrm>
+          <a:off x="3946902" y="3345230"/>
+          <a:ext cx="3897286" cy="1339675"/>
+        </p:xfrm>
+        <a:graphic>
+          <a:graphicData uri="http://schemas.openxmlformats.org/drawingml/2006/chart">
+            <c:chart xmlns:c="http://schemas.openxmlformats.org/drawingml/2006/chart" xmlns:r="http://schemas.openxmlformats.org/officeDocument/2006/relationships" r:id="rId5"/>
+          </a:graphicData>
+        </a:graphic>
+      </p:graphicFrame>
     </p:spTree>
     <p:extLst>
       <p:ext uri="{BB962C8B-B14F-4D97-AF65-F5344CB8AC3E}">
-        <p14:creationId xmlns:p14="http://schemas.microsoft.com/office/powerpoint/2010/main" val="3056983117"/>
+        <p14:creationId xmlns:p14="http://schemas.microsoft.com/office/powerpoint/2010/main" val="3984981294"/>
       </p:ext>
     </p:extLst>
   </p:cSld>
@@ -43855,7 +52143,7 @@
 </p:sld>
 </file>
 
-<file path=ppt/slides/slide15.xml><?xml version="1.0" encoding="utf-8"?>
+<file path=ppt/slides/slide17.xml><?xml version="1.0" encoding="utf-8"?>
 <p:sld xmlns:a="http://schemas.openxmlformats.org/drawingml/2006/main" xmlns:r="http://schemas.openxmlformats.org/officeDocument/2006/relationships" xmlns:p="http://schemas.openxmlformats.org/presentationml/2006/main">
   <p:cSld>
     <p:spTree>
@@ -43930,7 +52218,7 @@
             <a:fld id="{500E0521-425D-DD45-BED6-A99962E298FC}" type="slidenum">
               <a:rPr lang="en-GB" noProof="0" smtClean="0"/>
               <a:pPr/>
-              <a:t>15</a:t>
+              <a:t>17</a:t>
             </a:fld>
             <a:endParaRPr lang="en-GB" noProof="0" dirty="0"/>
           </a:p>
@@ -44014,7 +52302,7 @@
 </p:sld>
 </file>
 
-<file path=ppt/slides/slide16.xml><?xml version="1.0" encoding="utf-8"?>
+<file path=ppt/slides/slide18.xml><?xml version="1.0" encoding="utf-8"?>
 <p:sld xmlns:a="http://schemas.openxmlformats.org/drawingml/2006/main" xmlns:r="http://schemas.openxmlformats.org/officeDocument/2006/relationships" xmlns:p="http://schemas.openxmlformats.org/presentationml/2006/main">
   <p:cSld>
     <p:spTree>
@@ -44694,279 +52982,6 @@
           <p:cNvPr id="2" name="Segnaposto piè di pagina 1">
             <a:extLst>
               <a:ext uri="{FF2B5EF4-FFF2-40B4-BE49-F238E27FC236}">
-                <a16:creationId xmlns:a16="http://schemas.microsoft.com/office/drawing/2014/main" id="{988C26CA-2695-000F-575F-C414855CBBFC}"/>
-              </a:ext>
-            </a:extLst>
-          </p:cNvPr>
-          <p:cNvSpPr>
-            <a:spLocks noGrp="1"/>
-          </p:cNvSpPr>
-          <p:nvPr>
-            <p:ph type="ftr" sz="quarter" idx="3"/>
-          </p:nvPr>
-        </p:nvSpPr>
-        <p:spPr/>
-        <p:txBody>
-          <a:bodyPr/>
-          <a:lstStyle/>
-          <a:p>
-            <a:r>
-              <a:rPr lang="en-GB" noProof="0" dirty="0"/>
-              <a:t>Reference</a:t>
-            </a:r>
-          </a:p>
-        </p:txBody>
-      </p:sp>
-      <p:sp>
-        <p:nvSpPr>
-          <p:cNvPr id="3" name="Segnaposto numero diapositiva 2">
-            <a:extLst>
-              <a:ext uri="{FF2B5EF4-FFF2-40B4-BE49-F238E27FC236}">
-                <a16:creationId xmlns:a16="http://schemas.microsoft.com/office/drawing/2014/main" id="{7F9A45F7-3490-2D86-6B77-F9E58517D477}"/>
-              </a:ext>
-            </a:extLst>
-          </p:cNvPr>
-          <p:cNvSpPr>
-            <a:spLocks noGrp="1"/>
-          </p:cNvSpPr>
-          <p:nvPr>
-            <p:ph type="sldNum" sz="quarter" idx="4"/>
-          </p:nvPr>
-        </p:nvSpPr>
-        <p:spPr/>
-        <p:txBody>
-          <a:bodyPr/>
-          <a:lstStyle/>
-          <a:p>
-            <a:fld id="{500E0521-425D-DD45-BED6-A99962E298FC}" type="slidenum">
-              <a:rPr lang="en-GB" noProof="0" smtClean="0"/>
-              <a:pPr/>
-              <a:t>4</a:t>
-            </a:fld>
-            <a:endParaRPr lang="en-GB" noProof="0" dirty="0"/>
-          </a:p>
-        </p:txBody>
-      </p:sp>
-      <p:sp>
-        <p:nvSpPr>
-          <p:cNvPr id="4" name="Titolo 3">
-            <a:extLst>
-              <a:ext uri="{FF2B5EF4-FFF2-40B4-BE49-F238E27FC236}">
-                <a16:creationId xmlns:a16="http://schemas.microsoft.com/office/drawing/2014/main" id="{C041DDB8-2270-CCFA-745D-71B530F38416}"/>
-              </a:ext>
-            </a:extLst>
-          </p:cNvPr>
-          <p:cNvSpPr>
-            <a:spLocks noGrp="1"/>
-          </p:cNvSpPr>
-          <p:nvPr>
-            <p:ph type="title"/>
-          </p:nvPr>
-        </p:nvSpPr>
-        <p:spPr/>
-        <p:txBody>
-          <a:bodyPr>
-            <a:normAutofit/>
-          </a:bodyPr>
-          <a:lstStyle/>
-          <a:p>
-            <a:r>
-              <a:rPr lang="en-GB" sz="1800" dirty="0"/>
-              <a:t>Step One – </a:t>
-            </a:r>
-            <a:r>
-              <a:rPr lang="en-GB" sz="1800" noProof="0" dirty="0"/>
-              <a:t>Preliminary Activities</a:t>
-            </a:r>
-          </a:p>
-        </p:txBody>
-      </p:sp>
-      <p:sp>
-        <p:nvSpPr>
-          <p:cNvPr id="8" name="Segnaposto contenuto 6">
-            <a:extLst>
-              <a:ext uri="{FF2B5EF4-FFF2-40B4-BE49-F238E27FC236}">
-                <a16:creationId xmlns:a16="http://schemas.microsoft.com/office/drawing/2014/main" id="{299563E3-B976-E0FF-AB5D-7FD3B6C2C7AA}"/>
-              </a:ext>
-            </a:extLst>
-          </p:cNvPr>
-          <p:cNvSpPr>
-            <a:spLocks noGrp="1"/>
-          </p:cNvSpPr>
-          <p:nvPr>
-            <p:ph idx="26"/>
-          </p:nvPr>
-        </p:nvSpPr>
-        <p:spPr>
-          <a:xfrm>
-            <a:off x="257968" y="1084900"/>
-            <a:ext cx="7430025" cy="3414648"/>
-          </a:xfrm>
-        </p:spPr>
-        <p:txBody>
-          <a:bodyPr>
-            <a:normAutofit/>
-          </a:bodyPr>
-          <a:lstStyle/>
-          <a:p>
-            <a:pPr>
-              <a:buNone/>
-            </a:pPr>
-            <a:r>
-              <a:rPr lang="en-GB" b="1" noProof="0" dirty="0"/>
-              <a:t>State of the Art &amp; Literature Review</a:t>
-            </a:r>
-          </a:p>
-          <a:p>
-            <a:pPr>
-              <a:buFont typeface="Arial" panose="020B0604020202020204" pitchFamily="34" charset="0"/>
-              <a:buChar char="•"/>
-            </a:pPr>
-            <a:r>
-              <a:rPr lang="en-GB" noProof="0" dirty="0"/>
-              <a:t>Analysis of academic publications, technical articles, and white papers on:</a:t>
-            </a:r>
-          </a:p>
-          <a:p>
-            <a:pPr marL="742950" lvl="1" indent="-285750">
-              <a:buFont typeface="Arial" panose="020B0604020202020204" pitchFamily="34" charset="0"/>
-              <a:buChar char="•"/>
-            </a:pPr>
-            <a:r>
-              <a:rPr lang="en-GB" noProof="0" dirty="0"/>
-              <a:t>Hardware diagnostics</a:t>
-            </a:r>
-          </a:p>
-          <a:p>
-            <a:pPr marL="742950" lvl="1" indent="-285750">
-              <a:buFont typeface="Arial" panose="020B0604020202020204" pitchFamily="34" charset="0"/>
-              <a:buChar char="•"/>
-            </a:pPr>
-            <a:r>
-              <a:rPr lang="en-GB" noProof="0" dirty="0"/>
-              <a:t>LLMs applied to unstructured data analysis</a:t>
-            </a:r>
-          </a:p>
-          <a:p>
-            <a:pPr marL="742950" lvl="1" indent="-285750">
-              <a:buFont typeface="Arial" panose="020B0604020202020204" pitchFamily="34" charset="0"/>
-              <a:buChar char="•"/>
-            </a:pPr>
-            <a:r>
-              <a:rPr lang="en-GB" noProof="0" dirty="0"/>
-              <a:t>LLMs for fault detection</a:t>
-            </a:r>
-          </a:p>
-          <a:p>
-            <a:pPr marL="742950" lvl="1" indent="-285750">
-              <a:buFont typeface="Arial" panose="020B0604020202020204" pitchFamily="34" charset="0"/>
-              <a:buChar char="•"/>
-            </a:pPr>
-            <a:r>
-              <a:rPr lang="en-GB" noProof="0" dirty="0"/>
-              <a:t>Anomaly detection and fault isolation techniques</a:t>
-            </a:r>
-          </a:p>
-          <a:p>
-            <a:pPr>
-              <a:buFont typeface="Arial" panose="020B0604020202020204" pitchFamily="34" charset="0"/>
-              <a:buChar char="•"/>
-            </a:pPr>
-            <a:r>
-              <a:rPr lang="en-GB" noProof="0" dirty="0"/>
-              <a:t>Fault isolation, identification of best practices and current limitations in existing solutions</a:t>
-            </a:r>
-          </a:p>
-          <a:p>
-            <a:pPr>
-              <a:buNone/>
-            </a:pPr>
-            <a:endParaRPr lang="en-GB" b="1" noProof="0" dirty="0"/>
-          </a:p>
-          <a:p>
-            <a:pPr>
-              <a:buNone/>
-            </a:pPr>
-            <a:r>
-              <a:rPr lang="en-GB" b="1" noProof="0" dirty="0"/>
-              <a:t>Prompt Engineering </a:t>
-            </a:r>
-          </a:p>
-          <a:p>
-            <a:r>
-              <a:rPr lang="en-GB" dirty="0"/>
-              <a:t>In-Context Learning</a:t>
-            </a:r>
-          </a:p>
-          <a:p>
-            <a:pPr>
-              <a:buNone/>
-            </a:pPr>
-            <a:endParaRPr lang="en-GB" noProof="0" dirty="0"/>
-          </a:p>
-          <a:p>
-            <a:pPr>
-              <a:buNone/>
-            </a:pPr>
-            <a:r>
-              <a:rPr lang="en-GB" b="1" noProof="0" dirty="0"/>
-              <a:t>Technological Evaluation</a:t>
-            </a:r>
-          </a:p>
-          <a:p>
-            <a:pPr>
-              <a:buFont typeface="Arial" panose="020B0604020202020204" pitchFamily="34" charset="0"/>
-              <a:buChar char="•"/>
-            </a:pPr>
-            <a:r>
-              <a:rPr lang="en-GB" noProof="0" dirty="0"/>
-              <a:t>Comparison of existing LLMs: Llama3.2-3B-Instuct, Phi-4-mini-reasoning, Mistral-7B-Instruct-V0.3</a:t>
-            </a:r>
-          </a:p>
-          <a:p>
-            <a:pPr>
-              <a:buFont typeface="Arial" panose="020B0604020202020204" pitchFamily="34" charset="0"/>
-              <a:buChar char="•"/>
-            </a:pPr>
-            <a:endParaRPr lang="en-GB" noProof="0" dirty="0"/>
-          </a:p>
-        </p:txBody>
-      </p:sp>
-    </p:spTree>
-    <p:extLst>
-      <p:ext uri="{BB962C8B-B14F-4D97-AF65-F5344CB8AC3E}">
-        <p14:creationId xmlns:p14="http://schemas.microsoft.com/office/powerpoint/2010/main" val="149665698"/>
-      </p:ext>
-    </p:extLst>
-  </p:cSld>
-  <p:clrMapOvr>
-    <a:masterClrMapping/>
-  </p:clrMapOvr>
-</p:sld>
-</file>
-
-<file path=ppt/slides/slide5.xml><?xml version="1.0" encoding="utf-8"?>
-<p:sld xmlns:a="http://schemas.openxmlformats.org/drawingml/2006/main" xmlns:r="http://schemas.openxmlformats.org/officeDocument/2006/relationships" xmlns:p="http://schemas.openxmlformats.org/presentationml/2006/main">
-  <p:cSld>
-    <p:spTree>
-      <p:nvGrpSpPr>
-        <p:cNvPr id="1" name=""/>
-        <p:cNvGrpSpPr/>
-        <p:nvPr/>
-      </p:nvGrpSpPr>
-      <p:grpSpPr>
-        <a:xfrm>
-          <a:off x="0" y="0"/>
-          <a:ext cx="0" cy="0"/>
-          <a:chOff x="0" y="0"/>
-          <a:chExt cx="0" cy="0"/>
-        </a:xfrm>
-      </p:grpSpPr>
-      <p:sp>
-        <p:nvSpPr>
-          <p:cNvPr id="2" name="Segnaposto piè di pagina 1">
-            <a:extLst>
-              <a:ext uri="{FF2B5EF4-FFF2-40B4-BE49-F238E27FC236}">
                 <a16:creationId xmlns:a16="http://schemas.microsoft.com/office/drawing/2014/main" id="{6002430C-EAB4-8247-7D26-1139B373DDB5}"/>
               </a:ext>
             </a:extLst>
@@ -45014,7 +53029,7 @@
             <a:fld id="{500E0521-425D-DD45-BED6-A99962E298FC}" type="slidenum">
               <a:rPr lang="en-GB" noProof="0" smtClean="0"/>
               <a:pPr/>
-              <a:t>5</a:t>
+              <a:t>4</a:t>
             </a:fld>
             <a:endParaRPr lang="en-GB" noProof="0" dirty="0"/>
           </a:p>
@@ -45043,14 +53058,6 @@
           </a:bodyPr>
           <a:lstStyle/>
           <a:p>
-            <a:r>
-              <a:rPr lang="en-GB" sz="1800" noProof="0" dirty="0"/>
-              <a:t>Step </a:t>
-            </a:r>
-            <a:r>
-              <a:rPr lang="en-GB" sz="1800" dirty="0"/>
-              <a:t>One – </a:t>
-            </a:r>
             <a:r>
               <a:rPr lang="en-GB" sz="1800" noProof="0" dirty="0"/>
               <a:t>Sample System </a:t>
@@ -51807,6 +59814,279 @@
 </p:sld>
 </file>
 
+<file path=ppt/slides/slide5.xml><?xml version="1.0" encoding="utf-8"?>
+<p:sld xmlns:a="http://schemas.openxmlformats.org/drawingml/2006/main" xmlns:r="http://schemas.openxmlformats.org/officeDocument/2006/relationships" xmlns:p="http://schemas.openxmlformats.org/presentationml/2006/main">
+  <p:cSld>
+    <p:spTree>
+      <p:nvGrpSpPr>
+        <p:cNvPr id="1" name=""/>
+        <p:cNvGrpSpPr/>
+        <p:nvPr/>
+      </p:nvGrpSpPr>
+      <p:grpSpPr>
+        <a:xfrm>
+          <a:off x="0" y="0"/>
+          <a:ext cx="0" cy="0"/>
+          <a:chOff x="0" y="0"/>
+          <a:chExt cx="0" cy="0"/>
+        </a:xfrm>
+      </p:grpSpPr>
+      <p:sp>
+        <p:nvSpPr>
+          <p:cNvPr id="2" name="Segnaposto piè di pagina 1">
+            <a:extLst>
+              <a:ext uri="{FF2B5EF4-FFF2-40B4-BE49-F238E27FC236}">
+                <a16:creationId xmlns:a16="http://schemas.microsoft.com/office/drawing/2014/main" id="{988C26CA-2695-000F-575F-C414855CBBFC}"/>
+              </a:ext>
+            </a:extLst>
+          </p:cNvPr>
+          <p:cNvSpPr>
+            <a:spLocks noGrp="1"/>
+          </p:cNvSpPr>
+          <p:nvPr>
+            <p:ph type="ftr" sz="quarter" idx="3"/>
+          </p:nvPr>
+        </p:nvSpPr>
+        <p:spPr/>
+        <p:txBody>
+          <a:bodyPr/>
+          <a:lstStyle/>
+          <a:p>
+            <a:r>
+              <a:rPr lang="en-GB" noProof="0" dirty="0"/>
+              <a:t>Reference</a:t>
+            </a:r>
+          </a:p>
+        </p:txBody>
+      </p:sp>
+      <p:sp>
+        <p:nvSpPr>
+          <p:cNvPr id="3" name="Segnaposto numero diapositiva 2">
+            <a:extLst>
+              <a:ext uri="{FF2B5EF4-FFF2-40B4-BE49-F238E27FC236}">
+                <a16:creationId xmlns:a16="http://schemas.microsoft.com/office/drawing/2014/main" id="{7F9A45F7-3490-2D86-6B77-F9E58517D477}"/>
+              </a:ext>
+            </a:extLst>
+          </p:cNvPr>
+          <p:cNvSpPr>
+            <a:spLocks noGrp="1"/>
+          </p:cNvSpPr>
+          <p:nvPr>
+            <p:ph type="sldNum" sz="quarter" idx="4"/>
+          </p:nvPr>
+        </p:nvSpPr>
+        <p:spPr/>
+        <p:txBody>
+          <a:bodyPr/>
+          <a:lstStyle/>
+          <a:p>
+            <a:fld id="{500E0521-425D-DD45-BED6-A99962E298FC}" type="slidenum">
+              <a:rPr lang="en-GB" noProof="0" smtClean="0"/>
+              <a:pPr/>
+              <a:t>5</a:t>
+            </a:fld>
+            <a:endParaRPr lang="en-GB" noProof="0" dirty="0"/>
+          </a:p>
+        </p:txBody>
+      </p:sp>
+      <p:sp>
+        <p:nvSpPr>
+          <p:cNvPr id="4" name="Titolo 3">
+            <a:extLst>
+              <a:ext uri="{FF2B5EF4-FFF2-40B4-BE49-F238E27FC236}">
+                <a16:creationId xmlns:a16="http://schemas.microsoft.com/office/drawing/2014/main" id="{C041DDB8-2270-CCFA-745D-71B530F38416}"/>
+              </a:ext>
+            </a:extLst>
+          </p:cNvPr>
+          <p:cNvSpPr>
+            <a:spLocks noGrp="1"/>
+          </p:cNvSpPr>
+          <p:nvPr>
+            <p:ph type="title"/>
+          </p:nvPr>
+        </p:nvSpPr>
+        <p:spPr/>
+        <p:txBody>
+          <a:bodyPr>
+            <a:normAutofit/>
+          </a:bodyPr>
+          <a:lstStyle/>
+          <a:p>
+            <a:r>
+              <a:rPr lang="en-GB" sz="1800" dirty="0"/>
+              <a:t>Step One – </a:t>
+            </a:r>
+            <a:r>
+              <a:rPr lang="en-GB" sz="1800" noProof="0" dirty="0"/>
+              <a:t>Preliminary Activities</a:t>
+            </a:r>
+          </a:p>
+        </p:txBody>
+      </p:sp>
+      <p:sp>
+        <p:nvSpPr>
+          <p:cNvPr id="8" name="Segnaposto contenuto 6">
+            <a:extLst>
+              <a:ext uri="{FF2B5EF4-FFF2-40B4-BE49-F238E27FC236}">
+                <a16:creationId xmlns:a16="http://schemas.microsoft.com/office/drawing/2014/main" id="{299563E3-B976-E0FF-AB5D-7FD3B6C2C7AA}"/>
+              </a:ext>
+            </a:extLst>
+          </p:cNvPr>
+          <p:cNvSpPr>
+            <a:spLocks noGrp="1"/>
+          </p:cNvSpPr>
+          <p:nvPr>
+            <p:ph idx="26"/>
+          </p:nvPr>
+        </p:nvSpPr>
+        <p:spPr>
+          <a:xfrm>
+            <a:off x="257968" y="1084900"/>
+            <a:ext cx="7430025" cy="3414648"/>
+          </a:xfrm>
+        </p:spPr>
+        <p:txBody>
+          <a:bodyPr>
+            <a:normAutofit/>
+          </a:bodyPr>
+          <a:lstStyle/>
+          <a:p>
+            <a:pPr>
+              <a:buNone/>
+            </a:pPr>
+            <a:r>
+              <a:rPr lang="en-GB" b="1" noProof="0" dirty="0"/>
+              <a:t>State of the Art &amp; Literature Review</a:t>
+            </a:r>
+          </a:p>
+          <a:p>
+            <a:pPr>
+              <a:buFont typeface="Arial" panose="020B0604020202020204" pitchFamily="34" charset="0"/>
+              <a:buChar char="•"/>
+            </a:pPr>
+            <a:r>
+              <a:rPr lang="en-GB" noProof="0" dirty="0"/>
+              <a:t>Analysis of academic publications, technical articles, and white papers on:</a:t>
+            </a:r>
+          </a:p>
+          <a:p>
+            <a:pPr marL="742950" lvl="1" indent="-285750">
+              <a:buFont typeface="Arial" panose="020B0604020202020204" pitchFamily="34" charset="0"/>
+              <a:buChar char="•"/>
+            </a:pPr>
+            <a:r>
+              <a:rPr lang="en-GB" noProof="0" dirty="0"/>
+              <a:t>Hardware diagnostics</a:t>
+            </a:r>
+          </a:p>
+          <a:p>
+            <a:pPr marL="742950" lvl="1" indent="-285750">
+              <a:buFont typeface="Arial" panose="020B0604020202020204" pitchFamily="34" charset="0"/>
+              <a:buChar char="•"/>
+            </a:pPr>
+            <a:r>
+              <a:rPr lang="en-GB" noProof="0" dirty="0"/>
+              <a:t>LLMs applied to unstructured data analysis</a:t>
+            </a:r>
+          </a:p>
+          <a:p>
+            <a:pPr marL="742950" lvl="1" indent="-285750">
+              <a:buFont typeface="Arial" panose="020B0604020202020204" pitchFamily="34" charset="0"/>
+              <a:buChar char="•"/>
+            </a:pPr>
+            <a:r>
+              <a:rPr lang="en-GB" noProof="0" dirty="0"/>
+              <a:t>LLMs for fault detection</a:t>
+            </a:r>
+          </a:p>
+          <a:p>
+            <a:pPr marL="742950" lvl="1" indent="-285750">
+              <a:buFont typeface="Arial" panose="020B0604020202020204" pitchFamily="34" charset="0"/>
+              <a:buChar char="•"/>
+            </a:pPr>
+            <a:r>
+              <a:rPr lang="en-GB" noProof="0" dirty="0"/>
+              <a:t>Anomaly detection and fault isolation techniques</a:t>
+            </a:r>
+          </a:p>
+          <a:p>
+            <a:pPr>
+              <a:buFont typeface="Arial" panose="020B0604020202020204" pitchFamily="34" charset="0"/>
+              <a:buChar char="•"/>
+            </a:pPr>
+            <a:r>
+              <a:rPr lang="en-GB" noProof="0" dirty="0"/>
+              <a:t>Fault isolation, identification of best practices and current limitations in existing solutions</a:t>
+            </a:r>
+          </a:p>
+          <a:p>
+            <a:pPr>
+              <a:buNone/>
+            </a:pPr>
+            <a:endParaRPr lang="en-GB" b="1" noProof="0" dirty="0"/>
+          </a:p>
+          <a:p>
+            <a:pPr>
+              <a:buNone/>
+            </a:pPr>
+            <a:r>
+              <a:rPr lang="en-GB" b="1" noProof="0" dirty="0"/>
+              <a:t>Prompt Engineering </a:t>
+            </a:r>
+          </a:p>
+          <a:p>
+            <a:r>
+              <a:rPr lang="en-GB" dirty="0"/>
+              <a:t>In-Context Learning to teach the system architecture and how to reply</a:t>
+            </a:r>
+          </a:p>
+          <a:p>
+            <a:pPr>
+              <a:buNone/>
+            </a:pPr>
+            <a:endParaRPr lang="en-GB" noProof="0" dirty="0"/>
+          </a:p>
+          <a:p>
+            <a:pPr>
+              <a:buNone/>
+            </a:pPr>
+            <a:r>
+              <a:rPr lang="en-GB" b="1" noProof="0" dirty="0"/>
+              <a:t>Technological Evaluation</a:t>
+            </a:r>
+          </a:p>
+          <a:p>
+            <a:pPr>
+              <a:buFont typeface="Arial" panose="020B0604020202020204" pitchFamily="34" charset="0"/>
+              <a:buChar char="•"/>
+            </a:pPr>
+            <a:r>
+              <a:rPr lang="en-GB" noProof="0" dirty="0"/>
+              <a:t>Comparison of existing LLMs: Llama3.2-3B-Instuct, Phi-4-mini-reasoning, Mistral-7B-Instruct-V0.3</a:t>
+            </a:r>
+          </a:p>
+          <a:p>
+            <a:pPr>
+              <a:buFont typeface="Arial" panose="020B0604020202020204" pitchFamily="34" charset="0"/>
+              <a:buChar char="•"/>
+            </a:pPr>
+            <a:endParaRPr lang="en-GB" noProof="0" dirty="0"/>
+          </a:p>
+        </p:txBody>
+      </p:sp>
+    </p:spTree>
+    <p:extLst>
+      <p:ext uri="{BB962C8B-B14F-4D97-AF65-F5344CB8AC3E}">
+        <p14:creationId xmlns:p14="http://schemas.microsoft.com/office/powerpoint/2010/main" val="149665698"/>
+      </p:ext>
+    </p:extLst>
+  </p:cSld>
+  <p:clrMapOvr>
+    <a:masterClrMapping/>
+  </p:clrMapOvr>
+</p:sld>
+</file>
+
 <file path=ppt/slides/slide6.xml><?xml version="1.0" encoding="utf-8"?>
 <p:sld xmlns:a="http://schemas.openxmlformats.org/drawingml/2006/main" xmlns:r="http://schemas.openxmlformats.org/officeDocument/2006/relationships" xmlns:p="http://schemas.openxmlformats.org/presentationml/2006/main">
   <p:cSld>
@@ -52211,7 +60491,7 @@
         <p:spPr>
           <a:xfrm>
             <a:off x="610364" y="2673450"/>
-            <a:ext cx="2866708" cy="2073275"/>
+            <a:ext cx="2926158" cy="2116271"/>
           </a:xfrm>
           <a:prstGeom prst="rect">
             <a:avLst/>
@@ -52409,7 +60689,10 @@
                 <a:spcPct val="150000"/>
               </a:lnSpc>
             </a:pPr>
-            <a:endParaRPr lang="en-GB" noProof="0" dirty="0"/>
+            <a:r>
+              <a:rPr lang="en-GB" noProof="0" dirty="0"/>
+              <a:t>A larger context (prompt/input) reduces the model performance</a:t>
+            </a:r>
           </a:p>
         </p:txBody>
       </p:sp>
@@ -52551,13 +60834,13 @@
           <p:nvPr>
             <p:extLst>
               <p:ext uri="{D42A27DB-BD31-4B8C-83A1-F6EECF244321}">
-                <p14:modId xmlns:p14="http://schemas.microsoft.com/office/powerpoint/2010/main" val="3112186358"/>
+                <p14:modId xmlns:p14="http://schemas.microsoft.com/office/powerpoint/2010/main" val="2911793555"/>
               </p:ext>
             </p:extLst>
           </p:nvPr>
         </p:nvGraphicFramePr>
         <p:xfrm>
-          <a:off x="757896" y="1687829"/>
+          <a:off x="273845" y="969133"/>
           <a:ext cx="1780149" cy="1843161"/>
         </p:xfrm>
         <a:graphic>
@@ -52579,18 +60862,108 @@
           <p:nvPr>
             <p:extLst>
               <p:ext uri="{D42A27DB-BD31-4B8C-83A1-F6EECF244321}">
-                <p14:modId xmlns:p14="http://schemas.microsoft.com/office/powerpoint/2010/main" val="2758418826"/>
+                <p14:modId xmlns:p14="http://schemas.microsoft.com/office/powerpoint/2010/main" val="3277768377"/>
               </p:ext>
             </p:extLst>
           </p:nvPr>
         </p:nvGraphicFramePr>
         <p:xfrm>
-          <a:off x="2538045" y="1687830"/>
+          <a:off x="2053994" y="969133"/>
           <a:ext cx="4067911" cy="1843160"/>
         </p:xfrm>
         <a:graphic>
           <a:graphicData uri="http://schemas.openxmlformats.org/drawingml/2006/chart">
             <c:chart xmlns:c="http://schemas.openxmlformats.org/drawingml/2006/chart" xmlns:r="http://schemas.openxmlformats.org/officeDocument/2006/relationships" r:id="rId3"/>
+          </a:graphicData>
+        </a:graphic>
+      </p:graphicFrame>
+      <p:graphicFrame>
+        <p:nvGraphicFramePr>
+          <p:cNvPr id="7" name="Chart 6">
+            <a:extLst>
+              <a:ext uri="{FF2B5EF4-FFF2-40B4-BE49-F238E27FC236}">
+                <a16:creationId xmlns:a16="http://schemas.microsoft.com/office/drawing/2014/main" id="{16C7FEB2-19A6-40C2-A7FD-039352FCCEAB}"/>
+              </a:ext>
+            </a:extLst>
+          </p:cNvPr>
+          <p:cNvGraphicFramePr>
+            <a:graphicFrameLocks/>
+          </p:cNvGraphicFramePr>
+          <p:nvPr>
+            <p:extLst>
+              <p:ext uri="{D42A27DB-BD31-4B8C-83A1-F6EECF244321}">
+                <p14:modId xmlns:p14="http://schemas.microsoft.com/office/powerpoint/2010/main" val="1570575171"/>
+              </p:ext>
+            </p:extLst>
+          </p:nvPr>
+        </p:nvGraphicFramePr>
+        <p:xfrm>
+          <a:off x="0" y="3130061"/>
+          <a:ext cx="2504049" cy="1427827"/>
+        </p:xfrm>
+        <a:graphic>
+          <a:graphicData uri="http://schemas.openxmlformats.org/drawingml/2006/chart">
+            <c:chart xmlns:c="http://schemas.openxmlformats.org/drawingml/2006/chart" xmlns:r="http://schemas.openxmlformats.org/officeDocument/2006/relationships" r:id="rId4"/>
+          </a:graphicData>
+        </a:graphic>
+      </p:graphicFrame>
+      <p:graphicFrame>
+        <p:nvGraphicFramePr>
+          <p:cNvPr id="8" name="Chart 7">
+            <a:extLst>
+              <a:ext uri="{FF2B5EF4-FFF2-40B4-BE49-F238E27FC236}">
+                <a16:creationId xmlns:a16="http://schemas.microsoft.com/office/drawing/2014/main" id="{C9A059D1-44D4-43E0-BE03-B18B49B890D9}"/>
+              </a:ext>
+            </a:extLst>
+          </p:cNvPr>
+          <p:cNvGraphicFramePr>
+            <a:graphicFrameLocks/>
+          </p:cNvGraphicFramePr>
+          <p:nvPr>
+            <p:extLst>
+              <p:ext uri="{D42A27DB-BD31-4B8C-83A1-F6EECF244321}">
+                <p14:modId xmlns:p14="http://schemas.microsoft.com/office/powerpoint/2010/main" val="3446925000"/>
+              </p:ext>
+            </p:extLst>
+          </p:nvPr>
+        </p:nvGraphicFramePr>
+        <p:xfrm>
+          <a:off x="2504049" y="3130060"/>
+          <a:ext cx="2759423" cy="1427828"/>
+        </p:xfrm>
+        <a:graphic>
+          <a:graphicData uri="http://schemas.openxmlformats.org/drawingml/2006/chart">
+            <c:chart xmlns:c="http://schemas.openxmlformats.org/drawingml/2006/chart" xmlns:r="http://schemas.openxmlformats.org/officeDocument/2006/relationships" r:id="rId5"/>
+          </a:graphicData>
+        </a:graphic>
+      </p:graphicFrame>
+      <p:graphicFrame>
+        <p:nvGraphicFramePr>
+          <p:cNvPr id="9" name="Chart 8">
+            <a:extLst>
+              <a:ext uri="{FF2B5EF4-FFF2-40B4-BE49-F238E27FC236}">
+                <a16:creationId xmlns:a16="http://schemas.microsoft.com/office/drawing/2014/main" id="{F56FA808-CCB9-49D9-9A9D-36BB333DB75D}"/>
+              </a:ext>
+            </a:extLst>
+          </p:cNvPr>
+          <p:cNvGraphicFramePr>
+            <a:graphicFrameLocks/>
+          </p:cNvGraphicFramePr>
+          <p:nvPr>
+            <p:extLst>
+              <p:ext uri="{D42A27DB-BD31-4B8C-83A1-F6EECF244321}">
+                <p14:modId xmlns:p14="http://schemas.microsoft.com/office/powerpoint/2010/main" val="3100714371"/>
+              </p:ext>
+            </p:extLst>
+          </p:nvPr>
+        </p:nvGraphicFramePr>
+        <p:xfrm>
+          <a:off x="5263472" y="3130060"/>
+          <a:ext cx="3092169" cy="1427829"/>
+        </p:xfrm>
+        <a:graphic>
+          <a:graphicData uri="http://schemas.openxmlformats.org/drawingml/2006/chart">
+            <c:chart xmlns:c="http://schemas.openxmlformats.org/drawingml/2006/chart" xmlns:r="http://schemas.openxmlformats.org/officeDocument/2006/relationships" r:id="rId6"/>
           </a:graphicData>
         </a:graphic>
       </p:graphicFrame>
